--- a/assets/lectures/cshl/2019/mini/RNASeq_MiniLecture_01_01_FASTA_FASTQ_GTF.pptx
+++ b/assets/lectures/cshl/2019/mini/RNASeq_MiniLecture_01_01_FASTA_FASTQ_GTF.pptx
@@ -2,13 +2,13 @@
 <file path=ppt/presentation.xml><?xml version="1.0" encoding="utf-8"?>
 <p:presentation xmlns:a="http://schemas.openxmlformats.org/drawingml/2006/main" xmlns:r="http://schemas.openxmlformats.org/officeDocument/2006/relationships" xmlns:p="http://schemas.openxmlformats.org/presentationml/2006/main" saveSubsetFonts="1" autoCompressPictures="0">
   <p:sldMasterIdLst>
-    <p:sldMasterId id="2147483660" r:id="rId1"/>
+    <p:sldMasterId id="2147483688" r:id="rId1"/>
   </p:sldMasterIdLst>
   <p:notesMasterIdLst>
     <p:notesMasterId r:id="rId10"/>
   </p:notesMasterIdLst>
   <p:sldIdLst>
-    <p:sldId id="259" r:id="rId2"/>
+    <p:sldId id="515" r:id="rId2"/>
     <p:sldId id="314" r:id="rId3"/>
     <p:sldId id="262" r:id="rId4"/>
     <p:sldId id="316" r:id="rId5"/>
@@ -23,7 +23,7 @@
     <a:defPPr>
       <a:defRPr lang="en-US"/>
     </a:defPPr>
-    <a:lvl1pPr marL="0" algn="l" defTabSz="914400" rtl="0" eaLnBrk="1" latinLnBrk="0" hangingPunct="1">
+    <a:lvl1pPr marL="0" algn="l" defTabSz="457200" rtl="0" eaLnBrk="1" latinLnBrk="0" hangingPunct="1">
       <a:defRPr sz="1800" kern="1200">
         <a:solidFill>
           <a:schemeClr val="tx1"/>
@@ -33,7 +33,7 @@
         <a:cs typeface="+mn-cs"/>
       </a:defRPr>
     </a:lvl1pPr>
-    <a:lvl2pPr marL="457200" algn="l" defTabSz="914400" rtl="0" eaLnBrk="1" latinLnBrk="0" hangingPunct="1">
+    <a:lvl2pPr marL="457200" algn="l" defTabSz="457200" rtl="0" eaLnBrk="1" latinLnBrk="0" hangingPunct="1">
       <a:defRPr sz="1800" kern="1200">
         <a:solidFill>
           <a:schemeClr val="tx1"/>
@@ -43,7 +43,7 @@
         <a:cs typeface="+mn-cs"/>
       </a:defRPr>
     </a:lvl2pPr>
-    <a:lvl3pPr marL="914400" algn="l" defTabSz="914400" rtl="0" eaLnBrk="1" latinLnBrk="0" hangingPunct="1">
+    <a:lvl3pPr marL="914400" algn="l" defTabSz="457200" rtl="0" eaLnBrk="1" latinLnBrk="0" hangingPunct="1">
       <a:defRPr sz="1800" kern="1200">
         <a:solidFill>
           <a:schemeClr val="tx1"/>
@@ -53,7 +53,7 @@
         <a:cs typeface="+mn-cs"/>
       </a:defRPr>
     </a:lvl3pPr>
-    <a:lvl4pPr marL="1371600" algn="l" defTabSz="914400" rtl="0" eaLnBrk="1" latinLnBrk="0" hangingPunct="1">
+    <a:lvl4pPr marL="1371600" algn="l" defTabSz="457200" rtl="0" eaLnBrk="1" latinLnBrk="0" hangingPunct="1">
       <a:defRPr sz="1800" kern="1200">
         <a:solidFill>
           <a:schemeClr val="tx1"/>
@@ -63,7 +63,7 @@
         <a:cs typeface="+mn-cs"/>
       </a:defRPr>
     </a:lvl4pPr>
-    <a:lvl5pPr marL="1828800" algn="l" defTabSz="914400" rtl="0" eaLnBrk="1" latinLnBrk="0" hangingPunct="1">
+    <a:lvl5pPr marL="1828800" algn="l" defTabSz="457200" rtl="0" eaLnBrk="1" latinLnBrk="0" hangingPunct="1">
       <a:defRPr sz="1800" kern="1200">
         <a:solidFill>
           <a:schemeClr val="tx1"/>
@@ -73,7 +73,7 @@
         <a:cs typeface="+mn-cs"/>
       </a:defRPr>
     </a:lvl5pPr>
-    <a:lvl6pPr marL="2286000" algn="l" defTabSz="914400" rtl="0" eaLnBrk="1" latinLnBrk="0" hangingPunct="1">
+    <a:lvl6pPr marL="2286000" algn="l" defTabSz="457200" rtl="0" eaLnBrk="1" latinLnBrk="0" hangingPunct="1">
       <a:defRPr sz="1800" kern="1200">
         <a:solidFill>
           <a:schemeClr val="tx1"/>
@@ -83,7 +83,7 @@
         <a:cs typeface="+mn-cs"/>
       </a:defRPr>
     </a:lvl6pPr>
-    <a:lvl7pPr marL="2743200" algn="l" defTabSz="914400" rtl="0" eaLnBrk="1" latinLnBrk="0" hangingPunct="1">
+    <a:lvl7pPr marL="2743200" algn="l" defTabSz="457200" rtl="0" eaLnBrk="1" latinLnBrk="0" hangingPunct="1">
       <a:defRPr sz="1800" kern="1200">
         <a:solidFill>
           <a:schemeClr val="tx1"/>
@@ -93,7 +93,7 @@
         <a:cs typeface="+mn-cs"/>
       </a:defRPr>
     </a:lvl7pPr>
-    <a:lvl8pPr marL="3200400" algn="l" defTabSz="914400" rtl="0" eaLnBrk="1" latinLnBrk="0" hangingPunct="1">
+    <a:lvl8pPr marL="3200400" algn="l" defTabSz="457200" rtl="0" eaLnBrk="1" latinLnBrk="0" hangingPunct="1">
       <a:defRPr sz="1800" kern="1200">
         <a:solidFill>
           <a:schemeClr val="tx1"/>
@@ -103,7 +103,7 @@
         <a:cs typeface="+mn-cs"/>
       </a:defRPr>
     </a:lvl8pPr>
-    <a:lvl9pPr marL="3657600" algn="l" defTabSz="914400" rtl="0" eaLnBrk="1" latinLnBrk="0" hangingPunct="1">
+    <a:lvl9pPr marL="3657600" algn="l" defTabSz="457200" rtl="0" eaLnBrk="1" latinLnBrk="0" hangingPunct="1">
       <a:defRPr sz="1800" kern="1200">
         <a:solidFill>
           <a:schemeClr val="tx1"/>
@@ -204,7 +204,7 @@
           <a:p>
             <a:fld id="{827BD9F9-8452-A342-BB1B-28ECF19E2CC5}" type="datetimeFigureOut">
               <a:rPr lang="en-US" smtClean="0"/>
-              <a:t>6/10/19</a:t>
+              <a:t>11/5/19</a:t>
             </a:fld>
             <a:endParaRPr lang="en-US"/>
           </a:p>
@@ -498,7 +498,12 @@
             <p:ph type="sldImg"/>
           </p:nvPr>
         </p:nvSpPr>
-        <p:spPr/>
+        <p:spPr>
+          <a:xfrm>
+            <a:off x="685800" y="1143000"/>
+            <a:ext cx="5486400" cy="3086100"/>
+          </a:xfrm>
+        </p:spPr>
       </p:sp>
       <p:sp>
         <p:nvSpPr>
@@ -621,7 +626,12 @@
             <p:ph type="sldImg"/>
           </p:nvPr>
         </p:nvSpPr>
-        <p:spPr/>
+        <p:spPr>
+          <a:xfrm>
+            <a:off x="685800" y="1143000"/>
+            <a:ext cx="5486400" cy="3086100"/>
+          </a:xfrm>
+        </p:spPr>
       </p:sp>
       <p:sp>
         <p:nvSpPr>
@@ -721,7 +731,12 @@
             <p:ph type="sldImg"/>
           </p:nvPr>
         </p:nvSpPr>
-        <p:spPr/>
+        <p:spPr>
+          <a:xfrm>
+            <a:off x="685800" y="1143000"/>
+            <a:ext cx="5486400" cy="3086100"/>
+          </a:xfrm>
+        </p:spPr>
       </p:sp>
       <p:sp>
         <p:nvSpPr>
@@ -1040,13 +1055,7 @@
       </p:grpSpPr>
       <p:sp>
         <p:nvSpPr>
-          <p:cNvPr id="2" name="Title 1">
-            <a:extLst>
-              <a:ext uri="{FF2B5EF4-FFF2-40B4-BE49-F238E27FC236}">
-                <a16:creationId xmlns:a16="http://schemas.microsoft.com/office/drawing/2014/main" id="{86545848-7DFC-6C40-B1F8-16CDFB28A4BC}"/>
-              </a:ext>
-            </a:extLst>
-          </p:cNvPr>
+          <p:cNvPr id="2" name="Title 1"/>
           <p:cNvSpPr>
             <a:spLocks noGrp="1"/>
           </p:cNvSpPr>
@@ -1072,18 +1081,13 @@
               <a:rPr lang="en-US"/>
               <a:t>Click to edit Master title style</a:t>
             </a:r>
-          </a:p>
-        </p:txBody>
-      </p:sp>
-      <p:sp>
-        <p:nvSpPr>
-          <p:cNvPr id="3" name="Subtitle 2">
-            <a:extLst>
-              <a:ext uri="{FF2B5EF4-FFF2-40B4-BE49-F238E27FC236}">
-                <a16:creationId xmlns:a16="http://schemas.microsoft.com/office/drawing/2014/main" id="{D80C4B80-37CE-B14F-B889-FE8A6C8F2E7D}"/>
-              </a:ext>
-            </a:extLst>
-          </p:cNvPr>
+            <a:endParaRPr lang="en-US" dirty="0"/>
+          </a:p>
+        </p:txBody>
+      </p:sp>
+      <p:sp>
+        <p:nvSpPr>
+          <p:cNvPr id="3" name="Subtitle 2"/>
           <p:cNvSpPr>
             <a:spLocks noGrp="1"/>
           </p:cNvSpPr>
@@ -1142,18 +1146,55 @@
               <a:rPr lang="en-US"/>
               <a:t>Click to edit Master subtitle style</a:t>
             </a:r>
-          </a:p>
-        </p:txBody>
-      </p:sp>
-      <p:sp>
-        <p:nvSpPr>
-          <p:cNvPr id="6" name="Slide Number Placeholder 5">
-            <a:extLst>
-              <a:ext uri="{FF2B5EF4-FFF2-40B4-BE49-F238E27FC236}">
-                <a16:creationId xmlns:a16="http://schemas.microsoft.com/office/drawing/2014/main" id="{D7256FAD-87EC-594B-B262-2B748B57FD14}"/>
-              </a:ext>
-            </a:extLst>
-          </p:cNvPr>
+            <a:endParaRPr lang="en-US" dirty="0"/>
+          </a:p>
+        </p:txBody>
+      </p:sp>
+      <p:sp>
+        <p:nvSpPr>
+          <p:cNvPr id="4" name="Date Placeholder 3"/>
+          <p:cNvSpPr>
+            <a:spLocks noGrp="1"/>
+          </p:cNvSpPr>
+          <p:nvPr>
+            <p:ph type="dt" sz="half" idx="10"/>
+          </p:nvPr>
+        </p:nvSpPr>
+        <p:spPr/>
+        <p:txBody>
+          <a:bodyPr/>
+          <a:lstStyle/>
+          <a:p>
+            <a:fld id="{C764DE79-268F-4C1A-8933-263129D2AF90}" type="datetimeFigureOut">
+              <a:rPr lang="en-US" smtClean="0"/>
+              <a:t>11/5/19</a:t>
+            </a:fld>
+            <a:endParaRPr lang="en-US" dirty="0"/>
+          </a:p>
+        </p:txBody>
+      </p:sp>
+      <p:sp>
+        <p:nvSpPr>
+          <p:cNvPr id="5" name="Footer Placeholder 4"/>
+          <p:cNvSpPr>
+            <a:spLocks noGrp="1"/>
+          </p:cNvSpPr>
+          <p:nvPr>
+            <p:ph type="ftr" sz="quarter" idx="11"/>
+          </p:nvPr>
+        </p:nvSpPr>
+        <p:spPr/>
+        <p:txBody>
+          <a:bodyPr/>
+          <a:lstStyle/>
+          <a:p>
+            <a:endParaRPr lang="en-US" dirty="0"/>
+          </a:p>
+        </p:txBody>
+      </p:sp>
+      <p:sp>
+        <p:nvSpPr>
+          <p:cNvPr id="6" name="Slide Number Placeholder 5"/>
           <p:cNvSpPr>
             <a:spLocks noGrp="1"/>
           </p:cNvSpPr>
@@ -1179,7 +1220,7 @@
           <p:cNvPr id="7" name="Rectangle 6">
             <a:extLst>
               <a:ext uri="{FF2B5EF4-FFF2-40B4-BE49-F238E27FC236}">
-                <a16:creationId xmlns:a16="http://schemas.microsoft.com/office/drawing/2014/main" id="{715D8FD2-7081-5447-BFEF-BD64EF32B157}"/>
+                <a16:creationId xmlns:a16="http://schemas.microsoft.com/office/drawing/2014/main" id="{24615875-1AE6-CC48-9CDA-83B4DB9E01BD}"/>
               </a:ext>
             </a:extLst>
           </p:cNvPr>
@@ -1230,7 +1271,7 @@
               </a:spcAft>
               <a:defRPr/>
             </a:pPr>
-            <a:endParaRPr lang="en-US" sz="1800" dirty="0"/>
+            <a:endParaRPr lang="en-US" sz="1350" dirty="0"/>
           </a:p>
         </p:txBody>
       </p:sp>
@@ -1239,7 +1280,7 @@
           <p:cNvPr id="8" name="Picture 7" descr="bioinformatics.ca-logo-white-text.png">
             <a:extLst>
               <a:ext uri="{FF2B5EF4-FFF2-40B4-BE49-F238E27FC236}">
-                <a16:creationId xmlns:a16="http://schemas.microsoft.com/office/drawing/2014/main" id="{9874B523-0CD5-BC4D-B685-3BCCBF624BF4}"/>
+                <a16:creationId xmlns:a16="http://schemas.microsoft.com/office/drawing/2014/main" id="{11D896CE-44C8-344D-9219-FA152FFCCCF6}"/>
               </a:ext>
             </a:extLst>
           </p:cNvPr>
@@ -1263,7 +1304,7 @@
         </p:blipFill>
         <p:spPr bwMode="auto">
           <a:xfrm>
-            <a:off x="76200" y="1656599"/>
+            <a:off x="76202" y="1656599"/>
             <a:ext cx="1729740" cy="727826"/>
           </a:xfrm>
           <a:prstGeom prst="rect">
@@ -1297,7 +1338,7 @@
     </p:spTree>
     <p:extLst>
       <p:ext uri="{BB962C8B-B14F-4D97-AF65-F5344CB8AC3E}">
-        <p14:creationId xmlns:p14="http://schemas.microsoft.com/office/powerpoint/2010/main" val="1896301431"/>
+        <p14:creationId xmlns:p14="http://schemas.microsoft.com/office/powerpoint/2010/main" val="3716461704"/>
       </p:ext>
     </p:extLst>
   </p:cSld>
@@ -1326,13 +1367,7 @@
       </p:grpSpPr>
       <p:sp>
         <p:nvSpPr>
-          <p:cNvPr id="2" name="Title 1">
-            <a:extLst>
-              <a:ext uri="{FF2B5EF4-FFF2-40B4-BE49-F238E27FC236}">
-                <a16:creationId xmlns:a16="http://schemas.microsoft.com/office/drawing/2014/main" id="{1132A315-2FF6-0449-93D6-96342D9860B5}"/>
-              </a:ext>
-            </a:extLst>
-          </p:cNvPr>
+          <p:cNvPr id="2" name="Title 1"/>
           <p:cNvSpPr>
             <a:spLocks noGrp="1"/>
           </p:cNvSpPr>
@@ -1349,18 +1384,13 @@
               <a:rPr lang="en-US"/>
               <a:t>Click to edit Master title style</a:t>
             </a:r>
-          </a:p>
-        </p:txBody>
-      </p:sp>
-      <p:sp>
-        <p:nvSpPr>
-          <p:cNvPr id="3" name="Vertical Text Placeholder 2">
-            <a:extLst>
-              <a:ext uri="{FF2B5EF4-FFF2-40B4-BE49-F238E27FC236}">
-                <a16:creationId xmlns:a16="http://schemas.microsoft.com/office/drawing/2014/main" id="{1A5E6CFA-28AB-B748-AE92-1FF1FB3DE9E6}"/>
-              </a:ext>
-            </a:extLst>
-          </p:cNvPr>
+            <a:endParaRPr lang="en-US" dirty="0"/>
+          </a:p>
+        </p:txBody>
+      </p:sp>
+      <p:sp>
+        <p:nvSpPr>
+          <p:cNvPr id="3" name="Vertical Text Placeholder 2"/>
           <p:cNvSpPr>
             <a:spLocks noGrp="1"/>
           </p:cNvSpPr>
@@ -1376,7 +1406,7 @@
             <a:pPr lvl="0"/>
             <a:r>
               <a:rPr lang="en-US"/>
-              <a:t>Edit Master text styles</a:t>
+              <a:t>Click to edit Master text styles</a:t>
             </a:r>
           </a:p>
           <a:p>
@@ -1406,18 +1436,55 @@
               <a:rPr lang="en-US"/>
               <a:t>Fifth level</a:t>
             </a:r>
-          </a:p>
-        </p:txBody>
-      </p:sp>
-      <p:sp>
-        <p:nvSpPr>
-          <p:cNvPr id="6" name="Slide Number Placeholder 5">
-            <a:extLst>
-              <a:ext uri="{FF2B5EF4-FFF2-40B4-BE49-F238E27FC236}">
-                <a16:creationId xmlns:a16="http://schemas.microsoft.com/office/drawing/2014/main" id="{CE0222C1-21B6-E14F-9F34-4E0C4221C434}"/>
-              </a:ext>
-            </a:extLst>
-          </p:cNvPr>
+            <a:endParaRPr lang="en-US" dirty="0"/>
+          </a:p>
+        </p:txBody>
+      </p:sp>
+      <p:sp>
+        <p:nvSpPr>
+          <p:cNvPr id="4" name="Date Placeholder 3"/>
+          <p:cNvSpPr>
+            <a:spLocks noGrp="1"/>
+          </p:cNvSpPr>
+          <p:nvPr>
+            <p:ph type="dt" sz="half" idx="10"/>
+          </p:nvPr>
+        </p:nvSpPr>
+        <p:spPr/>
+        <p:txBody>
+          <a:bodyPr/>
+          <a:lstStyle/>
+          <a:p>
+            <a:fld id="{C764DE79-268F-4C1A-8933-263129D2AF90}" type="datetimeFigureOut">
+              <a:rPr lang="en-US" smtClean="0"/>
+              <a:t>11/5/19</a:t>
+            </a:fld>
+            <a:endParaRPr lang="en-US" dirty="0"/>
+          </a:p>
+        </p:txBody>
+      </p:sp>
+      <p:sp>
+        <p:nvSpPr>
+          <p:cNvPr id="5" name="Footer Placeholder 4"/>
+          <p:cNvSpPr>
+            <a:spLocks noGrp="1"/>
+          </p:cNvSpPr>
+          <p:nvPr>
+            <p:ph type="ftr" sz="quarter" idx="11"/>
+          </p:nvPr>
+        </p:nvSpPr>
+        <p:spPr/>
+        <p:txBody>
+          <a:bodyPr/>
+          <a:lstStyle/>
+          <a:p>
+            <a:endParaRPr lang="en-US" dirty="0"/>
+          </a:p>
+        </p:txBody>
+      </p:sp>
+      <p:sp>
+        <p:nvSpPr>
+          <p:cNvPr id="6" name="Slide Number Placeholder 5"/>
           <p:cNvSpPr>
             <a:spLocks noGrp="1"/>
           </p:cNvSpPr>
@@ -1441,7 +1508,7 @@
     </p:spTree>
     <p:extLst>
       <p:ext uri="{BB962C8B-B14F-4D97-AF65-F5344CB8AC3E}">
-        <p14:creationId xmlns:p14="http://schemas.microsoft.com/office/powerpoint/2010/main" val="453827572"/>
+        <p14:creationId xmlns:p14="http://schemas.microsoft.com/office/powerpoint/2010/main" val="1519710735"/>
       </p:ext>
     </p:extLst>
   </p:cSld>
@@ -1470,13 +1537,7 @@
       </p:grpSpPr>
       <p:sp>
         <p:nvSpPr>
-          <p:cNvPr id="2" name="Vertical Title 1">
-            <a:extLst>
-              <a:ext uri="{FF2B5EF4-FFF2-40B4-BE49-F238E27FC236}">
-                <a16:creationId xmlns:a16="http://schemas.microsoft.com/office/drawing/2014/main" id="{75329849-B648-BF40-BC0C-E39A8FDA9F0C}"/>
-              </a:ext>
-            </a:extLst>
-          </p:cNvPr>
+          <p:cNvPr id="2" name="Vertical Title 1"/>
           <p:cNvSpPr>
             <a:spLocks noGrp="1"/>
           </p:cNvSpPr>
@@ -1498,18 +1559,13 @@
               <a:rPr lang="en-US"/>
               <a:t>Click to edit Master title style</a:t>
             </a:r>
-          </a:p>
-        </p:txBody>
-      </p:sp>
-      <p:sp>
-        <p:nvSpPr>
-          <p:cNvPr id="3" name="Vertical Text Placeholder 2">
-            <a:extLst>
-              <a:ext uri="{FF2B5EF4-FFF2-40B4-BE49-F238E27FC236}">
-                <a16:creationId xmlns:a16="http://schemas.microsoft.com/office/drawing/2014/main" id="{8041A42D-2964-F94E-ABD6-AF0DA39EEF42}"/>
-              </a:ext>
-            </a:extLst>
-          </p:cNvPr>
+            <a:endParaRPr lang="en-US" dirty="0"/>
+          </a:p>
+        </p:txBody>
+      </p:sp>
+      <p:sp>
+        <p:nvSpPr>
+          <p:cNvPr id="3" name="Vertical Text Placeholder 2"/>
           <p:cNvSpPr>
             <a:spLocks noGrp="1"/>
           </p:cNvSpPr>
@@ -1530,7 +1586,7 @@
             <a:pPr lvl="0"/>
             <a:r>
               <a:rPr lang="en-US"/>
-              <a:t>Edit Master text styles</a:t>
+              <a:t>Click to edit Master text styles</a:t>
             </a:r>
           </a:p>
           <a:p>
@@ -1560,18 +1616,55 @@
               <a:rPr lang="en-US"/>
               <a:t>Fifth level</a:t>
             </a:r>
-          </a:p>
-        </p:txBody>
-      </p:sp>
-      <p:sp>
-        <p:nvSpPr>
-          <p:cNvPr id="6" name="Slide Number Placeholder 5">
-            <a:extLst>
-              <a:ext uri="{FF2B5EF4-FFF2-40B4-BE49-F238E27FC236}">
-                <a16:creationId xmlns:a16="http://schemas.microsoft.com/office/drawing/2014/main" id="{C4C2FCA7-7A48-5E4F-BC6A-8A3BDBEAC3C1}"/>
-              </a:ext>
-            </a:extLst>
-          </p:cNvPr>
+            <a:endParaRPr lang="en-US" dirty="0"/>
+          </a:p>
+        </p:txBody>
+      </p:sp>
+      <p:sp>
+        <p:nvSpPr>
+          <p:cNvPr id="4" name="Date Placeholder 3"/>
+          <p:cNvSpPr>
+            <a:spLocks noGrp="1"/>
+          </p:cNvSpPr>
+          <p:nvPr>
+            <p:ph type="dt" sz="half" idx="10"/>
+          </p:nvPr>
+        </p:nvSpPr>
+        <p:spPr/>
+        <p:txBody>
+          <a:bodyPr/>
+          <a:lstStyle/>
+          <a:p>
+            <a:fld id="{C764DE79-268F-4C1A-8933-263129D2AF90}" type="datetimeFigureOut">
+              <a:rPr lang="en-US" smtClean="0"/>
+              <a:t>11/5/19</a:t>
+            </a:fld>
+            <a:endParaRPr lang="en-US" dirty="0"/>
+          </a:p>
+        </p:txBody>
+      </p:sp>
+      <p:sp>
+        <p:nvSpPr>
+          <p:cNvPr id="5" name="Footer Placeholder 4"/>
+          <p:cNvSpPr>
+            <a:spLocks noGrp="1"/>
+          </p:cNvSpPr>
+          <p:nvPr>
+            <p:ph type="ftr" sz="quarter" idx="11"/>
+          </p:nvPr>
+        </p:nvSpPr>
+        <p:spPr/>
+        <p:txBody>
+          <a:bodyPr/>
+          <a:lstStyle/>
+          <a:p>
+            <a:endParaRPr lang="en-US" dirty="0"/>
+          </a:p>
+        </p:txBody>
+      </p:sp>
+      <p:sp>
+        <p:nvSpPr>
+          <p:cNvPr id="6" name="Slide Number Placeholder 5"/>
           <p:cNvSpPr>
             <a:spLocks noGrp="1"/>
           </p:cNvSpPr>
@@ -1595,7 +1688,7 @@
     </p:spTree>
     <p:extLst>
       <p:ext uri="{BB962C8B-B14F-4D97-AF65-F5344CB8AC3E}">
-        <p14:creationId xmlns:p14="http://schemas.microsoft.com/office/powerpoint/2010/main" val="805641276"/>
+        <p14:creationId xmlns:p14="http://schemas.microsoft.com/office/powerpoint/2010/main" val="2209466256"/>
       </p:ext>
     </p:extLst>
   </p:cSld>
@@ -1606,6 +1699,145 @@
 </file>
 
 <file path=ppt/slideLayouts/slideLayout12.xml><?xml version="1.0" encoding="utf-8"?>
+<p:sldLayout xmlns:a="http://schemas.openxmlformats.org/drawingml/2006/main" xmlns:r="http://schemas.openxmlformats.org/officeDocument/2006/relationships" xmlns:p="http://schemas.openxmlformats.org/presentationml/2006/main" userDrawn="1">
+  <p:cSld name="Title">
+    <p:spTree>
+      <p:nvGrpSpPr>
+        <p:cNvPr id="1" name=""/>
+        <p:cNvGrpSpPr/>
+        <p:nvPr/>
+      </p:nvGrpSpPr>
+      <p:grpSpPr>
+        <a:xfrm>
+          <a:off x="0" y="0"/>
+          <a:ext cx="0" cy="0"/>
+          <a:chOff x="0" y="0"/>
+          <a:chExt cx="0" cy="0"/>
+        </a:xfrm>
+      </p:grpSpPr>
+      <p:sp>
+        <p:nvSpPr>
+          <p:cNvPr id="2" name="Rectangle 1"/>
+          <p:cNvSpPr/>
+          <p:nvPr userDrawn="1"/>
+        </p:nvSpPr>
+        <p:spPr>
+          <a:xfrm>
+            <a:off x="0" y="0"/>
+            <a:ext cx="12192000" cy="2514600"/>
+          </a:xfrm>
+          <a:prstGeom prst="rect">
+            <a:avLst/>
+          </a:prstGeom>
+          <a:solidFill>
+            <a:schemeClr val="tx1"/>
+          </a:solidFill>
+          <a:ln>
+            <a:noFill/>
+          </a:ln>
+        </p:spPr>
+        <p:style>
+          <a:lnRef idx="2">
+            <a:schemeClr val="accent1">
+              <a:shade val="50000"/>
+            </a:schemeClr>
+          </a:lnRef>
+          <a:fillRef idx="1">
+            <a:schemeClr val="accent1"/>
+          </a:fillRef>
+          <a:effectRef idx="0">
+            <a:schemeClr val="accent1"/>
+          </a:effectRef>
+          <a:fontRef idx="minor">
+            <a:schemeClr val="lt1"/>
+          </a:fontRef>
+        </p:style>
+        <p:txBody>
+          <a:bodyPr anchor="ctr"/>
+          <a:lstStyle/>
+          <a:p>
+            <a:pPr algn="ctr">
+              <a:defRPr/>
+            </a:pPr>
+            <a:endParaRPr lang="en-US" sz="1350">
+              <a:solidFill>
+                <a:srgbClr val="FFFFFF"/>
+              </a:solidFill>
+              <a:latin typeface="Segoe UI" charset="0"/>
+              <a:ea typeface="ＭＳ Ｐゴシック" charset="0"/>
+              <a:cs typeface="ＭＳ Ｐゴシック" charset="0"/>
+            </a:endParaRPr>
+          </a:p>
+        </p:txBody>
+      </p:sp>
+      <p:pic>
+        <p:nvPicPr>
+          <p:cNvPr id="3" name="Picture 7" descr="cshl_logo_alternate rgb.png"/>
+          <p:cNvPicPr>
+            <a:picLocks noChangeAspect="1"/>
+          </p:cNvPicPr>
+          <p:nvPr userDrawn="1"/>
+        </p:nvPicPr>
+        <p:blipFill>
+          <a:blip r:embed="rId2">
+            <a:extLst>
+              <a:ext uri="{28A0092B-C50C-407E-A947-70E740481C1C}">
+                <a14:useLocalDpi xmlns:a14="http://schemas.microsoft.com/office/drawing/2010/main" val="0"/>
+              </a:ext>
+            </a:extLst>
+          </a:blip>
+          <a:srcRect/>
+          <a:stretch>
+            <a:fillRect/>
+          </a:stretch>
+        </p:blipFill>
+        <p:spPr bwMode="auto">
+          <a:xfrm>
+            <a:off x="400052" y="381000"/>
+            <a:ext cx="4679949" cy="1676400"/>
+          </a:xfrm>
+          <a:prstGeom prst="rect">
+            <a:avLst/>
+          </a:prstGeom>
+          <a:noFill/>
+          <a:ln>
+            <a:noFill/>
+          </a:ln>
+          <a:extLst>
+            <a:ext uri="{909E8E84-426E-40dd-AFC4-6F175D3DCCD1}">
+              <a14:hiddenFill xmlns:a14="http://schemas.microsoft.com/office/drawing/2010/main" xmlns="">
+                <a:solidFill>
+                  <a:srgbClr val="FFFFFF"/>
+                </a:solidFill>
+              </a14:hiddenFill>
+            </a:ext>
+            <a:ext uri="{91240B29-F687-4f45-9708-019B960494DF}">
+              <a14:hiddenLine xmlns:a14="http://schemas.microsoft.com/office/drawing/2010/main" xmlns="" w="9525">
+                <a:solidFill>
+                  <a:srgbClr val="000000"/>
+                </a:solidFill>
+                <a:miter lim="800000"/>
+                <a:headEnd/>
+                <a:tailEnd/>
+              </a14:hiddenLine>
+            </a:ext>
+          </a:extLst>
+        </p:spPr>
+      </p:pic>
+    </p:spTree>
+    <p:extLst>
+      <p:ext uri="{BB962C8B-B14F-4D97-AF65-F5344CB8AC3E}">
+        <p14:creationId xmlns:p14="http://schemas.microsoft.com/office/powerpoint/2010/main" val="1582645929"/>
+      </p:ext>
+    </p:extLst>
+  </p:cSld>
+  <p:clrMapOvr>
+    <a:masterClrMapping/>
+  </p:clrMapOvr>
+</p:sldLayout>
+</file>
+
+<file path=ppt/slideLayouts/slideLayout13.xml><?xml version="1.0" encoding="utf-8"?>
 <p:sldLayout xmlns:a="http://schemas.openxmlformats.org/drawingml/2006/main" xmlns:r="http://schemas.openxmlformats.org/officeDocument/2006/relationships" xmlns:p="http://schemas.openxmlformats.org/presentationml/2006/main" userDrawn="1">
   <p:cSld name="Content">
     <p:spTree>
@@ -1666,7 +1898,7 @@
             <a:pPr algn="ctr">
               <a:defRPr/>
             </a:pPr>
-            <a:endParaRPr lang="en-US" sz="1800">
+            <a:endParaRPr lang="en-US" sz="1350">
               <a:solidFill>
                 <a:srgbClr val="FFFFFF"/>
               </a:solidFill>
@@ -1685,8 +1917,8 @@
         </p:nvSpPr>
         <p:spPr>
           <a:xfrm>
-            <a:off x="101600" y="6429375"/>
-            <a:ext cx="8940800" cy="400050"/>
+            <a:off x="101600" y="6429379"/>
+            <a:ext cx="8940800" cy="323165"/>
           </a:xfrm>
           <a:prstGeom prst="rect">
             <a:avLst/>
@@ -1810,7 +2042,7 @@
               <a:defRPr/>
             </a:pPr>
             <a:r>
-              <a:rPr lang="en-US" sz="2000" b="1">
+              <a:rPr lang="en-US" sz="1500" b="1">
                 <a:solidFill>
                   <a:schemeClr val="bg1"/>
                 </a:solidFill>
@@ -1830,8 +2062,8 @@
         </p:nvSpPr>
         <p:spPr>
           <a:xfrm>
-            <a:off x="8229600" y="6477000"/>
-            <a:ext cx="3860800" cy="338138"/>
+            <a:off x="8229600" y="6477004"/>
+            <a:ext cx="3860800" cy="276999"/>
           </a:xfrm>
           <a:prstGeom prst="rect">
             <a:avLst/>
@@ -1955,12 +2187,12 @@
               <a:defRPr/>
             </a:pPr>
             <a:r>
-              <a:rPr lang="en-US" sz="1600" b="1">
+              <a:rPr lang="en-US" sz="1200" b="1">
                 <a:cs typeface="Arial" charset="0"/>
               </a:rPr>
               <a:t>http://meetings.cshl.edu/</a:t>
             </a:r>
-            <a:endParaRPr lang="en-US" sz="1600">
+            <a:endParaRPr lang="en-US" sz="1200">
               <a:cs typeface="Arial" charset="0"/>
             </a:endParaRPr>
           </a:p>
@@ -1986,31 +2218,31 @@
           <a:bodyPr/>
           <a:lstStyle>
             <a:lvl1pPr>
-              <a:defRPr sz="2800">
+              <a:defRPr sz="2100">
                 <a:latin typeface="Calibri"/>
                 <a:cs typeface="Calibri"/>
               </a:defRPr>
             </a:lvl1pPr>
             <a:lvl2pPr>
-              <a:defRPr sz="2400">
+              <a:defRPr sz="1800">
                 <a:latin typeface="Calibri"/>
                 <a:cs typeface="Calibri"/>
               </a:defRPr>
             </a:lvl2pPr>
             <a:lvl3pPr>
-              <a:defRPr sz="2000">
+              <a:defRPr sz="1500">
                 <a:latin typeface="Calibri"/>
                 <a:cs typeface="Calibri"/>
               </a:defRPr>
             </a:lvl3pPr>
             <a:lvl4pPr>
-              <a:defRPr sz="1800">
+              <a:defRPr sz="1350">
                 <a:latin typeface="Calibri"/>
                 <a:cs typeface="Calibri"/>
               </a:defRPr>
             </a:lvl4pPr>
             <a:lvl5pPr>
-              <a:defRPr sz="1800">
+              <a:defRPr sz="1350">
                 <a:latin typeface="Calibri"/>
                 <a:cs typeface="Calibri"/>
               </a:defRPr>
@@ -2085,13 +2317,7 @@
       </p:grpSpPr>
       <p:sp>
         <p:nvSpPr>
-          <p:cNvPr id="2" name="Title 1">
-            <a:extLst>
-              <a:ext uri="{FF2B5EF4-FFF2-40B4-BE49-F238E27FC236}">
-                <a16:creationId xmlns:a16="http://schemas.microsoft.com/office/drawing/2014/main" id="{26204983-FF57-3A4F-A50C-F9933F0EF3B0}"/>
-              </a:ext>
-            </a:extLst>
-          </p:cNvPr>
+          <p:cNvPr id="2" name="Title 1"/>
           <p:cNvSpPr>
             <a:spLocks noGrp="1"/>
           </p:cNvSpPr>
@@ -2108,18 +2334,13 @@
               <a:rPr lang="en-US"/>
               <a:t>Click to edit Master title style</a:t>
             </a:r>
-          </a:p>
-        </p:txBody>
-      </p:sp>
-      <p:sp>
-        <p:nvSpPr>
-          <p:cNvPr id="3" name="Content Placeholder 2">
-            <a:extLst>
-              <a:ext uri="{FF2B5EF4-FFF2-40B4-BE49-F238E27FC236}">
-                <a16:creationId xmlns:a16="http://schemas.microsoft.com/office/drawing/2014/main" id="{E8B265CB-057E-5147-B720-C8DDCC860D47}"/>
-              </a:ext>
-            </a:extLst>
-          </p:cNvPr>
+            <a:endParaRPr lang="en-US" dirty="0"/>
+          </a:p>
+        </p:txBody>
+      </p:sp>
+      <p:sp>
+        <p:nvSpPr>
+          <p:cNvPr id="3" name="Content Placeholder 2"/>
           <p:cNvSpPr>
             <a:spLocks noGrp="1"/>
           </p:cNvSpPr>
@@ -2135,7 +2356,7 @@
             <a:pPr lvl="0"/>
             <a:r>
               <a:rPr lang="en-US"/>
-              <a:t>Edit Master text styles</a:t>
+              <a:t>Click to edit Master text styles</a:t>
             </a:r>
           </a:p>
           <a:p>
@@ -2165,18 +2386,55 @@
               <a:rPr lang="en-US"/>
               <a:t>Fifth level</a:t>
             </a:r>
-          </a:p>
-        </p:txBody>
-      </p:sp>
-      <p:sp>
-        <p:nvSpPr>
-          <p:cNvPr id="6" name="Slide Number Placeholder 5">
-            <a:extLst>
-              <a:ext uri="{FF2B5EF4-FFF2-40B4-BE49-F238E27FC236}">
-                <a16:creationId xmlns:a16="http://schemas.microsoft.com/office/drawing/2014/main" id="{BBA7E5F7-C396-4941-BBC4-7BEAF927C071}"/>
-              </a:ext>
-            </a:extLst>
-          </p:cNvPr>
+            <a:endParaRPr lang="en-US" dirty="0"/>
+          </a:p>
+        </p:txBody>
+      </p:sp>
+      <p:sp>
+        <p:nvSpPr>
+          <p:cNvPr id="4" name="Date Placeholder 3"/>
+          <p:cNvSpPr>
+            <a:spLocks noGrp="1"/>
+          </p:cNvSpPr>
+          <p:nvPr>
+            <p:ph type="dt" sz="half" idx="10"/>
+          </p:nvPr>
+        </p:nvSpPr>
+        <p:spPr/>
+        <p:txBody>
+          <a:bodyPr/>
+          <a:lstStyle/>
+          <a:p>
+            <a:fld id="{C764DE79-268F-4C1A-8933-263129D2AF90}" type="datetimeFigureOut">
+              <a:rPr lang="en-US" smtClean="0"/>
+              <a:t>11/5/19</a:t>
+            </a:fld>
+            <a:endParaRPr lang="en-US" dirty="0"/>
+          </a:p>
+        </p:txBody>
+      </p:sp>
+      <p:sp>
+        <p:nvSpPr>
+          <p:cNvPr id="5" name="Footer Placeholder 4"/>
+          <p:cNvSpPr>
+            <a:spLocks noGrp="1"/>
+          </p:cNvSpPr>
+          <p:nvPr>
+            <p:ph type="ftr" sz="quarter" idx="11"/>
+          </p:nvPr>
+        </p:nvSpPr>
+        <p:spPr/>
+        <p:txBody>
+          <a:bodyPr/>
+          <a:lstStyle/>
+          <a:p>
+            <a:endParaRPr lang="en-US" dirty="0"/>
+          </a:p>
+        </p:txBody>
+      </p:sp>
+      <p:sp>
+        <p:nvSpPr>
+          <p:cNvPr id="6" name="Slide Number Placeholder 5"/>
           <p:cNvSpPr>
             <a:spLocks noGrp="1"/>
           </p:cNvSpPr>
@@ -2200,7 +2458,7 @@
     </p:spTree>
     <p:extLst>
       <p:ext uri="{BB962C8B-B14F-4D97-AF65-F5344CB8AC3E}">
-        <p14:creationId xmlns:p14="http://schemas.microsoft.com/office/powerpoint/2010/main" val="1952203419"/>
+        <p14:creationId xmlns:p14="http://schemas.microsoft.com/office/powerpoint/2010/main" val="3018770239"/>
       </p:ext>
     </p:extLst>
   </p:cSld>
@@ -2229,13 +2487,7 @@
       </p:grpSpPr>
       <p:sp>
         <p:nvSpPr>
-          <p:cNvPr id="2" name="Title 1">
-            <a:extLst>
-              <a:ext uri="{FF2B5EF4-FFF2-40B4-BE49-F238E27FC236}">
-                <a16:creationId xmlns:a16="http://schemas.microsoft.com/office/drawing/2014/main" id="{A7D0A621-739C-C746-8F29-9D6CFEEA4FAE}"/>
-              </a:ext>
-            </a:extLst>
-          </p:cNvPr>
+          <p:cNvPr id="2" name="Title 1"/>
           <p:cNvSpPr>
             <a:spLocks noGrp="1"/>
           </p:cNvSpPr>
@@ -2261,18 +2513,13 @@
               <a:rPr lang="en-US"/>
               <a:t>Click to edit Master title style</a:t>
             </a:r>
-          </a:p>
-        </p:txBody>
-      </p:sp>
-      <p:sp>
-        <p:nvSpPr>
-          <p:cNvPr id="3" name="Text Placeholder 2">
-            <a:extLst>
-              <a:ext uri="{FF2B5EF4-FFF2-40B4-BE49-F238E27FC236}">
-                <a16:creationId xmlns:a16="http://schemas.microsoft.com/office/drawing/2014/main" id="{34704B73-4058-7C40-98C2-4104D91876C2}"/>
-              </a:ext>
-            </a:extLst>
-          </p:cNvPr>
+            <a:endParaRPr lang="en-US" dirty="0"/>
+          </a:p>
+        </p:txBody>
+      </p:sp>
+      <p:sp>
+        <p:nvSpPr>
+          <p:cNvPr id="3" name="Text Placeholder 2"/>
           <p:cNvSpPr>
             <a:spLocks noGrp="1"/>
           </p:cNvSpPr>
@@ -2384,20 +2631,56 @@
             <a:pPr lvl="0"/>
             <a:r>
               <a:rPr lang="en-US"/>
-              <a:t>Edit Master text styles</a:t>
-            </a:r>
-          </a:p>
-        </p:txBody>
-      </p:sp>
-      <p:sp>
-        <p:nvSpPr>
-          <p:cNvPr id="6" name="Slide Number Placeholder 5">
-            <a:extLst>
-              <a:ext uri="{FF2B5EF4-FFF2-40B4-BE49-F238E27FC236}">
-                <a16:creationId xmlns:a16="http://schemas.microsoft.com/office/drawing/2014/main" id="{E5EEE93E-C8A1-354A-AF1E-19A5283E305A}"/>
-              </a:ext>
-            </a:extLst>
-          </p:cNvPr>
+              <a:t>Click to edit Master text styles</a:t>
+            </a:r>
+          </a:p>
+        </p:txBody>
+      </p:sp>
+      <p:sp>
+        <p:nvSpPr>
+          <p:cNvPr id="4" name="Date Placeholder 3"/>
+          <p:cNvSpPr>
+            <a:spLocks noGrp="1"/>
+          </p:cNvSpPr>
+          <p:nvPr>
+            <p:ph type="dt" sz="half" idx="10"/>
+          </p:nvPr>
+        </p:nvSpPr>
+        <p:spPr/>
+        <p:txBody>
+          <a:bodyPr/>
+          <a:lstStyle/>
+          <a:p>
+            <a:fld id="{C764DE79-268F-4C1A-8933-263129D2AF90}" type="datetimeFigureOut">
+              <a:rPr lang="en-US" smtClean="0"/>
+              <a:t>11/5/19</a:t>
+            </a:fld>
+            <a:endParaRPr lang="en-US" dirty="0"/>
+          </a:p>
+        </p:txBody>
+      </p:sp>
+      <p:sp>
+        <p:nvSpPr>
+          <p:cNvPr id="5" name="Footer Placeholder 4"/>
+          <p:cNvSpPr>
+            <a:spLocks noGrp="1"/>
+          </p:cNvSpPr>
+          <p:nvPr>
+            <p:ph type="ftr" sz="quarter" idx="11"/>
+          </p:nvPr>
+        </p:nvSpPr>
+        <p:spPr/>
+        <p:txBody>
+          <a:bodyPr/>
+          <a:lstStyle/>
+          <a:p>
+            <a:endParaRPr lang="en-US" dirty="0"/>
+          </a:p>
+        </p:txBody>
+      </p:sp>
+      <p:sp>
+        <p:nvSpPr>
+          <p:cNvPr id="6" name="Slide Number Placeholder 5"/>
           <p:cNvSpPr>
             <a:spLocks noGrp="1"/>
           </p:cNvSpPr>
@@ -2421,7 +2704,7 @@
     </p:spTree>
     <p:extLst>
       <p:ext uri="{BB962C8B-B14F-4D97-AF65-F5344CB8AC3E}">
-        <p14:creationId xmlns:p14="http://schemas.microsoft.com/office/powerpoint/2010/main" val="534873305"/>
+        <p14:creationId xmlns:p14="http://schemas.microsoft.com/office/powerpoint/2010/main" val="151590045"/>
       </p:ext>
     </p:extLst>
   </p:cSld>
@@ -2450,13 +2733,7 @@
       </p:grpSpPr>
       <p:sp>
         <p:nvSpPr>
-          <p:cNvPr id="2" name="Title 1">
-            <a:extLst>
-              <a:ext uri="{FF2B5EF4-FFF2-40B4-BE49-F238E27FC236}">
-                <a16:creationId xmlns:a16="http://schemas.microsoft.com/office/drawing/2014/main" id="{70ACA464-1AAB-3D41-837C-83C938183D29}"/>
-              </a:ext>
-            </a:extLst>
-          </p:cNvPr>
+          <p:cNvPr id="2" name="Title 1"/>
           <p:cNvSpPr>
             <a:spLocks noGrp="1"/>
           </p:cNvSpPr>
@@ -2473,18 +2750,13 @@
               <a:rPr lang="en-US"/>
               <a:t>Click to edit Master title style</a:t>
             </a:r>
-          </a:p>
-        </p:txBody>
-      </p:sp>
-      <p:sp>
-        <p:nvSpPr>
-          <p:cNvPr id="3" name="Content Placeholder 2">
-            <a:extLst>
-              <a:ext uri="{FF2B5EF4-FFF2-40B4-BE49-F238E27FC236}">
-                <a16:creationId xmlns:a16="http://schemas.microsoft.com/office/drawing/2014/main" id="{F3F2349E-5B0C-DE44-8CE1-77C14FC7025E}"/>
-              </a:ext>
-            </a:extLst>
-          </p:cNvPr>
+            <a:endParaRPr lang="en-US" dirty="0"/>
+          </a:p>
+        </p:txBody>
+      </p:sp>
+      <p:sp>
+        <p:nvSpPr>
+          <p:cNvPr id="3" name="Content Placeholder 2"/>
           <p:cNvSpPr>
             <a:spLocks noGrp="1"/>
           </p:cNvSpPr>
@@ -2505,7 +2777,7 @@
             <a:pPr lvl="0"/>
             <a:r>
               <a:rPr lang="en-US"/>
-              <a:t>Edit Master text styles</a:t>
+              <a:t>Click to edit Master text styles</a:t>
             </a:r>
           </a:p>
           <a:p>
@@ -2535,18 +2807,13 @@
               <a:rPr lang="en-US"/>
               <a:t>Fifth level</a:t>
             </a:r>
-          </a:p>
-        </p:txBody>
-      </p:sp>
-      <p:sp>
-        <p:nvSpPr>
-          <p:cNvPr id="4" name="Content Placeholder 3">
-            <a:extLst>
-              <a:ext uri="{FF2B5EF4-FFF2-40B4-BE49-F238E27FC236}">
-                <a16:creationId xmlns:a16="http://schemas.microsoft.com/office/drawing/2014/main" id="{4C2FBEBA-F2A8-E642-B0D7-3148F7AC1B57}"/>
-              </a:ext>
-            </a:extLst>
-          </p:cNvPr>
+            <a:endParaRPr lang="en-US" dirty="0"/>
+          </a:p>
+        </p:txBody>
+      </p:sp>
+      <p:sp>
+        <p:nvSpPr>
+          <p:cNvPr id="4" name="Content Placeholder 3"/>
           <p:cNvSpPr>
             <a:spLocks noGrp="1"/>
           </p:cNvSpPr>
@@ -2567,7 +2834,7 @@
             <a:pPr lvl="0"/>
             <a:r>
               <a:rPr lang="en-US"/>
-              <a:t>Edit Master text styles</a:t>
+              <a:t>Click to edit Master text styles</a:t>
             </a:r>
           </a:p>
           <a:p>
@@ -2597,18 +2864,55 @@
               <a:rPr lang="en-US"/>
               <a:t>Fifth level</a:t>
             </a:r>
-          </a:p>
-        </p:txBody>
-      </p:sp>
-      <p:sp>
-        <p:nvSpPr>
-          <p:cNvPr id="7" name="Slide Number Placeholder 6">
-            <a:extLst>
-              <a:ext uri="{FF2B5EF4-FFF2-40B4-BE49-F238E27FC236}">
-                <a16:creationId xmlns:a16="http://schemas.microsoft.com/office/drawing/2014/main" id="{FB759064-C295-474C-91BC-B8179C14C201}"/>
-              </a:ext>
-            </a:extLst>
-          </p:cNvPr>
+            <a:endParaRPr lang="en-US" dirty="0"/>
+          </a:p>
+        </p:txBody>
+      </p:sp>
+      <p:sp>
+        <p:nvSpPr>
+          <p:cNvPr id="5" name="Date Placeholder 4"/>
+          <p:cNvSpPr>
+            <a:spLocks noGrp="1"/>
+          </p:cNvSpPr>
+          <p:nvPr>
+            <p:ph type="dt" sz="half" idx="10"/>
+          </p:nvPr>
+        </p:nvSpPr>
+        <p:spPr/>
+        <p:txBody>
+          <a:bodyPr/>
+          <a:lstStyle/>
+          <a:p>
+            <a:fld id="{C764DE79-268F-4C1A-8933-263129D2AF90}" type="datetimeFigureOut">
+              <a:rPr lang="en-US" smtClean="0"/>
+              <a:t>11/5/19</a:t>
+            </a:fld>
+            <a:endParaRPr lang="en-US" dirty="0"/>
+          </a:p>
+        </p:txBody>
+      </p:sp>
+      <p:sp>
+        <p:nvSpPr>
+          <p:cNvPr id="6" name="Footer Placeholder 5"/>
+          <p:cNvSpPr>
+            <a:spLocks noGrp="1"/>
+          </p:cNvSpPr>
+          <p:nvPr>
+            <p:ph type="ftr" sz="quarter" idx="11"/>
+          </p:nvPr>
+        </p:nvSpPr>
+        <p:spPr/>
+        <p:txBody>
+          <a:bodyPr/>
+          <a:lstStyle/>
+          <a:p>
+            <a:endParaRPr lang="en-US" dirty="0"/>
+          </a:p>
+        </p:txBody>
+      </p:sp>
+      <p:sp>
+        <p:nvSpPr>
+          <p:cNvPr id="7" name="Slide Number Placeholder 6"/>
           <p:cNvSpPr>
             <a:spLocks noGrp="1"/>
           </p:cNvSpPr>
@@ -2632,7 +2936,7 @@
     </p:spTree>
     <p:extLst>
       <p:ext uri="{BB962C8B-B14F-4D97-AF65-F5344CB8AC3E}">
-        <p14:creationId xmlns:p14="http://schemas.microsoft.com/office/powerpoint/2010/main" val="454791571"/>
+        <p14:creationId xmlns:p14="http://schemas.microsoft.com/office/powerpoint/2010/main" val="1716314496"/>
       </p:ext>
     </p:extLst>
   </p:cSld>
@@ -2661,13 +2965,7 @@
       </p:grpSpPr>
       <p:sp>
         <p:nvSpPr>
-          <p:cNvPr id="2" name="Title 1">
-            <a:extLst>
-              <a:ext uri="{FF2B5EF4-FFF2-40B4-BE49-F238E27FC236}">
-                <a16:creationId xmlns:a16="http://schemas.microsoft.com/office/drawing/2014/main" id="{97393B7B-D3EB-1942-9C5D-C2DBE70DCDDA}"/>
-              </a:ext>
-            </a:extLst>
-          </p:cNvPr>
+          <p:cNvPr id="2" name="Title 1"/>
           <p:cNvSpPr>
             <a:spLocks noGrp="1"/>
           </p:cNvSpPr>
@@ -2689,18 +2987,13 @@
               <a:rPr lang="en-US"/>
               <a:t>Click to edit Master title style</a:t>
             </a:r>
-          </a:p>
-        </p:txBody>
-      </p:sp>
-      <p:sp>
-        <p:nvSpPr>
-          <p:cNvPr id="3" name="Text Placeholder 2">
-            <a:extLst>
-              <a:ext uri="{FF2B5EF4-FFF2-40B4-BE49-F238E27FC236}">
-                <a16:creationId xmlns:a16="http://schemas.microsoft.com/office/drawing/2014/main" id="{8D082C37-8144-2B40-B057-52B9B6778F1D}"/>
-              </a:ext>
-            </a:extLst>
-          </p:cNvPr>
+            <a:endParaRPr lang="en-US" dirty="0"/>
+          </a:p>
+        </p:txBody>
+      </p:sp>
+      <p:sp>
+        <p:nvSpPr>
+          <p:cNvPr id="3" name="Text Placeholder 2"/>
           <p:cNvSpPr>
             <a:spLocks noGrp="1"/>
           </p:cNvSpPr>
@@ -2758,20 +3051,14 @@
             <a:pPr lvl="0"/>
             <a:r>
               <a:rPr lang="en-US"/>
-              <a:t>Edit Master text styles</a:t>
-            </a:r>
-          </a:p>
-        </p:txBody>
-      </p:sp>
-      <p:sp>
-        <p:nvSpPr>
-          <p:cNvPr id="4" name="Content Placeholder 3">
-            <a:extLst>
-              <a:ext uri="{FF2B5EF4-FFF2-40B4-BE49-F238E27FC236}">
-                <a16:creationId xmlns:a16="http://schemas.microsoft.com/office/drawing/2014/main" id="{F1AB8C75-2C38-424A-9A7A-65CB327C213B}"/>
-              </a:ext>
-            </a:extLst>
-          </p:cNvPr>
+              <a:t>Click to edit Master text styles</a:t>
+            </a:r>
+          </a:p>
+        </p:txBody>
+      </p:sp>
+      <p:sp>
+        <p:nvSpPr>
+          <p:cNvPr id="4" name="Content Placeholder 3"/>
           <p:cNvSpPr>
             <a:spLocks noGrp="1"/>
           </p:cNvSpPr>
@@ -2792,7 +3079,7 @@
             <a:pPr lvl="0"/>
             <a:r>
               <a:rPr lang="en-US"/>
-              <a:t>Edit Master text styles</a:t>
+              <a:t>Click to edit Master text styles</a:t>
             </a:r>
           </a:p>
           <a:p>
@@ -2822,18 +3109,13 @@
               <a:rPr lang="en-US"/>
               <a:t>Fifth level</a:t>
             </a:r>
-          </a:p>
-        </p:txBody>
-      </p:sp>
-      <p:sp>
-        <p:nvSpPr>
-          <p:cNvPr id="5" name="Text Placeholder 4">
-            <a:extLst>
-              <a:ext uri="{FF2B5EF4-FFF2-40B4-BE49-F238E27FC236}">
-                <a16:creationId xmlns:a16="http://schemas.microsoft.com/office/drawing/2014/main" id="{AEC54413-8A58-C54E-9133-45A1F00C5913}"/>
-              </a:ext>
-            </a:extLst>
-          </p:cNvPr>
+            <a:endParaRPr lang="en-US" dirty="0"/>
+          </a:p>
+        </p:txBody>
+      </p:sp>
+      <p:sp>
+        <p:nvSpPr>
+          <p:cNvPr id="5" name="Text Placeholder 4"/>
           <p:cNvSpPr>
             <a:spLocks noGrp="1"/>
           </p:cNvSpPr>
@@ -2891,20 +3173,14 @@
             <a:pPr lvl="0"/>
             <a:r>
               <a:rPr lang="en-US"/>
-              <a:t>Edit Master text styles</a:t>
-            </a:r>
-          </a:p>
-        </p:txBody>
-      </p:sp>
-      <p:sp>
-        <p:nvSpPr>
-          <p:cNvPr id="6" name="Content Placeholder 5">
-            <a:extLst>
-              <a:ext uri="{FF2B5EF4-FFF2-40B4-BE49-F238E27FC236}">
-                <a16:creationId xmlns:a16="http://schemas.microsoft.com/office/drawing/2014/main" id="{4B0112E1-1E2D-724A-8EAC-CF4C8204D79E}"/>
-              </a:ext>
-            </a:extLst>
-          </p:cNvPr>
+              <a:t>Click to edit Master text styles</a:t>
+            </a:r>
+          </a:p>
+        </p:txBody>
+      </p:sp>
+      <p:sp>
+        <p:nvSpPr>
+          <p:cNvPr id="6" name="Content Placeholder 5"/>
           <p:cNvSpPr>
             <a:spLocks noGrp="1"/>
           </p:cNvSpPr>
@@ -2925,7 +3201,7 @@
             <a:pPr lvl="0"/>
             <a:r>
               <a:rPr lang="en-US"/>
-              <a:t>Edit Master text styles</a:t>
+              <a:t>Click to edit Master text styles</a:t>
             </a:r>
           </a:p>
           <a:p>
@@ -2955,18 +3231,55 @@
               <a:rPr lang="en-US"/>
               <a:t>Fifth level</a:t>
             </a:r>
-          </a:p>
-        </p:txBody>
-      </p:sp>
-      <p:sp>
-        <p:nvSpPr>
-          <p:cNvPr id="9" name="Slide Number Placeholder 8">
-            <a:extLst>
-              <a:ext uri="{FF2B5EF4-FFF2-40B4-BE49-F238E27FC236}">
-                <a16:creationId xmlns:a16="http://schemas.microsoft.com/office/drawing/2014/main" id="{B72AE139-D882-D94E-B377-D84A207665BF}"/>
-              </a:ext>
-            </a:extLst>
-          </p:cNvPr>
+            <a:endParaRPr lang="en-US" dirty="0"/>
+          </a:p>
+        </p:txBody>
+      </p:sp>
+      <p:sp>
+        <p:nvSpPr>
+          <p:cNvPr id="7" name="Date Placeholder 6"/>
+          <p:cNvSpPr>
+            <a:spLocks noGrp="1"/>
+          </p:cNvSpPr>
+          <p:nvPr>
+            <p:ph type="dt" sz="half" idx="10"/>
+          </p:nvPr>
+        </p:nvSpPr>
+        <p:spPr/>
+        <p:txBody>
+          <a:bodyPr/>
+          <a:lstStyle/>
+          <a:p>
+            <a:fld id="{C764DE79-268F-4C1A-8933-263129D2AF90}" type="datetimeFigureOut">
+              <a:rPr lang="en-US" smtClean="0"/>
+              <a:t>11/5/19</a:t>
+            </a:fld>
+            <a:endParaRPr lang="en-US" dirty="0"/>
+          </a:p>
+        </p:txBody>
+      </p:sp>
+      <p:sp>
+        <p:nvSpPr>
+          <p:cNvPr id="8" name="Footer Placeholder 7"/>
+          <p:cNvSpPr>
+            <a:spLocks noGrp="1"/>
+          </p:cNvSpPr>
+          <p:nvPr>
+            <p:ph type="ftr" sz="quarter" idx="11"/>
+          </p:nvPr>
+        </p:nvSpPr>
+        <p:spPr/>
+        <p:txBody>
+          <a:bodyPr/>
+          <a:lstStyle/>
+          <a:p>
+            <a:endParaRPr lang="en-US" dirty="0"/>
+          </a:p>
+        </p:txBody>
+      </p:sp>
+      <p:sp>
+        <p:nvSpPr>
+          <p:cNvPr id="9" name="Slide Number Placeholder 8"/>
           <p:cNvSpPr>
             <a:spLocks noGrp="1"/>
           </p:cNvSpPr>
@@ -2990,7 +3303,7 @@
     </p:spTree>
     <p:extLst>
       <p:ext uri="{BB962C8B-B14F-4D97-AF65-F5344CB8AC3E}">
-        <p14:creationId xmlns:p14="http://schemas.microsoft.com/office/powerpoint/2010/main" val="2064020921"/>
+        <p14:creationId xmlns:p14="http://schemas.microsoft.com/office/powerpoint/2010/main" val="2848844492"/>
       </p:ext>
     </p:extLst>
   </p:cSld>
@@ -3019,13 +3332,7 @@
       </p:grpSpPr>
       <p:sp>
         <p:nvSpPr>
-          <p:cNvPr id="2" name="Title 1">
-            <a:extLst>
-              <a:ext uri="{FF2B5EF4-FFF2-40B4-BE49-F238E27FC236}">
-                <a16:creationId xmlns:a16="http://schemas.microsoft.com/office/drawing/2014/main" id="{8AC87EC2-76AA-FC42-982F-77406246A4AA}"/>
-              </a:ext>
-            </a:extLst>
-          </p:cNvPr>
+          <p:cNvPr id="2" name="Title 1"/>
           <p:cNvSpPr>
             <a:spLocks noGrp="1"/>
           </p:cNvSpPr>
@@ -3042,18 +3349,55 @@
               <a:rPr lang="en-US"/>
               <a:t>Click to edit Master title style</a:t>
             </a:r>
-          </a:p>
-        </p:txBody>
-      </p:sp>
-      <p:sp>
-        <p:nvSpPr>
-          <p:cNvPr id="5" name="Slide Number Placeholder 4">
-            <a:extLst>
-              <a:ext uri="{FF2B5EF4-FFF2-40B4-BE49-F238E27FC236}">
-                <a16:creationId xmlns:a16="http://schemas.microsoft.com/office/drawing/2014/main" id="{81EC7837-FC7B-6043-8182-02D7718729CA}"/>
-              </a:ext>
-            </a:extLst>
-          </p:cNvPr>
+            <a:endParaRPr lang="en-US" dirty="0"/>
+          </a:p>
+        </p:txBody>
+      </p:sp>
+      <p:sp>
+        <p:nvSpPr>
+          <p:cNvPr id="3" name="Date Placeholder 2"/>
+          <p:cNvSpPr>
+            <a:spLocks noGrp="1"/>
+          </p:cNvSpPr>
+          <p:nvPr>
+            <p:ph type="dt" sz="half" idx="10"/>
+          </p:nvPr>
+        </p:nvSpPr>
+        <p:spPr/>
+        <p:txBody>
+          <a:bodyPr/>
+          <a:lstStyle/>
+          <a:p>
+            <a:fld id="{C764DE79-268F-4C1A-8933-263129D2AF90}" type="datetimeFigureOut">
+              <a:rPr lang="en-US" smtClean="0"/>
+              <a:t>11/5/19</a:t>
+            </a:fld>
+            <a:endParaRPr lang="en-US" dirty="0"/>
+          </a:p>
+        </p:txBody>
+      </p:sp>
+      <p:sp>
+        <p:nvSpPr>
+          <p:cNvPr id="4" name="Footer Placeholder 3"/>
+          <p:cNvSpPr>
+            <a:spLocks noGrp="1"/>
+          </p:cNvSpPr>
+          <p:nvPr>
+            <p:ph type="ftr" sz="quarter" idx="11"/>
+          </p:nvPr>
+        </p:nvSpPr>
+        <p:spPr/>
+        <p:txBody>
+          <a:bodyPr/>
+          <a:lstStyle/>
+          <a:p>
+            <a:endParaRPr lang="en-US" dirty="0"/>
+          </a:p>
+        </p:txBody>
+      </p:sp>
+      <p:sp>
+        <p:nvSpPr>
+          <p:cNvPr id="5" name="Slide Number Placeholder 4"/>
           <p:cNvSpPr>
             <a:spLocks noGrp="1"/>
           </p:cNvSpPr>
@@ -3077,7 +3421,7 @@
     </p:spTree>
     <p:extLst>
       <p:ext uri="{BB962C8B-B14F-4D97-AF65-F5344CB8AC3E}">
-        <p14:creationId xmlns:p14="http://schemas.microsoft.com/office/powerpoint/2010/main" val="3814957134"/>
+        <p14:creationId xmlns:p14="http://schemas.microsoft.com/office/powerpoint/2010/main" val="1288281058"/>
       </p:ext>
     </p:extLst>
   </p:cSld>
@@ -3106,13 +3450,49 @@
       </p:grpSpPr>
       <p:sp>
         <p:nvSpPr>
-          <p:cNvPr id="4" name="Slide Number Placeholder 3">
-            <a:extLst>
-              <a:ext uri="{FF2B5EF4-FFF2-40B4-BE49-F238E27FC236}">
-                <a16:creationId xmlns:a16="http://schemas.microsoft.com/office/drawing/2014/main" id="{D575A9DD-FA0A-D64B-B42E-72A4B0E3557A}"/>
-              </a:ext>
-            </a:extLst>
-          </p:cNvPr>
+          <p:cNvPr id="2" name="Date Placeholder 1"/>
+          <p:cNvSpPr>
+            <a:spLocks noGrp="1"/>
+          </p:cNvSpPr>
+          <p:nvPr>
+            <p:ph type="dt" sz="half" idx="10"/>
+          </p:nvPr>
+        </p:nvSpPr>
+        <p:spPr/>
+        <p:txBody>
+          <a:bodyPr/>
+          <a:lstStyle/>
+          <a:p>
+            <a:fld id="{C764DE79-268F-4C1A-8933-263129D2AF90}" type="datetimeFigureOut">
+              <a:rPr lang="en-US" smtClean="0"/>
+              <a:t>11/5/19</a:t>
+            </a:fld>
+            <a:endParaRPr lang="en-US" dirty="0"/>
+          </a:p>
+        </p:txBody>
+      </p:sp>
+      <p:sp>
+        <p:nvSpPr>
+          <p:cNvPr id="3" name="Footer Placeholder 2"/>
+          <p:cNvSpPr>
+            <a:spLocks noGrp="1"/>
+          </p:cNvSpPr>
+          <p:nvPr>
+            <p:ph type="ftr" sz="quarter" idx="11"/>
+          </p:nvPr>
+        </p:nvSpPr>
+        <p:spPr/>
+        <p:txBody>
+          <a:bodyPr/>
+          <a:lstStyle/>
+          <a:p>
+            <a:endParaRPr lang="en-US" dirty="0"/>
+          </a:p>
+        </p:txBody>
+      </p:sp>
+      <p:sp>
+        <p:nvSpPr>
+          <p:cNvPr id="4" name="Slide Number Placeholder 3"/>
           <p:cNvSpPr>
             <a:spLocks noGrp="1"/>
           </p:cNvSpPr>
@@ -3136,7 +3516,7 @@
     </p:spTree>
     <p:extLst>
       <p:ext uri="{BB962C8B-B14F-4D97-AF65-F5344CB8AC3E}">
-        <p14:creationId xmlns:p14="http://schemas.microsoft.com/office/powerpoint/2010/main" val="1127675878"/>
+        <p14:creationId xmlns:p14="http://schemas.microsoft.com/office/powerpoint/2010/main" val="1738077919"/>
       </p:ext>
     </p:extLst>
   </p:cSld>
@@ -3165,13 +3545,7 @@
       </p:grpSpPr>
       <p:sp>
         <p:nvSpPr>
-          <p:cNvPr id="2" name="Title 1">
-            <a:extLst>
-              <a:ext uri="{FF2B5EF4-FFF2-40B4-BE49-F238E27FC236}">
-                <a16:creationId xmlns:a16="http://schemas.microsoft.com/office/drawing/2014/main" id="{F19ECD1F-576B-CE49-B87E-5BC99EC04635}"/>
-              </a:ext>
-            </a:extLst>
-          </p:cNvPr>
+          <p:cNvPr id="2" name="Title 1"/>
           <p:cNvSpPr>
             <a:spLocks noGrp="1"/>
           </p:cNvSpPr>
@@ -3197,18 +3571,13 @@
               <a:rPr lang="en-US"/>
               <a:t>Click to edit Master title style</a:t>
             </a:r>
-          </a:p>
-        </p:txBody>
-      </p:sp>
-      <p:sp>
-        <p:nvSpPr>
-          <p:cNvPr id="3" name="Content Placeholder 2">
-            <a:extLst>
-              <a:ext uri="{FF2B5EF4-FFF2-40B4-BE49-F238E27FC236}">
-                <a16:creationId xmlns:a16="http://schemas.microsoft.com/office/drawing/2014/main" id="{642276B3-FB76-F847-A4BA-C9B293389B44}"/>
-              </a:ext>
-            </a:extLst>
-          </p:cNvPr>
+            <a:endParaRPr lang="en-US" dirty="0"/>
+          </a:p>
+        </p:txBody>
+      </p:sp>
+      <p:sp>
+        <p:nvSpPr>
+          <p:cNvPr id="3" name="Content Placeholder 2"/>
           <p:cNvSpPr>
             <a:spLocks noGrp="1"/>
           </p:cNvSpPr>
@@ -3257,7 +3626,7 @@
             <a:pPr lvl="0"/>
             <a:r>
               <a:rPr lang="en-US"/>
-              <a:t>Edit Master text styles</a:t>
+              <a:t>Click to edit Master text styles</a:t>
             </a:r>
           </a:p>
           <a:p>
@@ -3287,18 +3656,13 @@
               <a:rPr lang="en-US"/>
               <a:t>Fifth level</a:t>
             </a:r>
-          </a:p>
-        </p:txBody>
-      </p:sp>
-      <p:sp>
-        <p:nvSpPr>
-          <p:cNvPr id="4" name="Text Placeholder 3">
-            <a:extLst>
-              <a:ext uri="{FF2B5EF4-FFF2-40B4-BE49-F238E27FC236}">
-                <a16:creationId xmlns:a16="http://schemas.microsoft.com/office/drawing/2014/main" id="{F63103DB-251E-7F47-A645-0FDAFF6E6E0B}"/>
-              </a:ext>
-            </a:extLst>
-          </p:cNvPr>
+            <a:endParaRPr lang="en-US" dirty="0"/>
+          </a:p>
+        </p:txBody>
+      </p:sp>
+      <p:sp>
+        <p:nvSpPr>
+          <p:cNvPr id="4" name="Text Placeholder 3"/>
           <p:cNvSpPr>
             <a:spLocks noGrp="1"/>
           </p:cNvSpPr>
@@ -3356,20 +3720,56 @@
             <a:pPr lvl="0"/>
             <a:r>
               <a:rPr lang="en-US"/>
-              <a:t>Edit Master text styles</a:t>
-            </a:r>
-          </a:p>
-        </p:txBody>
-      </p:sp>
-      <p:sp>
-        <p:nvSpPr>
-          <p:cNvPr id="7" name="Slide Number Placeholder 6">
-            <a:extLst>
-              <a:ext uri="{FF2B5EF4-FFF2-40B4-BE49-F238E27FC236}">
-                <a16:creationId xmlns:a16="http://schemas.microsoft.com/office/drawing/2014/main" id="{3BCAFAD0-D61F-3F4F-8E0D-9A64CA7C4640}"/>
-              </a:ext>
-            </a:extLst>
-          </p:cNvPr>
+              <a:t>Click to edit Master text styles</a:t>
+            </a:r>
+          </a:p>
+        </p:txBody>
+      </p:sp>
+      <p:sp>
+        <p:nvSpPr>
+          <p:cNvPr id="5" name="Date Placeholder 4"/>
+          <p:cNvSpPr>
+            <a:spLocks noGrp="1"/>
+          </p:cNvSpPr>
+          <p:nvPr>
+            <p:ph type="dt" sz="half" idx="10"/>
+          </p:nvPr>
+        </p:nvSpPr>
+        <p:spPr/>
+        <p:txBody>
+          <a:bodyPr/>
+          <a:lstStyle/>
+          <a:p>
+            <a:fld id="{C764DE79-268F-4C1A-8933-263129D2AF90}" type="datetimeFigureOut">
+              <a:rPr lang="en-US" smtClean="0"/>
+              <a:t>11/5/19</a:t>
+            </a:fld>
+            <a:endParaRPr lang="en-US" dirty="0"/>
+          </a:p>
+        </p:txBody>
+      </p:sp>
+      <p:sp>
+        <p:nvSpPr>
+          <p:cNvPr id="6" name="Footer Placeholder 5"/>
+          <p:cNvSpPr>
+            <a:spLocks noGrp="1"/>
+          </p:cNvSpPr>
+          <p:nvPr>
+            <p:ph type="ftr" sz="quarter" idx="11"/>
+          </p:nvPr>
+        </p:nvSpPr>
+        <p:spPr/>
+        <p:txBody>
+          <a:bodyPr/>
+          <a:lstStyle/>
+          <a:p>
+            <a:endParaRPr lang="en-US" dirty="0"/>
+          </a:p>
+        </p:txBody>
+      </p:sp>
+      <p:sp>
+        <p:nvSpPr>
+          <p:cNvPr id="7" name="Slide Number Placeholder 6"/>
           <p:cNvSpPr>
             <a:spLocks noGrp="1"/>
           </p:cNvSpPr>
@@ -3393,7 +3793,7 @@
     </p:spTree>
     <p:extLst>
       <p:ext uri="{BB962C8B-B14F-4D97-AF65-F5344CB8AC3E}">
-        <p14:creationId xmlns:p14="http://schemas.microsoft.com/office/powerpoint/2010/main" val="2173381002"/>
+        <p14:creationId xmlns:p14="http://schemas.microsoft.com/office/powerpoint/2010/main" val="1587695722"/>
       </p:ext>
     </p:extLst>
   </p:cSld>
@@ -3422,13 +3822,7 @@
       </p:grpSpPr>
       <p:sp>
         <p:nvSpPr>
-          <p:cNvPr id="2" name="Title 1">
-            <a:extLst>
-              <a:ext uri="{FF2B5EF4-FFF2-40B4-BE49-F238E27FC236}">
-                <a16:creationId xmlns:a16="http://schemas.microsoft.com/office/drawing/2014/main" id="{F7FBD490-1952-7643-90D4-C4F4ABC93F16}"/>
-              </a:ext>
-            </a:extLst>
-          </p:cNvPr>
+          <p:cNvPr id="2" name="Title 1"/>
           <p:cNvSpPr>
             <a:spLocks noGrp="1"/>
           </p:cNvSpPr>
@@ -3454,20 +3848,15 @@
               <a:rPr lang="en-US"/>
               <a:t>Click to edit Master title style</a:t>
             </a:r>
-          </a:p>
-        </p:txBody>
-      </p:sp>
-      <p:sp>
-        <p:nvSpPr>
-          <p:cNvPr id="3" name="Picture Placeholder 2">
-            <a:extLst>
-              <a:ext uri="{FF2B5EF4-FFF2-40B4-BE49-F238E27FC236}">
-                <a16:creationId xmlns:a16="http://schemas.microsoft.com/office/drawing/2014/main" id="{FF02CD42-FD12-614D-A8C6-FBB652E2B9C4}"/>
-              </a:ext>
-            </a:extLst>
-          </p:cNvPr>
+            <a:endParaRPr lang="en-US" dirty="0"/>
+          </a:p>
+        </p:txBody>
+      </p:sp>
+      <p:sp>
+        <p:nvSpPr>
+          <p:cNvPr id="3" name="Picture Placeholder 2"/>
           <p:cNvSpPr>
-            <a:spLocks noGrp="1"/>
+            <a:spLocks noGrp="1" noChangeAspect="1"/>
           </p:cNvSpPr>
           <p:nvPr>
             <p:ph type="pic" idx="1"/>
@@ -3480,7 +3869,7 @@
           </a:xfrm>
         </p:spPr>
         <p:txBody>
-          <a:bodyPr/>
+          <a:bodyPr anchor="t"/>
           <a:lstStyle>
             <a:lvl1pPr marL="0" indent="0">
               <a:buNone/>
@@ -3520,19 +3909,17 @@
             </a:lvl9pPr>
           </a:lstStyle>
           <a:p>
-            <a:endParaRPr lang="en-US"/>
-          </a:p>
-        </p:txBody>
-      </p:sp>
-      <p:sp>
-        <p:nvSpPr>
-          <p:cNvPr id="4" name="Text Placeholder 3">
-            <a:extLst>
-              <a:ext uri="{FF2B5EF4-FFF2-40B4-BE49-F238E27FC236}">
-                <a16:creationId xmlns:a16="http://schemas.microsoft.com/office/drawing/2014/main" id="{A26E1892-E1D1-5447-8C1E-BFD3993A1D59}"/>
-              </a:ext>
-            </a:extLst>
-          </p:cNvPr>
+            <a:r>
+              <a:rPr lang="en-US"/>
+              <a:t>Click icon to add picture</a:t>
+            </a:r>
+            <a:endParaRPr lang="en-US" dirty="0"/>
+          </a:p>
+        </p:txBody>
+      </p:sp>
+      <p:sp>
+        <p:nvSpPr>
+          <p:cNvPr id="4" name="Text Placeholder 3"/>
           <p:cNvSpPr>
             <a:spLocks noGrp="1"/>
           </p:cNvSpPr>
@@ -3590,20 +3977,56 @@
             <a:pPr lvl="0"/>
             <a:r>
               <a:rPr lang="en-US"/>
-              <a:t>Edit Master text styles</a:t>
-            </a:r>
-          </a:p>
-        </p:txBody>
-      </p:sp>
-      <p:sp>
-        <p:nvSpPr>
-          <p:cNvPr id="7" name="Slide Number Placeholder 6">
-            <a:extLst>
-              <a:ext uri="{FF2B5EF4-FFF2-40B4-BE49-F238E27FC236}">
-                <a16:creationId xmlns:a16="http://schemas.microsoft.com/office/drawing/2014/main" id="{7E12F28C-AB7A-EF4C-84CD-F4B5CE4282E4}"/>
-              </a:ext>
-            </a:extLst>
-          </p:cNvPr>
+              <a:t>Click to edit Master text styles</a:t>
+            </a:r>
+          </a:p>
+        </p:txBody>
+      </p:sp>
+      <p:sp>
+        <p:nvSpPr>
+          <p:cNvPr id="5" name="Date Placeholder 4"/>
+          <p:cNvSpPr>
+            <a:spLocks noGrp="1"/>
+          </p:cNvSpPr>
+          <p:nvPr>
+            <p:ph type="dt" sz="half" idx="10"/>
+          </p:nvPr>
+        </p:nvSpPr>
+        <p:spPr/>
+        <p:txBody>
+          <a:bodyPr/>
+          <a:lstStyle/>
+          <a:p>
+            <a:fld id="{C764DE79-268F-4C1A-8933-263129D2AF90}" type="datetimeFigureOut">
+              <a:rPr lang="en-US" smtClean="0"/>
+              <a:t>11/5/19</a:t>
+            </a:fld>
+            <a:endParaRPr lang="en-US" dirty="0"/>
+          </a:p>
+        </p:txBody>
+      </p:sp>
+      <p:sp>
+        <p:nvSpPr>
+          <p:cNvPr id="6" name="Footer Placeholder 5"/>
+          <p:cNvSpPr>
+            <a:spLocks noGrp="1"/>
+          </p:cNvSpPr>
+          <p:nvPr>
+            <p:ph type="ftr" sz="quarter" idx="11"/>
+          </p:nvPr>
+        </p:nvSpPr>
+        <p:spPr/>
+        <p:txBody>
+          <a:bodyPr/>
+          <a:lstStyle/>
+          <a:p>
+            <a:endParaRPr lang="en-US" dirty="0"/>
+          </a:p>
+        </p:txBody>
+      </p:sp>
+      <p:sp>
+        <p:nvSpPr>
+          <p:cNvPr id="7" name="Slide Number Placeholder 6"/>
           <p:cNvSpPr>
             <a:spLocks noGrp="1"/>
           </p:cNvSpPr>
@@ -3627,7 +4050,7 @@
     </p:spTree>
     <p:extLst>
       <p:ext uri="{BB962C8B-B14F-4D97-AF65-F5344CB8AC3E}">
-        <p14:creationId xmlns:p14="http://schemas.microsoft.com/office/powerpoint/2010/main" val="3724992320"/>
+        <p14:creationId xmlns:p14="http://schemas.microsoft.com/office/powerpoint/2010/main" val="3055438526"/>
       </p:ext>
     </p:extLst>
   </p:cSld>
@@ -3661,13 +4084,7 @@
       </p:grpSpPr>
       <p:sp>
         <p:nvSpPr>
-          <p:cNvPr id="2" name="Title Placeholder 1">
-            <a:extLst>
-              <a:ext uri="{FF2B5EF4-FFF2-40B4-BE49-F238E27FC236}">
-                <a16:creationId xmlns:a16="http://schemas.microsoft.com/office/drawing/2014/main" id="{F89B2312-714B-3946-B9BF-1C7B2035B2F5}"/>
-              </a:ext>
-            </a:extLst>
-          </p:cNvPr>
+          <p:cNvPr id="2" name="Title Placeholder 1"/>
           <p:cNvSpPr>
             <a:spLocks noGrp="1"/>
           </p:cNvSpPr>
@@ -3694,18 +4111,13 @@
               <a:rPr lang="en-US"/>
               <a:t>Click to edit Master title style</a:t>
             </a:r>
-          </a:p>
-        </p:txBody>
-      </p:sp>
-      <p:sp>
-        <p:nvSpPr>
-          <p:cNvPr id="3" name="Text Placeholder 2">
-            <a:extLst>
-              <a:ext uri="{FF2B5EF4-FFF2-40B4-BE49-F238E27FC236}">
-                <a16:creationId xmlns:a16="http://schemas.microsoft.com/office/drawing/2014/main" id="{217A4718-D341-5E48-B2F9-56FD8E3EE1C9}"/>
-              </a:ext>
-            </a:extLst>
-          </p:cNvPr>
+            <a:endParaRPr lang="en-US" dirty="0"/>
+          </a:p>
+        </p:txBody>
+      </p:sp>
+      <p:sp>
+        <p:nvSpPr>
+          <p:cNvPr id="3" name="Text Placeholder 2"/>
           <p:cNvSpPr>
             <a:spLocks noGrp="1"/>
           </p:cNvSpPr>
@@ -3731,7 +4143,7 @@
             <a:pPr lvl="0"/>
             <a:r>
               <a:rPr lang="en-US"/>
-              <a:t>Edit Master text styles</a:t>
+              <a:t>Click to edit Master text styles</a:t>
             </a:r>
           </a:p>
           <a:p>
@@ -3761,18 +4173,91 @@
               <a:rPr lang="en-US"/>
               <a:t>Fifth level</a:t>
             </a:r>
-          </a:p>
-        </p:txBody>
-      </p:sp>
-      <p:sp>
-        <p:nvSpPr>
-          <p:cNvPr id="6" name="Slide Number Placeholder 5">
-            <a:extLst>
-              <a:ext uri="{FF2B5EF4-FFF2-40B4-BE49-F238E27FC236}">
-                <a16:creationId xmlns:a16="http://schemas.microsoft.com/office/drawing/2014/main" id="{7F50DDCB-DB12-4B4D-B2A3-DF7E27851109}"/>
-              </a:ext>
-            </a:extLst>
-          </p:cNvPr>
+            <a:endParaRPr lang="en-US" dirty="0"/>
+          </a:p>
+        </p:txBody>
+      </p:sp>
+      <p:sp>
+        <p:nvSpPr>
+          <p:cNvPr id="4" name="Date Placeholder 3"/>
+          <p:cNvSpPr>
+            <a:spLocks noGrp="1"/>
+          </p:cNvSpPr>
+          <p:nvPr>
+            <p:ph type="dt" sz="half" idx="2"/>
+          </p:nvPr>
+        </p:nvSpPr>
+        <p:spPr>
+          <a:xfrm>
+            <a:off x="838200" y="6356350"/>
+            <a:ext cx="2743200" cy="365125"/>
+          </a:xfrm>
+          <a:prstGeom prst="rect">
+            <a:avLst/>
+          </a:prstGeom>
+        </p:spPr>
+        <p:txBody>
+          <a:bodyPr vert="horz" lIns="91440" tIns="45720" rIns="91440" bIns="45720" rtlCol="0" anchor="ctr"/>
+          <a:lstStyle>
+            <a:lvl1pPr algn="l">
+              <a:defRPr sz="1200">
+                <a:solidFill>
+                  <a:schemeClr val="tx1">
+                    <a:tint val="75000"/>
+                  </a:schemeClr>
+                </a:solidFill>
+              </a:defRPr>
+            </a:lvl1pPr>
+          </a:lstStyle>
+          <a:p>
+            <a:fld id="{C764DE79-268F-4C1A-8933-263129D2AF90}" type="datetimeFigureOut">
+              <a:rPr lang="en-US" smtClean="0"/>
+              <a:t>11/5/19</a:t>
+            </a:fld>
+            <a:endParaRPr lang="en-US" dirty="0"/>
+          </a:p>
+        </p:txBody>
+      </p:sp>
+      <p:sp>
+        <p:nvSpPr>
+          <p:cNvPr id="5" name="Footer Placeholder 4"/>
+          <p:cNvSpPr>
+            <a:spLocks noGrp="1"/>
+          </p:cNvSpPr>
+          <p:nvPr>
+            <p:ph type="ftr" sz="quarter" idx="3"/>
+          </p:nvPr>
+        </p:nvSpPr>
+        <p:spPr>
+          <a:xfrm>
+            <a:off x="4038600" y="6356350"/>
+            <a:ext cx="4114800" cy="365125"/>
+          </a:xfrm>
+          <a:prstGeom prst="rect">
+            <a:avLst/>
+          </a:prstGeom>
+        </p:spPr>
+        <p:txBody>
+          <a:bodyPr vert="horz" lIns="91440" tIns="45720" rIns="91440" bIns="45720" rtlCol="0" anchor="ctr"/>
+          <a:lstStyle>
+            <a:lvl1pPr algn="ctr">
+              <a:defRPr sz="1200">
+                <a:solidFill>
+                  <a:schemeClr val="tx1">
+                    <a:tint val="75000"/>
+                  </a:schemeClr>
+                </a:solidFill>
+              </a:defRPr>
+            </a:lvl1pPr>
+          </a:lstStyle>
+          <a:p>
+            <a:endParaRPr lang="en-US" dirty="0"/>
+          </a:p>
+        </p:txBody>
+      </p:sp>
+      <p:sp>
+        <p:nvSpPr>
+          <p:cNvPr id="6" name="Slide Number Placeholder 5"/>
           <p:cNvSpPr>
             <a:spLocks noGrp="1"/>
           </p:cNvSpPr>
@@ -3782,7 +4267,7 @@
         </p:nvSpPr>
         <p:spPr>
           <a:xfrm>
-            <a:off x="9448800" y="6065837"/>
+            <a:off x="8610600" y="6356350"/>
             <a:ext cx="2743200" cy="365125"/>
           </a:xfrm>
           <a:prstGeom prst="rect">
@@ -3813,10 +4298,10 @@
       </p:sp>
       <p:sp>
         <p:nvSpPr>
-          <p:cNvPr id="9" name="Slide Number Placeholder 5">
+          <p:cNvPr id="7" name="Slide Number Placeholder 5">
             <a:extLst>
               <a:ext uri="{FF2B5EF4-FFF2-40B4-BE49-F238E27FC236}">
-                <a16:creationId xmlns:a16="http://schemas.microsoft.com/office/drawing/2014/main" id="{ABB045D2-645B-C646-BB72-F8DE27472BD5}"/>
+                <a16:creationId xmlns:a16="http://schemas.microsoft.com/office/drawing/2014/main" id="{328FB569-0485-8045-BFD7-167815E77336}"/>
               </a:ext>
             </a:extLst>
           </p:cNvPr>
@@ -3827,7 +4312,7 @@
         </p:nvSpPr>
         <p:spPr>
           <a:xfrm>
-            <a:off x="6553200" y="6356350"/>
+            <a:off x="6553200" y="6356356"/>
             <a:ext cx="2133600" cy="365125"/>
           </a:xfrm>
           <a:prstGeom prst="rect">
@@ -3835,7 +4320,7 @@
           </a:prstGeom>
         </p:spPr>
         <p:txBody>
-          <a:bodyPr vert="horz" wrap="square" lIns="91440" tIns="45720" rIns="91440" bIns="45720" numCol="1" anchor="ctr" anchorCtr="0" compatLnSpc="1">
+          <a:bodyPr vert="horz" wrap="square" lIns="68580" tIns="34290" rIns="68580" bIns="34290" numCol="1" anchor="ctr" anchorCtr="0" compatLnSpc="1">
             <a:prstTxWarp prst="textNoShape">
               <a:avLst/>
             </a:prstTxWarp>
@@ -3940,22 +4425,22 @@
               <a:defRPr/>
             </a:pPr>
             <a:fld id="{18C1412E-69E1-864D-A0DF-94DDC7C8003B}" type="slidenum">
-              <a:rPr lang="en-US" smtClean="0"/>
+              <a:rPr lang="en-US" sz="900" smtClean="0"/>
               <a:pPr>
                 <a:defRPr/>
               </a:pPr>
               <a:t>‹#›</a:t>
             </a:fld>
-            <a:endParaRPr lang="en-US"/>
-          </a:p>
-        </p:txBody>
-      </p:sp>
-      <p:sp>
-        <p:nvSpPr>
-          <p:cNvPr id="10" name="Rectangle 9">
+            <a:endParaRPr lang="en-US" sz="900"/>
+          </a:p>
+        </p:txBody>
+      </p:sp>
+      <p:sp>
+        <p:nvSpPr>
+          <p:cNvPr id="8" name="Rectangle 7">
             <a:extLst>
               <a:ext uri="{FF2B5EF4-FFF2-40B4-BE49-F238E27FC236}">
-                <a16:creationId xmlns:a16="http://schemas.microsoft.com/office/drawing/2014/main" id="{715CF350-BF31-8549-8FA5-338ED87D9F31}"/>
+                <a16:creationId xmlns:a16="http://schemas.microsoft.com/office/drawing/2014/main" id="{ED0306AE-18A0-4C44-8452-FDAD4CEC049D}"/>
               </a:ext>
             </a:extLst>
           </p:cNvPr>
@@ -4006,16 +4491,16 @@
               </a:spcAft>
               <a:defRPr/>
             </a:pPr>
-            <a:endParaRPr lang="en-US" sz="1800"/>
-          </a:p>
-        </p:txBody>
-      </p:sp>
-      <p:sp>
-        <p:nvSpPr>
-          <p:cNvPr id="11" name="TextBox 10">
+            <a:endParaRPr lang="en-US" sz="1350"/>
+          </a:p>
+        </p:txBody>
+      </p:sp>
+      <p:sp>
+        <p:nvSpPr>
+          <p:cNvPr id="9" name="TextBox 8">
             <a:extLst>
               <a:ext uri="{FF2B5EF4-FFF2-40B4-BE49-F238E27FC236}">
-                <a16:creationId xmlns:a16="http://schemas.microsoft.com/office/drawing/2014/main" id="{2CE4FBA7-EA83-4B4B-A7C6-F0F5766917AC}"/>
+                <a16:creationId xmlns:a16="http://schemas.microsoft.com/office/drawing/2014/main" id="{3E245822-ADFF-4540-9BD4-E4A28AC54380}"/>
               </a:ext>
             </a:extLst>
           </p:cNvPr>
@@ -4026,8 +4511,8 @@
         </p:nvSpPr>
         <p:spPr bwMode="auto">
           <a:xfrm>
-            <a:off x="0" y="6430962"/>
-            <a:ext cx="6705600" cy="396875"/>
+            <a:off x="0" y="6430966"/>
+            <a:ext cx="6705600" cy="323165"/>
           </a:xfrm>
           <a:prstGeom prst="rect">
             <a:avLst/>
@@ -4173,7 +4658,7 @@
               <a:defRPr/>
             </a:pPr>
             <a:r>
-              <a:rPr lang="en-US" sz="2000" b="1" dirty="0">
+              <a:rPr lang="en-US" sz="1500" b="1" dirty="0">
                 <a:solidFill>
                   <a:schemeClr val="bg1"/>
                 </a:solidFill>
@@ -4187,10 +4672,10 @@
       </p:sp>
       <p:sp>
         <p:nvSpPr>
-          <p:cNvPr id="12" name="TextBox 11">
+          <p:cNvPr id="10" name="TextBox 9">
             <a:extLst>
               <a:ext uri="{FF2B5EF4-FFF2-40B4-BE49-F238E27FC236}">
-                <a16:creationId xmlns:a16="http://schemas.microsoft.com/office/drawing/2014/main" id="{8EB12434-FD9E-4242-B813-5136B9D05A8A}"/>
+                <a16:creationId xmlns:a16="http://schemas.microsoft.com/office/drawing/2014/main" id="{91C4FED4-4435-C74A-949D-92FE2F7F9165}"/>
               </a:ext>
             </a:extLst>
           </p:cNvPr>
@@ -4199,8 +4684,8 @@
         </p:nvSpPr>
         <p:spPr>
           <a:xfrm>
-            <a:off x="9639300" y="6400800"/>
-            <a:ext cx="2362200" cy="457200"/>
+            <a:off x="9639300" y="6400802"/>
+            <a:ext cx="2362200" cy="369332"/>
           </a:xfrm>
           <a:prstGeom prst="rect">
             <a:avLst/>
@@ -4324,12 +4809,12 @@
               <a:defRPr/>
             </a:pPr>
             <a:r>
-              <a:rPr lang="en-US" b="1" dirty="0" err="1">
+              <a:rPr lang="en-US" sz="1800" b="1" dirty="0" err="1">
                 <a:cs typeface="Arial" charset="0"/>
               </a:rPr>
               <a:t>rnabio.org</a:t>
             </a:r>
-            <a:endParaRPr lang="en-US" dirty="0">
+            <a:endParaRPr lang="en-US" sz="1800" dirty="0">
               <a:cs typeface="Arial" charset="0"/>
             </a:endParaRPr>
           </a:p>
@@ -4338,24 +4823,25 @@
     </p:spTree>
     <p:extLst>
       <p:ext uri="{BB962C8B-B14F-4D97-AF65-F5344CB8AC3E}">
-        <p14:creationId xmlns:p14="http://schemas.microsoft.com/office/powerpoint/2010/main" val="1137247984"/>
+        <p14:creationId xmlns:p14="http://schemas.microsoft.com/office/powerpoint/2010/main" val="3912690666"/>
       </p:ext>
     </p:extLst>
   </p:cSld>
   <p:clrMap bg1="lt1" tx1="dk1" bg2="lt2" tx2="dk2" accent1="accent1" accent2="accent2" accent3="accent3" accent4="accent4" accent5="accent5" accent6="accent6" hlink="hlink" folHlink="folHlink"/>
   <p:sldLayoutIdLst>
-    <p:sldLayoutId id="2147483661" r:id="rId1"/>
-    <p:sldLayoutId id="2147483662" r:id="rId2"/>
-    <p:sldLayoutId id="2147483663" r:id="rId3"/>
-    <p:sldLayoutId id="2147483664" r:id="rId4"/>
-    <p:sldLayoutId id="2147483665" r:id="rId5"/>
-    <p:sldLayoutId id="2147483666" r:id="rId6"/>
-    <p:sldLayoutId id="2147483667" r:id="rId7"/>
-    <p:sldLayoutId id="2147483668" r:id="rId8"/>
-    <p:sldLayoutId id="2147483669" r:id="rId9"/>
-    <p:sldLayoutId id="2147483670" r:id="rId10"/>
-    <p:sldLayoutId id="2147483671" r:id="rId11"/>
-    <p:sldLayoutId id="2147483673" r:id="rId12"/>
+    <p:sldLayoutId id="2147483689" r:id="rId1"/>
+    <p:sldLayoutId id="2147483690" r:id="rId2"/>
+    <p:sldLayoutId id="2147483691" r:id="rId3"/>
+    <p:sldLayoutId id="2147483692" r:id="rId4"/>
+    <p:sldLayoutId id="2147483693" r:id="rId5"/>
+    <p:sldLayoutId id="2147483694" r:id="rId6"/>
+    <p:sldLayoutId id="2147483695" r:id="rId7"/>
+    <p:sldLayoutId id="2147483696" r:id="rId8"/>
+    <p:sldLayoutId id="2147483697" r:id="rId9"/>
+    <p:sldLayoutId id="2147483698" r:id="rId10"/>
+    <p:sldLayoutId id="2147483699" r:id="rId11"/>
+    <p:sldLayoutId id="2147483700" r:id="rId12"/>
+    <p:sldLayoutId id="2147483673" r:id="rId13"/>
   </p:sldLayoutIdLst>
   <p:txStyles>
     <p:titleStyle>
@@ -4659,234 +5145,69 @@
       </p:grpSpPr>
       <p:sp>
         <p:nvSpPr>
-          <p:cNvPr id="2" name="Title 1">
-            <a:extLst>
-              <a:ext uri="{FF2B5EF4-FFF2-40B4-BE49-F238E27FC236}">
-                <a16:creationId xmlns:a16="http://schemas.microsoft.com/office/drawing/2014/main" id="{47807894-EFFE-CD45-AEFD-BFB62D406E86}"/>
-              </a:ext>
-            </a:extLst>
-          </p:cNvPr>
-          <p:cNvSpPr>
-            <a:spLocks noGrp="1"/>
-          </p:cNvSpPr>
-          <p:nvPr>
-            <p:ph type="ctrTitle"/>
-          </p:nvPr>
+          <p:cNvPr id="57" name="Rectangle 56"/>
+          <p:cNvSpPr/>
+          <p:nvPr/>
         </p:nvSpPr>
         <p:spPr>
           <a:xfrm>
-            <a:off x="3048000" y="-1300203"/>
-            <a:ext cx="9144000" cy="2387600"/>
-          </a:xfrm>
-        </p:spPr>
-        <p:txBody>
-          <a:bodyPr>
-            <a:normAutofit/>
-          </a:bodyPr>
-          <a:lstStyle/>
-          <a:p>
-            <a:pPr algn="r"/>
-            <a:r>
-              <a:rPr lang="en-US" sz="3600" dirty="0">
-                <a:solidFill>
-                  <a:schemeClr val="bg1"/>
-                </a:solidFill>
-                <a:latin typeface="Calibri" charset="0"/>
-                <a:cs typeface="Segoe UI" charset="0"/>
-              </a:rPr>
-              <a:t>RNA-Seq Module 2</a:t>
-            </a:r>
-            <a:br>
-              <a:rPr lang="en-US" sz="3600" dirty="0">
-                <a:solidFill>
-                  <a:schemeClr val="bg1"/>
-                </a:solidFill>
-                <a:latin typeface="Calibri" charset="0"/>
-                <a:cs typeface="Segoe UI" charset="0"/>
-              </a:rPr>
-            </a:br>
-            <a:r>
-              <a:rPr lang="en-US" sz="3600" dirty="0">
-                <a:solidFill>
-                  <a:schemeClr val="bg1"/>
-                </a:solidFill>
-                <a:latin typeface="Calibri" charset="0"/>
-                <a:cs typeface="Segoe UI" charset="0"/>
-              </a:rPr>
-              <a:t>FASTA/FASTQ/GTF formats</a:t>
-            </a:r>
-            <a:endParaRPr lang="en-US" sz="3200" b="1" dirty="0">
-              <a:solidFill>
-                <a:schemeClr val="bg1"/>
-              </a:solidFill>
-              <a:latin typeface="Calibri" charset="0"/>
-              <a:cs typeface="Segoe UI" charset="0"/>
-            </a:endParaRPr>
-          </a:p>
-        </p:txBody>
-      </p:sp>
-      <p:sp>
-        <p:nvSpPr>
-          <p:cNvPr id="3" name="Subtitle 2">
-            <a:extLst>
-              <a:ext uri="{FF2B5EF4-FFF2-40B4-BE49-F238E27FC236}">
-                <a16:creationId xmlns:a16="http://schemas.microsoft.com/office/drawing/2014/main" id="{6E120BC9-7354-2449-9237-C9C284B728D9}"/>
-              </a:ext>
-            </a:extLst>
-          </p:cNvPr>
-          <p:cNvSpPr>
-            <a:spLocks noGrp="1"/>
-          </p:cNvSpPr>
-          <p:nvPr>
-            <p:ph type="subTitle" idx="1"/>
-          </p:nvPr>
-        </p:nvSpPr>
-        <p:spPr>
-          <a:xfrm>
-            <a:off x="3048000" y="1087397"/>
-            <a:ext cx="9144000" cy="1655762"/>
-          </a:xfrm>
-        </p:spPr>
-        <p:txBody>
-          <a:bodyPr/>
-          <a:lstStyle/>
-          <a:p>
-            <a:pPr algn="r"/>
-            <a:r>
-              <a:rPr lang="en-US" dirty="0">
-                <a:solidFill>
-                  <a:schemeClr val="bg1"/>
-                </a:solidFill>
-              </a:rPr>
-              <a:t>Kelsy Cotto, Malachi Griffith, Obi Griffith, Megan </a:t>
-            </a:r>
-            <a:r>
-              <a:rPr lang="en-US" dirty="0" err="1">
-                <a:solidFill>
-                  <a:schemeClr val="bg1"/>
-                </a:solidFill>
-              </a:rPr>
-              <a:t>Richters</a:t>
-            </a:r>
-            <a:endParaRPr lang="en-US" dirty="0">
-              <a:solidFill>
-                <a:schemeClr val="bg1"/>
-              </a:solidFill>
-            </a:endParaRPr>
-          </a:p>
-        </p:txBody>
-      </p:sp>
-      <p:sp>
-        <p:nvSpPr>
-          <p:cNvPr id="5" name="TextBox 4">
-            <a:extLst>
-              <a:ext uri="{FF2B5EF4-FFF2-40B4-BE49-F238E27FC236}">
-                <a16:creationId xmlns:a16="http://schemas.microsoft.com/office/drawing/2014/main" id="{11B4D090-3D05-0D43-847B-63C2AA7B1C1E}"/>
-              </a:ext>
-            </a:extLst>
-          </p:cNvPr>
-          <p:cNvSpPr txBox="1"/>
-          <p:nvPr/>
-        </p:nvSpPr>
-        <p:spPr>
-          <a:xfrm>
-            <a:off x="1781299" y="3503221"/>
-            <a:ext cx="2172135" cy="369332"/>
+            <a:off x="1524001" y="2514601"/>
+            <a:ext cx="5758249" cy="3898557"/>
           </a:xfrm>
           <a:prstGeom prst="rect">
             <a:avLst/>
           </a:prstGeom>
-          <a:noFill/>
-        </p:spPr>
-        <p:txBody>
-          <a:bodyPr wrap="square" rtlCol="0">
-            <a:spAutoFit/>
-          </a:bodyPr>
+          <a:solidFill>
+            <a:schemeClr val="accent1">
+              <a:alpha val="18000"/>
+            </a:schemeClr>
+          </a:solidFill>
+          <a:ln>
+            <a:noFill/>
+          </a:ln>
+        </p:spPr>
+        <p:style>
+          <a:lnRef idx="1">
+            <a:schemeClr val="accent1"/>
+          </a:lnRef>
+          <a:fillRef idx="3">
+            <a:schemeClr val="accent1"/>
+          </a:fillRef>
+          <a:effectRef idx="2">
+            <a:schemeClr val="accent1"/>
+          </a:effectRef>
+          <a:fontRef idx="minor">
+            <a:schemeClr val="lt1"/>
+          </a:fontRef>
+        </p:style>
+        <p:txBody>
+          <a:bodyPr anchor="ctr"/>
           <a:lstStyle/>
           <a:p>
-            <a:pPr marL="0" marR="0" lvl="0" indent="0" algn="l" defTabSz="914400" rtl="0" eaLnBrk="1" fontAlgn="auto" latinLnBrk="0" hangingPunct="1">
-              <a:lnSpc>
-                <a:spcPct val="100000"/>
-              </a:lnSpc>
-              <a:spcBef>
-                <a:spcPts val="0"/>
-              </a:spcBef>
-              <a:spcAft>
-                <a:spcPts val="0"/>
-              </a:spcAft>
-              <a:buClrTx/>
-              <a:buSzTx/>
-              <a:buFontTx/>
-              <a:buNone/>
-              <a:tabLst/>
+            <a:pPr algn="ctr">
               <a:defRPr/>
             </a:pPr>
-            <a:r>
-              <a:rPr kumimoji="0" lang="en-US" sz="1800" b="0" i="0" u="none" strike="noStrike" kern="1200" cap="none" spc="0" normalizeH="0" baseline="0" noProof="0" dirty="0">
-                <a:ln>
-                  <a:noFill/>
-                </a:ln>
-                <a:solidFill>
-                  <a:prstClr val="black"/>
-                </a:solidFill>
-                <a:effectLst/>
-                <a:uLnTx/>
-                <a:uFillTx/>
-                <a:latin typeface="Verdana" panose="020B0604030504040204"/>
-                <a:ea typeface="+mn-ea"/>
-                <a:cs typeface="+mn-cs"/>
-              </a:rPr>
-              <a:t>Workshop icon</a:t>
-            </a:r>
+            <a:endParaRPr lang="en-US">
+              <a:solidFill>
+                <a:srgbClr val="FFFFFF"/>
+              </a:solidFill>
+              <a:latin typeface="Calibri" charset="0"/>
+              <a:ea typeface="ＭＳ Ｐゴシック" charset="0"/>
+              <a:cs typeface="Calibri" charset="0"/>
+            </a:endParaRPr>
           </a:p>
         </p:txBody>
       </p:sp>
       <p:pic>
         <p:nvPicPr>
-          <p:cNvPr id="8" name="Picture 7">
-            <a:extLst>
-              <a:ext uri="{FF2B5EF4-FFF2-40B4-BE49-F238E27FC236}">
-                <a16:creationId xmlns:a16="http://schemas.microsoft.com/office/drawing/2014/main" id="{B1FD4585-05BC-264C-9D0B-8CF2936028AB}"/>
-              </a:ext>
-            </a:extLst>
-          </p:cNvPr>
+          <p:cNvPr id="10242" name="Picture 4" descr="TGI_logo_V_2color_bevel.tiff"/>
           <p:cNvPicPr>
             <a:picLocks noChangeAspect="1"/>
           </p:cNvPicPr>
           <p:nvPr/>
         </p:nvPicPr>
         <p:blipFill>
-          <a:blip r:embed="rId2"/>
-          <a:stretch>
-            <a:fillRect/>
-          </a:stretch>
-        </p:blipFill>
-        <p:spPr>
-          <a:xfrm>
-            <a:off x="1781299" y="2619633"/>
-            <a:ext cx="3632886" cy="3632886"/>
-          </a:xfrm>
-          <a:prstGeom prst="rect">
-            <a:avLst/>
-          </a:prstGeom>
-        </p:spPr>
-      </p:pic>
-      <p:pic>
-        <p:nvPicPr>
-          <p:cNvPr id="9" name="Picture 4" descr="TGI_logo_V_2color_bevel.tiff">
-            <a:extLst>
-              <a:ext uri="{FF2B5EF4-FFF2-40B4-BE49-F238E27FC236}">
-                <a16:creationId xmlns:a16="http://schemas.microsoft.com/office/drawing/2014/main" id="{DEC0B3E1-84C4-934F-B1C6-6164B26ED359}"/>
-              </a:ext>
-            </a:extLst>
-          </p:cNvPr>
-          <p:cNvPicPr>
-            <a:picLocks noChangeAspect="1"/>
-          </p:cNvPicPr>
-          <p:nvPr/>
-        </p:nvPicPr>
-        <p:blipFill>
-          <a:blip r:embed="rId3">
+          <a:blip r:embed="rId2">
             <a:extLst>
               <a:ext uri="{28A0092B-C50C-407E-A947-70E740481C1C}">
                 <a14:useLocalDpi xmlns:a14="http://schemas.microsoft.com/office/drawing/2010/main" val="0"/>
@@ -4900,8 +5221,8 @@
         </p:blipFill>
         <p:spPr bwMode="auto">
           <a:xfrm>
-            <a:off x="8506866" y="3326484"/>
-            <a:ext cx="2555875" cy="2219183"/>
+            <a:off x="8112126" y="3744914"/>
+            <a:ext cx="2181225" cy="1893887"/>
           </a:xfrm>
           <a:prstGeom prst="rect">
             <a:avLst/>
@@ -4931,10 +5252,319 @@
           </a:extLst>
         </p:spPr>
       </p:pic>
+      <p:sp>
+        <p:nvSpPr>
+          <p:cNvPr id="10244" name="Title 1"/>
+          <p:cNvSpPr txBox="1">
+            <a:spLocks/>
+          </p:cNvSpPr>
+          <p:nvPr/>
+        </p:nvSpPr>
+        <p:spPr bwMode="auto">
+          <a:xfrm>
+            <a:off x="6096000" y="177977"/>
+            <a:ext cx="6019800" cy="838200"/>
+          </a:xfrm>
+          <a:prstGeom prst="rect">
+            <a:avLst/>
+          </a:prstGeom>
+          <a:noFill/>
+          <a:ln>
+            <a:noFill/>
+          </a:ln>
+          <a:extLst>
+            <a:ext uri="{909E8E84-426E-40dd-AFC4-6F175D3DCCD1}">
+              <a14:hiddenFill xmlns:a14="http://schemas.microsoft.com/office/drawing/2010/main" xmlns="">
+                <a:solidFill>
+                  <a:srgbClr val="FFFFFF"/>
+                </a:solidFill>
+              </a14:hiddenFill>
+            </a:ext>
+            <a:ext uri="{91240B29-F687-4f45-9708-019B960494DF}">
+              <a14:hiddenLine xmlns:a14="http://schemas.microsoft.com/office/drawing/2010/main" xmlns="" w="9525">
+                <a:solidFill>
+                  <a:srgbClr val="000000"/>
+                </a:solidFill>
+                <a:miter lim="800000"/>
+                <a:headEnd/>
+                <a:tailEnd/>
+              </a14:hiddenLine>
+            </a:ext>
+          </a:extLst>
+        </p:spPr>
+        <p:txBody>
+          <a:bodyPr anchor="ctr"/>
+          <a:lstStyle>
+            <a:lvl1pPr eaLnBrk="0" hangingPunct="0">
+              <a:defRPr sz="2400">
+                <a:solidFill>
+                  <a:schemeClr val="tx1"/>
+                </a:solidFill>
+                <a:latin typeface="Arial" charset="0"/>
+                <a:ea typeface="ＭＳ Ｐゴシック" charset="0"/>
+                <a:cs typeface="ＭＳ Ｐゴシック" charset="0"/>
+              </a:defRPr>
+            </a:lvl1pPr>
+            <a:lvl2pPr marL="742950" indent="-285750" eaLnBrk="0" hangingPunct="0">
+              <a:defRPr sz="2400">
+                <a:solidFill>
+                  <a:schemeClr val="tx1"/>
+                </a:solidFill>
+                <a:latin typeface="Arial" charset="0"/>
+                <a:ea typeface="ＭＳ Ｐゴシック" charset="0"/>
+              </a:defRPr>
+            </a:lvl2pPr>
+            <a:lvl3pPr marL="1143000" indent="-228600" eaLnBrk="0" hangingPunct="0">
+              <a:defRPr sz="2400">
+                <a:solidFill>
+                  <a:schemeClr val="tx1"/>
+                </a:solidFill>
+                <a:latin typeface="Arial" charset="0"/>
+                <a:ea typeface="ＭＳ Ｐゴシック" charset="0"/>
+              </a:defRPr>
+            </a:lvl3pPr>
+            <a:lvl4pPr marL="1600200" indent="-228600" eaLnBrk="0" hangingPunct="0">
+              <a:defRPr sz="2400">
+                <a:solidFill>
+                  <a:schemeClr val="tx1"/>
+                </a:solidFill>
+                <a:latin typeface="Arial" charset="0"/>
+                <a:ea typeface="ＭＳ Ｐゴシック" charset="0"/>
+              </a:defRPr>
+            </a:lvl4pPr>
+            <a:lvl5pPr marL="2057400" indent="-228600" eaLnBrk="0" hangingPunct="0">
+              <a:defRPr sz="2400">
+                <a:solidFill>
+                  <a:schemeClr val="tx1"/>
+                </a:solidFill>
+                <a:latin typeface="Arial" charset="0"/>
+                <a:ea typeface="ＭＳ Ｐゴシック" charset="0"/>
+              </a:defRPr>
+            </a:lvl5pPr>
+            <a:lvl6pPr marL="2514600" indent="-228600" eaLnBrk="0" fontAlgn="base" hangingPunct="0">
+              <a:spcBef>
+                <a:spcPct val="0"/>
+              </a:spcBef>
+              <a:spcAft>
+                <a:spcPct val="0"/>
+              </a:spcAft>
+              <a:defRPr sz="2400">
+                <a:solidFill>
+                  <a:schemeClr val="tx1"/>
+                </a:solidFill>
+                <a:latin typeface="Arial" charset="0"/>
+                <a:ea typeface="ＭＳ Ｐゴシック" charset="0"/>
+              </a:defRPr>
+            </a:lvl6pPr>
+            <a:lvl7pPr marL="2971800" indent="-228600" eaLnBrk="0" fontAlgn="base" hangingPunct="0">
+              <a:spcBef>
+                <a:spcPct val="0"/>
+              </a:spcBef>
+              <a:spcAft>
+                <a:spcPct val="0"/>
+              </a:spcAft>
+              <a:defRPr sz="2400">
+                <a:solidFill>
+                  <a:schemeClr val="tx1"/>
+                </a:solidFill>
+                <a:latin typeface="Arial" charset="0"/>
+                <a:ea typeface="ＭＳ Ｐゴシック" charset="0"/>
+              </a:defRPr>
+            </a:lvl7pPr>
+            <a:lvl8pPr marL="3429000" indent="-228600" eaLnBrk="0" fontAlgn="base" hangingPunct="0">
+              <a:spcBef>
+                <a:spcPct val="0"/>
+              </a:spcBef>
+              <a:spcAft>
+                <a:spcPct val="0"/>
+              </a:spcAft>
+              <a:defRPr sz="2400">
+                <a:solidFill>
+                  <a:schemeClr val="tx1"/>
+                </a:solidFill>
+                <a:latin typeface="Arial" charset="0"/>
+                <a:ea typeface="ＭＳ Ｐゴシック" charset="0"/>
+              </a:defRPr>
+            </a:lvl8pPr>
+            <a:lvl9pPr marL="3886200" indent="-228600" eaLnBrk="0" fontAlgn="base" hangingPunct="0">
+              <a:spcBef>
+                <a:spcPct val="0"/>
+              </a:spcBef>
+              <a:spcAft>
+                <a:spcPct val="0"/>
+              </a:spcAft>
+              <a:defRPr sz="2400">
+                <a:solidFill>
+                  <a:schemeClr val="tx1"/>
+                </a:solidFill>
+                <a:latin typeface="Arial" charset="0"/>
+                <a:ea typeface="ＭＳ Ｐゴシック" charset="0"/>
+              </a:defRPr>
+            </a:lvl9pPr>
+          </a:lstStyle>
+          <a:p>
+            <a:pPr algn="r" eaLnBrk="1" hangingPunct="1"/>
+            <a:r>
+              <a:rPr lang="en-US" sz="2000" dirty="0">
+                <a:solidFill>
+                  <a:schemeClr val="bg1"/>
+                </a:solidFill>
+                <a:latin typeface="Calibri" charset="0"/>
+                <a:cs typeface="Segoe UI" charset="0"/>
+              </a:rPr>
+              <a:t>Introduction to cloud computing</a:t>
+            </a:r>
+            <a:endParaRPr lang="en-US" sz="1800" b="1" dirty="0">
+              <a:solidFill>
+                <a:schemeClr val="bg1"/>
+              </a:solidFill>
+              <a:latin typeface="Calibri" charset="0"/>
+              <a:cs typeface="Segoe UI" charset="0"/>
+            </a:endParaRPr>
+          </a:p>
+        </p:txBody>
+      </p:sp>
+      <p:sp>
+        <p:nvSpPr>
+          <p:cNvPr id="8" name="Title 1"/>
+          <p:cNvSpPr txBox="1">
+            <a:spLocks/>
+          </p:cNvSpPr>
+          <p:nvPr/>
+        </p:nvSpPr>
+        <p:spPr>
+          <a:xfrm>
+            <a:off x="6837406" y="1219199"/>
+            <a:ext cx="5278394" cy="1161346"/>
+          </a:xfrm>
+          <a:prstGeom prst="rect">
+            <a:avLst/>
+          </a:prstGeom>
+        </p:spPr>
+        <p:txBody>
+          <a:bodyPr anchor="ctr"/>
+          <a:lstStyle>
+            <a:lvl1pPr algn="r">
+              <a:defRPr sz="3200" baseline="0">
+                <a:solidFill>
+                  <a:schemeClr val="bg1"/>
+                </a:solidFill>
+                <a:latin typeface="Adobe Jenson Pro" pitchFamily="18" charset="0"/>
+              </a:defRPr>
+            </a:lvl1pPr>
+          </a:lstStyle>
+          <a:p>
+            <a:pPr>
+              <a:defRPr/>
+            </a:pPr>
+            <a:r>
+              <a:rPr lang="en-US" sz="1800" dirty="0">
+                <a:latin typeface="Calibri"/>
+                <a:cs typeface="Calibri"/>
+              </a:rPr>
+              <a:t>Kelsy Cotto, Felicia Gomez,</a:t>
+            </a:r>
+          </a:p>
+          <a:p>
+            <a:pPr>
+              <a:defRPr/>
+            </a:pPr>
+            <a:r>
+              <a:rPr lang="en-US" sz="1800" dirty="0">
+                <a:latin typeface="Calibri"/>
+                <a:cs typeface="Calibri"/>
+              </a:rPr>
+              <a:t>Obi Griffith, Malachi Griffith, </a:t>
+            </a:r>
+            <a:r>
+              <a:rPr lang="en-US" sz="1800" dirty="0" err="1">
+                <a:latin typeface="Calibri"/>
+                <a:cs typeface="Calibri"/>
+              </a:rPr>
+              <a:t>Huiming</a:t>
+            </a:r>
+            <a:r>
+              <a:rPr lang="en-US" sz="1800" dirty="0">
+                <a:latin typeface="Calibri"/>
+                <a:cs typeface="Calibri"/>
+              </a:rPr>
+              <a:t> Xia</a:t>
+            </a:r>
+          </a:p>
+          <a:p>
+            <a:pPr>
+              <a:defRPr/>
+            </a:pPr>
+            <a:r>
+              <a:rPr lang="en-US" sz="1800" dirty="0">
+                <a:ln w="1270">
+                  <a:solidFill>
+                    <a:schemeClr val="tx1">
+                      <a:alpha val="38000"/>
+                    </a:schemeClr>
+                  </a:solidFill>
+                </a:ln>
+                <a:latin typeface="Calibri"/>
+                <a:cs typeface="Calibri"/>
+              </a:rPr>
+              <a:t>Advanced Sequencing Technologies &amp; Applications</a:t>
+            </a:r>
+          </a:p>
+          <a:p>
+            <a:pPr>
+              <a:defRPr/>
+            </a:pPr>
+            <a:r>
+              <a:rPr lang="en-US" sz="1600" dirty="0">
+                <a:ln w="1270">
+                  <a:solidFill>
+                    <a:schemeClr val="tx1">
+                      <a:alpha val="38000"/>
+                    </a:schemeClr>
+                  </a:solidFill>
+                </a:ln>
+                <a:latin typeface="Calibri"/>
+                <a:cs typeface="Calibri"/>
+              </a:rPr>
+              <a:t>November 5- 16, 2019</a:t>
+            </a:r>
+          </a:p>
+        </p:txBody>
+      </p:sp>
+      <p:pic>
+        <p:nvPicPr>
+          <p:cNvPr id="2" name="Picture 1" descr="DataCenter.jpg"/>
+          <p:cNvPicPr>
+            <a:picLocks noChangeAspect="1"/>
+          </p:cNvPicPr>
+          <p:nvPr/>
+        </p:nvPicPr>
+        <p:blipFill>
+          <a:blip r:embed="rId3" cstate="print">
+            <a:extLst>
+              <a:ext uri="{28A0092B-C50C-407E-A947-70E740481C1C}">
+                <a14:useLocalDpi xmlns:a14="http://schemas.microsoft.com/office/drawing/2010/main" val="0"/>
+              </a:ext>
+            </a:extLst>
+          </a:blip>
+          <a:stretch>
+            <a:fillRect/>
+          </a:stretch>
+        </p:blipFill>
+        <p:spPr>
+          <a:xfrm>
+            <a:off x="1703513" y="2708921"/>
+            <a:ext cx="5133893" cy="3422595"/>
+          </a:xfrm>
+          <a:prstGeom prst="rect">
+            <a:avLst/>
+          </a:prstGeom>
+        </p:spPr>
+      </p:pic>
     </p:spTree>
     <p:extLst>
       <p:ext uri="{BB962C8B-B14F-4D97-AF65-F5344CB8AC3E}">
-        <p14:creationId xmlns:p14="http://schemas.microsoft.com/office/powerpoint/2010/main" val="1702947648"/>
+        <p14:creationId xmlns:p14="http://schemas.microsoft.com/office/powerpoint/2010/main" val="1530287098"/>
       </p:ext>
     </p:extLst>
   </p:cSld>
@@ -4979,8 +5609,8 @@
         </p:nvSpPr>
         <p:spPr>
           <a:xfrm>
-            <a:off x="294290" y="18256"/>
-            <a:ext cx="11750564" cy="1169414"/>
+            <a:off x="1744719" y="870945"/>
+            <a:ext cx="8812923" cy="877061"/>
           </a:xfrm>
         </p:spPr>
         <p:txBody>
@@ -4990,14 +5620,14 @@
           <a:lstStyle/>
           <a:p>
             <a:r>
-              <a:rPr lang="en-US" sz="3600" b="1" dirty="0" err="1">
+              <a:rPr lang="en-US" sz="2700" b="1" dirty="0" err="1">
                 <a:latin typeface="Calibri" panose="020F0502020204030204" pitchFamily="34" charset="0"/>
                 <a:cs typeface="Calibri" panose="020F0502020204030204" pitchFamily="34" charset="0"/>
               </a:rPr>
               <a:t>Fasta</a:t>
             </a:r>
             <a:r>
-              <a:rPr lang="en-US" sz="3600" b="1" dirty="0">
+              <a:rPr lang="en-US" sz="2700" b="1" dirty="0">
                 <a:latin typeface="Calibri" panose="020F0502020204030204" pitchFamily="34" charset="0"/>
                 <a:cs typeface="Calibri" panose="020F0502020204030204" pitchFamily="34" charset="0"/>
               </a:rPr>
@@ -5024,13 +5654,13 @@
         </p:nvSpPr>
         <p:spPr>
           <a:xfrm>
-            <a:off x="538152" y="1376972"/>
-            <a:ext cx="7170683" cy="4966678"/>
+            <a:off x="1927615" y="1889982"/>
+            <a:ext cx="5378012" cy="3725009"/>
           </a:xfrm>
         </p:spPr>
         <p:txBody>
           <a:bodyPr>
-            <a:normAutofit fontScale="92500"/>
+            <a:normAutofit fontScale="85000" lnSpcReduction="10000"/>
           </a:bodyPr>
           <a:lstStyle/>
           <a:p>
@@ -5038,7 +5668,7 @@
               <a:buNone/>
             </a:pPr>
             <a:r>
-              <a:rPr lang="en-US" sz="1400" dirty="0">
+              <a:rPr lang="en-US" sz="1050" dirty="0">
                 <a:latin typeface="Courier" pitchFamily="2" charset="0"/>
                 <a:cs typeface="Calibri" panose="020F0502020204030204" pitchFamily="34" charset="0"/>
               </a:rPr>
@@ -5049,7 +5679,7 @@
             <a:pPr marL="0" indent="0">
               <a:buNone/>
             </a:pPr>
-            <a:endParaRPr lang="en-US" sz="1400" dirty="0">
+            <a:endParaRPr lang="en-US" sz="1050" dirty="0">
               <a:latin typeface="Courier" pitchFamily="2" charset="0"/>
               <a:cs typeface="Calibri" panose="020F0502020204030204" pitchFamily="34" charset="0"/>
             </a:endParaRPr>
@@ -5059,7 +5689,7 @@
               <a:buNone/>
             </a:pPr>
             <a:r>
-              <a:rPr lang="en-US" sz="1400" dirty="0">
+              <a:rPr lang="en-US" sz="1050" dirty="0">
                 <a:latin typeface="Courier" pitchFamily="2" charset="0"/>
                 <a:cs typeface="Calibri" panose="020F0502020204030204" pitchFamily="34" charset="0"/>
               </a:rPr>
@@ -5071,7 +5701,7 @@
               <a:buNone/>
             </a:pPr>
             <a:r>
-              <a:rPr lang="en-US" sz="1400" dirty="0">
+              <a:rPr lang="en-US" sz="1050" dirty="0">
                 <a:latin typeface="Courier" pitchFamily="2" charset="0"/>
                 <a:cs typeface="Calibri" panose="020F0502020204030204" pitchFamily="34" charset="0"/>
               </a:rPr>
@@ -5083,7 +5713,7 @@
               <a:buNone/>
             </a:pPr>
             <a:r>
-              <a:rPr lang="en-US" sz="1400" dirty="0">
+              <a:rPr lang="en-US" sz="1050" dirty="0">
                 <a:latin typeface="Courier" pitchFamily="2" charset="0"/>
                 <a:cs typeface="Calibri" panose="020F0502020204030204" pitchFamily="34" charset="0"/>
               </a:rPr>
@@ -5095,7 +5725,7 @@
               <a:buNone/>
             </a:pPr>
             <a:r>
-              <a:rPr lang="en-US" sz="1400" dirty="0">
+              <a:rPr lang="en-US" sz="1050" dirty="0">
                 <a:latin typeface="Courier" pitchFamily="2" charset="0"/>
                 <a:cs typeface="Calibri" panose="020F0502020204030204" pitchFamily="34" charset="0"/>
               </a:rPr>
@@ -5107,7 +5737,7 @@
               <a:buNone/>
             </a:pPr>
             <a:r>
-              <a:rPr lang="en-US" sz="1400" dirty="0">
+              <a:rPr lang="en-US" sz="1050" dirty="0">
                 <a:latin typeface="Courier" pitchFamily="2" charset="0"/>
                 <a:cs typeface="Calibri" panose="020F0502020204030204" pitchFamily="34" charset="0"/>
               </a:rPr>
@@ -5119,7 +5749,7 @@
               <a:buNone/>
             </a:pPr>
             <a:r>
-              <a:rPr lang="en-US" sz="1400" dirty="0">
+              <a:rPr lang="en-US" sz="1050" dirty="0">
                 <a:latin typeface="Courier" pitchFamily="2" charset="0"/>
                 <a:cs typeface="Calibri" panose="020F0502020204030204" pitchFamily="34" charset="0"/>
               </a:rPr>
@@ -5131,7 +5761,7 @@
               <a:buNone/>
             </a:pPr>
             <a:r>
-              <a:rPr lang="en-US" sz="1400" dirty="0">
+              <a:rPr lang="en-US" sz="1050" dirty="0">
                 <a:latin typeface="Courier" pitchFamily="2" charset="0"/>
                 <a:cs typeface="Calibri" panose="020F0502020204030204" pitchFamily="34" charset="0"/>
               </a:rPr>
@@ -5142,7 +5772,7 @@
             <a:pPr marL="0" indent="0">
               <a:buNone/>
             </a:pPr>
-            <a:endParaRPr lang="en-US" sz="1400" dirty="0">
+            <a:endParaRPr lang="en-US" sz="1050" dirty="0">
               <a:latin typeface="Courier" pitchFamily="2" charset="0"/>
               <a:cs typeface="Calibri" panose="020F0502020204030204" pitchFamily="34" charset="0"/>
             </a:endParaRPr>
@@ -5152,7 +5782,7 @@
               <a:buNone/>
             </a:pPr>
             <a:r>
-              <a:rPr lang="en-US" sz="1400" dirty="0">
+              <a:rPr lang="en-US" sz="1050" dirty="0">
                 <a:latin typeface="Courier" pitchFamily="2" charset="0"/>
                 <a:cs typeface="Calibri" panose="020F0502020204030204" pitchFamily="34" charset="0"/>
               </a:rPr>
@@ -5164,7 +5794,7 @@
               <a:buNone/>
             </a:pPr>
             <a:r>
-              <a:rPr lang="en-US" sz="1400" dirty="0">
+              <a:rPr lang="en-US" sz="1050" dirty="0">
                 <a:latin typeface="Courier" pitchFamily="2" charset="0"/>
                 <a:cs typeface="Calibri" panose="020F0502020204030204" pitchFamily="34" charset="0"/>
               </a:rPr>
@@ -5176,7 +5806,7 @@
               <a:buNone/>
             </a:pPr>
             <a:r>
-              <a:rPr lang="en-US" sz="1400" dirty="0">
+              <a:rPr lang="en-US" sz="1050" dirty="0">
                 <a:latin typeface="Courier" pitchFamily="2" charset="0"/>
                 <a:cs typeface="Calibri" panose="020F0502020204030204" pitchFamily="34" charset="0"/>
               </a:rPr>
@@ -5188,7 +5818,7 @@
               <a:buNone/>
             </a:pPr>
             <a:r>
-              <a:rPr lang="en-US" sz="1400" dirty="0">
+              <a:rPr lang="en-US" sz="1050" dirty="0">
                 <a:latin typeface="Courier" pitchFamily="2" charset="0"/>
                 <a:cs typeface="Calibri" panose="020F0502020204030204" pitchFamily="34" charset="0"/>
               </a:rPr>
@@ -5200,7 +5830,7 @@
               <a:buNone/>
             </a:pPr>
             <a:r>
-              <a:rPr lang="en-US" sz="1400" dirty="0">
+              <a:rPr lang="en-US" sz="1050" dirty="0">
                 <a:latin typeface="Courier" pitchFamily="2" charset="0"/>
                 <a:cs typeface="Calibri" panose="020F0502020204030204" pitchFamily="34" charset="0"/>
               </a:rPr>
@@ -5223,8 +5853,8 @@
         </p:nvSpPr>
         <p:spPr>
           <a:xfrm>
-            <a:off x="8080323" y="934058"/>
-            <a:ext cx="3815255" cy="1200329"/>
+            <a:off x="7584246" y="1557795"/>
+            <a:ext cx="2861441" cy="923330"/>
           </a:xfrm>
           <a:prstGeom prst="rect">
             <a:avLst/>
@@ -5238,7 +5868,7 @@
           <a:lstStyle/>
           <a:p>
             <a:r>
-              <a:rPr lang="en-US" dirty="0">
+              <a:rPr lang="en-US" sz="1350" dirty="0">
                 <a:latin typeface="Calibri" panose="020F0502020204030204" pitchFamily="34" charset="0"/>
                 <a:cs typeface="Calibri" panose="020F0502020204030204" pitchFamily="34" charset="0"/>
               </a:rPr>
@@ -5261,8 +5891,8 @@
         </p:nvCxnSpPr>
         <p:spPr>
           <a:xfrm>
-            <a:off x="7934001" y="1343845"/>
-            <a:ext cx="0" cy="367862"/>
+            <a:off x="7474501" y="1865137"/>
+            <a:ext cx="0" cy="275897"/>
           </a:xfrm>
           <a:prstGeom prst="line">
             <a:avLst/>
@@ -5304,8 +5934,8 @@
         </p:nvCxnSpPr>
         <p:spPr>
           <a:xfrm>
-            <a:off x="7934001" y="2228855"/>
-            <a:ext cx="0" cy="1957388"/>
+            <a:off x="7474501" y="2528892"/>
+            <a:ext cx="0" cy="1468041"/>
           </a:xfrm>
           <a:prstGeom prst="line">
             <a:avLst/>
@@ -5345,8 +5975,8 @@
         </p:nvSpPr>
         <p:spPr>
           <a:xfrm>
-            <a:off x="8080322" y="2340303"/>
-            <a:ext cx="3815255" cy="1477328"/>
+            <a:off x="7584245" y="2612480"/>
+            <a:ext cx="2861441" cy="1131079"/>
           </a:xfrm>
           <a:prstGeom prst="rect">
             <a:avLst/>
@@ -5360,7 +5990,7 @@
           <a:lstStyle/>
           <a:p>
             <a:r>
-              <a:rPr lang="en-US" dirty="0">
+              <a:rPr lang="en-US" sz="1350" dirty="0">
                 <a:latin typeface="Calibri" panose="020F0502020204030204" pitchFamily="34" charset="0"/>
                 <a:cs typeface="Calibri" panose="020F0502020204030204" pitchFamily="34" charset="0"/>
               </a:rPr>
@@ -5368,12 +5998,12 @@
             </a:r>
           </a:p>
           <a:p>
-            <a:pPr marL="285750" indent="-285750">
+            <a:pPr marL="214303" indent="-214303">
               <a:buFontTx/>
               <a:buChar char="-"/>
             </a:pPr>
             <a:r>
-              <a:rPr lang="en-US" dirty="0">
+              <a:rPr lang="en-US" sz="1350" dirty="0">
                 <a:latin typeface="Calibri" panose="020F0502020204030204" pitchFamily="34" charset="0"/>
                 <a:cs typeface="Calibri" panose="020F0502020204030204" pitchFamily="34" charset="0"/>
               </a:rPr>
@@ -5381,12 +6011,12 @@
             </a:r>
           </a:p>
           <a:p>
-            <a:pPr marL="285750" indent="-285750">
+            <a:pPr marL="214303" indent="-214303">
               <a:buFontTx/>
               <a:buChar char="-"/>
             </a:pPr>
             <a:r>
-              <a:rPr lang="en-US" dirty="0">
+              <a:rPr lang="en-US" sz="1350" dirty="0">
                 <a:latin typeface="Calibri" panose="020F0502020204030204" pitchFamily="34" charset="0"/>
                 <a:cs typeface="Calibri" panose="020F0502020204030204" pitchFamily="34" charset="0"/>
               </a:rPr>
@@ -5411,8 +6041,8 @@
         </p:nvCxnSpPr>
         <p:spPr>
           <a:xfrm flipH="1">
-            <a:off x="7933677" y="4886325"/>
-            <a:ext cx="324" cy="1014413"/>
+            <a:off x="7474260" y="4521996"/>
+            <a:ext cx="243" cy="760810"/>
           </a:xfrm>
           <a:prstGeom prst="line">
             <a:avLst/>
@@ -5452,8 +6082,8 @@
         </p:nvSpPr>
         <p:spPr>
           <a:xfrm>
-            <a:off x="8080321" y="4916422"/>
-            <a:ext cx="3815255" cy="923330"/>
+            <a:off x="7584244" y="4544570"/>
+            <a:ext cx="2861441" cy="715581"/>
           </a:xfrm>
           <a:prstGeom prst="rect">
             <a:avLst/>
@@ -5467,7 +6097,7 @@
           <a:lstStyle/>
           <a:p>
             <a:r>
-              <a:rPr lang="en-US" dirty="0">
+              <a:rPr lang="en-US" sz="1350" dirty="0">
                 <a:latin typeface="Calibri" panose="020F0502020204030204" pitchFamily="34" charset="0"/>
                 <a:cs typeface="Calibri" panose="020F0502020204030204" pitchFamily="34" charset="0"/>
               </a:rPr>
@@ -5518,8 +6148,8 @@
         </p:nvSpPr>
         <p:spPr>
           <a:xfrm>
-            <a:off x="304800" y="111850"/>
-            <a:ext cx="11684000" cy="949695"/>
+            <a:off x="1752600" y="941141"/>
+            <a:ext cx="8763000" cy="712271"/>
           </a:xfrm>
         </p:spPr>
         <p:txBody>
@@ -5529,14 +6159,14 @@
           <a:lstStyle/>
           <a:p>
             <a:r>
-              <a:rPr lang="en-US" sz="3600" b="1" dirty="0" err="1">
+              <a:rPr lang="en-US" sz="2700" b="1" dirty="0" err="1">
                 <a:latin typeface="Calibri" panose="020F0502020204030204" pitchFamily="34" charset="0"/>
                 <a:cs typeface="Calibri" panose="020F0502020204030204" pitchFamily="34" charset="0"/>
               </a:rPr>
               <a:t>Fastq</a:t>
             </a:r>
             <a:r>
-              <a:rPr lang="en-US" sz="3600" b="1" dirty="0">
+              <a:rPr lang="en-US" sz="2700" b="1" dirty="0">
                 <a:latin typeface="Calibri" panose="020F0502020204030204" pitchFamily="34" charset="0"/>
                 <a:cs typeface="Calibri" panose="020F0502020204030204" pitchFamily="34" charset="0"/>
               </a:rPr>
@@ -5557,8 +6187,8 @@
         </p:nvSpPr>
         <p:spPr>
           <a:xfrm>
-            <a:off x="304800" y="1354666"/>
-            <a:ext cx="8026400" cy="4817535"/>
+            <a:off x="1752600" y="1873253"/>
+            <a:ext cx="6019800" cy="3613151"/>
           </a:xfrm>
         </p:spPr>
         <p:txBody>
@@ -5574,7 +6204,7 @@
               <a:buNone/>
             </a:pPr>
             <a:r>
-              <a:rPr lang="en-US" sz="2200" dirty="0">
+              <a:rPr lang="en-US" sz="1650" dirty="0">
                 <a:latin typeface="Courier" pitchFamily="2" charset="0"/>
                 <a:cs typeface="Calibri" panose="020F0502020204030204" pitchFamily="34" charset="0"/>
               </a:rPr>
@@ -5589,7 +6219,7 @@
               <a:buNone/>
             </a:pPr>
             <a:r>
-              <a:rPr lang="en-US" sz="2200" dirty="0">
+              <a:rPr lang="en-US" sz="1650" dirty="0">
                 <a:latin typeface="Courier" pitchFamily="2" charset="0"/>
                 <a:cs typeface="Calibri" panose="020F0502020204030204" pitchFamily="34" charset="0"/>
               </a:rPr>
@@ -5604,7 +6234,7 @@
               <a:buNone/>
             </a:pPr>
             <a:r>
-              <a:rPr lang="en-US" sz="2200" dirty="0">
+              <a:rPr lang="en-US" sz="1650" dirty="0">
                 <a:latin typeface="Courier" pitchFamily="2" charset="0"/>
                 <a:cs typeface="Calibri" panose="020F0502020204030204" pitchFamily="34" charset="0"/>
               </a:rPr>
@@ -5619,7 +6249,7 @@
               <a:buNone/>
             </a:pPr>
             <a:r>
-              <a:rPr lang="en-US" sz="2200" dirty="0">
+              <a:rPr lang="en-US" sz="1650" dirty="0">
                 <a:latin typeface="Courier" pitchFamily="2" charset="0"/>
                 <a:cs typeface="Calibri" panose="020F0502020204030204" pitchFamily="34" charset="0"/>
               </a:rPr>
@@ -5633,7 +6263,7 @@
               </a:lnSpc>
               <a:buNone/>
             </a:pPr>
-            <a:endParaRPr lang="en-US" sz="2200" dirty="0">
+            <a:endParaRPr lang="en-US" sz="1650" dirty="0">
               <a:latin typeface="Courier" pitchFamily="2" charset="0"/>
               <a:cs typeface="Calibri" panose="020F0502020204030204" pitchFamily="34" charset="0"/>
             </a:endParaRPr>
@@ -5646,7 +6276,7 @@
               <a:buNone/>
             </a:pPr>
             <a:r>
-              <a:rPr lang="en-US" sz="2200" dirty="0">
+              <a:rPr lang="en-US" sz="1650" dirty="0">
                 <a:latin typeface="Courier" pitchFamily="2" charset="0"/>
                 <a:cs typeface="Calibri" panose="020F0502020204030204" pitchFamily="34" charset="0"/>
               </a:rPr>
@@ -5661,7 +6291,7 @@
               <a:buNone/>
             </a:pPr>
             <a:r>
-              <a:rPr lang="en-US" sz="2200" dirty="0">
+              <a:rPr lang="en-US" sz="1650" dirty="0">
                 <a:latin typeface="Courier" pitchFamily="2" charset="0"/>
                 <a:cs typeface="Calibri" panose="020F0502020204030204" pitchFamily="34" charset="0"/>
               </a:rPr>
@@ -5676,7 +6306,7 @@
               <a:buNone/>
             </a:pPr>
             <a:r>
-              <a:rPr lang="en-US" sz="2200" dirty="0">
+              <a:rPr lang="en-US" sz="1650" dirty="0">
                 <a:latin typeface="Courier" pitchFamily="2" charset="0"/>
                 <a:cs typeface="Calibri" panose="020F0502020204030204" pitchFamily="34" charset="0"/>
               </a:rPr>
@@ -5691,7 +6321,7 @@
               <a:buNone/>
             </a:pPr>
             <a:r>
-              <a:rPr lang="en-US" sz="2200" dirty="0">
+              <a:rPr lang="en-US" sz="1650" dirty="0">
                 <a:latin typeface="Courier" pitchFamily="2" charset="0"/>
                 <a:cs typeface="Calibri" panose="020F0502020204030204" pitchFamily="34" charset="0"/>
               </a:rPr>
@@ -5714,8 +6344,8 @@
         </p:nvSpPr>
         <p:spPr>
           <a:xfrm>
-            <a:off x="8080329" y="819754"/>
-            <a:ext cx="3815255" cy="923330"/>
+            <a:off x="7584250" y="1472068"/>
+            <a:ext cx="2861441" cy="715581"/>
           </a:xfrm>
           <a:prstGeom prst="rect">
             <a:avLst/>
@@ -5729,7 +6359,7 @@
           <a:lstStyle/>
           <a:p>
             <a:r>
-              <a:rPr lang="en-US" dirty="0">
+              <a:rPr lang="en-US" sz="1350" dirty="0">
                 <a:latin typeface="Calibri" panose="020F0502020204030204" pitchFamily="34" charset="0"/>
                 <a:cs typeface="Calibri" panose="020F0502020204030204" pitchFamily="34" charset="0"/>
               </a:rPr>
@@ -5752,8 +6382,8 @@
         </p:nvCxnSpPr>
         <p:spPr>
           <a:xfrm>
-            <a:off x="7462515" y="1343845"/>
-            <a:ext cx="0" cy="367862"/>
+            <a:off x="7120886" y="1865137"/>
+            <a:ext cx="0" cy="275897"/>
           </a:xfrm>
           <a:prstGeom prst="line">
             <a:avLst/>
@@ -5793,8 +6423,8 @@
         </p:nvCxnSpPr>
         <p:spPr>
           <a:xfrm>
-            <a:off x="7462515" y="1871676"/>
-            <a:ext cx="0" cy="367862"/>
+            <a:off x="7120886" y="2261010"/>
+            <a:ext cx="0" cy="275897"/>
           </a:xfrm>
           <a:prstGeom prst="line">
             <a:avLst/>
@@ -5837,8 +6467,8 @@
         </p:nvCxnSpPr>
         <p:spPr>
           <a:xfrm flipH="1">
-            <a:off x="7462515" y="1281419"/>
-            <a:ext cx="617814" cy="261631"/>
+            <a:off x="7120891" y="1829858"/>
+            <a:ext cx="463358" cy="184682"/>
           </a:xfrm>
           <a:prstGeom prst="line">
             <a:avLst/>
@@ -5881,8 +6511,8 @@
         </p:nvCxnSpPr>
         <p:spPr>
           <a:xfrm flipH="1" flipV="1">
-            <a:off x="7462515" y="2055607"/>
-            <a:ext cx="617814" cy="59678"/>
+            <a:off x="7120891" y="2398963"/>
+            <a:ext cx="463358" cy="56292"/>
           </a:xfrm>
           <a:prstGeom prst="line">
             <a:avLst/>
@@ -5922,8 +6552,8 @@
         </p:nvSpPr>
         <p:spPr>
           <a:xfrm>
-            <a:off x="8080329" y="1930619"/>
-            <a:ext cx="3815255" cy="369332"/>
+            <a:off x="7584250" y="2305214"/>
+            <a:ext cx="2861441" cy="300082"/>
           </a:xfrm>
           <a:prstGeom prst="rect">
             <a:avLst/>
@@ -5937,7 +6567,7 @@
           <a:lstStyle/>
           <a:p>
             <a:r>
-              <a:rPr lang="en-US" dirty="0">
+              <a:rPr lang="en-US" sz="1350" dirty="0">
                 <a:latin typeface="Calibri" panose="020F0502020204030204" pitchFamily="34" charset="0"/>
                 <a:cs typeface="Calibri" panose="020F0502020204030204" pitchFamily="34" charset="0"/>
               </a:rPr>
@@ -5960,8 +6590,8 @@
         </p:nvCxnSpPr>
         <p:spPr>
           <a:xfrm>
-            <a:off x="7462515" y="2352686"/>
-            <a:ext cx="0" cy="367862"/>
+            <a:off x="7120886" y="2621767"/>
+            <a:ext cx="0" cy="275897"/>
           </a:xfrm>
           <a:prstGeom prst="line">
             <a:avLst/>
@@ -6004,8 +6634,8 @@
         </p:nvCxnSpPr>
         <p:spPr>
           <a:xfrm flipH="1" flipV="1">
-            <a:off x="7457747" y="2522333"/>
-            <a:ext cx="617814" cy="59678"/>
+            <a:off x="7117315" y="2749006"/>
+            <a:ext cx="463358" cy="56294"/>
           </a:xfrm>
           <a:prstGeom prst="line">
             <a:avLst/>
@@ -6045,8 +6675,8 @@
         </p:nvSpPr>
         <p:spPr>
           <a:xfrm>
-            <a:off x="8075561" y="2397345"/>
-            <a:ext cx="3815255" cy="369332"/>
+            <a:off x="7580674" y="2655259"/>
+            <a:ext cx="2861441" cy="300082"/>
           </a:xfrm>
           <a:prstGeom prst="rect">
             <a:avLst/>
@@ -6060,7 +6690,7 @@
           <a:lstStyle/>
           <a:p>
             <a:r>
-              <a:rPr lang="en-US" dirty="0">
+              <a:rPr lang="en-US" sz="1350" dirty="0">
                 <a:latin typeface="Calibri" panose="020F0502020204030204" pitchFamily="34" charset="0"/>
                 <a:cs typeface="Calibri" panose="020F0502020204030204" pitchFamily="34" charset="0"/>
               </a:rPr>
@@ -6083,8 +6713,8 @@
         </p:nvCxnSpPr>
         <p:spPr>
           <a:xfrm>
-            <a:off x="7462515" y="2853461"/>
-            <a:ext cx="0" cy="367862"/>
+            <a:off x="7120886" y="2997349"/>
+            <a:ext cx="0" cy="275897"/>
           </a:xfrm>
           <a:prstGeom prst="line">
             <a:avLst/>
@@ -6127,8 +6757,8 @@
         </p:nvCxnSpPr>
         <p:spPr>
           <a:xfrm flipH="1" flipV="1">
-            <a:off x="7457747" y="3023108"/>
-            <a:ext cx="617814" cy="59678"/>
+            <a:off x="7117315" y="3124585"/>
+            <a:ext cx="463358" cy="56296"/>
           </a:xfrm>
           <a:prstGeom prst="line">
             <a:avLst/>
@@ -6168,8 +6798,8 @@
         </p:nvSpPr>
         <p:spPr>
           <a:xfrm>
-            <a:off x="8075561" y="2898120"/>
-            <a:ext cx="3815255" cy="369332"/>
+            <a:off x="7580674" y="3030840"/>
+            <a:ext cx="2861441" cy="300082"/>
           </a:xfrm>
           <a:prstGeom prst="rect">
             <a:avLst/>
@@ -6183,7 +6813,7 @@
           <a:lstStyle/>
           <a:p>
             <a:r>
-              <a:rPr lang="en-US" dirty="0">
+              <a:rPr lang="en-US" sz="1350" dirty="0">
                 <a:latin typeface="Calibri" panose="020F0502020204030204" pitchFamily="34" charset="0"/>
                 <a:cs typeface="Calibri" panose="020F0502020204030204" pitchFamily="34" charset="0"/>
               </a:rPr>
@@ -6208,8 +6838,8 @@
         </p:nvCxnSpPr>
         <p:spPr>
           <a:xfrm>
-            <a:off x="7457747" y="3877399"/>
-            <a:ext cx="0" cy="1809026"/>
+            <a:off x="7117310" y="3765301"/>
+            <a:ext cx="0" cy="1356770"/>
           </a:xfrm>
           <a:prstGeom prst="line">
             <a:avLst/>
@@ -6249,8 +6879,8 @@
         </p:nvSpPr>
         <p:spPr>
           <a:xfrm>
-            <a:off x="8080329" y="4602705"/>
-            <a:ext cx="3815255" cy="369332"/>
+            <a:off x="7584250" y="4309279"/>
+            <a:ext cx="2861441" cy="300082"/>
           </a:xfrm>
           <a:prstGeom prst="rect">
             <a:avLst/>
@@ -6264,7 +6894,7 @@
           <a:lstStyle/>
           <a:p>
             <a:r>
-              <a:rPr lang="en-US" dirty="0">
+              <a:rPr lang="en-US" sz="1350" dirty="0">
                 <a:latin typeface="Calibri" panose="020F0502020204030204" pitchFamily="34" charset="0"/>
                 <a:cs typeface="Calibri" panose="020F0502020204030204" pitchFamily="34" charset="0"/>
               </a:rPr>
@@ -6289,8 +6919,8 @@
         </p:nvCxnSpPr>
         <p:spPr>
           <a:xfrm flipH="1">
-            <a:off x="7452001" y="4780407"/>
-            <a:ext cx="623560" cy="0"/>
+            <a:off x="7113001" y="4442555"/>
+            <a:ext cx="467670" cy="0"/>
           </a:xfrm>
           <a:prstGeom prst="line">
             <a:avLst/>
@@ -6358,8 +6988,8 @@
         </p:nvSpPr>
         <p:spPr>
           <a:xfrm>
-            <a:off x="304800" y="111850"/>
-            <a:ext cx="11684000" cy="949695"/>
+            <a:off x="1752600" y="941141"/>
+            <a:ext cx="8763000" cy="712271"/>
           </a:xfrm>
         </p:spPr>
         <p:txBody>
@@ -6369,7 +6999,7 @@
           <a:lstStyle/>
           <a:p>
             <a:r>
-              <a:rPr lang="en-US" sz="3600" b="1" dirty="0">
+              <a:rPr lang="en-US" sz="2700" b="1" dirty="0">
                 <a:latin typeface="Calibri" panose="020F0502020204030204" pitchFamily="34" charset="0"/>
                 <a:cs typeface="Calibri" panose="020F0502020204030204" pitchFamily="34" charset="0"/>
               </a:rPr>
@@ -6390,8 +7020,8 @@
         </p:nvSpPr>
         <p:spPr>
           <a:xfrm>
-            <a:off x="90480" y="1354666"/>
-            <a:ext cx="5972032" cy="881593"/>
+            <a:off x="1591860" y="1873253"/>
+            <a:ext cx="4479024" cy="661195"/>
           </a:xfrm>
         </p:spPr>
         <p:txBody>
@@ -6404,7 +7034,7 @@
               <a:buNone/>
             </a:pPr>
             <a:r>
-              <a:rPr lang="en-US" sz="2667" dirty="0">
+              <a:rPr lang="en-US" sz="2000" dirty="0">
                 <a:latin typeface="Calibri" panose="020F0502020204030204" pitchFamily="34" charset="0"/>
                 <a:cs typeface="Calibri" panose="020F0502020204030204" pitchFamily="34" charset="0"/>
               </a:rPr>
@@ -6429,15 +7059,15 @@
         </p:nvSpPr>
         <p:spPr>
           <a:xfrm>
-            <a:off x="133344" y="4350285"/>
-            <a:ext cx="11684000" cy="881593"/>
+            <a:off x="1624008" y="4119967"/>
+            <a:ext cx="8763000" cy="661195"/>
           </a:xfrm>
           <a:prstGeom prst="rect">
             <a:avLst/>
           </a:prstGeom>
         </p:spPr>
         <p:txBody>
-          <a:bodyPr vert="horz" lIns="91440" tIns="45720" rIns="91440" bIns="45720" rtlCol="0">
+          <a:bodyPr vert="horz" lIns="68580" tIns="34290" rIns="68580" bIns="34290" rtlCol="0">
             <a:noAutofit/>
           </a:bodyPr>
           <a:lstStyle>
@@ -6609,7 +7239,7 @@
               <a:buNone/>
             </a:pPr>
             <a:r>
-              <a:rPr lang="en-US" sz="2667" dirty="0">
+              <a:rPr lang="en-US" sz="2000" dirty="0">
                 <a:latin typeface="Calibri" panose="020F0502020204030204" pitchFamily="34" charset="0"/>
                 <a:cs typeface="Calibri" panose="020F0502020204030204" pitchFamily="34" charset="0"/>
               </a:rPr>
@@ -6634,8 +7264,8 @@
         </p:nvCxnSpPr>
         <p:spPr>
           <a:xfrm flipH="1">
-            <a:off x="500064" y="1870270"/>
-            <a:ext cx="2457450" cy="0"/>
+            <a:off x="1899049" y="2259953"/>
+            <a:ext cx="1843088" cy="0"/>
           </a:xfrm>
           <a:prstGeom prst="line">
             <a:avLst/>
@@ -6677,8 +7307,8 @@
         </p:nvCxnSpPr>
         <p:spPr>
           <a:xfrm flipV="1">
-            <a:off x="1700213" y="1871664"/>
-            <a:ext cx="1" cy="514349"/>
+            <a:off x="2799163" y="2260998"/>
+            <a:ext cx="1" cy="385762"/>
           </a:xfrm>
           <a:prstGeom prst="line">
             <a:avLst/>
@@ -6718,8 +7348,8 @@
         </p:nvSpPr>
         <p:spPr>
           <a:xfrm>
-            <a:off x="960202" y="2415076"/>
-            <a:ext cx="1480021" cy="369332"/>
+            <a:off x="2222081" y="2668557"/>
+            <a:ext cx="1154163" cy="300082"/>
           </a:xfrm>
           <a:prstGeom prst="rect">
             <a:avLst/>
@@ -6734,7 +7364,7 @@
           <a:p>
             <a:pPr algn="ctr"/>
             <a:r>
-              <a:rPr lang="en-US" dirty="0">
+              <a:rPr lang="en-US" sz="1350" dirty="0">
                 <a:latin typeface="Calibri" panose="020F0502020204030204" pitchFamily="34" charset="0"/>
                 <a:cs typeface="Calibri" panose="020F0502020204030204" pitchFamily="34" charset="0"/>
               </a:rPr>
@@ -6759,8 +7389,8 @@
         </p:nvCxnSpPr>
         <p:spPr>
           <a:xfrm flipH="1" flipV="1">
-            <a:off x="3183545" y="1869757"/>
-            <a:ext cx="20" cy="1026033"/>
+            <a:off x="3911661" y="2259571"/>
+            <a:ext cx="15" cy="769525"/>
           </a:xfrm>
           <a:prstGeom prst="line">
             <a:avLst/>
@@ -6802,8 +7432,8 @@
         </p:nvCxnSpPr>
         <p:spPr>
           <a:xfrm flipH="1">
-            <a:off x="3081007" y="1870270"/>
-            <a:ext cx="205115" cy="0"/>
+            <a:off x="3834757" y="2259953"/>
+            <a:ext cx="153836" cy="0"/>
           </a:xfrm>
           <a:prstGeom prst="line">
             <a:avLst/>
@@ -6843,8 +7473,8 @@
         </p:nvSpPr>
         <p:spPr>
           <a:xfrm>
-            <a:off x="2875922" y="2901091"/>
-            <a:ext cx="630301" cy="369332"/>
+            <a:off x="3658260" y="3033068"/>
+            <a:ext cx="518092" cy="300082"/>
           </a:xfrm>
           <a:prstGeom prst="rect">
             <a:avLst/>
@@ -6859,7 +7489,7 @@
           <a:p>
             <a:pPr algn="ctr"/>
             <a:r>
-              <a:rPr lang="en-US" dirty="0">
+              <a:rPr lang="en-US" sz="1350" dirty="0">
                 <a:latin typeface="Calibri" panose="020F0502020204030204" pitchFamily="34" charset="0"/>
                 <a:cs typeface="Calibri" panose="020F0502020204030204" pitchFamily="34" charset="0"/>
               </a:rPr>
@@ -6884,8 +7514,8 @@
         </p:nvCxnSpPr>
         <p:spPr>
           <a:xfrm flipV="1">
-            <a:off x="3493752" y="1875565"/>
-            <a:ext cx="4004" cy="510311"/>
+            <a:off x="4144317" y="2263927"/>
+            <a:ext cx="3003" cy="382733"/>
           </a:xfrm>
           <a:prstGeom prst="line">
             <a:avLst/>
@@ -6927,8 +7557,8 @@
         </p:nvCxnSpPr>
         <p:spPr>
           <a:xfrm flipH="1">
-            <a:off x="3394959" y="1870270"/>
-            <a:ext cx="205115" cy="0"/>
+            <a:off x="4070221" y="2259953"/>
+            <a:ext cx="153836" cy="0"/>
           </a:xfrm>
           <a:prstGeom prst="line">
             <a:avLst/>
@@ -6968,8 +7598,8 @@
         </p:nvSpPr>
         <p:spPr>
           <a:xfrm>
-            <a:off x="3259750" y="2385284"/>
-            <a:ext cx="518091" cy="369332"/>
+            <a:off x="3944932" y="2646213"/>
+            <a:ext cx="436338" cy="300082"/>
           </a:xfrm>
           <a:prstGeom prst="rect">
             <a:avLst/>
@@ -6984,7 +7614,7 @@
           <a:p>
             <a:pPr algn="ctr"/>
             <a:r>
-              <a:rPr lang="en-US" dirty="0">
+              <a:rPr lang="en-US" sz="1350" dirty="0">
                 <a:latin typeface="Calibri" panose="020F0502020204030204" pitchFamily="34" charset="0"/>
                 <a:cs typeface="Calibri" panose="020F0502020204030204" pitchFamily="34" charset="0"/>
               </a:rPr>
@@ -7009,8 +7639,8 @@
         </p:nvCxnSpPr>
         <p:spPr>
           <a:xfrm flipV="1">
-            <a:off x="4344786" y="1862931"/>
-            <a:ext cx="0" cy="1032858"/>
+            <a:off x="4782590" y="2254450"/>
+            <a:ext cx="0" cy="774644"/>
           </a:xfrm>
           <a:prstGeom prst="line">
             <a:avLst/>
@@ -7052,8 +7682,8 @@
         </p:nvCxnSpPr>
         <p:spPr>
           <a:xfrm flipH="1">
-            <a:off x="3886201" y="1866344"/>
-            <a:ext cx="1042794" cy="0"/>
+            <a:off x="4438651" y="2257008"/>
+            <a:ext cx="782096" cy="0"/>
           </a:xfrm>
           <a:prstGeom prst="line">
             <a:avLst/>
@@ -7093,8 +7723,8 @@
         </p:nvSpPr>
         <p:spPr>
           <a:xfrm>
-            <a:off x="3769960" y="2895789"/>
-            <a:ext cx="1187889" cy="369332"/>
+            <a:off x="4328183" y="3029092"/>
+            <a:ext cx="937501" cy="300082"/>
           </a:xfrm>
           <a:prstGeom prst="rect">
             <a:avLst/>
@@ -7109,20 +7739,20 @@
           <a:p>
             <a:pPr algn="ctr"/>
             <a:r>
-              <a:rPr lang="en-US" dirty="0">
+              <a:rPr lang="en-US" sz="1350" dirty="0">
                 <a:latin typeface="Calibri" panose="020F0502020204030204" pitchFamily="34" charset="0"/>
                 <a:cs typeface="Calibri" panose="020F0502020204030204" pitchFamily="34" charset="0"/>
               </a:rPr>
               <a:t>X/Y </a:t>
             </a:r>
             <a:r>
-              <a:rPr lang="en-US" dirty="0" err="1">
+              <a:rPr lang="en-US" sz="1350" dirty="0" err="1">
                 <a:latin typeface="Calibri" panose="020F0502020204030204" pitchFamily="34" charset="0"/>
                 <a:cs typeface="Calibri" panose="020F0502020204030204" pitchFamily="34" charset="0"/>
               </a:rPr>
               <a:t>coords</a:t>
             </a:r>
-            <a:endParaRPr lang="en-US" dirty="0">
+            <a:endParaRPr lang="en-US" sz="1350" dirty="0">
               <a:latin typeface="Calibri" panose="020F0502020204030204" pitchFamily="34" charset="0"/>
               <a:cs typeface="Calibri" panose="020F0502020204030204" pitchFamily="34" charset="0"/>
             </a:endParaRPr>
@@ -7145,8 +7775,8 @@
         </p:nvCxnSpPr>
         <p:spPr>
           <a:xfrm flipH="1" flipV="1">
-            <a:off x="5334565" y="1862931"/>
-            <a:ext cx="1228" cy="518505"/>
+            <a:off x="5524926" y="2254452"/>
+            <a:ext cx="921" cy="388879"/>
           </a:xfrm>
           <a:prstGeom prst="line">
             <a:avLst/>
@@ -7188,8 +7818,8 @@
         </p:nvCxnSpPr>
         <p:spPr>
           <a:xfrm flipH="1" flipV="1">
-            <a:off x="5186363" y="1866344"/>
-            <a:ext cx="254319" cy="3413"/>
+            <a:off x="5413776" y="2257008"/>
+            <a:ext cx="190739" cy="2560"/>
           </a:xfrm>
           <a:prstGeom prst="line">
             <a:avLst/>
@@ -7229,8 +7859,8 @@
         </p:nvSpPr>
         <p:spPr>
           <a:xfrm>
-            <a:off x="4984877" y="2385284"/>
-            <a:ext cx="699377" cy="369332"/>
+            <a:off x="5262661" y="2646215"/>
+            <a:ext cx="524533" cy="507831"/>
           </a:xfrm>
           <a:prstGeom prst="rect">
             <a:avLst/>
@@ -7245,7 +7875,7 @@
           <a:p>
             <a:pPr algn="ctr"/>
             <a:r>
-              <a:rPr lang="en-US" dirty="0">
+              <a:rPr lang="en-US" sz="1350" dirty="0">
                 <a:latin typeface="Calibri" panose="020F0502020204030204" pitchFamily="34" charset="0"/>
                 <a:cs typeface="Calibri" panose="020F0502020204030204" pitchFamily="34" charset="0"/>
               </a:rPr>
@@ -7270,8 +7900,8 @@
         </p:nvCxnSpPr>
         <p:spPr>
           <a:xfrm flipV="1">
-            <a:off x="5642815" y="1875565"/>
-            <a:ext cx="0" cy="1020224"/>
+            <a:off x="5756111" y="2263924"/>
+            <a:ext cx="0" cy="765168"/>
           </a:xfrm>
           <a:prstGeom prst="line">
             <a:avLst/>
@@ -7313,8 +7943,8 @@
         </p:nvCxnSpPr>
         <p:spPr>
           <a:xfrm flipH="1">
-            <a:off x="5515656" y="1862931"/>
-            <a:ext cx="270405" cy="1"/>
+            <a:off x="5660742" y="2254452"/>
+            <a:ext cx="202804" cy="1"/>
           </a:xfrm>
           <a:prstGeom prst="line">
             <a:avLst/>
@@ -7354,8 +7984,8 @@
         </p:nvSpPr>
         <p:spPr>
           <a:xfrm>
-            <a:off x="5356584" y="2903641"/>
-            <a:ext cx="585418" cy="369332"/>
+            <a:off x="5541439" y="3034982"/>
+            <a:ext cx="439064" cy="507831"/>
           </a:xfrm>
           <a:prstGeom prst="rect">
             <a:avLst/>
@@ -7370,7 +8000,7 @@
           <a:p>
             <a:pPr algn="ctr"/>
             <a:r>
-              <a:rPr lang="en-US" dirty="0">
+              <a:rPr lang="en-US" sz="1350" dirty="0">
                 <a:latin typeface="Calibri" panose="020F0502020204030204" pitchFamily="34" charset="0"/>
                 <a:cs typeface="Calibri" panose="020F0502020204030204" pitchFamily="34" charset="0"/>
               </a:rPr>
@@ -7395,8 +8025,8 @@
         </p:nvCxnSpPr>
         <p:spPr>
           <a:xfrm flipH="1">
-            <a:off x="520937" y="4864716"/>
-            <a:ext cx="1179276" cy="3926"/>
+            <a:off x="1914705" y="4505790"/>
+            <a:ext cx="884457" cy="2945"/>
           </a:xfrm>
           <a:prstGeom prst="line">
             <a:avLst/>
@@ -7438,8 +8068,8 @@
         </p:nvCxnSpPr>
         <p:spPr>
           <a:xfrm flipV="1">
-            <a:off x="1121008" y="4870036"/>
-            <a:ext cx="1" cy="514349"/>
+            <a:off x="2364759" y="4509777"/>
+            <a:ext cx="1" cy="385762"/>
           </a:xfrm>
           <a:prstGeom prst="line">
             <a:avLst/>
@@ -7479,8 +8109,8 @@
         </p:nvSpPr>
         <p:spPr>
           <a:xfrm>
-            <a:off x="380997" y="5413448"/>
-            <a:ext cx="1480021" cy="369332"/>
+            <a:off x="1787677" y="4917336"/>
+            <a:ext cx="1154163" cy="300082"/>
           </a:xfrm>
           <a:prstGeom prst="rect">
             <a:avLst/>
@@ -7495,7 +8125,7 @@
           <a:p>
             <a:pPr algn="ctr"/>
             <a:r>
-              <a:rPr lang="en-US" dirty="0">
+              <a:rPr lang="en-US" sz="1350" dirty="0">
                 <a:latin typeface="Calibri" panose="020F0502020204030204" pitchFamily="34" charset="0"/>
                 <a:cs typeface="Calibri" panose="020F0502020204030204" pitchFamily="34" charset="0"/>
               </a:rPr>
@@ -7520,8 +8150,8 @@
         </p:nvCxnSpPr>
         <p:spPr>
           <a:xfrm flipH="1" flipV="1">
-            <a:off x="3743140" y="4851822"/>
-            <a:ext cx="16278" cy="1029368"/>
+            <a:off x="4331358" y="4496117"/>
+            <a:ext cx="12209" cy="772026"/>
           </a:xfrm>
           <a:prstGeom prst="line">
             <a:avLst/>
@@ -7563,8 +8193,8 @@
         </p:nvCxnSpPr>
         <p:spPr>
           <a:xfrm flipH="1">
-            <a:off x="3644782" y="4851822"/>
-            <a:ext cx="205115" cy="0"/>
+            <a:off x="4257589" y="4496117"/>
+            <a:ext cx="153836" cy="0"/>
           </a:xfrm>
           <a:prstGeom prst="line">
             <a:avLst/>
@@ -7604,8 +8234,8 @@
         </p:nvSpPr>
         <p:spPr>
           <a:xfrm>
-            <a:off x="3466743" y="5898010"/>
-            <a:ext cx="585417" cy="369332"/>
+            <a:off x="4100574" y="5280757"/>
+            <a:ext cx="486031" cy="300082"/>
           </a:xfrm>
           <a:prstGeom prst="rect">
             <a:avLst/>
@@ -7620,7 +8250,7 @@
           <a:p>
             <a:pPr algn="ctr"/>
             <a:r>
-              <a:rPr lang="en-US" dirty="0">
+              <a:rPr lang="en-US" sz="1350" dirty="0">
                 <a:latin typeface="Calibri" panose="020F0502020204030204" pitchFamily="34" charset="0"/>
                 <a:cs typeface="Calibri" panose="020F0502020204030204" pitchFamily="34" charset="0"/>
               </a:rPr>
@@ -7645,8 +8275,8 @@
         </p:nvCxnSpPr>
         <p:spPr>
           <a:xfrm flipH="1" flipV="1">
-            <a:off x="4294636" y="4852827"/>
-            <a:ext cx="1" cy="531422"/>
+            <a:off x="4744980" y="4496873"/>
+            <a:ext cx="1" cy="398567"/>
           </a:xfrm>
           <a:prstGeom prst="line">
             <a:avLst/>
@@ -7688,8 +8318,8 @@
         </p:nvCxnSpPr>
         <p:spPr>
           <a:xfrm flipH="1">
-            <a:off x="4052161" y="4852827"/>
-            <a:ext cx="579024" cy="1560"/>
+            <a:off x="4563121" y="4496870"/>
+            <a:ext cx="434268" cy="1170"/>
           </a:xfrm>
           <a:prstGeom prst="line">
             <a:avLst/>
@@ -7729,8 +8359,8 @@
         </p:nvSpPr>
         <p:spPr>
           <a:xfrm>
-            <a:off x="4052167" y="5383656"/>
-            <a:ext cx="482824" cy="369332"/>
+            <a:off x="4539643" y="4894992"/>
+            <a:ext cx="409087" cy="300082"/>
           </a:xfrm>
           <a:prstGeom prst="rect">
             <a:avLst/>
@@ -7745,7 +8375,7 @@
           <a:p>
             <a:pPr algn="ctr"/>
             <a:r>
-              <a:rPr lang="en-US" dirty="0">
+              <a:rPr lang="en-US" sz="1350" dirty="0">
                 <a:latin typeface="Calibri" panose="020F0502020204030204" pitchFamily="34" charset="0"/>
                 <a:cs typeface="Calibri" panose="020F0502020204030204" pitchFamily="34" charset="0"/>
               </a:rPr>
@@ -7770,8 +8400,8 @@
         </p:nvCxnSpPr>
         <p:spPr>
           <a:xfrm flipH="1" flipV="1">
-            <a:off x="5589607" y="4899017"/>
-            <a:ext cx="4798" cy="995144"/>
+            <a:off x="5716208" y="4531513"/>
+            <a:ext cx="3599" cy="746358"/>
           </a:xfrm>
           <a:prstGeom prst="line">
             <a:avLst/>
@@ -7813,8 +8443,8 @@
         </p:nvCxnSpPr>
         <p:spPr>
           <a:xfrm flipH="1">
-            <a:off x="4775580" y="4868130"/>
-            <a:ext cx="1768096" cy="0"/>
+            <a:off x="5105685" y="4508348"/>
+            <a:ext cx="1326072" cy="0"/>
           </a:xfrm>
           <a:prstGeom prst="line">
             <a:avLst/>
@@ -7854,8 +8484,8 @@
         </p:nvSpPr>
         <p:spPr>
           <a:xfrm>
-            <a:off x="5019579" y="5894161"/>
-            <a:ext cx="1159035" cy="369332"/>
+            <a:off x="5264993" y="5277871"/>
+            <a:ext cx="916662" cy="300082"/>
           </a:xfrm>
           <a:prstGeom prst="rect">
             <a:avLst/>
@@ -7870,20 +8500,20 @@
           <a:p>
             <a:pPr algn="ctr"/>
             <a:r>
-              <a:rPr lang="en-US" dirty="0">
+              <a:rPr lang="en-US" sz="1350" dirty="0">
                 <a:latin typeface="Calibri" panose="020F0502020204030204" pitchFamily="34" charset="0"/>
                 <a:cs typeface="Calibri" panose="020F0502020204030204" pitchFamily="34" charset="0"/>
               </a:rPr>
               <a:t>x/y </a:t>
             </a:r>
             <a:r>
-              <a:rPr lang="en-US" dirty="0" err="1">
+              <a:rPr lang="en-US" sz="1350" dirty="0" err="1">
                 <a:latin typeface="Calibri" panose="020F0502020204030204" pitchFamily="34" charset="0"/>
                 <a:cs typeface="Calibri" panose="020F0502020204030204" pitchFamily="34" charset="0"/>
               </a:rPr>
               <a:t>coords</a:t>
             </a:r>
-            <a:endParaRPr lang="en-US" dirty="0">
+            <a:endParaRPr lang="en-US" sz="1350" dirty="0">
               <a:latin typeface="Calibri" panose="020F0502020204030204" pitchFamily="34" charset="0"/>
               <a:cs typeface="Calibri" panose="020F0502020204030204" pitchFamily="34" charset="0"/>
             </a:endParaRPr>
@@ -7907,8 +8537,8 @@
         </p:nvCxnSpPr>
         <p:spPr>
           <a:xfrm flipV="1">
-            <a:off x="11114579" y="4854385"/>
-            <a:ext cx="0" cy="1047628"/>
+            <a:off x="9859937" y="4498044"/>
+            <a:ext cx="0" cy="785717"/>
           </a:xfrm>
           <a:prstGeom prst="line">
             <a:avLst/>
@@ -7950,8 +8580,8 @@
         </p:nvCxnSpPr>
         <p:spPr>
           <a:xfrm flipH="1">
-            <a:off x="10510812" y="4868130"/>
-            <a:ext cx="953455" cy="0"/>
+            <a:off x="9407113" y="4508348"/>
+            <a:ext cx="715091" cy="0"/>
           </a:xfrm>
           <a:prstGeom prst="line">
             <a:avLst/>
@@ -7991,8 +8621,8 @@
         </p:nvSpPr>
         <p:spPr>
           <a:xfrm>
-            <a:off x="10764890" y="5902013"/>
-            <a:ext cx="699377" cy="369332"/>
+            <a:off x="9597671" y="5283761"/>
+            <a:ext cx="524533" cy="507831"/>
           </a:xfrm>
           <a:prstGeom prst="rect">
             <a:avLst/>
@@ -8007,7 +8637,7 @@
           <a:p>
             <a:pPr algn="ctr"/>
             <a:r>
-              <a:rPr lang="en-US" dirty="0">
+              <a:rPr lang="en-US" sz="1350" dirty="0">
                 <a:latin typeface="Calibri" panose="020F0502020204030204" pitchFamily="34" charset="0"/>
                 <a:cs typeface="Calibri" panose="020F0502020204030204" pitchFamily="34" charset="0"/>
               </a:rPr>
@@ -8032,8 +8662,8 @@
         </p:nvCxnSpPr>
         <p:spPr>
           <a:xfrm flipV="1">
-            <a:off x="9749957" y="4873937"/>
-            <a:ext cx="0" cy="1020224"/>
+            <a:off x="8836468" y="4512703"/>
+            <a:ext cx="0" cy="765168"/>
           </a:xfrm>
           <a:prstGeom prst="line">
             <a:avLst/>
@@ -8075,8 +8705,8 @@
         </p:nvCxnSpPr>
         <p:spPr>
           <a:xfrm flipH="1">
-            <a:off x="9600529" y="4870525"/>
-            <a:ext cx="292806" cy="0"/>
+            <a:off x="8724400" y="4510144"/>
+            <a:ext cx="219605" cy="0"/>
           </a:xfrm>
           <a:prstGeom prst="line">
             <a:avLst/>
@@ -8116,8 +8746,8 @@
         </p:nvSpPr>
         <p:spPr>
           <a:xfrm>
-            <a:off x="9463726" y="5902013"/>
-            <a:ext cx="585418" cy="369332"/>
+            <a:off x="8621794" y="5283761"/>
+            <a:ext cx="439064" cy="507831"/>
           </a:xfrm>
           <a:prstGeom prst="rect">
             <a:avLst/>
@@ -8132,7 +8762,7 @@
           <a:p>
             <a:pPr algn="ctr"/>
             <a:r>
-              <a:rPr lang="en-US" dirty="0">
+              <a:rPr lang="en-US" sz="1350" dirty="0">
                 <a:latin typeface="Calibri" panose="020F0502020204030204" pitchFamily="34" charset="0"/>
                 <a:cs typeface="Calibri" panose="020F0502020204030204" pitchFamily="34" charset="0"/>
               </a:rPr>
@@ -8157,8 +8787,8 @@
         </p:nvCxnSpPr>
         <p:spPr>
           <a:xfrm flipH="1">
-            <a:off x="1913722" y="4859705"/>
-            <a:ext cx="386566" cy="0"/>
+            <a:off x="2959294" y="4502029"/>
+            <a:ext cx="289925" cy="0"/>
           </a:xfrm>
           <a:prstGeom prst="line">
             <a:avLst/>
@@ -8201,8 +8831,8 @@
         </p:nvCxnSpPr>
         <p:spPr>
           <a:xfrm flipV="1">
-            <a:off x="2116197" y="4865025"/>
-            <a:ext cx="1" cy="1036988"/>
+            <a:off x="3111151" y="4506024"/>
+            <a:ext cx="1" cy="777737"/>
           </a:xfrm>
           <a:prstGeom prst="line">
             <a:avLst/>
@@ -8242,8 +8872,8 @@
         </p:nvSpPr>
         <p:spPr>
           <a:xfrm>
-            <a:off x="1818613" y="5902013"/>
-            <a:ext cx="595167" cy="369332"/>
+            <a:off x="2887963" y="5283761"/>
+            <a:ext cx="446375" cy="507831"/>
           </a:xfrm>
           <a:prstGeom prst="rect">
             <a:avLst/>
@@ -8258,7 +8888,7 @@
           <a:p>
             <a:pPr algn="ctr"/>
             <a:r>
-              <a:rPr lang="en-US" dirty="0">
+              <a:rPr lang="en-US" sz="1350" dirty="0">
                 <a:latin typeface="Calibri" panose="020F0502020204030204" pitchFamily="34" charset="0"/>
                 <a:cs typeface="Calibri" panose="020F0502020204030204" pitchFamily="34" charset="0"/>
               </a:rPr>
@@ -8283,8 +8913,8 @@
         </p:nvCxnSpPr>
         <p:spPr>
           <a:xfrm flipH="1">
-            <a:off x="2571751" y="4854385"/>
-            <a:ext cx="823208" cy="0"/>
+            <a:off x="3452813" y="4498039"/>
+            <a:ext cx="617406" cy="0"/>
           </a:xfrm>
           <a:prstGeom prst="line">
             <a:avLst/>
@@ -8326,8 +8956,8 @@
         </p:nvCxnSpPr>
         <p:spPr>
           <a:xfrm flipV="1">
-            <a:off x="2985125" y="4859705"/>
-            <a:ext cx="0" cy="520102"/>
+            <a:off x="3762844" y="4502032"/>
+            <a:ext cx="0" cy="390077"/>
           </a:xfrm>
           <a:prstGeom prst="line">
             <a:avLst/>
@@ -8367,8 +8997,8 @@
         </p:nvSpPr>
         <p:spPr>
           <a:xfrm>
-            <a:off x="2470749" y="5413448"/>
-            <a:ext cx="1048198" cy="369332"/>
+            <a:off x="3377065" y="4917337"/>
+            <a:ext cx="786149" cy="300082"/>
           </a:xfrm>
           <a:prstGeom prst="rect">
             <a:avLst/>
@@ -8383,13 +9013,13 @@
           <a:p>
             <a:pPr algn="ctr"/>
             <a:r>
-              <a:rPr lang="en-US" dirty="0" err="1">
+              <a:rPr lang="en-US" sz="1350" dirty="0" err="1">
                 <a:latin typeface="Calibri" panose="020F0502020204030204" pitchFamily="34" charset="0"/>
                 <a:cs typeface="Calibri" panose="020F0502020204030204" pitchFamily="34" charset="0"/>
               </a:rPr>
               <a:t>Flowcell</a:t>
             </a:r>
-            <a:endParaRPr lang="en-US" dirty="0">
+            <a:endParaRPr lang="en-US" sz="1350" dirty="0">
               <a:latin typeface="Calibri" panose="020F0502020204030204" pitchFamily="34" charset="0"/>
               <a:cs typeface="Calibri" panose="020F0502020204030204" pitchFamily="34" charset="0"/>
             </a:endParaRPr>
@@ -8412,8 +9042,8 @@
         </p:nvCxnSpPr>
         <p:spPr>
           <a:xfrm flipH="1" flipV="1">
-            <a:off x="8081937" y="4854385"/>
-            <a:ext cx="1" cy="524675"/>
+            <a:off x="7585456" y="4498039"/>
+            <a:ext cx="1" cy="393506"/>
           </a:xfrm>
           <a:prstGeom prst="line">
             <a:avLst/>
@@ -8455,8 +9085,8 @@
         </p:nvCxnSpPr>
         <p:spPr>
           <a:xfrm flipH="1">
-            <a:off x="6915150" y="4863453"/>
-            <a:ext cx="2428875" cy="0"/>
+            <a:off x="6710365" y="4504840"/>
+            <a:ext cx="1821656" cy="0"/>
           </a:xfrm>
           <a:prstGeom prst="line">
             <a:avLst/>
@@ -8496,8 +9126,8 @@
         </p:nvSpPr>
         <p:spPr>
           <a:xfrm>
-            <a:off x="7782316" y="5378467"/>
-            <a:ext cx="587020" cy="369332"/>
+            <a:off x="7337855" y="4891100"/>
+            <a:ext cx="486031" cy="300082"/>
           </a:xfrm>
           <a:prstGeom prst="rect">
             <a:avLst/>
@@ -8512,7 +9142,7 @@
           <a:p>
             <a:pPr algn="ctr"/>
             <a:r>
-              <a:rPr lang="en-US" dirty="0">
+              <a:rPr lang="en-US" sz="1350" dirty="0">
                 <a:latin typeface="Calibri" panose="020F0502020204030204" pitchFamily="34" charset="0"/>
                 <a:cs typeface="Calibri" panose="020F0502020204030204" pitchFamily="34" charset="0"/>
               </a:rPr>
@@ -8537,8 +9167,8 @@
         </p:nvCxnSpPr>
         <p:spPr>
           <a:xfrm flipH="1">
-            <a:off x="9857273" y="4272391"/>
-            <a:ext cx="292806" cy="0"/>
+            <a:off x="8916958" y="4061543"/>
+            <a:ext cx="219605" cy="0"/>
           </a:xfrm>
           <a:prstGeom prst="line">
             <a:avLst/>
@@ -8578,8 +9208,8 @@
         </p:nvSpPr>
         <p:spPr>
           <a:xfrm>
-            <a:off x="9344025" y="3442906"/>
-            <a:ext cx="1314450" cy="369332"/>
+            <a:off x="8532019" y="3439430"/>
+            <a:ext cx="985838" cy="507831"/>
           </a:xfrm>
           <a:prstGeom prst="rect">
             <a:avLst/>
@@ -8594,7 +9224,7 @@
           <a:p>
             <a:pPr algn="ctr"/>
             <a:r>
-              <a:rPr lang="en-US" dirty="0">
+              <a:rPr lang="en-US" sz="1350" dirty="0">
                 <a:latin typeface="Calibri" panose="020F0502020204030204" pitchFamily="34" charset="0"/>
                 <a:cs typeface="Calibri" panose="020F0502020204030204" pitchFamily="34" charset="0"/>
               </a:rPr>
@@ -8619,8 +9249,8 @@
         </p:nvCxnSpPr>
         <p:spPr>
           <a:xfrm flipV="1">
-            <a:off x="10006280" y="3795014"/>
-            <a:ext cx="0" cy="477377"/>
+            <a:off x="9028710" y="3703514"/>
+            <a:ext cx="0" cy="358033"/>
           </a:xfrm>
           <a:prstGeom prst="line">
             <a:avLst/>
@@ -8662,8 +9292,8 @@
         </p:nvCxnSpPr>
         <p:spPr>
           <a:xfrm flipH="1" flipV="1">
-            <a:off x="10231956" y="4863453"/>
-            <a:ext cx="1" cy="526357"/>
+            <a:off x="9197970" y="4504842"/>
+            <a:ext cx="1" cy="394768"/>
           </a:xfrm>
           <a:prstGeom prst="line">
             <a:avLst/>
@@ -8705,8 +9335,8 @@
         </p:nvCxnSpPr>
         <p:spPr>
           <a:xfrm flipH="1">
-            <a:off x="10119430" y="4863453"/>
-            <a:ext cx="246987" cy="1"/>
+            <a:off x="9113575" y="4504843"/>
+            <a:ext cx="185240" cy="1"/>
           </a:xfrm>
           <a:prstGeom prst="line">
             <a:avLst/>
@@ -8746,8 +9376,8 @@
         </p:nvSpPr>
         <p:spPr>
           <a:xfrm>
-            <a:off x="9793166" y="5407907"/>
-            <a:ext cx="1107945" cy="369332"/>
+            <a:off x="8868878" y="4913180"/>
+            <a:ext cx="830959" cy="300082"/>
           </a:xfrm>
           <a:prstGeom prst="rect">
             <a:avLst/>
@@ -8762,7 +9392,7 @@
           <a:p>
             <a:pPr algn="ctr"/>
             <a:r>
-              <a:rPr lang="en-US" dirty="0">
+              <a:rPr lang="en-US" sz="1350" dirty="0">
                 <a:latin typeface="Calibri" panose="020F0502020204030204" pitchFamily="34" charset="0"/>
                 <a:cs typeface="Calibri" panose="020F0502020204030204" pitchFamily="34" charset="0"/>
               </a:rPr>
@@ -8813,8 +9443,8 @@
         </p:nvSpPr>
         <p:spPr>
           <a:xfrm>
-            <a:off x="381000" y="0"/>
-            <a:ext cx="11453648" cy="819807"/>
+            <a:off x="1809750" y="857254"/>
+            <a:ext cx="8590236" cy="614855"/>
           </a:xfrm>
         </p:spPr>
         <p:txBody>
@@ -8824,25 +9454,204 @@
           <a:lstStyle/>
           <a:p>
             <a:r>
-              <a:rPr lang="en-US" sz="4000" b="1" dirty="0">
+              <a:rPr lang="en-US" sz="3000" b="1" dirty="0">
                 <a:latin typeface="Calibri" panose="020F0502020204030204" pitchFamily="34" charset="0"/>
                 <a:cs typeface="Calibri" panose="020F0502020204030204" pitchFamily="34" charset="0"/>
               </a:rPr>
               <a:t>Quality values - </a:t>
             </a:r>
             <a:r>
-              <a:rPr lang="en-US" sz="4000" b="1" dirty="0" err="1">
+              <a:rPr lang="en-US" sz="3000" b="1" dirty="0" err="1">
                 <a:latin typeface="Calibri" panose="020F0502020204030204" pitchFamily="34" charset="0"/>
                 <a:cs typeface="Calibri" panose="020F0502020204030204" pitchFamily="34" charset="0"/>
               </a:rPr>
               <a:t>Phred</a:t>
             </a:r>
             <a:r>
-              <a:rPr lang="en-US" sz="4000" b="1" dirty="0">
+              <a:rPr lang="en-US" sz="3000" b="1" dirty="0">
                 <a:latin typeface="Calibri" panose="020F0502020204030204" pitchFamily="34" charset="0"/>
                 <a:cs typeface="Calibri" panose="020F0502020204030204" pitchFamily="34" charset="0"/>
               </a:rPr>
               <a:t> scores and ASCII glyphs</a:t>
+            </a:r>
+          </a:p>
+        </p:txBody>
+      </p:sp>
+      <p:sp>
+        <p:nvSpPr>
+          <p:cNvPr id="9" name="Content Placeholder 2"/>
+          <p:cNvSpPr>
+            <a:spLocks noGrp="1"/>
+          </p:cNvSpPr>
+          <p:nvPr>
+            <p:ph idx="1"/>
+          </p:nvPr>
+        </p:nvSpPr>
+        <p:spPr>
+          <a:xfrm>
+            <a:off x="2753713" y="3965029"/>
+            <a:ext cx="6041570" cy="1752600"/>
+          </a:xfrm>
+        </p:spPr>
+        <p:txBody>
+          <a:bodyPr>
+            <a:normAutofit fontScale="47500" lnSpcReduction="20000"/>
+          </a:bodyPr>
+          <a:lstStyle/>
+          <a:p>
+            <a:pPr marL="0" indent="0">
+              <a:buNone/>
+              <a:defRPr/>
+            </a:pPr>
+            <a:r>
+              <a:rPr lang="en-US" dirty="0">
+                <a:latin typeface="Calibri" panose="020F0502020204030204" pitchFamily="34" charset="0"/>
+                <a:ea typeface="ＭＳ Ｐゴシック" charset="0"/>
+                <a:cs typeface="Calibri" panose="020F0502020204030204" pitchFamily="34" charset="0"/>
+              </a:rPr>
+              <a:t>Encoding History:</a:t>
+            </a:r>
+          </a:p>
+          <a:p>
+            <a:pPr>
+              <a:defRPr/>
+            </a:pPr>
+            <a:r>
+              <a:rPr lang="en-US" dirty="0">
+                <a:latin typeface="Calibri" panose="020F0502020204030204" pitchFamily="34" charset="0"/>
+                <a:ea typeface="ＭＳ Ｐゴシック" charset="0"/>
+                <a:cs typeface="Calibri" panose="020F0502020204030204" pitchFamily="34" charset="0"/>
+              </a:rPr>
+              <a:t>Sanger Format (shown above): Q of 0 to 93 using ASCII 33 to 126</a:t>
+            </a:r>
+          </a:p>
+          <a:p>
+            <a:pPr lvl="1">
+              <a:defRPr/>
+            </a:pPr>
+            <a:r>
+              <a:rPr lang="en-US" dirty="0">
+                <a:latin typeface="Calibri" panose="020F0502020204030204" pitchFamily="34" charset="0"/>
+                <a:ea typeface="ＭＳ Ｐゴシック" charset="0"/>
+                <a:cs typeface="Calibri" panose="020F0502020204030204" pitchFamily="34" charset="0"/>
+              </a:rPr>
+              <a:t>Sanger data, SAM format, </a:t>
+            </a:r>
+            <a:r>
+              <a:rPr lang="en-US" dirty="0" err="1">
+                <a:latin typeface="Calibri" panose="020F0502020204030204" pitchFamily="34" charset="0"/>
+                <a:ea typeface="ＭＳ Ｐゴシック" charset="0"/>
+                <a:cs typeface="Calibri" panose="020F0502020204030204" pitchFamily="34" charset="0"/>
+              </a:rPr>
+              <a:t>Illumina</a:t>
+            </a:r>
+            <a:r>
+              <a:rPr lang="en-US" dirty="0">
+                <a:latin typeface="Calibri" panose="020F0502020204030204" pitchFamily="34" charset="0"/>
+                <a:ea typeface="ＭＳ Ｐゴシック" charset="0"/>
+                <a:cs typeface="Calibri" panose="020F0502020204030204" pitchFamily="34" charset="0"/>
+              </a:rPr>
+              <a:t> 1.8+</a:t>
+            </a:r>
+          </a:p>
+          <a:p>
+            <a:pPr>
+              <a:defRPr/>
+            </a:pPr>
+            <a:r>
+              <a:rPr lang="en-US" dirty="0" err="1">
+                <a:latin typeface="Calibri" panose="020F0502020204030204" pitchFamily="34" charset="0"/>
+                <a:ea typeface="ＭＳ Ｐゴシック" charset="0"/>
+                <a:cs typeface="Calibri" panose="020F0502020204030204" pitchFamily="34" charset="0"/>
+              </a:rPr>
+              <a:t>Solexa</a:t>
+            </a:r>
+            <a:r>
+              <a:rPr lang="en-US" dirty="0">
+                <a:latin typeface="Calibri" panose="020F0502020204030204" pitchFamily="34" charset="0"/>
+                <a:ea typeface="ＭＳ Ｐゴシック" charset="0"/>
+                <a:cs typeface="Calibri" panose="020F0502020204030204" pitchFamily="34" charset="0"/>
+              </a:rPr>
+              <a:t>/</a:t>
+            </a:r>
+            <a:r>
+              <a:rPr lang="en-US" dirty="0" err="1">
+                <a:latin typeface="Calibri" panose="020F0502020204030204" pitchFamily="34" charset="0"/>
+                <a:ea typeface="ＭＳ Ｐゴシック" charset="0"/>
+                <a:cs typeface="Calibri" panose="020F0502020204030204" pitchFamily="34" charset="0"/>
+              </a:rPr>
+              <a:t>Illumina</a:t>
+            </a:r>
+            <a:r>
+              <a:rPr lang="en-US" dirty="0">
+                <a:latin typeface="Calibri" panose="020F0502020204030204" pitchFamily="34" charset="0"/>
+                <a:ea typeface="ＭＳ Ｐゴシック" charset="0"/>
+                <a:cs typeface="Calibri" panose="020F0502020204030204" pitchFamily="34" charset="0"/>
+              </a:rPr>
+              <a:t> 1.0: Q of -5 to 62 using ASCII 59 to 126</a:t>
+            </a:r>
+          </a:p>
+          <a:p>
+            <a:pPr>
+              <a:defRPr/>
+            </a:pPr>
+            <a:r>
+              <a:rPr lang="en-US" dirty="0" err="1">
+                <a:latin typeface="Calibri" panose="020F0502020204030204" pitchFamily="34" charset="0"/>
+                <a:ea typeface="ＭＳ Ｐゴシック" charset="0"/>
+                <a:cs typeface="Calibri" panose="020F0502020204030204" pitchFamily="34" charset="0"/>
+              </a:rPr>
+              <a:t>Illumina</a:t>
+            </a:r>
+            <a:r>
+              <a:rPr lang="en-US" dirty="0">
+                <a:latin typeface="Calibri" panose="020F0502020204030204" pitchFamily="34" charset="0"/>
+                <a:ea typeface="ＭＳ Ｐゴシック" charset="0"/>
+                <a:cs typeface="Calibri" panose="020F0502020204030204" pitchFamily="34" charset="0"/>
+              </a:rPr>
+              <a:t> 1.3 to 1.8: Q of 0 to 62 using ASCII 64 to 126</a:t>
+            </a:r>
+          </a:p>
+          <a:p>
+            <a:pPr>
+              <a:defRPr/>
+            </a:pPr>
+            <a:r>
+              <a:rPr lang="en-US" dirty="0">
+                <a:latin typeface="Calibri" panose="020F0502020204030204" pitchFamily="34" charset="0"/>
+                <a:ea typeface="ＭＳ Ｐゴシック" charset="0"/>
+                <a:cs typeface="Calibri" panose="020F0502020204030204" pitchFamily="34" charset="0"/>
+              </a:rPr>
+              <a:t>Illumina 1.5 to 1.7: </a:t>
+            </a:r>
+            <a:r>
+              <a:rPr lang="en-US" dirty="0" err="1">
+                <a:latin typeface="Calibri" panose="020F0502020204030204" pitchFamily="34" charset="0"/>
+                <a:ea typeface="ＭＳ Ｐゴシック" charset="0"/>
+                <a:cs typeface="Calibri" panose="020F0502020204030204" pitchFamily="34" charset="0"/>
+              </a:rPr>
+              <a:t>Phred</a:t>
+            </a:r>
+            <a:r>
+              <a:rPr lang="en-US" dirty="0">
+                <a:latin typeface="Calibri" panose="020F0502020204030204" pitchFamily="34" charset="0"/>
+                <a:ea typeface="ＭＳ Ｐゴシック" charset="0"/>
+                <a:cs typeface="Calibri" panose="020F0502020204030204" pitchFamily="34" charset="0"/>
+              </a:rPr>
+              <a:t> scores 0 to 2 have a slightly different meaning</a:t>
+            </a:r>
+          </a:p>
+          <a:p>
+            <a:pPr>
+              <a:defRPr/>
+            </a:pPr>
+            <a:r>
+              <a:rPr lang="en-US" dirty="0">
+                <a:latin typeface="Calibri" panose="020F0502020204030204" pitchFamily="34" charset="0"/>
+                <a:ea typeface="ＭＳ Ｐゴシック" charset="0"/>
+                <a:cs typeface="Calibri" panose="020F0502020204030204" pitchFamily="34" charset="0"/>
+              </a:rPr>
+              <a:t>Illumina 1.8+ -&gt; Sanger Format</a:t>
             </a:r>
           </a:p>
         </p:txBody>
@@ -8862,8 +9671,8 @@
           </p:nvPr>
         </p:nvGraphicFramePr>
         <p:xfrm>
-          <a:off x="1639614" y="716712"/>
-          <a:ext cx="8055427" cy="3238435"/>
+          <a:off x="2753713" y="1394785"/>
+          <a:ext cx="6041570" cy="2428828"/>
         </p:xfrm>
         <a:graphic>
           <a:graphicData uri="http://schemas.openxmlformats.org/drawingml/2006/table">
@@ -8872,35 +9681,35 @@
                 <a:tableStyleId>{7DF18680-E054-41AD-8BC1-D1AEF772440D}</a:tableStyleId>
               </a:tblPr>
               <a:tblGrid>
-                <a:gridCol w="1219200">
+                <a:gridCol w="914400">
                   <a:extLst>
                     <a:ext uri="{9D8B030D-6E8A-4147-A177-3AD203B41FA5}">
                       <a16:colId xmlns:a16="http://schemas.microsoft.com/office/drawing/2014/main" val="20000"/>
                     </a:ext>
                   </a:extLst>
                 </a:gridCol>
-                <a:gridCol w="2002971">
+                <a:gridCol w="1502228">
                   <a:extLst>
                     <a:ext uri="{9D8B030D-6E8A-4147-A177-3AD203B41FA5}">
                       <a16:colId xmlns:a16="http://schemas.microsoft.com/office/drawing/2014/main" val="20001"/>
                     </a:ext>
                   </a:extLst>
                 </a:gridCol>
-                <a:gridCol w="1349829">
+                <a:gridCol w="1012372">
                   <a:extLst>
                     <a:ext uri="{9D8B030D-6E8A-4147-A177-3AD203B41FA5}">
                       <a16:colId xmlns:a16="http://schemas.microsoft.com/office/drawing/2014/main" val="20002"/>
                     </a:ext>
                   </a:extLst>
                 </a:gridCol>
-                <a:gridCol w="1422400">
+                <a:gridCol w="1066800">
                   <a:extLst>
                     <a:ext uri="{9D8B030D-6E8A-4147-A177-3AD203B41FA5}">
                       <a16:colId xmlns:a16="http://schemas.microsoft.com/office/drawing/2014/main" val="20003"/>
                     </a:ext>
                   </a:extLst>
                 </a:gridCol>
-                <a:gridCol w="2061027">
+                <a:gridCol w="1545770">
                   <a:extLst>
                     <a:ext uri="{9D8B030D-6E8A-4147-A177-3AD203B41FA5}">
                       <a16:colId xmlns:a16="http://schemas.microsoft.com/office/drawing/2014/main" val="20004"/>
@@ -8908,7 +9717,7 @@
                   </a:extLst>
                 </a:gridCol>
               </a:tblGrid>
-              <a:tr h="870373">
+              <a:tr h="664210">
                 <a:tc>
                   <a:txBody>
                     <a:bodyPr/>
@@ -8916,18 +9725,18 @@
                     <a:p>
                       <a:pPr algn="ctr" fontAlgn="b"/>
                       <a:r>
-                        <a:rPr lang="en-US" sz="1900" u="none" strike="noStrike" dirty="0" err="1">
+                        <a:rPr lang="en-US" sz="1400" u="none" strike="noStrike" dirty="0" err="1">
                           <a:effectLst/>
                         </a:rPr>
                         <a:t>Phred</a:t>
                       </a:r>
                       <a:r>
-                        <a:rPr lang="en-US" sz="1900" u="none" strike="noStrike" dirty="0">
+                        <a:rPr lang="en-US" sz="1400" u="none" strike="noStrike" dirty="0">
                           <a:effectLst/>
                         </a:rPr>
                         <a:t> Q</a:t>
                       </a:r>
-                      <a:endParaRPr lang="en-US" sz="1900" b="1" i="0" u="none" strike="noStrike" dirty="0">
+                      <a:endParaRPr lang="en-US" sz="1400" b="1" i="0" u="none" strike="noStrike" dirty="0">
                         <a:solidFill>
                           <a:srgbClr val="333333"/>
                         </a:solidFill>
@@ -8936,7 +9745,7 @@
                       </a:endParaRPr>
                     </a:p>
                   </a:txBody>
-                  <a:tcPr marL="16933" marR="16933" marT="16933" marB="0" anchor="b"/>
+                  <a:tcPr marL="12700" marR="12700" marT="12700" marB="0" anchor="b"/>
                 </a:tc>
                 <a:tc>
                   <a:txBody>
@@ -8945,12 +9754,12 @@
                     <a:p>
                       <a:pPr algn="ctr" fontAlgn="b"/>
                       <a:r>
-                        <a:rPr lang="en-US" sz="1900" u="none" strike="noStrike" dirty="0">
+                        <a:rPr lang="en-US" sz="1400" u="none" strike="noStrike" dirty="0">
                           <a:effectLst/>
                         </a:rPr>
                         <a:t>Probability (P) of Wrong Base</a:t>
                       </a:r>
-                      <a:endParaRPr lang="en-US" sz="1900" b="1" i="0" u="none" strike="noStrike" dirty="0">
+                      <a:endParaRPr lang="en-US" sz="1400" b="1" i="0" u="none" strike="noStrike" dirty="0">
                         <a:solidFill>
                           <a:srgbClr val="333333"/>
                         </a:solidFill>
@@ -8959,7 +9768,7 @@
                       </a:endParaRPr>
                     </a:p>
                   </a:txBody>
-                  <a:tcPr marL="16933" marR="16933" marT="16933" marB="0" anchor="b"/>
+                  <a:tcPr marL="12700" marR="12700" marT="12700" marB="0" anchor="b"/>
                 </a:tc>
                 <a:tc>
                   <a:txBody>
@@ -8968,18 +9777,18 @@
                     <a:p>
                       <a:pPr algn="ctr" fontAlgn="b"/>
                       <a:r>
-                        <a:rPr lang="en-US" sz="1900" u="none" strike="noStrike" dirty="0">
+                        <a:rPr lang="en-US" sz="1400" u="none" strike="noStrike" dirty="0">
                           <a:effectLst/>
                         </a:rPr>
                         <a:t>Base</a:t>
                       </a:r>
                       <a:r>
-                        <a:rPr lang="en-US" sz="1900" u="none" strike="noStrike" baseline="0" dirty="0">
+                        <a:rPr lang="en-US" sz="1400" u="none" strike="noStrike" baseline="0" dirty="0">
                           <a:effectLst/>
                         </a:rPr>
                         <a:t> Call Accuracy</a:t>
                       </a:r>
-                      <a:endParaRPr lang="en-US" sz="1900" b="1" i="0" u="none" strike="noStrike" dirty="0">
+                      <a:endParaRPr lang="en-US" sz="1400" b="1" i="0" u="none" strike="noStrike" dirty="0">
                         <a:solidFill>
                           <a:srgbClr val="333333"/>
                         </a:solidFill>
@@ -8988,7 +9797,7 @@
                       </a:endParaRPr>
                     </a:p>
                   </a:txBody>
-                  <a:tcPr marL="16933" marR="16933" marT="16933" marB="0" anchor="b"/>
+                  <a:tcPr marL="12700" marR="12700" marT="12700" marB="0" anchor="b"/>
                 </a:tc>
                 <a:tc>
                   <a:txBody>
@@ -8997,12 +9806,12 @@
                     <a:p>
                       <a:pPr algn="ctr" fontAlgn="b"/>
                       <a:r>
-                        <a:rPr lang="en-US" sz="1900" u="none" strike="noStrike" dirty="0">
+                        <a:rPr lang="en-US" sz="1400" u="none" strike="noStrike" dirty="0">
                           <a:effectLst/>
                         </a:rPr>
                         <a:t>Sanger “Q + 33” Shift</a:t>
                       </a:r>
-                      <a:endParaRPr lang="en-US" sz="1900" b="1" i="0" u="none" strike="noStrike" dirty="0">
+                      <a:endParaRPr lang="en-US" sz="1400" b="1" i="0" u="none" strike="noStrike" dirty="0">
                         <a:solidFill>
                           <a:srgbClr val="333333"/>
                         </a:solidFill>
@@ -9011,7 +9820,7 @@
                       </a:endParaRPr>
                     </a:p>
                   </a:txBody>
-                  <a:tcPr marL="16933" marR="16933" marT="16933" marB="0" anchor="b"/>
+                  <a:tcPr marL="12700" marR="12700" marT="12700" marB="0" anchor="b"/>
                 </a:tc>
                 <a:tc>
                   <a:txBody>
@@ -9020,12 +9829,12 @@
                     <a:p>
                       <a:pPr algn="ctr" fontAlgn="b"/>
                       <a:r>
-                        <a:rPr lang="en-US" sz="1900" u="none" strike="noStrike" dirty="0">
+                        <a:rPr lang="en-US" sz="1400" u="none" strike="noStrike" dirty="0">
                           <a:effectLst/>
                         </a:rPr>
                         <a:t>Sanger “Q + 33” Shift ASCII glyph</a:t>
                       </a:r>
-                      <a:endParaRPr lang="en-US" sz="1900" b="1" i="0" u="none" strike="noStrike" dirty="0">
+                      <a:endParaRPr lang="en-US" sz="1400" b="1" i="0" u="none" strike="noStrike" dirty="0">
                         <a:solidFill>
                           <a:srgbClr val="333333"/>
                         </a:solidFill>
@@ -9034,7 +9843,7 @@
                       </a:endParaRPr>
                     </a:p>
                   </a:txBody>
-                  <a:tcPr marL="16933" marR="16933" marT="16933" marB="0" anchor="b"/>
+                  <a:tcPr marL="12700" marR="12700" marT="12700" marB="0" anchor="b"/>
                 </a:tc>
                 <a:extLst>
                   <a:ext uri="{0D108BD9-81ED-4DB2-BD59-A6C34878D82A}">
@@ -9042,7 +9851,7 @@
                   </a:ext>
                 </a:extLst>
               </a:tr>
-              <a:tr h="392137">
+              <a:tr h="294103">
                 <a:tc>
                   <a:txBody>
                     <a:bodyPr/>
@@ -9050,12 +9859,12 @@
                     <a:p>
                       <a:pPr algn="ctr" fontAlgn="b"/>
                       <a:r>
-                        <a:rPr lang="en-US" sz="1900" u="none" strike="noStrike" dirty="0">
+                        <a:rPr lang="en-US" sz="1400" u="none" strike="noStrike" dirty="0">
                           <a:effectLst/>
                         </a:rPr>
                         <a:t>0</a:t>
                       </a:r>
-                      <a:endParaRPr lang="en-US" sz="1900" b="0" i="0" u="none" strike="noStrike" dirty="0">
+                      <a:endParaRPr lang="en-US" sz="1400" b="0" i="0" u="none" strike="noStrike" dirty="0">
                         <a:solidFill>
                           <a:srgbClr val="333333"/>
                         </a:solidFill>
@@ -9064,7 +9873,7 @@
                       </a:endParaRPr>
                     </a:p>
                   </a:txBody>
-                  <a:tcPr marL="16933" marR="16933" marT="16933" marB="0" anchor="b"/>
+                  <a:tcPr marL="12700" marR="12700" marT="12700" marB="0" anchor="b"/>
                 </a:tc>
                 <a:tc>
                   <a:txBody>
@@ -9073,12 +9882,12 @@
                     <a:p>
                       <a:pPr algn="ctr" fontAlgn="b"/>
                       <a:r>
-                        <a:rPr lang="en-US" sz="1900" u="none" strike="noStrike" dirty="0">
+                        <a:rPr lang="en-US" sz="1400" u="none" strike="noStrike" dirty="0">
                           <a:effectLst/>
                         </a:rPr>
                         <a:t>1</a:t>
                       </a:r>
-                      <a:endParaRPr lang="en-US" sz="1900" b="0" i="0" u="none" strike="noStrike" dirty="0">
+                      <a:endParaRPr lang="en-US" sz="1400" b="0" i="0" u="none" strike="noStrike" dirty="0">
                         <a:solidFill>
                           <a:srgbClr val="333333"/>
                         </a:solidFill>
@@ -9087,7 +9896,7 @@
                       </a:endParaRPr>
                     </a:p>
                   </a:txBody>
-                  <a:tcPr marL="16933" marR="16933" marT="16933" marB="0" anchor="b"/>
+                  <a:tcPr marL="12700" marR="12700" marT="12700" marB="0" anchor="b"/>
                 </a:tc>
                 <a:tc>
                   <a:txBody>
@@ -9096,12 +9905,12 @@
                     <a:p>
                       <a:pPr algn="ctr" fontAlgn="b"/>
                       <a:r>
-                        <a:rPr lang="en-US" sz="1900" u="none" strike="noStrike" dirty="0">
+                        <a:rPr lang="en-US" sz="1400" u="none" strike="noStrike" dirty="0">
                           <a:effectLst/>
                         </a:rPr>
                         <a:t>0</a:t>
                       </a:r>
-                      <a:endParaRPr lang="en-US" sz="1900" b="0" i="0" u="none" strike="noStrike" dirty="0">
+                      <a:endParaRPr lang="en-US" sz="1400" b="0" i="0" u="none" strike="noStrike" dirty="0">
                         <a:solidFill>
                           <a:srgbClr val="333333"/>
                         </a:solidFill>
@@ -9110,7 +9919,7 @@
                       </a:endParaRPr>
                     </a:p>
                   </a:txBody>
-                  <a:tcPr marL="16933" marR="16933" marT="16933" marB="0" anchor="b"/>
+                  <a:tcPr marL="12700" marR="12700" marT="12700" marB="0" anchor="b"/>
                 </a:tc>
                 <a:tc>
                   <a:txBody>
@@ -9119,12 +9928,12 @@
                     <a:p>
                       <a:pPr algn="ctr" fontAlgn="b"/>
                       <a:r>
-                        <a:rPr lang="en-US" sz="1900" u="none" strike="noStrike" dirty="0">
+                        <a:rPr lang="en-US" sz="1400" u="none" strike="noStrike" dirty="0">
                           <a:effectLst/>
                         </a:rPr>
                         <a:t>33</a:t>
                       </a:r>
-                      <a:endParaRPr lang="en-US" sz="1900" b="0" i="0" u="none" strike="noStrike" dirty="0">
+                      <a:endParaRPr lang="en-US" sz="1400" b="0" i="0" u="none" strike="noStrike" dirty="0">
                         <a:solidFill>
                           <a:srgbClr val="333333"/>
                         </a:solidFill>
@@ -9133,7 +9942,7 @@
                       </a:endParaRPr>
                     </a:p>
                   </a:txBody>
-                  <a:tcPr marL="16933" marR="16933" marT="16933" marB="0" anchor="b"/>
+                  <a:tcPr marL="12700" marR="12700" marT="12700" marB="0" anchor="b"/>
                 </a:tc>
                 <a:tc>
                   <a:txBody>
@@ -9142,12 +9951,12 @@
                     <a:p>
                       <a:pPr algn="ctr" fontAlgn="b"/>
                       <a:r>
-                        <a:rPr lang="ru-RU" sz="1900" u="none" strike="noStrike">
+                        <a:rPr lang="ru-RU" sz="1400" u="none" strike="noStrike">
                           <a:effectLst/>
                         </a:rPr>
                         <a:t>!</a:t>
                       </a:r>
-                      <a:endParaRPr lang="ru-RU" sz="1900" b="0" i="0" u="none" strike="noStrike">
+                      <a:endParaRPr lang="ru-RU" sz="1400" b="0" i="0" u="none" strike="noStrike">
                         <a:solidFill>
                           <a:srgbClr val="333333"/>
                         </a:solidFill>
@@ -9156,7 +9965,7 @@
                       </a:endParaRPr>
                     </a:p>
                   </a:txBody>
-                  <a:tcPr marL="16933" marR="16933" marT="16933" marB="0" anchor="b"/>
+                  <a:tcPr marL="12700" marR="12700" marT="12700" marB="0" anchor="b"/>
                 </a:tc>
                 <a:extLst>
                   <a:ext uri="{0D108BD9-81ED-4DB2-BD59-A6C34878D82A}">
@@ -9164,7 +9973,7 @@
                   </a:ext>
                 </a:extLst>
               </a:tr>
-              <a:tr h="392137">
+              <a:tr h="294103">
                 <a:tc>
                   <a:txBody>
                     <a:bodyPr/>
@@ -9172,12 +9981,12 @@
                     <a:p>
                       <a:pPr algn="ctr" fontAlgn="b"/>
                       <a:r>
-                        <a:rPr lang="en-US" sz="1900" u="none" strike="noStrike">
+                        <a:rPr lang="en-US" sz="1400" u="none" strike="noStrike">
                           <a:effectLst/>
                         </a:rPr>
                         <a:t>1</a:t>
                       </a:r>
-                      <a:endParaRPr lang="en-US" sz="1900" b="0" i="0" u="none" strike="noStrike">
+                      <a:endParaRPr lang="en-US" sz="1400" b="0" i="0" u="none" strike="noStrike">
                         <a:solidFill>
                           <a:srgbClr val="333333"/>
                         </a:solidFill>
@@ -9186,7 +9995,7 @@
                       </a:endParaRPr>
                     </a:p>
                   </a:txBody>
-                  <a:tcPr marL="16933" marR="16933" marT="16933" marB="0" anchor="b"/>
+                  <a:tcPr marL="12700" marR="12700" marT="12700" marB="0" anchor="b"/>
                 </a:tc>
                 <a:tc>
                   <a:txBody>
@@ -9195,12 +10004,12 @@
                     <a:p>
                       <a:pPr algn="ctr" fontAlgn="b"/>
                       <a:r>
-                        <a:rPr lang="is-IS" sz="1900" u="none" strike="noStrike" dirty="0">
+                        <a:rPr lang="is-IS" sz="1400" u="none" strike="noStrike" dirty="0">
                           <a:effectLst/>
                         </a:rPr>
                         <a:t>0.794</a:t>
                       </a:r>
-                      <a:endParaRPr lang="is-IS" sz="1900" b="0" i="0" u="none" strike="noStrike" dirty="0">
+                      <a:endParaRPr lang="is-IS" sz="1400" b="0" i="0" u="none" strike="noStrike" dirty="0">
                         <a:solidFill>
                           <a:srgbClr val="333333"/>
                         </a:solidFill>
@@ -9209,7 +10018,7 @@
                       </a:endParaRPr>
                     </a:p>
                   </a:txBody>
-                  <a:tcPr marL="16933" marR="16933" marT="16933" marB="0" anchor="b"/>
+                  <a:tcPr marL="12700" marR="12700" marT="12700" marB="0" anchor="b"/>
                 </a:tc>
                 <a:tc>
                   <a:txBody>
@@ -9218,12 +10027,12 @@
                     <a:p>
                       <a:pPr algn="ctr" fontAlgn="b"/>
                       <a:r>
-                        <a:rPr lang="en-US" sz="1900" u="none" strike="noStrike" dirty="0">
+                        <a:rPr lang="en-US" sz="1400" u="none" strike="noStrike" dirty="0">
                           <a:effectLst/>
                         </a:rPr>
                         <a:t>0.206</a:t>
                       </a:r>
-                      <a:endParaRPr lang="ru-RU" sz="1900" b="0" i="0" u="none" strike="noStrike" dirty="0">
+                      <a:endParaRPr lang="ru-RU" sz="1400" b="0" i="0" u="none" strike="noStrike" dirty="0">
                         <a:solidFill>
                           <a:srgbClr val="333333"/>
                         </a:solidFill>
@@ -9232,7 +10041,7 @@
                       </a:endParaRPr>
                     </a:p>
                   </a:txBody>
-                  <a:tcPr marL="16933" marR="16933" marT="16933" marB="0" anchor="b"/>
+                  <a:tcPr marL="12700" marR="12700" marT="12700" marB="0" anchor="b"/>
                 </a:tc>
                 <a:tc>
                   <a:txBody>
@@ -9241,12 +10050,12 @@
                     <a:p>
                       <a:pPr algn="ctr" fontAlgn="b"/>
                       <a:r>
-                        <a:rPr lang="ru-RU" sz="1900" u="none" strike="noStrike" dirty="0">
+                        <a:rPr lang="ru-RU" sz="1400" u="none" strike="noStrike" dirty="0">
                           <a:effectLst/>
                         </a:rPr>
                         <a:t>34</a:t>
                       </a:r>
-                      <a:endParaRPr lang="ru-RU" sz="1900" b="0" i="0" u="none" strike="noStrike" dirty="0">
+                      <a:endParaRPr lang="ru-RU" sz="1400" b="0" i="0" u="none" strike="noStrike" dirty="0">
                         <a:solidFill>
                           <a:srgbClr val="333333"/>
                         </a:solidFill>
@@ -9255,7 +10064,7 @@
                       </a:endParaRPr>
                     </a:p>
                   </a:txBody>
-                  <a:tcPr marL="16933" marR="16933" marT="16933" marB="0" anchor="b"/>
+                  <a:tcPr marL="12700" marR="12700" marT="12700" marB="0" anchor="b"/>
                 </a:tc>
                 <a:tc>
                   <a:txBody>
@@ -9264,12 +10073,12 @@
                     <a:p>
                       <a:pPr algn="ctr" fontAlgn="b"/>
                       <a:r>
-                        <a:rPr lang="de-DE" sz="1900" u="none" strike="noStrike">
+                        <a:rPr lang="de-DE" sz="1400" u="none" strike="noStrike">
                           <a:effectLst/>
                         </a:rPr>
                         <a:t>“</a:t>
                       </a:r>
-                      <a:endParaRPr lang="de-DE" sz="1900" b="0" i="0" u="none" strike="noStrike">
+                      <a:endParaRPr lang="de-DE" sz="1400" b="0" i="0" u="none" strike="noStrike">
                         <a:solidFill>
                           <a:srgbClr val="333333"/>
                         </a:solidFill>
@@ -9278,7 +10087,7 @@
                       </a:endParaRPr>
                     </a:p>
                   </a:txBody>
-                  <a:tcPr marL="16933" marR="16933" marT="16933" marB="0" anchor="b"/>
+                  <a:tcPr marL="12700" marR="12700" marT="12700" marB="0" anchor="b"/>
                 </a:tc>
                 <a:extLst>
                   <a:ext uri="{0D108BD9-81ED-4DB2-BD59-A6C34878D82A}">
@@ -9286,7 +10095,7 @@
                   </a:ext>
                 </a:extLst>
               </a:tr>
-              <a:tr h="392137">
+              <a:tr h="294103">
                 <a:tc>
                   <a:txBody>
                     <a:bodyPr/>
@@ -9294,12 +10103,12 @@
                     <a:p>
                       <a:pPr algn="ctr" fontAlgn="b"/>
                       <a:r>
-                        <a:rPr lang="is-IS" sz="1900" u="none" strike="noStrike" dirty="0">
+                        <a:rPr lang="is-IS" sz="1400" u="none" strike="noStrike" dirty="0">
                           <a:effectLst/>
                         </a:rPr>
                         <a:t>2</a:t>
                       </a:r>
-                      <a:endParaRPr lang="is-IS" sz="1900" b="0" i="0" u="none" strike="noStrike" dirty="0">
+                      <a:endParaRPr lang="is-IS" sz="1400" b="0" i="0" u="none" strike="noStrike" dirty="0">
                         <a:solidFill>
                           <a:srgbClr val="333333"/>
                         </a:solidFill>
@@ -9308,7 +10117,7 @@
                       </a:endParaRPr>
                     </a:p>
                   </a:txBody>
-                  <a:tcPr marL="16933" marR="16933" marT="16933" marB="0" anchor="b"/>
+                  <a:tcPr marL="12700" marR="12700" marT="12700" marB="0" anchor="b"/>
                 </a:tc>
                 <a:tc>
                   <a:txBody>
@@ -9317,12 +10126,12 @@
                     <a:p>
                       <a:pPr algn="ctr" fontAlgn="b"/>
                       <a:r>
-                        <a:rPr lang="is-IS" sz="1900" u="none" strike="noStrike" dirty="0">
+                        <a:rPr lang="is-IS" sz="1400" u="none" strike="noStrike" dirty="0">
                           <a:effectLst/>
                         </a:rPr>
                         <a:t>0.631</a:t>
                       </a:r>
-                      <a:endParaRPr lang="is-IS" sz="1900" b="0" i="0" u="none" strike="noStrike" dirty="0">
+                      <a:endParaRPr lang="is-IS" sz="1400" b="0" i="0" u="none" strike="noStrike" dirty="0">
                         <a:solidFill>
                           <a:srgbClr val="333333"/>
                         </a:solidFill>
@@ -9331,7 +10140,7 @@
                       </a:endParaRPr>
                     </a:p>
                   </a:txBody>
-                  <a:tcPr marL="16933" marR="16933" marT="16933" marB="0" anchor="b"/>
+                  <a:tcPr marL="12700" marR="12700" marT="12700" marB="0" anchor="b"/>
                 </a:tc>
                 <a:tc>
                   <a:txBody>
@@ -9340,12 +10149,12 @@
                     <a:p>
                       <a:pPr algn="ctr" fontAlgn="b"/>
                       <a:r>
-                        <a:rPr lang="en-US" sz="1900" u="none" strike="noStrike" dirty="0">
+                        <a:rPr lang="en-US" sz="1400" u="none" strike="noStrike" dirty="0">
                           <a:effectLst/>
                         </a:rPr>
                         <a:t>0.369</a:t>
                       </a:r>
-                      <a:endParaRPr lang="en-US" sz="1900" b="0" i="0" u="none" strike="noStrike" dirty="0">
+                      <a:endParaRPr lang="en-US" sz="1400" b="0" i="0" u="none" strike="noStrike" dirty="0">
                         <a:solidFill>
                           <a:srgbClr val="333333"/>
                         </a:solidFill>
@@ -9354,7 +10163,7 @@
                       </a:endParaRPr>
                     </a:p>
                   </a:txBody>
-                  <a:tcPr marL="16933" marR="16933" marT="16933" marB="0" anchor="b"/>
+                  <a:tcPr marL="12700" marR="12700" marT="12700" marB="0" anchor="b"/>
                 </a:tc>
                 <a:tc>
                   <a:txBody>
@@ -9363,12 +10172,12 @@
                     <a:p>
                       <a:pPr algn="ctr" fontAlgn="b"/>
                       <a:r>
-                        <a:rPr lang="en-US" sz="1900" u="none" strike="noStrike" dirty="0">
+                        <a:rPr lang="en-US" sz="1400" u="none" strike="noStrike" dirty="0">
                           <a:effectLst/>
                         </a:rPr>
                         <a:t>35</a:t>
                       </a:r>
-                      <a:endParaRPr lang="en-US" sz="1900" b="0" i="0" u="none" strike="noStrike" dirty="0">
+                      <a:endParaRPr lang="en-US" sz="1400" b="0" i="0" u="none" strike="noStrike" dirty="0">
                         <a:solidFill>
                           <a:srgbClr val="333333"/>
                         </a:solidFill>
@@ -9377,7 +10186,7 @@
                       </a:endParaRPr>
                     </a:p>
                   </a:txBody>
-                  <a:tcPr marL="16933" marR="16933" marT="16933" marB="0" anchor="b"/>
+                  <a:tcPr marL="12700" marR="12700" marT="12700" marB="0" anchor="b"/>
                 </a:tc>
                 <a:tc>
                   <a:txBody>
@@ -9386,12 +10195,12 @@
                     <a:p>
                       <a:pPr algn="ctr" fontAlgn="b"/>
                       <a:r>
-                        <a:rPr lang="uk-UA" sz="1900" u="none" strike="noStrike" dirty="0">
+                        <a:rPr lang="uk-UA" sz="1400" u="none" strike="noStrike" dirty="0">
                           <a:effectLst/>
                         </a:rPr>
                         <a:t>#</a:t>
                       </a:r>
-                      <a:endParaRPr lang="uk-UA" sz="1900" b="0" i="0" u="none" strike="noStrike" dirty="0">
+                      <a:endParaRPr lang="uk-UA" sz="1400" b="0" i="0" u="none" strike="noStrike" dirty="0">
                         <a:solidFill>
                           <a:srgbClr val="333333"/>
                         </a:solidFill>
@@ -9400,7 +10209,7 @@
                       </a:endParaRPr>
                     </a:p>
                   </a:txBody>
-                  <a:tcPr marL="16933" marR="16933" marT="16933" marB="0" anchor="b"/>
+                  <a:tcPr marL="12700" marR="12700" marT="12700" marB="0" anchor="b"/>
                 </a:tc>
                 <a:extLst>
                   <a:ext uri="{0D108BD9-81ED-4DB2-BD59-A6C34878D82A}">
@@ -9408,7 +10217,7 @@
                   </a:ext>
                 </a:extLst>
               </a:tr>
-              <a:tr h="392137">
+              <a:tr h="294103">
                 <a:tc>
                   <a:txBody>
                     <a:bodyPr/>
@@ -9416,12 +10225,12 @@
                     <a:p>
                       <a:pPr algn="ctr" fontAlgn="b"/>
                       <a:r>
-                        <a:rPr lang="en-US" sz="1900" u="none" strike="noStrike" dirty="0">
+                        <a:rPr lang="en-US" sz="1400" u="none" strike="noStrike" dirty="0">
                           <a:effectLst/>
                         </a:rPr>
                         <a:t>10</a:t>
                       </a:r>
-                      <a:endParaRPr lang="en-US" sz="1900" b="0" i="0" u="none" strike="noStrike" dirty="0">
+                      <a:endParaRPr lang="en-US" sz="1400" b="0" i="0" u="none" strike="noStrike" dirty="0">
                         <a:solidFill>
                           <a:srgbClr val="333333"/>
                         </a:solidFill>
@@ -9430,7 +10239,7 @@
                       </a:endParaRPr>
                     </a:p>
                   </a:txBody>
-                  <a:tcPr marL="16933" marR="16933" marT="16933" marB="0" anchor="b"/>
+                  <a:tcPr marL="12700" marR="12700" marT="12700" marB="0" anchor="b"/>
                 </a:tc>
                 <a:tc>
                   <a:txBody>
@@ -9439,12 +10248,12 @@
                     <a:p>
                       <a:pPr algn="ctr" fontAlgn="b"/>
                       <a:r>
-                        <a:rPr lang="nb-NO" sz="1900" u="none" strike="noStrike" dirty="0">
+                        <a:rPr lang="nb-NO" sz="1400" u="none" strike="noStrike" dirty="0">
                           <a:effectLst/>
                         </a:rPr>
                         <a:t>0.1</a:t>
                       </a:r>
-                      <a:endParaRPr lang="nb-NO" sz="1900" b="0" i="0" u="none" strike="noStrike" dirty="0">
+                      <a:endParaRPr lang="nb-NO" sz="1400" b="0" i="0" u="none" strike="noStrike" dirty="0">
                         <a:solidFill>
                           <a:srgbClr val="333333"/>
                         </a:solidFill>
@@ -9453,7 +10262,7 @@
                       </a:endParaRPr>
                     </a:p>
                   </a:txBody>
-                  <a:tcPr marL="16933" marR="16933" marT="16933" marB="0" anchor="b"/>
+                  <a:tcPr marL="12700" marR="12700" marT="12700" marB="0" anchor="b"/>
                 </a:tc>
                 <a:tc>
                   <a:txBody>
@@ -9462,15 +10271,15 @@
                     <a:p>
                       <a:pPr algn="ctr"/>
                       <a:r>
-                        <a:rPr lang="en-US" sz="1900" dirty="0"/>
+                        <a:rPr lang="en-US" sz="1400" dirty="0"/>
                         <a:t>0.9</a:t>
                       </a:r>
-                      <a:endParaRPr lang="en-US" sz="1900" dirty="0">
+                      <a:endParaRPr lang="en-US" sz="1400" dirty="0">
                         <a:latin typeface="+mn-lt"/>
                       </a:endParaRPr>
                     </a:p>
                   </a:txBody>
-                  <a:tcPr marL="16933" marR="16933" marT="16933" marB="0" anchor="b"/>
+                  <a:tcPr marL="12700" marR="12700" marT="12700" marB="0" anchor="b"/>
                 </a:tc>
                 <a:tc>
                   <a:txBody>
@@ -9479,12 +10288,12 @@
                     <a:p>
                       <a:pPr algn="ctr" fontAlgn="b"/>
                       <a:r>
-                        <a:rPr lang="en-US" sz="1900" u="none" strike="noStrike" dirty="0">
+                        <a:rPr lang="en-US" sz="1400" u="none" strike="noStrike" dirty="0">
                           <a:effectLst/>
                         </a:rPr>
                         <a:t>43</a:t>
                       </a:r>
-                      <a:endParaRPr lang="en-US" sz="1900" b="0" i="0" u="none" strike="noStrike" dirty="0">
+                      <a:endParaRPr lang="en-US" sz="1400" b="0" i="0" u="none" strike="noStrike" dirty="0">
                         <a:solidFill>
                           <a:srgbClr val="333333"/>
                         </a:solidFill>
@@ -9493,7 +10302,7 @@
                       </a:endParaRPr>
                     </a:p>
                   </a:txBody>
-                  <a:tcPr marL="16933" marR="16933" marT="16933" marB="0" anchor="b"/>
+                  <a:tcPr marL="12700" marR="12700" marT="12700" marB="0" anchor="b"/>
                 </a:tc>
                 <a:tc>
                   <a:txBody>
@@ -9502,12 +10311,12 @@
                     <a:p>
                       <a:pPr algn="ctr" fontAlgn="b"/>
                       <a:r>
-                        <a:rPr lang="en-US" sz="1900" u="none" strike="noStrike" dirty="0">
+                        <a:rPr lang="en-US" sz="1400" u="none" strike="noStrike" dirty="0">
                           <a:effectLst/>
                         </a:rPr>
                         <a:t>+</a:t>
                       </a:r>
-                      <a:endParaRPr lang="en-US" sz="1900" b="0" i="0" u="none" strike="noStrike" dirty="0">
+                      <a:endParaRPr lang="en-US" sz="1400" b="0" i="0" u="none" strike="noStrike" dirty="0">
                         <a:solidFill>
                           <a:srgbClr val="333333"/>
                         </a:solidFill>
@@ -9516,7 +10325,7 @@
                       </a:endParaRPr>
                     </a:p>
                   </a:txBody>
-                  <a:tcPr marL="16933" marR="16933" marT="16933" marB="0" anchor="b"/>
+                  <a:tcPr marL="12700" marR="12700" marT="12700" marB="0" anchor="b"/>
                 </a:tc>
                 <a:extLst>
                   <a:ext uri="{0D108BD9-81ED-4DB2-BD59-A6C34878D82A}">
@@ -9524,7 +10333,7 @@
                   </a:ext>
                 </a:extLst>
               </a:tr>
-              <a:tr h="392137">
+              <a:tr h="294103">
                 <a:tc>
                   <a:txBody>
                     <a:bodyPr/>
@@ -9532,12 +10341,12 @@
                     <a:p>
                       <a:pPr algn="ctr" fontAlgn="b"/>
                       <a:r>
-                        <a:rPr lang="is-IS" sz="1900" u="none" strike="noStrike" dirty="0">
+                        <a:rPr lang="is-IS" sz="1400" u="none" strike="noStrike" dirty="0">
                           <a:effectLst/>
                         </a:rPr>
                         <a:t>20</a:t>
                       </a:r>
-                      <a:endParaRPr lang="is-IS" sz="1900" b="0" i="0" u="none" strike="noStrike" dirty="0">
+                      <a:endParaRPr lang="is-IS" sz="1400" b="0" i="0" u="none" strike="noStrike" dirty="0">
                         <a:solidFill>
                           <a:srgbClr val="333333"/>
                         </a:solidFill>
@@ -9546,7 +10355,7 @@
                       </a:endParaRPr>
                     </a:p>
                   </a:txBody>
-                  <a:tcPr marL="16933" marR="16933" marT="16933" marB="0" anchor="b"/>
+                  <a:tcPr marL="12700" marR="12700" marT="12700" marB="0" anchor="b"/>
                 </a:tc>
                 <a:tc>
                   <a:txBody>
@@ -9555,12 +10364,12 @@
                     <a:p>
                       <a:pPr algn="ctr" fontAlgn="b"/>
                       <a:r>
-                        <a:rPr lang="nb-NO" sz="1900" u="none" strike="noStrike" dirty="0">
+                        <a:rPr lang="nb-NO" sz="1400" u="none" strike="noStrike" dirty="0">
                           <a:effectLst/>
                         </a:rPr>
                         <a:t>0.01</a:t>
                       </a:r>
-                      <a:endParaRPr lang="nb-NO" sz="1900" b="0" i="0" u="none" strike="noStrike" dirty="0">
+                      <a:endParaRPr lang="nb-NO" sz="1400" b="0" i="0" u="none" strike="noStrike" dirty="0">
                         <a:solidFill>
                           <a:srgbClr val="333333"/>
                         </a:solidFill>
@@ -9569,7 +10378,7 @@
                       </a:endParaRPr>
                     </a:p>
                   </a:txBody>
-                  <a:tcPr marL="16933" marR="16933" marT="16933" marB="0" anchor="b"/>
+                  <a:tcPr marL="12700" marR="12700" marT="12700" marB="0" anchor="b"/>
                 </a:tc>
                 <a:tc>
                   <a:txBody>
@@ -9578,15 +10387,15 @@
                     <a:p>
                       <a:pPr algn="ctr"/>
                       <a:r>
-                        <a:rPr lang="en-US" sz="1900" dirty="0"/>
+                        <a:rPr lang="en-US" sz="1400" dirty="0"/>
                         <a:t>0.99</a:t>
                       </a:r>
-                      <a:endParaRPr lang="en-US" sz="1900" dirty="0">
+                      <a:endParaRPr lang="en-US" sz="1400" dirty="0">
                         <a:latin typeface="+mn-lt"/>
                       </a:endParaRPr>
                     </a:p>
                   </a:txBody>
-                  <a:tcPr marL="16933" marR="16933" marT="16933" marB="0" anchor="b"/>
+                  <a:tcPr marL="12700" marR="12700" marT="12700" marB="0" anchor="b"/>
                 </a:tc>
                 <a:tc>
                   <a:txBody>
@@ -9595,12 +10404,12 @@
                     <a:p>
                       <a:pPr algn="ctr" fontAlgn="b"/>
                       <a:r>
-                        <a:rPr lang="en-US" sz="1900" u="none" strike="noStrike" dirty="0">
+                        <a:rPr lang="en-US" sz="1400" u="none" strike="noStrike" dirty="0">
                           <a:effectLst/>
                         </a:rPr>
                         <a:t>53</a:t>
                       </a:r>
-                      <a:endParaRPr lang="en-US" sz="1900" b="0" i="0" u="none" strike="noStrike" dirty="0">
+                      <a:endParaRPr lang="en-US" sz="1400" b="0" i="0" u="none" strike="noStrike" dirty="0">
                         <a:solidFill>
                           <a:srgbClr val="333333"/>
                         </a:solidFill>
@@ -9609,7 +10418,7 @@
                       </a:endParaRPr>
                     </a:p>
                   </a:txBody>
-                  <a:tcPr marL="16933" marR="16933" marT="16933" marB="0" anchor="b"/>
+                  <a:tcPr marL="12700" marR="12700" marT="12700" marB="0" anchor="b"/>
                 </a:tc>
                 <a:tc>
                   <a:txBody>
@@ -9618,12 +10427,12 @@
                     <a:p>
                       <a:pPr algn="ctr" fontAlgn="b"/>
                       <a:r>
-                        <a:rPr lang="en-US" sz="1900" u="none" strike="noStrike" dirty="0">
+                        <a:rPr lang="en-US" sz="1400" u="none" strike="noStrike" dirty="0">
                           <a:effectLst/>
                         </a:rPr>
                         <a:t>5</a:t>
                       </a:r>
-                      <a:endParaRPr lang="en-US" sz="1900" b="0" i="0" u="none" strike="noStrike" dirty="0">
+                      <a:endParaRPr lang="en-US" sz="1400" b="0" i="0" u="none" strike="noStrike" dirty="0">
                         <a:solidFill>
                           <a:srgbClr val="333333"/>
                         </a:solidFill>
@@ -9632,7 +10441,7 @@
                       </a:endParaRPr>
                     </a:p>
                   </a:txBody>
-                  <a:tcPr marL="16933" marR="16933" marT="16933" marB="0" anchor="b"/>
+                  <a:tcPr marL="12700" marR="12700" marT="12700" marB="0" anchor="b"/>
                 </a:tc>
                 <a:extLst>
                   <a:ext uri="{0D108BD9-81ED-4DB2-BD59-A6C34878D82A}">
@@ -9640,7 +10449,7 @@
                   </a:ext>
                 </a:extLst>
               </a:tr>
-              <a:tr h="392137">
+              <a:tr h="294103">
                 <a:tc>
                   <a:txBody>
                     <a:bodyPr/>
@@ -9648,12 +10457,12 @@
                     <a:p>
                       <a:pPr algn="ctr" fontAlgn="b"/>
                       <a:r>
-                        <a:rPr lang="en-US" sz="1900" u="none" strike="noStrike" dirty="0">
+                        <a:rPr lang="en-US" sz="1400" u="none" strike="noStrike" dirty="0">
                           <a:effectLst/>
                         </a:rPr>
                         <a:t>30</a:t>
                       </a:r>
-                      <a:endParaRPr lang="en-US" sz="1900" b="0" i="0" u="none" strike="noStrike" dirty="0">
+                      <a:endParaRPr lang="en-US" sz="1400" b="0" i="0" u="none" strike="noStrike" dirty="0">
                         <a:solidFill>
                           <a:srgbClr val="333333"/>
                         </a:solidFill>
@@ -9662,7 +10471,7 @@
                       </a:endParaRPr>
                     </a:p>
                   </a:txBody>
-                  <a:tcPr marL="16933" marR="16933" marT="16933" marB="0" anchor="b"/>
+                  <a:tcPr marL="12700" marR="12700" marT="12700" marB="0" anchor="b"/>
                 </a:tc>
                 <a:tc>
                   <a:txBody>
@@ -9671,12 +10480,12 @@
                     <a:p>
                       <a:pPr algn="ctr" fontAlgn="b"/>
                       <a:r>
-                        <a:rPr lang="nb-NO" sz="1900" u="none" strike="noStrike" dirty="0">
+                        <a:rPr lang="nb-NO" sz="1400" u="none" strike="noStrike" dirty="0">
                           <a:effectLst/>
                         </a:rPr>
                         <a:t>0.001</a:t>
                       </a:r>
-                      <a:endParaRPr lang="nb-NO" sz="1900" b="0" i="0" u="none" strike="noStrike" dirty="0">
+                      <a:endParaRPr lang="nb-NO" sz="1400" b="0" i="0" u="none" strike="noStrike" dirty="0">
                         <a:solidFill>
                           <a:srgbClr val="333333"/>
                         </a:solidFill>
@@ -9685,7 +10494,7 @@
                       </a:endParaRPr>
                     </a:p>
                   </a:txBody>
-                  <a:tcPr marL="16933" marR="16933" marT="16933" marB="0" anchor="b"/>
+                  <a:tcPr marL="12700" marR="12700" marT="12700" marB="0" anchor="b"/>
                 </a:tc>
                 <a:tc>
                   <a:txBody>
@@ -9694,15 +10503,15 @@
                     <a:p>
                       <a:pPr algn="ctr"/>
                       <a:r>
-                        <a:rPr lang="en-US" sz="1900" dirty="0"/>
+                        <a:rPr lang="en-US" sz="1400" dirty="0"/>
                         <a:t>0.999</a:t>
                       </a:r>
-                      <a:endParaRPr lang="en-US" sz="1900" dirty="0">
+                      <a:endParaRPr lang="en-US" sz="1400" dirty="0">
                         <a:latin typeface="+mn-lt"/>
                       </a:endParaRPr>
                     </a:p>
                   </a:txBody>
-                  <a:tcPr marL="16933" marR="16933" marT="16933" marB="0" anchor="b"/>
+                  <a:tcPr marL="12700" marR="12700" marT="12700" marB="0" anchor="b"/>
                 </a:tc>
                 <a:tc>
                   <a:txBody>
@@ -9711,12 +10520,12 @@
                     <a:p>
                       <a:pPr algn="ctr" fontAlgn="b"/>
                       <a:r>
-                        <a:rPr lang="is-IS" sz="1900" u="none" strike="noStrike" dirty="0">
+                        <a:rPr lang="is-IS" sz="1400" u="none" strike="noStrike" dirty="0">
                           <a:effectLst/>
                         </a:rPr>
                         <a:t>63</a:t>
                       </a:r>
-                      <a:endParaRPr lang="is-IS" sz="1900" b="0" i="0" u="none" strike="noStrike" dirty="0">
+                      <a:endParaRPr lang="is-IS" sz="1400" b="0" i="0" u="none" strike="noStrike" dirty="0">
                         <a:solidFill>
                           <a:srgbClr val="333333"/>
                         </a:solidFill>
@@ -9725,7 +10534,7 @@
                       </a:endParaRPr>
                     </a:p>
                   </a:txBody>
-                  <a:tcPr marL="16933" marR="16933" marT="16933" marB="0" anchor="b"/>
+                  <a:tcPr marL="12700" marR="12700" marT="12700" marB="0" anchor="b"/>
                 </a:tc>
                 <a:tc>
                   <a:txBody>
@@ -9734,12 +10543,12 @@
                     <a:p>
                       <a:pPr algn="ctr" fontAlgn="b"/>
                       <a:r>
-                        <a:rPr lang="ru-RU" sz="1900" u="none" strike="noStrike" dirty="0">
+                        <a:rPr lang="ru-RU" sz="1400" u="none" strike="noStrike" dirty="0">
                           <a:effectLst/>
                         </a:rPr>
                         <a:t>?</a:t>
                       </a:r>
-                      <a:endParaRPr lang="ru-RU" sz="1900" b="0" i="0" u="none" strike="noStrike" dirty="0">
+                      <a:endParaRPr lang="ru-RU" sz="1400" b="0" i="0" u="none" strike="noStrike" dirty="0">
                         <a:solidFill>
                           <a:srgbClr val="333333"/>
                         </a:solidFill>
@@ -9748,7 +10557,7 @@
                       </a:endParaRPr>
                     </a:p>
                   </a:txBody>
-                  <a:tcPr marL="16933" marR="16933" marT="16933" marB="0" anchor="b"/>
+                  <a:tcPr marL="12700" marR="12700" marT="12700" marB="0" anchor="b"/>
                 </a:tc>
                 <a:extLst>
                   <a:ext uri="{0D108BD9-81ED-4DB2-BD59-A6C34878D82A}">
@@ -9760,185 +10569,6 @@
           </a:graphicData>
         </a:graphic>
       </p:graphicFrame>
-      <p:sp>
-        <p:nvSpPr>
-          <p:cNvPr id="9" name="Content Placeholder 2"/>
-          <p:cNvSpPr>
-            <a:spLocks noGrp="1"/>
-          </p:cNvSpPr>
-          <p:nvPr>
-            <p:ph idx="1"/>
-          </p:nvPr>
-        </p:nvSpPr>
-        <p:spPr>
-          <a:xfrm>
-            <a:off x="1639614" y="4143705"/>
-            <a:ext cx="8055427" cy="2336800"/>
-          </a:xfrm>
-        </p:spPr>
-        <p:txBody>
-          <a:bodyPr>
-            <a:normAutofit fontScale="70000" lnSpcReduction="20000"/>
-          </a:bodyPr>
-          <a:lstStyle/>
-          <a:p>
-            <a:pPr marL="0" indent="0">
-              <a:buNone/>
-              <a:defRPr/>
-            </a:pPr>
-            <a:r>
-              <a:rPr lang="en-US" dirty="0">
-                <a:latin typeface="Calibri" panose="020F0502020204030204" pitchFamily="34" charset="0"/>
-                <a:ea typeface="ＭＳ Ｐゴシック" charset="0"/>
-                <a:cs typeface="Calibri" panose="020F0502020204030204" pitchFamily="34" charset="0"/>
-              </a:rPr>
-              <a:t>Encoding History:</a:t>
-            </a:r>
-          </a:p>
-          <a:p>
-            <a:pPr>
-              <a:defRPr/>
-            </a:pPr>
-            <a:r>
-              <a:rPr lang="en-US" dirty="0">
-                <a:latin typeface="Calibri" panose="020F0502020204030204" pitchFamily="34" charset="0"/>
-                <a:ea typeface="ＭＳ Ｐゴシック" charset="0"/>
-                <a:cs typeface="Calibri" panose="020F0502020204030204" pitchFamily="34" charset="0"/>
-              </a:rPr>
-              <a:t>Sanger Format (shown above): Q of 0 to 93 using ASCII 33 to 126</a:t>
-            </a:r>
-          </a:p>
-          <a:p>
-            <a:pPr lvl="1">
-              <a:defRPr/>
-            </a:pPr>
-            <a:r>
-              <a:rPr lang="en-US" dirty="0">
-                <a:latin typeface="Calibri" panose="020F0502020204030204" pitchFamily="34" charset="0"/>
-                <a:ea typeface="ＭＳ Ｐゴシック" charset="0"/>
-                <a:cs typeface="Calibri" panose="020F0502020204030204" pitchFamily="34" charset="0"/>
-              </a:rPr>
-              <a:t>Sanger data, SAM format, </a:t>
-            </a:r>
-            <a:r>
-              <a:rPr lang="en-US" dirty="0" err="1">
-                <a:latin typeface="Calibri" panose="020F0502020204030204" pitchFamily="34" charset="0"/>
-                <a:ea typeface="ＭＳ Ｐゴシック" charset="0"/>
-                <a:cs typeface="Calibri" panose="020F0502020204030204" pitchFamily="34" charset="0"/>
-              </a:rPr>
-              <a:t>Illumina</a:t>
-            </a:r>
-            <a:r>
-              <a:rPr lang="en-US" dirty="0">
-                <a:latin typeface="Calibri" panose="020F0502020204030204" pitchFamily="34" charset="0"/>
-                <a:ea typeface="ＭＳ Ｐゴシック" charset="0"/>
-                <a:cs typeface="Calibri" panose="020F0502020204030204" pitchFamily="34" charset="0"/>
-              </a:rPr>
-              <a:t> 1.8+</a:t>
-            </a:r>
-          </a:p>
-          <a:p>
-            <a:pPr>
-              <a:defRPr/>
-            </a:pPr>
-            <a:r>
-              <a:rPr lang="en-US" dirty="0" err="1">
-                <a:latin typeface="Calibri" panose="020F0502020204030204" pitchFamily="34" charset="0"/>
-                <a:ea typeface="ＭＳ Ｐゴシック" charset="0"/>
-                <a:cs typeface="Calibri" panose="020F0502020204030204" pitchFamily="34" charset="0"/>
-              </a:rPr>
-              <a:t>Solexa</a:t>
-            </a:r>
-            <a:r>
-              <a:rPr lang="en-US" dirty="0">
-                <a:latin typeface="Calibri" panose="020F0502020204030204" pitchFamily="34" charset="0"/>
-                <a:ea typeface="ＭＳ Ｐゴシック" charset="0"/>
-                <a:cs typeface="Calibri" panose="020F0502020204030204" pitchFamily="34" charset="0"/>
-              </a:rPr>
-              <a:t>/</a:t>
-            </a:r>
-            <a:r>
-              <a:rPr lang="en-US" dirty="0" err="1">
-                <a:latin typeface="Calibri" panose="020F0502020204030204" pitchFamily="34" charset="0"/>
-                <a:ea typeface="ＭＳ Ｐゴシック" charset="0"/>
-                <a:cs typeface="Calibri" panose="020F0502020204030204" pitchFamily="34" charset="0"/>
-              </a:rPr>
-              <a:t>Illumina</a:t>
-            </a:r>
-            <a:r>
-              <a:rPr lang="en-US" dirty="0">
-                <a:latin typeface="Calibri" panose="020F0502020204030204" pitchFamily="34" charset="0"/>
-                <a:ea typeface="ＭＳ Ｐゴシック" charset="0"/>
-                <a:cs typeface="Calibri" panose="020F0502020204030204" pitchFamily="34" charset="0"/>
-              </a:rPr>
-              <a:t> 1.0: Q of -5 to 62 using ASCII 59 to 126</a:t>
-            </a:r>
-          </a:p>
-          <a:p>
-            <a:pPr>
-              <a:defRPr/>
-            </a:pPr>
-            <a:r>
-              <a:rPr lang="en-US" dirty="0" err="1">
-                <a:latin typeface="Calibri" panose="020F0502020204030204" pitchFamily="34" charset="0"/>
-                <a:ea typeface="ＭＳ Ｐゴシック" charset="0"/>
-                <a:cs typeface="Calibri" panose="020F0502020204030204" pitchFamily="34" charset="0"/>
-              </a:rPr>
-              <a:t>Illumina</a:t>
-            </a:r>
-            <a:r>
-              <a:rPr lang="en-US" dirty="0">
-                <a:latin typeface="Calibri" panose="020F0502020204030204" pitchFamily="34" charset="0"/>
-                <a:ea typeface="ＭＳ Ｐゴシック" charset="0"/>
-                <a:cs typeface="Calibri" panose="020F0502020204030204" pitchFamily="34" charset="0"/>
-              </a:rPr>
-              <a:t> 1.3 to 1.8: Q of 0 to 62 using ASCII 64 to 126</a:t>
-            </a:r>
-          </a:p>
-          <a:p>
-            <a:pPr>
-              <a:defRPr/>
-            </a:pPr>
-            <a:r>
-              <a:rPr lang="en-US" dirty="0">
-                <a:latin typeface="Calibri" panose="020F0502020204030204" pitchFamily="34" charset="0"/>
-                <a:ea typeface="ＭＳ Ｐゴシック" charset="0"/>
-                <a:cs typeface="Calibri" panose="020F0502020204030204" pitchFamily="34" charset="0"/>
-              </a:rPr>
-              <a:t>Illumina 1.5 to 1.7: </a:t>
-            </a:r>
-            <a:r>
-              <a:rPr lang="en-US" dirty="0" err="1">
-                <a:latin typeface="Calibri" panose="020F0502020204030204" pitchFamily="34" charset="0"/>
-                <a:ea typeface="ＭＳ Ｐゴシック" charset="0"/>
-                <a:cs typeface="Calibri" panose="020F0502020204030204" pitchFamily="34" charset="0"/>
-              </a:rPr>
-              <a:t>Phred</a:t>
-            </a:r>
-            <a:r>
-              <a:rPr lang="en-US" dirty="0">
-                <a:latin typeface="Calibri" panose="020F0502020204030204" pitchFamily="34" charset="0"/>
-                <a:ea typeface="ＭＳ Ｐゴシック" charset="0"/>
-                <a:cs typeface="Calibri" panose="020F0502020204030204" pitchFamily="34" charset="0"/>
-              </a:rPr>
-              <a:t> scores 0 to 2 have a slightly different meaning</a:t>
-            </a:r>
-          </a:p>
-          <a:p>
-            <a:pPr>
-              <a:defRPr/>
-            </a:pPr>
-            <a:r>
-              <a:rPr lang="en-US" dirty="0">
-                <a:latin typeface="Calibri" panose="020F0502020204030204" pitchFamily="34" charset="0"/>
-                <a:ea typeface="ＭＳ Ｐゴシック" charset="0"/>
-                <a:cs typeface="Calibri" panose="020F0502020204030204" pitchFamily="34" charset="0"/>
-              </a:rPr>
-              <a:t>Illumina 1.8+ -&gt; Sanger Format</a:t>
-            </a:r>
-          </a:p>
-        </p:txBody>
-      </p:sp>
     </p:spTree>
     <p:extLst>
       <p:ext uri="{BB962C8B-B14F-4D97-AF65-F5344CB8AC3E}">
@@ -9987,13 +10617,13 @@
         </p:nvSpPr>
         <p:spPr>
           <a:xfrm>
-            <a:off x="838200" y="100013"/>
-            <a:ext cx="10515600" cy="1143001"/>
+            <a:off x="2152650" y="517072"/>
+            <a:ext cx="7886700" cy="857251"/>
           </a:xfrm>
         </p:spPr>
         <p:txBody>
           <a:bodyPr>
-            <a:normAutofit/>
+            <a:normAutofit fontScale="90000"/>
           </a:bodyPr>
           <a:lstStyle/>
           <a:p>
@@ -10025,18 +10655,18 @@
         </p:nvSpPr>
         <p:spPr>
           <a:xfrm>
-            <a:off x="838200" y="1243015"/>
-            <a:ext cx="10515600" cy="4925556"/>
+            <a:off x="2152650" y="1581917"/>
+            <a:ext cx="7886700" cy="3694167"/>
           </a:xfrm>
         </p:spPr>
         <p:txBody>
           <a:bodyPr>
-            <a:normAutofit/>
+            <a:noAutofit/>
           </a:bodyPr>
           <a:lstStyle/>
           <a:p>
             <a:r>
-              <a:rPr lang="en-US" dirty="0">
+              <a:rPr lang="en-US" sz="2400" dirty="0">
                 <a:latin typeface="Calibri" panose="020F0502020204030204" pitchFamily="34" charset="0"/>
                 <a:cs typeface="Calibri" panose="020F0502020204030204" pitchFamily="34" charset="0"/>
               </a:rPr>
@@ -10046,7 +10676,7 @@
           <a:p>
             <a:pPr lvl="1"/>
             <a:r>
-              <a:rPr lang="en-US" dirty="0">
+              <a:rPr lang="en-US" sz="2000" dirty="0">
                 <a:latin typeface="Calibri" panose="020F0502020204030204" pitchFamily="34" charset="0"/>
                 <a:cs typeface="Calibri" panose="020F0502020204030204" pitchFamily="34" charset="0"/>
               </a:rPr>
@@ -10056,7 +10686,7 @@
           <a:p>
             <a:pPr lvl="2"/>
             <a:r>
-              <a:rPr lang="en-US" dirty="0">
+              <a:rPr lang="en-US" sz="1800" dirty="0">
                 <a:latin typeface="Calibri" panose="020F0502020204030204" pitchFamily="34" charset="0"/>
                 <a:cs typeface="Calibri" panose="020F0502020204030204" pitchFamily="34" charset="0"/>
               </a:rPr>
@@ -10066,7 +10696,7 @@
           <a:p>
             <a:pPr lvl="2"/>
             <a:r>
-              <a:rPr lang="en-US" dirty="0">
+              <a:rPr lang="en-US" sz="1800" dirty="0">
                 <a:latin typeface="Calibri" panose="020F0502020204030204" pitchFamily="34" charset="0"/>
                 <a:cs typeface="Calibri" panose="020F0502020204030204" pitchFamily="34" charset="0"/>
               </a:rPr>
@@ -10076,39 +10706,39 @@
           <a:p>
             <a:pPr lvl="3"/>
             <a:r>
-              <a:rPr lang="en-US" dirty="0">
+              <a:rPr lang="en-US" sz="1600" dirty="0">
                 <a:latin typeface="Calibri" panose="020F0502020204030204" pitchFamily="34" charset="0"/>
                 <a:cs typeface="Calibri" panose="020F0502020204030204" pitchFamily="34" charset="0"/>
               </a:rPr>
               <a:t>Added formal support for multiple levels (and direction) of hierarchy </a:t>
             </a:r>
             <a:br>
-              <a:rPr lang="en-US" dirty="0">
+              <a:rPr lang="en-US" sz="1600" dirty="0">
                 <a:latin typeface="Calibri" panose="020F0502020204030204" pitchFamily="34" charset="0"/>
                 <a:cs typeface="Calibri" panose="020F0502020204030204" pitchFamily="34" charset="0"/>
               </a:rPr>
             </a:br>
             <a:r>
-              <a:rPr lang="en-US" dirty="0">
+              <a:rPr lang="en-US" sz="1600" dirty="0">
                 <a:latin typeface="Calibri" panose="020F0502020204030204" pitchFamily="34" charset="0"/>
                 <a:cs typeface="Calibri" panose="020F0502020204030204" pitchFamily="34" charset="0"/>
               </a:rPr>
               <a:t>(e.g., gene -&gt; transcript -&gt; exon)</a:t>
             </a:r>
             <a:br>
-              <a:rPr lang="en-US" dirty="0">
+              <a:rPr lang="en-US" sz="1600" dirty="0">
                 <a:latin typeface="Calibri" panose="020F0502020204030204" pitchFamily="34" charset="0"/>
                 <a:cs typeface="Calibri" panose="020F0502020204030204" pitchFamily="34" charset="0"/>
               </a:rPr>
             </a:br>
-            <a:endParaRPr lang="en-US" dirty="0">
+            <a:endParaRPr lang="en-US" sz="1600" dirty="0">
               <a:latin typeface="Calibri" panose="020F0502020204030204" pitchFamily="34" charset="0"/>
               <a:cs typeface="Calibri" panose="020F0502020204030204" pitchFamily="34" charset="0"/>
             </a:endParaRPr>
           </a:p>
           <a:p>
             <a:r>
-              <a:rPr lang="en-US" dirty="0">
+              <a:rPr lang="en-US" sz="2400" dirty="0">
                 <a:latin typeface="Calibri" panose="020F0502020204030204" pitchFamily="34" charset="0"/>
                 <a:cs typeface="Calibri" panose="020F0502020204030204" pitchFamily="34" charset="0"/>
               </a:rPr>
@@ -10118,7 +10748,7 @@
           <a:p>
             <a:pPr lvl="1"/>
             <a:r>
-              <a:rPr lang="en-US" dirty="0">
+              <a:rPr lang="en-US" sz="2000" dirty="0">
                 <a:latin typeface="Calibri" panose="020F0502020204030204" pitchFamily="34" charset="0"/>
                 <a:cs typeface="Calibri" panose="020F0502020204030204" pitchFamily="34" charset="0"/>
               </a:rPr>
@@ -10126,39 +10756,32 @@
             </a:r>
           </a:p>
           <a:p>
+            <a:r>
+              <a:rPr lang="en-US" sz="2400" dirty="0">
+                <a:latin typeface="Calibri" panose="020F0502020204030204" pitchFamily="34" charset="0"/>
+                <a:cs typeface="Calibri" panose="020F0502020204030204" pitchFamily="34" charset="0"/>
+              </a:rPr>
+              <a:t>GFF2, GFF3 and GTF are all tab-separate files with 9 fields</a:t>
+            </a:r>
+          </a:p>
+          <a:p>
             <a:pPr lvl="1"/>
-            <a:endParaRPr lang="en-US" dirty="0">
-              <a:latin typeface="Calibri" panose="020F0502020204030204" pitchFamily="34" charset="0"/>
-              <a:cs typeface="Calibri" panose="020F0502020204030204" pitchFamily="34" charset="0"/>
-            </a:endParaRPr>
-          </a:p>
-          <a:p>
-            <a:r>
-              <a:rPr lang="en-US" dirty="0">
-                <a:latin typeface="Calibri" panose="020F0502020204030204" pitchFamily="34" charset="0"/>
-                <a:cs typeface="Calibri" panose="020F0502020204030204" pitchFamily="34" charset="0"/>
-              </a:rPr>
-              <a:t>GFF2, GFF3 and GTF are all tab-separate files with 9 fields</a:t>
-            </a:r>
-          </a:p>
-          <a:p>
-            <a:pPr lvl="1"/>
-            <a:r>
-              <a:rPr lang="en-US" dirty="0">
+            <a:r>
+              <a:rPr lang="en-US" sz="2000" dirty="0">
                 <a:latin typeface="Calibri" panose="020F0502020204030204" pitchFamily="34" charset="0"/>
                 <a:cs typeface="Calibri" panose="020F0502020204030204" pitchFamily="34" charset="0"/>
               </a:rPr>
               <a:t>Differing content in 9</a:t>
             </a:r>
             <a:r>
-              <a:rPr lang="en-US" baseline="30000" dirty="0">
+              <a:rPr lang="en-US" sz="2000" baseline="30000" dirty="0">
                 <a:latin typeface="Calibri" panose="020F0502020204030204" pitchFamily="34" charset="0"/>
                 <a:cs typeface="Calibri" panose="020F0502020204030204" pitchFamily="34" charset="0"/>
               </a:rPr>
               <a:t>th</a:t>
             </a:r>
             <a:r>
-              <a:rPr lang="en-US" dirty="0">
+              <a:rPr lang="en-US" sz="2000" dirty="0">
                 <a:latin typeface="Calibri" panose="020F0502020204030204" pitchFamily="34" charset="0"/>
                 <a:cs typeface="Calibri" panose="020F0502020204030204" pitchFamily="34" charset="0"/>
               </a:rPr>
@@ -10166,7 +10789,7 @@
             </a:r>
           </a:p>
           <a:p>
-            <a:endParaRPr lang="en-US" dirty="0">
+            <a:endParaRPr lang="en-US" sz="2400" dirty="0">
               <a:latin typeface="Calibri" panose="020F0502020204030204" pitchFamily="34" charset="0"/>
               <a:cs typeface="Calibri" panose="020F0502020204030204" pitchFamily="34" charset="0"/>
             </a:endParaRPr>
@@ -10221,12 +10844,14 @@
         </p:nvSpPr>
         <p:spPr>
           <a:xfrm>
-            <a:off x="838200" y="107946"/>
-            <a:ext cx="10515600" cy="792163"/>
-          </a:xfrm>
-        </p:spPr>
-        <p:txBody>
-          <a:bodyPr/>
+            <a:off x="2152650" y="938212"/>
+            <a:ext cx="7886700" cy="594122"/>
+          </a:xfrm>
+        </p:spPr>
+        <p:txBody>
+          <a:bodyPr>
+            <a:normAutofit fontScale="90000"/>
+          </a:bodyPr>
           <a:lstStyle/>
           <a:p>
             <a:r>
@@ -10263,8 +10888,8 @@
         </p:blipFill>
         <p:spPr>
           <a:xfrm>
-            <a:off x="85349" y="1494973"/>
-            <a:ext cx="12018024" cy="4352417"/>
+            <a:off x="1588012" y="1978483"/>
+            <a:ext cx="9013518" cy="3264313"/>
           </a:xfrm>
         </p:spPr>
       </p:pic>
@@ -10282,8 +10907,8 @@
         </p:nvSpPr>
         <p:spPr>
           <a:xfrm>
-            <a:off x="7729546" y="6080115"/>
-            <a:ext cx="4373826" cy="553998"/>
+            <a:off x="7321163" y="5417336"/>
+            <a:ext cx="2762295" cy="438582"/>
           </a:xfrm>
           <a:prstGeom prst="rect">
             <a:avLst/>
@@ -10297,25 +10922,25 @@
           <a:lstStyle/>
           <a:p>
             <a:r>
-              <a:rPr lang="en-US" sz="1200" dirty="0"/>
+              <a:rPr lang="en-US" sz="900" dirty="0"/>
               <a:t>https://</a:t>
             </a:r>
             <a:r>
-              <a:rPr lang="en-US" sz="1200" dirty="0" err="1"/>
+              <a:rPr lang="en-US" sz="900" dirty="0" err="1"/>
               <a:t>en.wikipedia.org</a:t>
             </a:r>
             <a:r>
-              <a:rPr lang="en-US" sz="1200" dirty="0"/>
+              <a:rPr lang="en-US" sz="900" dirty="0"/>
               <a:t>/wiki/</a:t>
             </a:r>
             <a:r>
-              <a:rPr lang="en-US" sz="1200" dirty="0" err="1"/>
+              <a:rPr lang="en-US" sz="900" dirty="0" err="1"/>
               <a:t>General_feature_format</a:t>
             </a:r>
-            <a:endParaRPr lang="en-US" sz="1200" dirty="0"/>
-          </a:p>
-          <a:p>
-            <a:endParaRPr lang="en-US" dirty="0"/>
+            <a:endParaRPr lang="en-US" sz="900" dirty="0"/>
+          </a:p>
+          <a:p>
+            <a:endParaRPr lang="en-US" sz="1350" dirty="0"/>
           </a:p>
         </p:txBody>
       </p:sp>
@@ -10367,8 +10992,8 @@
         </p:nvSpPr>
         <p:spPr>
           <a:xfrm>
-            <a:off x="357188" y="18255"/>
-            <a:ext cx="11530012" cy="1325563"/>
+            <a:off x="1791894" y="870943"/>
+            <a:ext cx="8647509" cy="994172"/>
           </a:xfrm>
         </p:spPr>
         <p:txBody>
@@ -10410,13 +11035,13 @@
         </p:nvSpPr>
         <p:spPr>
           <a:xfrm>
-            <a:off x="357187" y="1825625"/>
-            <a:ext cx="11530011" cy="531813"/>
+            <a:off x="1791892" y="2226471"/>
+            <a:ext cx="8647508" cy="398860"/>
           </a:xfrm>
         </p:spPr>
         <p:txBody>
           <a:bodyPr>
-            <a:normAutofit/>
+            <a:normAutofit fontScale="92500"/>
           </a:bodyPr>
           <a:lstStyle/>
           <a:p>
@@ -10424,49 +11049,49 @@
               <a:buNone/>
             </a:pPr>
             <a:r>
-              <a:rPr lang="en-US" sz="2000" dirty="0">
+              <a:rPr lang="en-US" sz="1500" dirty="0">
                 <a:latin typeface="Calibri" panose="020F0502020204030204" pitchFamily="34" charset="0"/>
                 <a:cs typeface="Calibri" panose="020F0502020204030204" pitchFamily="34" charset="0"/>
               </a:rPr>
               <a:t>22	</a:t>
             </a:r>
             <a:r>
-              <a:rPr lang="en-US" sz="2000" dirty="0" err="1">
+              <a:rPr lang="en-US" sz="1500" dirty="0" err="1">
                 <a:latin typeface="Calibri" panose="020F0502020204030204" pitchFamily="34" charset="0"/>
                 <a:cs typeface="Calibri" panose="020F0502020204030204" pitchFamily="34" charset="0"/>
               </a:rPr>
               <a:t>ensembl</a:t>
             </a:r>
             <a:r>
-              <a:rPr lang="en-US" sz="2000" dirty="0">
+              <a:rPr lang="en-US" sz="1500" dirty="0">
                 <a:latin typeface="Calibri" panose="020F0502020204030204" pitchFamily="34" charset="0"/>
                 <a:cs typeface="Calibri" panose="020F0502020204030204" pitchFamily="34" charset="0"/>
               </a:rPr>
               <a:t> </a:t>
             </a:r>
             <a:r>
-              <a:rPr lang="en-US" sz="2000" dirty="0" err="1">
+              <a:rPr lang="en-US" sz="1500" dirty="0" err="1">
                 <a:latin typeface="Calibri" panose="020F0502020204030204" pitchFamily="34" charset="0"/>
                 <a:cs typeface="Calibri" panose="020F0502020204030204" pitchFamily="34" charset="0"/>
               </a:rPr>
               <a:t>start_codon</a:t>
             </a:r>
             <a:r>
-              <a:rPr lang="en-US" sz="2000" dirty="0">
+              <a:rPr lang="en-US" sz="1500" dirty="0">
                 <a:latin typeface="Calibri" panose="020F0502020204030204" pitchFamily="34" charset="0"/>
                 <a:cs typeface="Calibri" panose="020F0502020204030204" pitchFamily="34" charset="0"/>
               </a:rPr>
               <a:t>     11066501        11066503        .       +       0       </a:t>
             </a:r>
             <a:r>
-              <a:rPr lang="en-US" sz="2000" dirty="0" err="1">
+              <a:rPr lang="en-US" sz="1500" dirty="0" err="1">
                 <a:latin typeface="Calibri" panose="020F0502020204030204" pitchFamily="34" charset="0"/>
                 <a:cs typeface="Calibri" panose="020F0502020204030204" pitchFamily="34" charset="0"/>
               </a:rPr>
               <a:t>gene_id</a:t>
             </a:r>
             <a:r>
-              <a:rPr lang="en-US" sz="2000" dirty="0">
+              <a:rPr lang="en-US" sz="1500" dirty="0">
                 <a:latin typeface="Calibri" panose="020F0502020204030204" pitchFamily="34" charset="0"/>
                 <a:cs typeface="Calibri" panose="020F0502020204030204" pitchFamily="34" charset="0"/>
               </a:rPr>
@@ -10477,7 +11102,7 @@
             <a:pPr marL="0" indent="0" algn="ctr">
               <a:buNone/>
             </a:pPr>
-            <a:endParaRPr lang="en-US" sz="2000" dirty="0">
+            <a:endParaRPr lang="en-US" sz="1500" dirty="0">
               <a:latin typeface="Calibri" panose="020F0502020204030204" pitchFamily="34" charset="0"/>
               <a:cs typeface="Calibri" panose="020F0502020204030204" pitchFamily="34" charset="0"/>
             </a:endParaRPr>
@@ -10486,7 +11111,7 @@
             <a:pPr marL="0" indent="0" algn="ctr">
               <a:buNone/>
             </a:pPr>
-            <a:endParaRPr lang="en-US" sz="2000" dirty="0">
+            <a:endParaRPr lang="en-US" sz="1500" dirty="0">
               <a:latin typeface="Calibri" panose="020F0502020204030204" pitchFamily="34" charset="0"/>
               <a:cs typeface="Calibri" panose="020F0502020204030204" pitchFamily="34" charset="0"/>
             </a:endParaRPr>
@@ -10509,8 +11134,8 @@
         </p:nvCxnSpPr>
         <p:spPr>
           <a:xfrm flipH="1">
-            <a:off x="478073" y="2368322"/>
-            <a:ext cx="307743" cy="0"/>
+            <a:off x="1882558" y="2633492"/>
+            <a:ext cx="230807" cy="0"/>
           </a:xfrm>
           <a:prstGeom prst="line">
             <a:avLst/>
@@ -10552,8 +11177,8 @@
         </p:nvCxnSpPr>
         <p:spPr>
           <a:xfrm flipV="1">
-            <a:off x="635226" y="2369716"/>
-            <a:ext cx="1" cy="514349"/>
+            <a:off x="2000423" y="2634537"/>
+            <a:ext cx="1" cy="385762"/>
           </a:xfrm>
           <a:prstGeom prst="line">
             <a:avLst/>
@@ -10593,8 +11218,8 @@
         </p:nvSpPr>
         <p:spPr>
           <a:xfrm>
-            <a:off x="38093" y="2913128"/>
-            <a:ext cx="1199980" cy="646331"/>
+            <a:off x="1552572" y="3042098"/>
+            <a:ext cx="899985" cy="507831"/>
           </a:xfrm>
           <a:prstGeom prst="rect">
             <a:avLst/>
@@ -10609,7 +11234,7 @@
           <a:p>
             <a:pPr algn="ctr"/>
             <a:r>
-              <a:rPr lang="en-US" dirty="0">
+              <a:rPr lang="en-US" sz="1350" dirty="0">
                 <a:latin typeface="Calibri" panose="020F0502020204030204" pitchFamily="34" charset="0"/>
                 <a:cs typeface="Calibri" panose="020F0502020204030204" pitchFamily="34" charset="0"/>
               </a:rPr>
@@ -10634,8 +11259,8 @@
         </p:nvCxnSpPr>
         <p:spPr>
           <a:xfrm flipH="1" flipV="1">
-            <a:off x="4414656" y="2351502"/>
-            <a:ext cx="16278" cy="1029368"/>
+            <a:off x="4834995" y="2620877"/>
+            <a:ext cx="12209" cy="772026"/>
           </a:xfrm>
           <a:prstGeom prst="line">
             <a:avLst/>
@@ -10677,8 +11302,8 @@
         </p:nvCxnSpPr>
         <p:spPr>
           <a:xfrm flipH="1">
-            <a:off x="4014790" y="2351502"/>
-            <a:ext cx="732322" cy="0"/>
+            <a:off x="4535092" y="2620877"/>
+            <a:ext cx="549242" cy="0"/>
           </a:xfrm>
           <a:prstGeom prst="line">
             <a:avLst/>
@@ -10718,8 +11343,8 @@
         </p:nvSpPr>
         <p:spPr>
           <a:xfrm>
-            <a:off x="4114823" y="3397690"/>
-            <a:ext cx="632289" cy="369332"/>
+            <a:off x="4586036" y="3405517"/>
+            <a:ext cx="522387" cy="300082"/>
           </a:xfrm>
           <a:prstGeom prst="rect">
             <a:avLst/>
@@ -10734,7 +11359,7 @@
           <a:p>
             <a:pPr algn="ctr"/>
             <a:r>
-              <a:rPr lang="en-US" dirty="0">
+              <a:rPr lang="en-US" sz="1350" dirty="0">
                 <a:latin typeface="Calibri" panose="020F0502020204030204" pitchFamily="34" charset="0"/>
                 <a:cs typeface="Calibri" panose="020F0502020204030204" pitchFamily="34" charset="0"/>
               </a:rPr>
@@ -10759,8 +11384,8 @@
         </p:nvCxnSpPr>
         <p:spPr>
           <a:xfrm flipH="1" flipV="1">
-            <a:off x="5837693" y="2352507"/>
-            <a:ext cx="1" cy="531422"/>
+            <a:off x="5902273" y="2621633"/>
+            <a:ext cx="1" cy="398567"/>
           </a:xfrm>
           <a:prstGeom prst="line">
             <a:avLst/>
@@ -10802,8 +11427,8 @@
         </p:nvCxnSpPr>
         <p:spPr>
           <a:xfrm flipH="1">
-            <a:off x="5457826" y="2352507"/>
-            <a:ext cx="860811" cy="0"/>
+            <a:off x="5617372" y="2621630"/>
+            <a:ext cx="645608" cy="0"/>
           </a:xfrm>
           <a:prstGeom prst="line">
             <a:avLst/>
@@ -10843,8 +11468,8 @@
         </p:nvSpPr>
         <p:spPr>
           <a:xfrm>
-            <a:off x="5566370" y="2883336"/>
-            <a:ext cx="540534" cy="369332"/>
+            <a:off x="5675298" y="3019752"/>
+            <a:ext cx="452368" cy="300082"/>
           </a:xfrm>
           <a:prstGeom prst="rect">
             <a:avLst/>
@@ -10859,7 +11484,7 @@
           <a:p>
             <a:pPr algn="ctr"/>
             <a:r>
-              <a:rPr lang="en-US" dirty="0">
+              <a:rPr lang="en-US" sz="1350" dirty="0">
                 <a:latin typeface="Calibri" panose="020F0502020204030204" pitchFamily="34" charset="0"/>
                 <a:cs typeface="Calibri" panose="020F0502020204030204" pitchFamily="34" charset="0"/>
               </a:rPr>
@@ -10884,8 +11509,8 @@
         </p:nvCxnSpPr>
         <p:spPr>
           <a:xfrm flipH="1" flipV="1">
-            <a:off x="6904060" y="2384409"/>
-            <a:ext cx="4798" cy="995144"/>
+            <a:off x="6702048" y="2645557"/>
+            <a:ext cx="3599" cy="746358"/>
           </a:xfrm>
           <a:prstGeom prst="line">
             <a:avLst/>
@@ -10927,8 +11552,8 @@
         </p:nvCxnSpPr>
         <p:spPr>
           <a:xfrm flipH="1">
-            <a:off x="6772271" y="2353522"/>
-            <a:ext cx="242888" cy="0"/>
+            <a:off x="6603203" y="2622392"/>
+            <a:ext cx="182166" cy="0"/>
           </a:xfrm>
           <a:prstGeom prst="line">
             <a:avLst/>
@@ -10968,8 +11593,8 @@
         </p:nvSpPr>
         <p:spPr>
           <a:xfrm>
-            <a:off x="6563198" y="3393841"/>
-            <a:ext cx="700705" cy="369332"/>
+            <a:off x="6422325" y="3402631"/>
+            <a:ext cx="573683" cy="300082"/>
           </a:xfrm>
           <a:prstGeom prst="rect">
             <a:avLst/>
@@ -10984,7 +11609,7 @@
           <a:p>
             <a:pPr algn="ctr"/>
             <a:r>
-              <a:rPr lang="en-US" dirty="0">
+              <a:rPr lang="en-US" sz="1350" dirty="0">
                 <a:latin typeface="Calibri" panose="020F0502020204030204" pitchFamily="34" charset="0"/>
                 <a:cs typeface="Calibri" panose="020F0502020204030204" pitchFamily="34" charset="0"/>
               </a:rPr>
@@ -11009,8 +11634,8 @@
         </p:nvCxnSpPr>
         <p:spPr>
           <a:xfrm flipV="1">
-            <a:off x="7906873" y="2373617"/>
-            <a:ext cx="0" cy="1020224"/>
+            <a:off x="7454155" y="2637463"/>
+            <a:ext cx="0" cy="765168"/>
           </a:xfrm>
           <a:prstGeom prst="line">
             <a:avLst/>
@@ -11052,8 +11677,8 @@
         </p:nvCxnSpPr>
         <p:spPr>
           <a:xfrm flipH="1">
-            <a:off x="7757445" y="2370205"/>
-            <a:ext cx="292806" cy="0"/>
+            <a:off x="7342087" y="2634904"/>
+            <a:ext cx="219605" cy="0"/>
           </a:xfrm>
           <a:prstGeom prst="line">
             <a:avLst/>
@@ -11093,8 +11718,8 @@
         </p:nvSpPr>
         <p:spPr>
           <a:xfrm>
-            <a:off x="7467564" y="3401693"/>
-            <a:ext cx="838512" cy="646331"/>
+            <a:off x="7124673" y="3408521"/>
+            <a:ext cx="628884" cy="715581"/>
           </a:xfrm>
           <a:prstGeom prst="rect">
             <a:avLst/>
@@ -11109,7 +11734,7 @@
           <a:p>
             <a:pPr algn="ctr"/>
             <a:r>
-              <a:rPr lang="en-US" dirty="0">
+              <a:rPr lang="en-US" sz="1350" dirty="0">
                 <a:latin typeface="Calibri" panose="020F0502020204030204" pitchFamily="34" charset="0"/>
                 <a:cs typeface="Calibri" panose="020F0502020204030204" pitchFamily="34" charset="0"/>
               </a:rPr>
@@ -11134,8 +11759,8 @@
         </p:nvCxnSpPr>
         <p:spPr>
           <a:xfrm flipH="1">
-            <a:off x="1685114" y="2359385"/>
-            <a:ext cx="386566" cy="0"/>
+            <a:off x="2787838" y="2626789"/>
+            <a:ext cx="289925" cy="0"/>
           </a:xfrm>
           <a:prstGeom prst="line">
             <a:avLst/>
@@ -11177,8 +11802,8 @@
         </p:nvCxnSpPr>
         <p:spPr>
           <a:xfrm flipH="1" flipV="1">
-            <a:off x="1887591" y="2364705"/>
-            <a:ext cx="7606" cy="1036988"/>
+            <a:off x="2939696" y="2630781"/>
+            <a:ext cx="5705" cy="777741"/>
           </a:xfrm>
           <a:prstGeom prst="line">
             <a:avLst/>
@@ -11218,8 +11843,8 @@
         </p:nvSpPr>
         <p:spPr>
           <a:xfrm>
-            <a:off x="1387731" y="3401693"/>
-            <a:ext cx="1014932" cy="369332"/>
+            <a:off x="2564799" y="3408520"/>
+            <a:ext cx="761199" cy="300082"/>
           </a:xfrm>
           <a:prstGeom prst="rect">
             <a:avLst/>
@@ -11234,7 +11859,7 @@
           <a:p>
             <a:pPr algn="ctr"/>
             <a:r>
-              <a:rPr lang="en-US" dirty="0">
+              <a:rPr lang="en-US" sz="1350" dirty="0">
                 <a:latin typeface="Calibri" panose="020F0502020204030204" pitchFamily="34" charset="0"/>
                 <a:cs typeface="Calibri" panose="020F0502020204030204" pitchFamily="34" charset="0"/>
               </a:rPr>
@@ -11259,8 +11884,8 @@
         </p:nvCxnSpPr>
         <p:spPr>
           <a:xfrm flipH="1">
-            <a:off x="2443159" y="2354065"/>
-            <a:ext cx="823208" cy="0"/>
+            <a:off x="3356369" y="2622799"/>
+            <a:ext cx="617406" cy="0"/>
           </a:xfrm>
           <a:prstGeom prst="line">
             <a:avLst/>
@@ -11302,8 +11927,8 @@
         </p:nvCxnSpPr>
         <p:spPr>
           <a:xfrm flipV="1">
-            <a:off x="2856533" y="2359385"/>
-            <a:ext cx="0" cy="520102"/>
+            <a:off x="3666400" y="2626792"/>
+            <a:ext cx="0" cy="390077"/>
           </a:xfrm>
           <a:prstGeom prst="line">
             <a:avLst/>
@@ -11343,8 +11968,8 @@
         </p:nvSpPr>
         <p:spPr>
           <a:xfrm>
-            <a:off x="2342157" y="2913128"/>
-            <a:ext cx="1048198" cy="369332"/>
+            <a:off x="3280621" y="3042097"/>
+            <a:ext cx="786149" cy="300082"/>
           </a:xfrm>
           <a:prstGeom prst="rect">
             <a:avLst/>
@@ -11359,7 +11984,7 @@
           <a:p>
             <a:pPr algn="ctr"/>
             <a:r>
-              <a:rPr lang="en-US" dirty="0">
+              <a:rPr lang="en-US" sz="1350" dirty="0">
                 <a:latin typeface="Calibri" panose="020F0502020204030204" pitchFamily="34" charset="0"/>
                 <a:cs typeface="Calibri" panose="020F0502020204030204" pitchFamily="34" charset="0"/>
               </a:rPr>
@@ -11384,8 +12009,8 @@
         </p:nvCxnSpPr>
         <p:spPr>
           <a:xfrm flipH="1" flipV="1">
-            <a:off x="7367548" y="2354065"/>
-            <a:ext cx="2" cy="524676"/>
+            <a:off x="7049662" y="2622801"/>
+            <a:ext cx="2" cy="393507"/>
           </a:xfrm>
           <a:prstGeom prst="line">
             <a:avLst/>
@@ -11427,8 +12052,8 @@
         </p:nvCxnSpPr>
         <p:spPr>
           <a:xfrm flipH="1">
-            <a:off x="7263903" y="2363133"/>
-            <a:ext cx="237035" cy="0"/>
+            <a:off x="6971929" y="2629600"/>
+            <a:ext cx="177776" cy="0"/>
           </a:xfrm>
           <a:prstGeom prst="line">
             <a:avLst/>
@@ -11468,8 +12093,8 @@
         </p:nvSpPr>
         <p:spPr>
           <a:xfrm>
-            <a:off x="6967910" y="2878147"/>
-            <a:ext cx="836273" cy="369332"/>
+            <a:off x="6749936" y="3015861"/>
+            <a:ext cx="627205" cy="507831"/>
           </a:xfrm>
           <a:prstGeom prst="rect">
             <a:avLst/>
@@ -11484,7 +12109,7 @@
           <a:p>
             <a:pPr algn="ctr"/>
             <a:r>
-              <a:rPr lang="en-US" dirty="0">
+              <a:rPr lang="en-US" sz="1350" dirty="0">
                 <a:latin typeface="Calibri" panose="020F0502020204030204" pitchFamily="34" charset="0"/>
                 <a:cs typeface="Calibri" panose="020F0502020204030204" pitchFamily="34" charset="0"/>
               </a:rPr>
@@ -11509,8 +12134,8 @@
         </p:nvCxnSpPr>
         <p:spPr>
           <a:xfrm flipH="1" flipV="1">
-            <a:off x="9874769" y="2363133"/>
-            <a:ext cx="1" cy="526357"/>
+            <a:off x="8930080" y="2629602"/>
+            <a:ext cx="1" cy="394768"/>
           </a:xfrm>
           <a:prstGeom prst="line">
             <a:avLst/>
@@ -11552,8 +12177,8 @@
         </p:nvCxnSpPr>
         <p:spPr>
           <a:xfrm flipH="1">
-            <a:off x="8549849" y="2363133"/>
-            <a:ext cx="2751564" cy="0"/>
+            <a:off x="7936389" y="2629600"/>
+            <a:ext cx="2063673" cy="0"/>
           </a:xfrm>
           <a:prstGeom prst="line">
             <a:avLst/>
@@ -11593,8 +12218,8 @@
         </p:nvSpPr>
         <p:spPr>
           <a:xfrm>
-            <a:off x="9127497" y="2907587"/>
-            <a:ext cx="1473579" cy="369332"/>
+            <a:off x="8369623" y="3037940"/>
+            <a:ext cx="1105184" cy="300082"/>
           </a:xfrm>
           <a:prstGeom prst="rect">
             <a:avLst/>
@@ -11609,7 +12234,7 @@
           <a:p>
             <a:pPr algn="ctr"/>
             <a:r>
-              <a:rPr lang="en-US" dirty="0">
+              <a:rPr lang="en-US" sz="1350" dirty="0">
                 <a:latin typeface="Calibri" panose="020F0502020204030204" pitchFamily="34" charset="0"/>
                 <a:cs typeface="Calibri" panose="020F0502020204030204" pitchFamily="34" charset="0"/>
               </a:rPr>
@@ -11632,8 +12257,8 @@
         </p:nvSpPr>
         <p:spPr>
           <a:xfrm>
-            <a:off x="278594" y="4613816"/>
-            <a:ext cx="11530011" cy="923330"/>
+            <a:off x="1732948" y="4317614"/>
+            <a:ext cx="8647508" cy="923330"/>
           </a:xfrm>
           <a:prstGeom prst="rect">
             <a:avLst/>
@@ -11649,224 +12274,224 @@
               <a:defRPr/>
             </a:pPr>
             <a:r>
-              <a:rPr lang="en-US" dirty="0" err="1">
+              <a:rPr lang="en-US" sz="1350" dirty="0" err="1">
                 <a:latin typeface="Calibri" panose="020F0502020204030204" pitchFamily="34" charset="0"/>
                 <a:cs typeface="Calibri" panose="020F0502020204030204" pitchFamily="34" charset="0"/>
               </a:rPr>
               <a:t>gene_id</a:t>
             </a:r>
             <a:r>
-              <a:rPr lang="en-US" dirty="0">
+              <a:rPr lang="en-US" sz="1350" dirty="0">
                 <a:latin typeface="Calibri" panose="020F0502020204030204" pitchFamily="34" charset="0"/>
                 <a:cs typeface="Calibri" panose="020F0502020204030204" pitchFamily="34" charset="0"/>
               </a:rPr>
               <a:t> "ENSG00000279973”; </a:t>
             </a:r>
             <a:r>
-              <a:rPr lang="en-US" dirty="0" err="1">
+              <a:rPr lang="en-US" sz="1350" dirty="0" err="1">
                 <a:latin typeface="Calibri" panose="020F0502020204030204" pitchFamily="34" charset="0"/>
                 <a:cs typeface="Calibri" panose="020F0502020204030204" pitchFamily="34" charset="0"/>
               </a:rPr>
               <a:t>gene_version</a:t>
             </a:r>
             <a:r>
-              <a:rPr lang="en-US" dirty="0">
+              <a:rPr lang="en-US" sz="1350" dirty="0">
                 <a:latin typeface="Calibri" panose="020F0502020204030204" pitchFamily="34" charset="0"/>
                 <a:cs typeface="Calibri" panose="020F0502020204030204" pitchFamily="34" charset="0"/>
               </a:rPr>
               <a:t> "1"; </a:t>
             </a:r>
             <a:r>
-              <a:rPr lang="en-US" dirty="0" err="1">
+              <a:rPr lang="en-US" sz="1350" dirty="0" err="1">
                 <a:latin typeface="Calibri" panose="020F0502020204030204" pitchFamily="34" charset="0"/>
                 <a:cs typeface="Calibri" panose="020F0502020204030204" pitchFamily="34" charset="0"/>
               </a:rPr>
               <a:t>transcript_id</a:t>
             </a:r>
             <a:r>
-              <a:rPr lang="en-US" dirty="0">
+              <a:rPr lang="en-US" sz="1350" dirty="0">
                 <a:latin typeface="Calibri" panose="020F0502020204030204" pitchFamily="34" charset="0"/>
                 <a:cs typeface="Calibri" panose="020F0502020204030204" pitchFamily="34" charset="0"/>
               </a:rPr>
               <a:t> "ENST00000624155"; </a:t>
             </a:r>
             <a:r>
-              <a:rPr lang="en-US" dirty="0" err="1">
+              <a:rPr lang="en-US" sz="1350" dirty="0" err="1">
                 <a:latin typeface="Calibri" panose="020F0502020204030204" pitchFamily="34" charset="0"/>
                 <a:cs typeface="Calibri" panose="020F0502020204030204" pitchFamily="34" charset="0"/>
               </a:rPr>
               <a:t>transcript_version</a:t>
             </a:r>
             <a:r>
-              <a:rPr lang="en-US" dirty="0">
+              <a:rPr lang="en-US" sz="1350" dirty="0">
                 <a:latin typeface="Calibri" panose="020F0502020204030204" pitchFamily="34" charset="0"/>
                 <a:cs typeface="Calibri" panose="020F0502020204030204" pitchFamily="34" charset="0"/>
               </a:rPr>
               <a:t> "1"; </a:t>
             </a:r>
             <a:r>
-              <a:rPr lang="en-US" dirty="0" err="1">
+              <a:rPr lang="en-US" sz="1350" dirty="0" err="1">
                 <a:latin typeface="Calibri" panose="020F0502020204030204" pitchFamily="34" charset="0"/>
                 <a:cs typeface="Calibri" panose="020F0502020204030204" pitchFamily="34" charset="0"/>
               </a:rPr>
               <a:t>exon_number</a:t>
             </a:r>
             <a:r>
-              <a:rPr lang="en-US" dirty="0">
+              <a:rPr lang="en-US" sz="1350" dirty="0">
                 <a:latin typeface="Calibri" panose="020F0502020204030204" pitchFamily="34" charset="0"/>
                 <a:cs typeface="Calibri" panose="020F0502020204030204" pitchFamily="34" charset="0"/>
               </a:rPr>
               <a:t> "1"; </a:t>
             </a:r>
             <a:r>
-              <a:rPr lang="en-US" dirty="0" err="1">
+              <a:rPr lang="en-US" sz="1350" dirty="0" err="1">
                 <a:latin typeface="Calibri" panose="020F0502020204030204" pitchFamily="34" charset="0"/>
                 <a:cs typeface="Calibri" panose="020F0502020204030204" pitchFamily="34" charset="0"/>
               </a:rPr>
               <a:t>gene_name</a:t>
             </a:r>
             <a:r>
-              <a:rPr lang="en-US" dirty="0">
+              <a:rPr lang="en-US" sz="1350" dirty="0">
                 <a:latin typeface="Calibri" panose="020F0502020204030204" pitchFamily="34" charset="0"/>
                 <a:cs typeface="Calibri" panose="020F0502020204030204" pitchFamily="34" charset="0"/>
               </a:rPr>
               <a:t> "BAGE5"; </a:t>
             </a:r>
             <a:r>
-              <a:rPr lang="en-US" dirty="0" err="1">
+              <a:rPr lang="en-US" sz="1350" dirty="0" err="1">
                 <a:latin typeface="Calibri" panose="020F0502020204030204" pitchFamily="34" charset="0"/>
                 <a:cs typeface="Calibri" panose="020F0502020204030204" pitchFamily="34" charset="0"/>
               </a:rPr>
               <a:t>gene_source</a:t>
             </a:r>
             <a:r>
-              <a:rPr lang="en-US" dirty="0">
+              <a:rPr lang="en-US" sz="1350" dirty="0">
                 <a:latin typeface="Calibri" panose="020F0502020204030204" pitchFamily="34" charset="0"/>
                 <a:cs typeface="Calibri" panose="020F0502020204030204" pitchFamily="34" charset="0"/>
               </a:rPr>
               <a:t> "</a:t>
             </a:r>
             <a:r>
-              <a:rPr lang="en-US" dirty="0" err="1">
+              <a:rPr lang="en-US" sz="1350" dirty="0" err="1">
                 <a:latin typeface="Calibri" panose="020F0502020204030204" pitchFamily="34" charset="0"/>
                 <a:cs typeface="Calibri" panose="020F0502020204030204" pitchFamily="34" charset="0"/>
               </a:rPr>
               <a:t>ensembl</a:t>
             </a:r>
             <a:r>
-              <a:rPr lang="en-US" dirty="0">
+              <a:rPr lang="en-US" sz="1350" dirty="0">
                 <a:latin typeface="Calibri" panose="020F0502020204030204" pitchFamily="34" charset="0"/>
                 <a:cs typeface="Calibri" panose="020F0502020204030204" pitchFamily="34" charset="0"/>
               </a:rPr>
               <a:t>"; </a:t>
             </a:r>
             <a:r>
-              <a:rPr lang="en-US" dirty="0" err="1">
+              <a:rPr lang="en-US" sz="1350" dirty="0" err="1">
                 <a:latin typeface="Calibri" panose="020F0502020204030204" pitchFamily="34" charset="0"/>
                 <a:cs typeface="Calibri" panose="020F0502020204030204" pitchFamily="34" charset="0"/>
               </a:rPr>
               <a:t>gene_biotype</a:t>
             </a:r>
             <a:r>
-              <a:rPr lang="en-US" dirty="0">
+              <a:rPr lang="en-US" sz="1350" dirty="0">
                 <a:latin typeface="Calibri" panose="020F0502020204030204" pitchFamily="34" charset="0"/>
                 <a:cs typeface="Calibri" panose="020F0502020204030204" pitchFamily="34" charset="0"/>
               </a:rPr>
               <a:t> "</a:t>
             </a:r>
             <a:r>
-              <a:rPr lang="en-US" dirty="0" err="1">
+              <a:rPr lang="en-US" sz="1350" dirty="0" err="1">
                 <a:latin typeface="Calibri" panose="020F0502020204030204" pitchFamily="34" charset="0"/>
                 <a:cs typeface="Calibri" panose="020F0502020204030204" pitchFamily="34" charset="0"/>
               </a:rPr>
               <a:t>protein_coding</a:t>
             </a:r>
             <a:r>
-              <a:rPr lang="en-US" dirty="0">
+              <a:rPr lang="en-US" sz="1350" dirty="0">
                 <a:latin typeface="Calibri" panose="020F0502020204030204" pitchFamily="34" charset="0"/>
                 <a:cs typeface="Calibri" panose="020F0502020204030204" pitchFamily="34" charset="0"/>
               </a:rPr>
               <a:t>"; </a:t>
             </a:r>
             <a:r>
-              <a:rPr lang="en-US" dirty="0" err="1">
+              <a:rPr lang="en-US" sz="1350" dirty="0" err="1">
                 <a:latin typeface="Calibri" panose="020F0502020204030204" pitchFamily="34" charset="0"/>
                 <a:cs typeface="Calibri" panose="020F0502020204030204" pitchFamily="34" charset="0"/>
               </a:rPr>
               <a:t>transcript_name</a:t>
             </a:r>
             <a:r>
-              <a:rPr lang="en-US" dirty="0">
+              <a:rPr lang="en-US" sz="1350" dirty="0">
                 <a:latin typeface="Calibri" panose="020F0502020204030204" pitchFamily="34" charset="0"/>
                 <a:cs typeface="Calibri" panose="020F0502020204030204" pitchFamily="34" charset="0"/>
               </a:rPr>
               <a:t> "BAGE5-201"; </a:t>
             </a:r>
             <a:r>
-              <a:rPr lang="en-US" dirty="0" err="1">
+              <a:rPr lang="en-US" sz="1350" dirty="0" err="1">
                 <a:latin typeface="Calibri" panose="020F0502020204030204" pitchFamily="34" charset="0"/>
                 <a:cs typeface="Calibri" panose="020F0502020204030204" pitchFamily="34" charset="0"/>
               </a:rPr>
               <a:t>transcript_source</a:t>
             </a:r>
             <a:r>
-              <a:rPr lang="en-US" dirty="0">
+              <a:rPr lang="en-US" sz="1350" dirty="0">
                 <a:latin typeface="Calibri" panose="020F0502020204030204" pitchFamily="34" charset="0"/>
                 <a:cs typeface="Calibri" panose="020F0502020204030204" pitchFamily="34" charset="0"/>
               </a:rPr>
               <a:t> "</a:t>
             </a:r>
             <a:r>
-              <a:rPr lang="en-US" dirty="0" err="1">
+              <a:rPr lang="en-US" sz="1350" dirty="0" err="1">
                 <a:latin typeface="Calibri" panose="020F0502020204030204" pitchFamily="34" charset="0"/>
                 <a:cs typeface="Calibri" panose="020F0502020204030204" pitchFamily="34" charset="0"/>
               </a:rPr>
               <a:t>ensembl</a:t>
             </a:r>
             <a:r>
-              <a:rPr lang="en-US" dirty="0">
+              <a:rPr lang="en-US" sz="1350" dirty="0">
                 <a:latin typeface="Calibri" panose="020F0502020204030204" pitchFamily="34" charset="0"/>
                 <a:cs typeface="Calibri" panose="020F0502020204030204" pitchFamily="34" charset="0"/>
               </a:rPr>
               <a:t>"; </a:t>
             </a:r>
             <a:r>
-              <a:rPr lang="en-US" dirty="0" err="1">
+              <a:rPr lang="en-US" sz="1350" dirty="0" err="1">
                 <a:latin typeface="Calibri" panose="020F0502020204030204" pitchFamily="34" charset="0"/>
                 <a:cs typeface="Calibri" panose="020F0502020204030204" pitchFamily="34" charset="0"/>
               </a:rPr>
               <a:t>transcript_biotype</a:t>
             </a:r>
             <a:r>
-              <a:rPr lang="en-US" dirty="0">
+              <a:rPr lang="en-US" sz="1350" dirty="0">
                 <a:latin typeface="Calibri" panose="020F0502020204030204" pitchFamily="34" charset="0"/>
                 <a:cs typeface="Calibri" panose="020F0502020204030204" pitchFamily="34" charset="0"/>
               </a:rPr>
               <a:t> "</a:t>
             </a:r>
             <a:r>
-              <a:rPr lang="en-US" dirty="0" err="1">
+              <a:rPr lang="en-US" sz="1350" dirty="0" err="1">
                 <a:latin typeface="Calibri" panose="020F0502020204030204" pitchFamily="34" charset="0"/>
                 <a:cs typeface="Calibri" panose="020F0502020204030204" pitchFamily="34" charset="0"/>
               </a:rPr>
               <a:t>protein_coding</a:t>
             </a:r>
             <a:r>
-              <a:rPr lang="en-US" dirty="0">
+              <a:rPr lang="en-US" sz="1350" dirty="0">
                 <a:latin typeface="Calibri" panose="020F0502020204030204" pitchFamily="34" charset="0"/>
                 <a:cs typeface="Calibri" panose="020F0502020204030204" pitchFamily="34" charset="0"/>
               </a:rPr>
               <a:t>"; tag "basic"; </a:t>
             </a:r>
             <a:r>
-              <a:rPr lang="en-US" dirty="0" err="1">
+              <a:rPr lang="en-US" sz="1350" dirty="0" err="1">
                 <a:latin typeface="Calibri" panose="020F0502020204030204" pitchFamily="34" charset="0"/>
                 <a:cs typeface="Calibri" panose="020F0502020204030204" pitchFamily="34" charset="0"/>
               </a:rPr>
               <a:t>transcript_support_level</a:t>
             </a:r>
             <a:r>
-              <a:rPr lang="en-US" dirty="0">
+              <a:rPr lang="en-US" sz="1350" dirty="0">
                 <a:latin typeface="Calibri" panose="020F0502020204030204" pitchFamily="34" charset="0"/>
                 <a:cs typeface="Calibri" panose="020F0502020204030204" pitchFamily="34" charset="0"/>
               </a:rPr>
@@ -11889,8 +12514,8 @@
         </p:nvSpPr>
         <p:spPr>
           <a:xfrm>
-            <a:off x="212275" y="4271384"/>
-            <a:ext cx="2945678" cy="369332"/>
+            <a:off x="1683206" y="4060788"/>
+            <a:ext cx="2253374" cy="300082"/>
           </a:xfrm>
           <a:prstGeom prst="rect">
             <a:avLst/>
@@ -11904,7 +12529,7 @@
           <a:lstStyle/>
           <a:p>
             <a:r>
-              <a:rPr lang="en-US" b="1" dirty="0">
+              <a:rPr lang="en-US" sz="1350" b="1" dirty="0">
                 <a:latin typeface="Calibri" panose="020F0502020204030204" pitchFamily="34" charset="0"/>
                 <a:cs typeface="Calibri" panose="020F0502020204030204" pitchFamily="34" charset="0"/>
               </a:rPr>
@@ -11927,8 +12552,8 @@
         </p:nvSpPr>
         <p:spPr>
           <a:xfrm>
-            <a:off x="315959" y="6000750"/>
-            <a:ext cx="11739752" cy="369332"/>
+            <a:off x="1760970" y="5357812"/>
+            <a:ext cx="7073539" cy="300082"/>
           </a:xfrm>
           <a:prstGeom prst="rect">
             <a:avLst/>
@@ -11942,23 +12567,23 @@
           <a:lstStyle/>
           <a:p>
             <a:r>
-              <a:rPr lang="en-US" dirty="0"/>
+              <a:rPr lang="en-US" sz="1350" dirty="0"/>
               <a:t>Note: there will be many GTF records/rows per transcript per gene (UTRs, </a:t>
             </a:r>
             <a:r>
-              <a:rPr lang="en-US" dirty="0" err="1"/>
+              <a:rPr lang="en-US" sz="1350" dirty="0" err="1"/>
               <a:t>start_codon</a:t>
             </a:r>
             <a:r>
-              <a:rPr lang="en-US" dirty="0"/>
+              <a:rPr lang="en-US" sz="1350" dirty="0"/>
               <a:t>, exons, </a:t>
             </a:r>
             <a:r>
-              <a:rPr lang="en-US" dirty="0" err="1"/>
+              <a:rPr lang="en-US" sz="1350" dirty="0" err="1"/>
               <a:t>etc</a:t>
             </a:r>
             <a:r>
-              <a:rPr lang="en-US" dirty="0"/>
+              <a:rPr lang="en-US" sz="1350" dirty="0"/>
               <a:t>)</a:t>
             </a:r>
           </a:p>
@@ -11980,7 +12605,7 @@
 <file path=ppt/theme/theme1.xml><?xml version="1.0" encoding="utf-8"?>
 <a:theme xmlns:a="http://schemas.openxmlformats.org/drawingml/2006/main" name="1_Office Theme">
   <a:themeElements>
-    <a:clrScheme name="Office">
+    <a:clrScheme name="Office Theme">
       <a:dk1>
         <a:sysClr val="windowText" lastClr="000000"/>
       </a:dk1>
@@ -12018,18 +12643,53 @@
         <a:srgbClr val="954F72"/>
       </a:folHlink>
     </a:clrScheme>
-    <a:fontScheme name="Consolas-Verdana">
+    <a:fontScheme name="Office Theme">
       <a:majorFont>
-        <a:latin typeface="Consolas" panose="020B0609020204030204"/>
+        <a:latin typeface="Calibri Light" panose="020F0302020204030204"/>
         <a:ea typeface=""/>
         <a:cs typeface=""/>
-        <a:font script="Jpan" typeface="HG丸ｺﾞｼｯｸM-PRO"/>
-        <a:font script="Hang" typeface="HY중고딕"/>
-        <a:font script="Hans" typeface="华文楷体"/>
+        <a:font script="Jpan" typeface="游ゴシック Light"/>
+        <a:font script="Hang" typeface="맑은 고딕"/>
+        <a:font script="Hans" typeface="等线 Light"/>
         <a:font script="Hant" typeface="新細明體"/>
-        <a:font script="Arab" typeface="Tahoma"/>
-        <a:font script="Hebr" typeface="Levenim MT"/>
-        <a:font script="Thai" typeface="DilleniaUPC"/>
+        <a:font script="Arab" typeface="Times New Roman"/>
+        <a:font script="Hebr" typeface="Times New Roman"/>
+        <a:font script="Thai" typeface="Angsana New"/>
+        <a:font script="Ethi" typeface="Nyala"/>
+        <a:font script="Beng" typeface="Vrinda"/>
+        <a:font script="Gujr" typeface="Shruti"/>
+        <a:font script="Khmr" typeface="MoolBoran"/>
+        <a:font script="Knda" typeface="Tunga"/>
+        <a:font script="Guru" typeface="Raavi"/>
+        <a:font script="Cans" typeface="Euphemia"/>
+        <a:font script="Cher" typeface="Plantagenet Cherokee"/>
+        <a:font script="Yiii" typeface="Microsoft Yi Baiti"/>
+        <a:font script="Tibt" typeface="Microsoft Himalaya"/>
+        <a:font script="Thaa" typeface="MV Boli"/>
+        <a:font script="Deva" typeface="Mangal"/>
+        <a:font script="Telu" typeface="Gautami"/>
+        <a:font script="Taml" typeface="Latha"/>
+        <a:font script="Syrc" typeface="Estrangelo Edessa"/>
+        <a:font script="Orya" typeface="Kalinga"/>
+        <a:font script="Mlym" typeface="Kartika"/>
+        <a:font script="Laoo" typeface="DokChampa"/>
+        <a:font script="Sinh" typeface="Iskoola Pota"/>
+        <a:font script="Mong" typeface="Mongolian Baiti"/>
+        <a:font script="Viet" typeface="Times New Roman"/>
+        <a:font script="Uigh" typeface="Microsoft Uighur"/>
+        <a:font script="Geor" typeface="Sylfaen"/>
+      </a:majorFont>
+      <a:minorFont>
+        <a:latin typeface="Calibri" panose="020F0502020204030204"/>
+        <a:ea typeface=""/>
+        <a:cs typeface=""/>
+        <a:font script="Jpan" typeface="游ゴシック"/>
+        <a:font script="Hang" typeface="맑은 고딕"/>
+        <a:font script="Hans" typeface="等线"/>
+        <a:font script="Hant" typeface="新細明體"/>
+        <a:font script="Arab" typeface="Arial"/>
+        <a:font script="Hebr" typeface="Arial"/>
+        <a:font script="Thai" typeface="Cordia New"/>
         <a:font script="Ethi" typeface="Nyala"/>
         <a:font script="Beng" typeface="Vrinda"/>
         <a:font script="Gujr" typeface="Shruti"/>
@@ -12050,47 +12710,12 @@
         <a:font script="Laoo" typeface="DokChampa"/>
         <a:font script="Sinh" typeface="Iskoola Pota"/>
         <a:font script="Mong" typeface="Mongolian Baiti"/>
-        <a:font script="Viet" typeface="Tahoma"/>
-        <a:font script="Uigh" typeface="Microsoft Uighur"/>
-        <a:font script="Geor" typeface="Sylfaen"/>
-      </a:majorFont>
-      <a:minorFont>
-        <a:latin typeface="Verdana" panose="020B0604030504040204"/>
-        <a:ea typeface=""/>
-        <a:cs typeface=""/>
-        <a:font script="Jpan" typeface="ＭＳ ゴシック"/>
-        <a:font script="Hang" typeface="굴림"/>
-        <a:font script="Hans" typeface="微软雅黑"/>
-        <a:font script="Hant" typeface="微軟正黑體"/>
-        <a:font script="Arab" typeface="Tahoma"/>
-        <a:font script="Hebr" typeface="Tahoma"/>
-        <a:font script="Thai" typeface="FreesiaUPC"/>
-        <a:font script="Ethi" typeface="Nyala"/>
-        <a:font script="Beng" typeface="Vrinda"/>
-        <a:font script="Gujr" typeface="Shruti"/>
-        <a:font script="Khmr" typeface="DaunPenh"/>
-        <a:font script="Knda" typeface="Tunga"/>
-        <a:font script="Guru" typeface="Raavi"/>
-        <a:font script="Cans" typeface="Euphemia"/>
-        <a:font script="Cher" typeface="Plantagenet Cherokee"/>
-        <a:font script="Yiii" typeface="Microsoft Yi Baiti"/>
-        <a:font script="Tibt" typeface="Microsoft Himalaya"/>
-        <a:font script="Thaa" typeface="MV Boli"/>
-        <a:font script="Deva" typeface="Mangal"/>
-        <a:font script="Telu" typeface="Gautami"/>
-        <a:font script="Taml" typeface="Latha"/>
-        <a:font script="Syrc" typeface="Estrangelo Edessa"/>
-        <a:font script="Orya" typeface="Kalinga"/>
-        <a:font script="Mlym" typeface="Kartika"/>
-        <a:font script="Laoo" typeface="DokChampa"/>
-        <a:font script="Sinh" typeface="Iskoola Pota"/>
-        <a:font script="Mong" typeface="Mongolian Baiti"/>
-        <a:font script="Viet" typeface="Verdana"/>
+        <a:font script="Viet" typeface="Arial"/>
         <a:font script="Uigh" typeface="Microsoft Uighur"/>
         <a:font script="Geor" typeface="Sylfaen"/>
       </a:minorFont>
     </a:fontScheme>
-    <a:fmtScheme name="Office">
+    <a:fmtScheme name="Office Theme">
       <a:fillStyleLst>
         <a:solidFill>
           <a:schemeClr val="phClr"/>

--- a/assets/lectures/cshl/2019/mini/RNASeq_MiniLecture_01_01_FASTA_FASTQ_GTF.pptx
+++ b/assets/lectures/cshl/2019/mini/RNASeq_MiniLecture_01_01_FASTA_FASTQ_GTF.pptx
@@ -204,7 +204,7 @@
           <a:p>
             <a:fld id="{827BD9F9-8452-A342-BB1B-28ECF19E2CC5}" type="datetimeFigureOut">
               <a:rPr lang="en-US" smtClean="0"/>
-              <a:t>11/5/19</a:t>
+              <a:t>11/9/19</a:t>
             </a:fld>
             <a:endParaRPr lang="en-US"/>
           </a:p>
@@ -1167,7 +1167,7 @@
           <a:p>
             <a:fld id="{C764DE79-268F-4C1A-8933-263129D2AF90}" type="datetimeFigureOut">
               <a:rPr lang="en-US" smtClean="0"/>
-              <a:t>11/5/19</a:t>
+              <a:t>11/9/19</a:t>
             </a:fld>
             <a:endParaRPr lang="en-US" dirty="0"/>
           </a:p>
@@ -1316,14 +1316,14 @@
           </a:ln>
           <a:extLst>
             <a:ext uri="{909E8E84-426E-40dd-AFC4-6F175D3DCCD1}">
-              <a14:hiddenFill xmlns:a14="http://schemas.microsoft.com/office/drawing/2010/main" xmlns="">
+              <a14:hiddenFill xmlns="" xmlns:a14="http://schemas.microsoft.com/office/drawing/2010/main">
                 <a:solidFill>
                   <a:srgbClr val="FFFFFF"/>
                 </a:solidFill>
               </a14:hiddenFill>
             </a:ext>
             <a:ext uri="{91240B29-F687-4f45-9708-019B960494DF}">
-              <a14:hiddenLine xmlns:a14="http://schemas.microsoft.com/office/drawing/2010/main" xmlns="" w="9525">
+              <a14:hiddenLine xmlns="" xmlns:a14="http://schemas.microsoft.com/office/drawing/2010/main" w="9525">
                 <a:solidFill>
                   <a:srgbClr val="000000"/>
                 </a:solidFill>
@@ -1457,7 +1457,7 @@
           <a:p>
             <a:fld id="{C764DE79-268F-4C1A-8933-263129D2AF90}" type="datetimeFigureOut">
               <a:rPr lang="en-US" smtClean="0"/>
-              <a:t>11/5/19</a:t>
+              <a:t>11/9/19</a:t>
             </a:fld>
             <a:endParaRPr lang="en-US" dirty="0"/>
           </a:p>
@@ -1637,7 +1637,7 @@
           <a:p>
             <a:fld id="{C764DE79-268F-4C1A-8933-263129D2AF90}" type="datetimeFigureOut">
               <a:rPr lang="en-US" smtClean="0"/>
-              <a:t>11/5/19</a:t>
+              <a:t>11/9/19</a:t>
             </a:fld>
             <a:endParaRPr lang="en-US" dirty="0"/>
           </a:p>
@@ -1805,14 +1805,14 @@
           </a:ln>
           <a:extLst>
             <a:ext uri="{909E8E84-426E-40dd-AFC4-6F175D3DCCD1}">
-              <a14:hiddenFill xmlns:a14="http://schemas.microsoft.com/office/drawing/2010/main" xmlns="">
+              <a14:hiddenFill xmlns="" xmlns:a14="http://schemas.microsoft.com/office/drawing/2010/main">
                 <a:solidFill>
                   <a:srgbClr val="FFFFFF"/>
                 </a:solidFill>
               </a14:hiddenFill>
             </a:ext>
             <a:ext uri="{91240B29-F687-4f45-9708-019B960494DF}">
-              <a14:hiddenLine xmlns:a14="http://schemas.microsoft.com/office/drawing/2010/main" xmlns="" w="9525">
+              <a14:hiddenLine xmlns="" xmlns:a14="http://schemas.microsoft.com/office/drawing/2010/main" w="9525">
                 <a:solidFill>
                   <a:srgbClr val="000000"/>
                 </a:solidFill>
@@ -2407,7 +2407,7 @@
           <a:p>
             <a:fld id="{C764DE79-268F-4C1A-8933-263129D2AF90}" type="datetimeFigureOut">
               <a:rPr lang="en-US" smtClean="0"/>
-              <a:t>11/5/19</a:t>
+              <a:t>11/9/19</a:t>
             </a:fld>
             <a:endParaRPr lang="en-US" dirty="0"/>
           </a:p>
@@ -2653,7 +2653,7 @@
           <a:p>
             <a:fld id="{C764DE79-268F-4C1A-8933-263129D2AF90}" type="datetimeFigureOut">
               <a:rPr lang="en-US" smtClean="0"/>
-              <a:t>11/5/19</a:t>
+              <a:t>11/9/19</a:t>
             </a:fld>
             <a:endParaRPr lang="en-US" dirty="0"/>
           </a:p>
@@ -2885,7 +2885,7 @@
           <a:p>
             <a:fld id="{C764DE79-268F-4C1A-8933-263129D2AF90}" type="datetimeFigureOut">
               <a:rPr lang="en-US" smtClean="0"/>
-              <a:t>11/5/19</a:t>
+              <a:t>11/9/19</a:t>
             </a:fld>
             <a:endParaRPr lang="en-US" dirty="0"/>
           </a:p>
@@ -3252,7 +3252,7 @@
           <a:p>
             <a:fld id="{C764DE79-268F-4C1A-8933-263129D2AF90}" type="datetimeFigureOut">
               <a:rPr lang="en-US" smtClean="0"/>
-              <a:t>11/5/19</a:t>
+              <a:t>11/9/19</a:t>
             </a:fld>
             <a:endParaRPr lang="en-US" dirty="0"/>
           </a:p>
@@ -3370,7 +3370,7 @@
           <a:p>
             <a:fld id="{C764DE79-268F-4C1A-8933-263129D2AF90}" type="datetimeFigureOut">
               <a:rPr lang="en-US" smtClean="0"/>
-              <a:t>11/5/19</a:t>
+              <a:t>11/9/19</a:t>
             </a:fld>
             <a:endParaRPr lang="en-US" dirty="0"/>
           </a:p>
@@ -3465,7 +3465,7 @@
           <a:p>
             <a:fld id="{C764DE79-268F-4C1A-8933-263129D2AF90}" type="datetimeFigureOut">
               <a:rPr lang="en-US" smtClean="0"/>
-              <a:t>11/5/19</a:t>
+              <a:t>11/9/19</a:t>
             </a:fld>
             <a:endParaRPr lang="en-US" dirty="0"/>
           </a:p>
@@ -3742,7 +3742,7 @@
           <a:p>
             <a:fld id="{C764DE79-268F-4C1A-8933-263129D2AF90}" type="datetimeFigureOut">
               <a:rPr lang="en-US" smtClean="0"/>
-              <a:t>11/5/19</a:t>
+              <a:t>11/9/19</a:t>
             </a:fld>
             <a:endParaRPr lang="en-US" dirty="0"/>
           </a:p>
@@ -3999,7 +3999,7 @@
           <a:p>
             <a:fld id="{C764DE79-268F-4C1A-8933-263129D2AF90}" type="datetimeFigureOut">
               <a:rPr lang="en-US" smtClean="0"/>
-              <a:t>11/5/19</a:t>
+              <a:t>11/9/19</a:t>
             </a:fld>
             <a:endParaRPr lang="en-US" dirty="0"/>
           </a:p>
@@ -4212,7 +4212,7 @@
           <a:p>
             <a:fld id="{C764DE79-268F-4C1A-8933-263129D2AF90}" type="datetimeFigureOut">
               <a:rPr lang="en-US" smtClean="0"/>
-              <a:t>11/5/19</a:t>
+              <a:t>11/9/19</a:t>
             </a:fld>
             <a:endParaRPr lang="en-US" dirty="0"/>
           </a:p>
@@ -4523,14 +4523,14 @@
           </a:ln>
           <a:extLst>
             <a:ext uri="{909E8E84-426E-40dd-AFC4-6F175D3DCCD1}">
-              <a14:hiddenFill xmlns:a14="http://schemas.microsoft.com/office/drawing/2010/main" xmlns="">
+              <a14:hiddenFill xmlns="" xmlns:a14="http://schemas.microsoft.com/office/drawing/2010/main">
                 <a:solidFill>
                   <a:srgbClr val="FFFFFF"/>
                 </a:solidFill>
               </a14:hiddenFill>
             </a:ext>
             <a:ext uri="{91240B29-F687-4f45-9708-019B960494DF}">
-              <a14:hiddenLine xmlns:a14="http://schemas.microsoft.com/office/drawing/2010/main" xmlns="" w="9525">
+              <a14:hiddenLine xmlns="" xmlns:a14="http://schemas.microsoft.com/office/drawing/2010/main" w="9525">
                 <a:solidFill>
                   <a:srgbClr val="000000"/>
                 </a:solidFill>
@@ -5233,14 +5233,14 @@
           </a:ln>
           <a:extLst>
             <a:ext uri="{909E8E84-426E-40dd-AFC4-6F175D3DCCD1}">
-              <a14:hiddenFill xmlns:a14="http://schemas.microsoft.com/office/drawing/2010/main" xmlns="">
+              <a14:hiddenFill xmlns="" xmlns:a14="http://schemas.microsoft.com/office/drawing/2010/main">
                 <a:solidFill>
                   <a:srgbClr val="FFFFFF"/>
                 </a:solidFill>
               </a14:hiddenFill>
             </a:ext>
             <a:ext uri="{91240B29-F687-4f45-9708-019B960494DF}">
-              <a14:hiddenLine xmlns:a14="http://schemas.microsoft.com/office/drawing/2010/main" xmlns="" w="9525">
+              <a14:hiddenLine xmlns="" xmlns:a14="http://schemas.microsoft.com/office/drawing/2010/main" w="9525">
                 <a:solidFill>
                   <a:srgbClr val="000000"/>
                 </a:solidFill>
@@ -5274,14 +5274,14 @@
           </a:ln>
           <a:extLst>
             <a:ext uri="{909E8E84-426E-40dd-AFC4-6F175D3DCCD1}">
-              <a14:hiddenFill xmlns:a14="http://schemas.microsoft.com/office/drawing/2010/main" xmlns="">
+              <a14:hiddenFill xmlns="" xmlns:a14="http://schemas.microsoft.com/office/drawing/2010/main">
                 <a:solidFill>
                   <a:srgbClr val="FFFFFF"/>
                 </a:solidFill>
               </a14:hiddenFill>
             </a:ext>
             <a:ext uri="{91240B29-F687-4f45-9708-019B960494DF}">
-              <a14:hiddenLine xmlns:a14="http://schemas.microsoft.com/office/drawing/2010/main" xmlns="" w="9525">
+              <a14:hiddenLine xmlns="" xmlns:a14="http://schemas.microsoft.com/office/drawing/2010/main" w="9525">
                 <a:solidFill>
                   <a:srgbClr val="000000"/>
                 </a:solidFill>
@@ -5412,7 +5412,20 @@
                 <a:latin typeface="Calibri" charset="0"/>
                 <a:cs typeface="Segoe UI" charset="0"/>
               </a:rPr>
-              <a:t>Introduction to cloud computing</a:t>
+              <a:t>Module 1:</a:t>
+            </a:r>
+          </a:p>
+          <a:p>
+            <a:pPr algn="r" eaLnBrk="1" hangingPunct="1"/>
+            <a:r>
+              <a:rPr lang="en-US" sz="2000" b="1">
+                <a:solidFill>
+                  <a:schemeClr val="bg1"/>
+                </a:solidFill>
+                <a:latin typeface="Calibri" charset="0"/>
+                <a:cs typeface="Segoe UI" charset="0"/>
+              </a:rPr>
+              <a:t>FASTA/FASTQ/GTF</a:t>
             </a:r>
             <a:endParaRPr lang="en-US" sz="1800" b="1" dirty="0">
               <a:solidFill>

--- a/assets/lectures/cshl/2019/mini/RNASeq_MiniLecture_01_01_FASTA_FASTQ_GTF.pptx
+++ b/assets/lectures/cshl/2019/mini/RNASeq_MiniLecture_01_01_FASTA_FASTQ_GTF.pptx
@@ -1316,14 +1316,14 @@
           </a:ln>
           <a:extLst>
             <a:ext uri="{909E8E84-426E-40dd-AFC4-6F175D3DCCD1}">
-              <a14:hiddenFill xmlns="" xmlns:a14="http://schemas.microsoft.com/office/drawing/2010/main">
+              <a14:hiddenFill xmlns:a14="http://schemas.microsoft.com/office/drawing/2010/main" xmlns="">
                 <a:solidFill>
                   <a:srgbClr val="FFFFFF"/>
                 </a:solidFill>
               </a14:hiddenFill>
             </a:ext>
             <a:ext uri="{91240B29-F687-4f45-9708-019B960494DF}">
-              <a14:hiddenLine xmlns="" xmlns:a14="http://schemas.microsoft.com/office/drawing/2010/main" w="9525">
+              <a14:hiddenLine xmlns:a14="http://schemas.microsoft.com/office/drawing/2010/main" xmlns="" w="9525">
                 <a:solidFill>
                   <a:srgbClr val="000000"/>
                 </a:solidFill>
@@ -1805,14 +1805,14 @@
           </a:ln>
           <a:extLst>
             <a:ext uri="{909E8E84-426E-40dd-AFC4-6F175D3DCCD1}">
-              <a14:hiddenFill xmlns="" xmlns:a14="http://schemas.microsoft.com/office/drawing/2010/main">
+              <a14:hiddenFill xmlns:a14="http://schemas.microsoft.com/office/drawing/2010/main" xmlns="">
                 <a:solidFill>
                   <a:srgbClr val="FFFFFF"/>
                 </a:solidFill>
               </a14:hiddenFill>
             </a:ext>
             <a:ext uri="{91240B29-F687-4f45-9708-019B960494DF}">
-              <a14:hiddenLine xmlns="" xmlns:a14="http://schemas.microsoft.com/office/drawing/2010/main" w="9525">
+              <a14:hiddenLine xmlns:a14="http://schemas.microsoft.com/office/drawing/2010/main" xmlns="" w="9525">
                 <a:solidFill>
                   <a:srgbClr val="000000"/>
                 </a:solidFill>
@@ -4523,14 +4523,14 @@
           </a:ln>
           <a:extLst>
             <a:ext uri="{909E8E84-426E-40dd-AFC4-6F175D3DCCD1}">
-              <a14:hiddenFill xmlns="" xmlns:a14="http://schemas.microsoft.com/office/drawing/2010/main">
+              <a14:hiddenFill xmlns:a14="http://schemas.microsoft.com/office/drawing/2010/main" xmlns="">
                 <a:solidFill>
                   <a:srgbClr val="FFFFFF"/>
                 </a:solidFill>
               </a14:hiddenFill>
             </a:ext>
             <a:ext uri="{91240B29-F687-4f45-9708-019B960494DF}">
-              <a14:hiddenLine xmlns="" xmlns:a14="http://schemas.microsoft.com/office/drawing/2010/main" w="9525">
+              <a14:hiddenLine xmlns:a14="http://schemas.microsoft.com/office/drawing/2010/main" xmlns="" w="9525">
                 <a:solidFill>
                   <a:srgbClr val="000000"/>
                 </a:solidFill>
@@ -4665,7 +4665,7 @@
                 <a:latin typeface="Calibri" charset="0"/>
                 <a:cs typeface="Calibri" charset="0"/>
               </a:rPr>
-              <a:t>Module 2 </a:t>
+              <a:t>Module 1 </a:t>
             </a:r>
           </a:p>
         </p:txBody>
@@ -5233,14 +5233,14 @@
           </a:ln>
           <a:extLst>
             <a:ext uri="{909E8E84-426E-40dd-AFC4-6F175D3DCCD1}">
-              <a14:hiddenFill xmlns="" xmlns:a14="http://schemas.microsoft.com/office/drawing/2010/main">
+              <a14:hiddenFill xmlns:a14="http://schemas.microsoft.com/office/drawing/2010/main" xmlns="">
                 <a:solidFill>
                   <a:srgbClr val="FFFFFF"/>
                 </a:solidFill>
               </a14:hiddenFill>
             </a:ext>
             <a:ext uri="{91240B29-F687-4f45-9708-019B960494DF}">
-              <a14:hiddenLine xmlns="" xmlns:a14="http://schemas.microsoft.com/office/drawing/2010/main" w="9525">
+              <a14:hiddenLine xmlns:a14="http://schemas.microsoft.com/office/drawing/2010/main" xmlns="" w="9525">
                 <a:solidFill>
                   <a:srgbClr val="000000"/>
                 </a:solidFill>
@@ -5274,14 +5274,14 @@
           </a:ln>
           <a:extLst>
             <a:ext uri="{909E8E84-426E-40dd-AFC4-6F175D3DCCD1}">
-              <a14:hiddenFill xmlns="" xmlns:a14="http://schemas.microsoft.com/office/drawing/2010/main">
+              <a14:hiddenFill xmlns:a14="http://schemas.microsoft.com/office/drawing/2010/main" xmlns="">
                 <a:solidFill>
                   <a:srgbClr val="FFFFFF"/>
                 </a:solidFill>
               </a14:hiddenFill>
             </a:ext>
             <a:ext uri="{91240B29-F687-4f45-9708-019B960494DF}">
-              <a14:hiddenLine xmlns="" xmlns:a14="http://schemas.microsoft.com/office/drawing/2010/main" w="9525">
+              <a14:hiddenLine xmlns:a14="http://schemas.microsoft.com/office/drawing/2010/main" xmlns="" w="9525">
                 <a:solidFill>
                   <a:srgbClr val="000000"/>
                 </a:solidFill>

--- a/assets/lectures/cshl/2019/mini/RNASeq_MiniLecture_01_01_FASTA_FASTQ_GTF.pptx
+++ b/assets/lectures/cshl/2019/mini/RNASeq_MiniLecture_01_01_FASTA_FASTQ_GTF.pptx
@@ -204,7 +204,7 @@
           <a:p>
             <a:fld id="{827BD9F9-8452-A342-BB1B-28ECF19E2CC5}" type="datetimeFigureOut">
               <a:rPr lang="en-US" smtClean="0"/>
-              <a:t>11/9/19</a:t>
+              <a:t>11/10/19</a:t>
             </a:fld>
             <a:endParaRPr lang="en-US"/>
           </a:p>
@@ -498,12 +498,7 @@
             <p:ph type="sldImg"/>
           </p:nvPr>
         </p:nvSpPr>
-        <p:spPr>
-          <a:xfrm>
-            <a:off x="685800" y="1143000"/>
-            <a:ext cx="5486400" cy="3086100"/>
-          </a:xfrm>
-        </p:spPr>
+        <p:spPr/>
       </p:sp>
       <p:sp>
         <p:nvSpPr>
@@ -520,46 +515,7 @@
           <a:bodyPr/>
           <a:lstStyle/>
           <a:p>
-            <a:r>
-              <a:rPr lang="en-US" dirty="0"/>
-              <a:t>http://</a:t>
-            </a:r>
-            <a:r>
-              <a:rPr lang="en-US" dirty="0" err="1"/>
-              <a:t>www.somewhereville.com</a:t>
-            </a:r>
-            <a:r>
-              <a:rPr lang="en-US" dirty="0"/>
-              <a:t>/2011/12/16/sanger-and-illumina-1-3-and-solexa-phred-score-q-ascii-glyph-base-error-conversion-tables/</a:t>
-            </a:r>
-          </a:p>
-          <a:p>
-            <a:endParaRPr lang="en-US" dirty="0"/>
-          </a:p>
-          <a:p>
-            <a:r>
-              <a:rPr lang="en-US" dirty="0"/>
-              <a:t>https://</a:t>
-            </a:r>
-            <a:r>
-              <a:rPr lang="en-US" dirty="0" err="1"/>
-              <a:t>en.wikipedia.org</a:t>
-            </a:r>
-            <a:r>
-              <a:rPr lang="en-US" dirty="0"/>
-              <a:t>/wiki/</a:t>
-            </a:r>
-            <a:r>
-              <a:rPr lang="en-US" dirty="0" err="1"/>
-              <a:t>FASTQ_format#Quality</a:t>
-            </a:r>
-            <a:endParaRPr lang="en-US" dirty="0"/>
-          </a:p>
-          <a:p>
-            <a:endParaRPr lang="en-US" dirty="0"/>
-          </a:p>
-          <a:p>
-            <a:endParaRPr lang="en-US" dirty="0"/>
+            <a:endParaRPr lang="en-US"/>
           </a:p>
         </p:txBody>
       </p:sp>
@@ -570,7 +526,7 @@
             <a:spLocks noGrp="1"/>
           </p:cNvSpPr>
           <p:nvPr>
-            <p:ph type="sldNum" sz="quarter" idx="10"/>
+            <p:ph type="sldNum" sz="quarter" idx="5"/>
           </p:nvPr>
         </p:nvSpPr>
         <p:spPr/>
@@ -578,9 +534,9 @@
           <a:bodyPr/>
           <a:lstStyle/>
           <a:p>
-            <a:fld id="{099D50AF-F628-504F-B99D-05BB4C0BF79D}" type="slidenum">
+            <a:fld id="{91C65747-E6F5-D94A-981D-658B04DED679}" type="slidenum">
               <a:rPr lang="en-US" smtClean="0"/>
-              <a:t>5</a:t>
+              <a:t>1</a:t>
             </a:fld>
             <a:endParaRPr lang="en-US"/>
           </a:p>
@@ -589,7 +545,7 @@
     </p:spTree>
     <p:extLst>
       <p:ext uri="{BB962C8B-B14F-4D97-AF65-F5344CB8AC3E}">
-        <p14:creationId xmlns:p14="http://schemas.microsoft.com/office/powerpoint/2010/main" val="378807193"/>
+        <p14:creationId xmlns:p14="http://schemas.microsoft.com/office/powerpoint/2010/main" val="1361980193"/>
       </p:ext>
     </p:extLst>
   </p:cSld>
@@ -650,6 +606,134 @@
           <a:p>
             <a:r>
               <a:rPr lang="en-US" dirty="0"/>
+              <a:t>http://</a:t>
+            </a:r>
+            <a:r>
+              <a:rPr lang="en-US" dirty="0" err="1"/>
+              <a:t>www.somewhereville.com</a:t>
+            </a:r>
+            <a:r>
+              <a:rPr lang="en-US" dirty="0"/>
+              <a:t>/2011/12/16/sanger-and-illumina-1-3-and-solexa-phred-score-q-ascii-glyph-base-error-conversion-tables/</a:t>
+            </a:r>
+          </a:p>
+          <a:p>
+            <a:endParaRPr lang="en-US" dirty="0"/>
+          </a:p>
+          <a:p>
+            <a:r>
+              <a:rPr lang="en-US" dirty="0"/>
+              <a:t>https://</a:t>
+            </a:r>
+            <a:r>
+              <a:rPr lang="en-US" dirty="0" err="1"/>
+              <a:t>en.wikipedia.org</a:t>
+            </a:r>
+            <a:r>
+              <a:rPr lang="en-US" dirty="0"/>
+              <a:t>/wiki/</a:t>
+            </a:r>
+            <a:r>
+              <a:rPr lang="en-US" dirty="0" err="1"/>
+              <a:t>FASTQ_format#Quality</a:t>
+            </a:r>
+            <a:endParaRPr lang="en-US" dirty="0"/>
+          </a:p>
+          <a:p>
+            <a:endParaRPr lang="en-US" dirty="0"/>
+          </a:p>
+          <a:p>
+            <a:endParaRPr lang="en-US" dirty="0"/>
+          </a:p>
+        </p:txBody>
+      </p:sp>
+      <p:sp>
+        <p:nvSpPr>
+          <p:cNvPr id="4" name="Slide Number Placeholder 3"/>
+          <p:cNvSpPr>
+            <a:spLocks noGrp="1"/>
+          </p:cNvSpPr>
+          <p:nvPr>
+            <p:ph type="sldNum" sz="quarter" idx="10"/>
+          </p:nvPr>
+        </p:nvSpPr>
+        <p:spPr/>
+        <p:txBody>
+          <a:bodyPr/>
+          <a:lstStyle/>
+          <a:p>
+            <a:fld id="{099D50AF-F628-504F-B99D-05BB4C0BF79D}" type="slidenum">
+              <a:rPr lang="en-US" smtClean="0"/>
+              <a:t>5</a:t>
+            </a:fld>
+            <a:endParaRPr lang="en-US"/>
+          </a:p>
+        </p:txBody>
+      </p:sp>
+    </p:spTree>
+    <p:extLst>
+      <p:ext uri="{BB962C8B-B14F-4D97-AF65-F5344CB8AC3E}">
+        <p14:creationId xmlns:p14="http://schemas.microsoft.com/office/powerpoint/2010/main" val="378807193"/>
+      </p:ext>
+    </p:extLst>
+  </p:cSld>
+  <p:clrMapOvr>
+    <a:masterClrMapping/>
+  </p:clrMapOvr>
+</p:notes>
+</file>
+
+<file path=ppt/notesSlides/notesSlide3.xml><?xml version="1.0" encoding="utf-8"?>
+<p:notes xmlns:a="http://schemas.openxmlformats.org/drawingml/2006/main" xmlns:r="http://schemas.openxmlformats.org/officeDocument/2006/relationships" xmlns:p="http://schemas.openxmlformats.org/presentationml/2006/main">
+  <p:cSld>
+    <p:spTree>
+      <p:nvGrpSpPr>
+        <p:cNvPr id="1" name=""/>
+        <p:cNvGrpSpPr/>
+        <p:nvPr/>
+      </p:nvGrpSpPr>
+      <p:grpSpPr>
+        <a:xfrm>
+          <a:off x="0" y="0"/>
+          <a:ext cx="0" cy="0"/>
+          <a:chOff x="0" y="0"/>
+          <a:chExt cx="0" cy="0"/>
+        </a:xfrm>
+      </p:grpSpPr>
+      <p:sp>
+        <p:nvSpPr>
+          <p:cNvPr id="2" name="Slide Image Placeholder 1"/>
+          <p:cNvSpPr>
+            <a:spLocks noGrp="1" noRot="1" noChangeAspect="1"/>
+          </p:cNvSpPr>
+          <p:nvPr>
+            <p:ph type="sldImg"/>
+          </p:nvPr>
+        </p:nvSpPr>
+        <p:spPr>
+          <a:xfrm>
+            <a:off x="685800" y="1143000"/>
+            <a:ext cx="5486400" cy="3086100"/>
+          </a:xfrm>
+        </p:spPr>
+      </p:sp>
+      <p:sp>
+        <p:nvSpPr>
+          <p:cNvPr id="3" name="Notes Placeholder 2"/>
+          <p:cNvSpPr>
+            <a:spLocks noGrp="1"/>
+          </p:cNvSpPr>
+          <p:nvPr>
+            <p:ph type="body" idx="1"/>
+          </p:nvPr>
+        </p:nvSpPr>
+        <p:spPr/>
+        <p:txBody>
+          <a:bodyPr/>
+          <a:lstStyle/>
+          <a:p>
+            <a:r>
+              <a:rPr lang="en-US" dirty="0"/>
               <a:t>https://</a:t>
             </a:r>
             <a:r>
@@ -704,7 +788,7 @@
 </p:notes>
 </file>
 
-<file path=ppt/notesSlides/notesSlide3.xml><?xml version="1.0" encoding="utf-8"?>
+<file path=ppt/notesSlides/notesSlide4.xml><?xml version="1.0" encoding="utf-8"?>
 <p:notes xmlns:a="http://schemas.openxmlformats.org/drawingml/2006/main" xmlns:r="http://schemas.openxmlformats.org/officeDocument/2006/relationships" xmlns:p="http://schemas.openxmlformats.org/presentationml/2006/main">
   <p:cSld>
     <p:spTree>
@@ -1167,7 +1251,7 @@
           <a:p>
             <a:fld id="{C764DE79-268F-4C1A-8933-263129D2AF90}" type="datetimeFigureOut">
               <a:rPr lang="en-US" smtClean="0"/>
-              <a:t>11/9/19</a:t>
+              <a:t>11/10/19</a:t>
             </a:fld>
             <a:endParaRPr lang="en-US" dirty="0"/>
           </a:p>
@@ -1277,10 +1361,10 @@
       </p:sp>
       <p:pic>
         <p:nvPicPr>
-          <p:cNvPr id="8" name="Picture 7" descr="bioinformatics.ca-logo-white-text.png">
+          <p:cNvPr id="9" name="Picture 7" descr="cshl_logo_alternate rgb.png">
             <a:extLst>
               <a:ext uri="{FF2B5EF4-FFF2-40B4-BE49-F238E27FC236}">
-                <a16:creationId xmlns:a16="http://schemas.microsoft.com/office/drawing/2014/main" id="{11D896CE-44C8-344D-9219-FA152FFCCCF6}"/>
+                <a16:creationId xmlns:a16="http://schemas.microsoft.com/office/drawing/2014/main" id="{2ABB33F8-A05E-3547-922B-CE0D692524DA}"/>
               </a:ext>
             </a:extLst>
           </p:cNvPr>
@@ -1304,8 +1388,2410 @@
         </p:blipFill>
         <p:spPr bwMode="auto">
           <a:xfrm>
-            <a:off x="76202" y="1656599"/>
-            <a:ext cx="1729740" cy="727826"/>
+            <a:off x="300038" y="381000"/>
+            <a:ext cx="3509962" cy="1676400"/>
+          </a:xfrm>
+          <a:prstGeom prst="rect">
+            <a:avLst/>
+          </a:prstGeom>
+          <a:noFill/>
+          <a:ln>
+            <a:noFill/>
+          </a:ln>
+          <a:extLst>
+            <a:ext uri="{909E8E84-426E-40dd-AFC4-6F175D3DCCD1}">
+              <a14:hiddenFill xmlns="" xmlns:a14="http://schemas.microsoft.com/office/drawing/2010/main">
+                <a:solidFill>
+                  <a:srgbClr val="FFFFFF"/>
+                </a:solidFill>
+              </a14:hiddenFill>
+            </a:ext>
+            <a:ext uri="{91240B29-F687-4f45-9708-019B960494DF}">
+              <a14:hiddenLine xmlns="" xmlns:a14="http://schemas.microsoft.com/office/drawing/2010/main" w="9525">
+                <a:solidFill>
+                  <a:srgbClr val="000000"/>
+                </a:solidFill>
+                <a:miter lim="800000"/>
+                <a:headEnd/>
+                <a:tailEnd/>
+              </a14:hiddenLine>
+            </a:ext>
+          </a:extLst>
+        </p:spPr>
+      </p:pic>
+    </p:spTree>
+    <p:extLst>
+      <p:ext uri="{BB962C8B-B14F-4D97-AF65-F5344CB8AC3E}">
+        <p14:creationId xmlns:p14="http://schemas.microsoft.com/office/powerpoint/2010/main" val="3716461704"/>
+      </p:ext>
+    </p:extLst>
+  </p:cSld>
+  <p:clrMapOvr>
+    <a:masterClrMapping/>
+  </p:clrMapOvr>
+</p:sldLayout>
+</file>
+
+<file path=ppt/slideLayouts/slideLayout10.xml><?xml version="1.0" encoding="utf-8"?>
+<p:sldLayout xmlns:a="http://schemas.openxmlformats.org/drawingml/2006/main" xmlns:r="http://schemas.openxmlformats.org/officeDocument/2006/relationships" xmlns:p="http://schemas.openxmlformats.org/presentationml/2006/main" userDrawn="1">
+  <p:cSld name="Title">
+    <p:spTree>
+      <p:nvGrpSpPr>
+        <p:cNvPr id="1" name=""/>
+        <p:cNvGrpSpPr/>
+        <p:nvPr/>
+      </p:nvGrpSpPr>
+      <p:grpSpPr>
+        <a:xfrm>
+          <a:off x="0" y="0"/>
+          <a:ext cx="0" cy="0"/>
+          <a:chOff x="0" y="0"/>
+          <a:chExt cx="0" cy="0"/>
+        </a:xfrm>
+      </p:grpSpPr>
+      <p:sp>
+        <p:nvSpPr>
+          <p:cNvPr id="2" name="Rectangle 1"/>
+          <p:cNvSpPr/>
+          <p:nvPr userDrawn="1"/>
+        </p:nvSpPr>
+        <p:spPr>
+          <a:xfrm>
+            <a:off x="0" y="0"/>
+            <a:ext cx="12192000" cy="2514600"/>
+          </a:xfrm>
+          <a:prstGeom prst="rect">
+            <a:avLst/>
+          </a:prstGeom>
+          <a:solidFill>
+            <a:schemeClr val="tx1"/>
+          </a:solidFill>
+          <a:ln>
+            <a:noFill/>
+          </a:ln>
+        </p:spPr>
+        <p:style>
+          <a:lnRef idx="2">
+            <a:schemeClr val="accent1">
+              <a:shade val="50000"/>
+            </a:schemeClr>
+          </a:lnRef>
+          <a:fillRef idx="1">
+            <a:schemeClr val="accent1"/>
+          </a:fillRef>
+          <a:effectRef idx="0">
+            <a:schemeClr val="accent1"/>
+          </a:effectRef>
+          <a:fontRef idx="minor">
+            <a:schemeClr val="lt1"/>
+          </a:fontRef>
+        </p:style>
+        <p:txBody>
+          <a:bodyPr anchor="ctr"/>
+          <a:lstStyle/>
+          <a:p>
+            <a:pPr algn="ctr">
+              <a:defRPr/>
+            </a:pPr>
+            <a:endParaRPr lang="en-US" sz="1350">
+              <a:solidFill>
+                <a:srgbClr val="FFFFFF"/>
+              </a:solidFill>
+              <a:latin typeface="Segoe UI" charset="0"/>
+              <a:ea typeface="ＭＳ Ｐゴシック" charset="0"/>
+              <a:cs typeface="ＭＳ Ｐゴシック" charset="0"/>
+            </a:endParaRPr>
+          </a:p>
+        </p:txBody>
+      </p:sp>
+      <p:pic>
+        <p:nvPicPr>
+          <p:cNvPr id="5" name="Picture 7" descr="cshl_logo_alternate rgb.png">
+            <a:extLst>
+              <a:ext uri="{FF2B5EF4-FFF2-40B4-BE49-F238E27FC236}">
+                <a16:creationId xmlns:a16="http://schemas.microsoft.com/office/drawing/2014/main" id="{5DC8E3AA-C257-D14E-A5A8-DF7017F43DE2}"/>
+              </a:ext>
+            </a:extLst>
+          </p:cNvPr>
+          <p:cNvPicPr>
+            <a:picLocks noChangeAspect="1"/>
+          </p:cNvPicPr>
+          <p:nvPr userDrawn="1"/>
+        </p:nvPicPr>
+        <p:blipFill>
+          <a:blip r:embed="rId2">
+            <a:extLst>
+              <a:ext uri="{28A0092B-C50C-407E-A947-70E740481C1C}">
+                <a14:useLocalDpi xmlns:a14="http://schemas.microsoft.com/office/drawing/2010/main" val="0"/>
+              </a:ext>
+            </a:extLst>
+          </a:blip>
+          <a:srcRect/>
+          <a:stretch>
+            <a:fillRect/>
+          </a:stretch>
+        </p:blipFill>
+        <p:spPr bwMode="auto">
+          <a:xfrm>
+            <a:off x="300038" y="381000"/>
+            <a:ext cx="3509962" cy="1676400"/>
+          </a:xfrm>
+          <a:prstGeom prst="rect">
+            <a:avLst/>
+          </a:prstGeom>
+          <a:noFill/>
+          <a:ln>
+            <a:noFill/>
+          </a:ln>
+          <a:extLst>
+            <a:ext uri="{909E8E84-426E-40dd-AFC4-6F175D3DCCD1}">
+              <a14:hiddenFill xmlns="" xmlns:a14="http://schemas.microsoft.com/office/drawing/2010/main">
+                <a:solidFill>
+                  <a:srgbClr val="FFFFFF"/>
+                </a:solidFill>
+              </a14:hiddenFill>
+            </a:ext>
+            <a:ext uri="{91240B29-F687-4f45-9708-019B960494DF}">
+              <a14:hiddenLine xmlns="" xmlns:a14="http://schemas.microsoft.com/office/drawing/2010/main" w="9525">
+                <a:solidFill>
+                  <a:srgbClr val="000000"/>
+                </a:solidFill>
+                <a:miter lim="800000"/>
+                <a:headEnd/>
+                <a:tailEnd/>
+              </a14:hiddenLine>
+            </a:ext>
+          </a:extLst>
+        </p:spPr>
+      </p:pic>
+    </p:spTree>
+    <p:extLst>
+      <p:ext uri="{BB962C8B-B14F-4D97-AF65-F5344CB8AC3E}">
+        <p14:creationId xmlns:p14="http://schemas.microsoft.com/office/powerpoint/2010/main" val="1582645929"/>
+      </p:ext>
+    </p:extLst>
+  </p:cSld>
+  <p:clrMapOvr>
+    <a:masterClrMapping/>
+  </p:clrMapOvr>
+</p:sldLayout>
+</file>
+
+<file path=ppt/slideLayouts/slideLayout2.xml><?xml version="1.0" encoding="utf-8"?>
+<p:sldLayout xmlns:a="http://schemas.openxmlformats.org/drawingml/2006/main" xmlns:r="http://schemas.openxmlformats.org/officeDocument/2006/relationships" xmlns:p="http://schemas.openxmlformats.org/presentationml/2006/main" type="obj" preserve="1">
+  <p:cSld name="Title and Content">
+    <p:spTree>
+      <p:nvGrpSpPr>
+        <p:cNvPr id="1" name=""/>
+        <p:cNvGrpSpPr/>
+        <p:nvPr/>
+      </p:nvGrpSpPr>
+      <p:grpSpPr>
+        <a:xfrm>
+          <a:off x="0" y="0"/>
+          <a:ext cx="0" cy="0"/>
+          <a:chOff x="0" y="0"/>
+          <a:chExt cx="0" cy="0"/>
+        </a:xfrm>
+      </p:grpSpPr>
+      <p:sp>
+        <p:nvSpPr>
+          <p:cNvPr id="2" name="Title 1"/>
+          <p:cNvSpPr>
+            <a:spLocks noGrp="1"/>
+          </p:cNvSpPr>
+          <p:nvPr>
+            <p:ph type="title"/>
+          </p:nvPr>
+        </p:nvSpPr>
+        <p:spPr/>
+        <p:txBody>
+          <a:bodyPr/>
+          <a:lstStyle/>
+          <a:p>
+            <a:r>
+              <a:rPr lang="en-US"/>
+              <a:t>Click to edit Master title style</a:t>
+            </a:r>
+            <a:endParaRPr lang="en-US" dirty="0"/>
+          </a:p>
+        </p:txBody>
+      </p:sp>
+      <p:sp>
+        <p:nvSpPr>
+          <p:cNvPr id="3" name="Content Placeholder 2"/>
+          <p:cNvSpPr>
+            <a:spLocks noGrp="1"/>
+          </p:cNvSpPr>
+          <p:nvPr>
+            <p:ph idx="1"/>
+          </p:nvPr>
+        </p:nvSpPr>
+        <p:spPr/>
+        <p:txBody>
+          <a:bodyPr/>
+          <a:lstStyle/>
+          <a:p>
+            <a:pPr lvl="0"/>
+            <a:r>
+              <a:rPr lang="en-US"/>
+              <a:t>Click to edit Master text styles</a:t>
+            </a:r>
+          </a:p>
+          <a:p>
+            <a:pPr lvl="1"/>
+            <a:r>
+              <a:rPr lang="en-US"/>
+              <a:t>Second level</a:t>
+            </a:r>
+          </a:p>
+          <a:p>
+            <a:pPr lvl="2"/>
+            <a:r>
+              <a:rPr lang="en-US"/>
+              <a:t>Third level</a:t>
+            </a:r>
+          </a:p>
+          <a:p>
+            <a:pPr lvl="3"/>
+            <a:r>
+              <a:rPr lang="en-US"/>
+              <a:t>Fourth level</a:t>
+            </a:r>
+          </a:p>
+          <a:p>
+            <a:pPr lvl="4"/>
+            <a:r>
+              <a:rPr lang="en-US"/>
+              <a:t>Fifth level</a:t>
+            </a:r>
+            <a:endParaRPr lang="en-US" dirty="0"/>
+          </a:p>
+        </p:txBody>
+      </p:sp>
+      <p:sp>
+        <p:nvSpPr>
+          <p:cNvPr id="4" name="Date Placeholder 3"/>
+          <p:cNvSpPr>
+            <a:spLocks noGrp="1"/>
+          </p:cNvSpPr>
+          <p:nvPr>
+            <p:ph type="dt" sz="half" idx="10"/>
+          </p:nvPr>
+        </p:nvSpPr>
+        <p:spPr/>
+        <p:txBody>
+          <a:bodyPr/>
+          <a:lstStyle/>
+          <a:p>
+            <a:fld id="{C764DE79-268F-4C1A-8933-263129D2AF90}" type="datetimeFigureOut">
+              <a:rPr lang="en-US" smtClean="0"/>
+              <a:t>11/10/19</a:t>
+            </a:fld>
+            <a:endParaRPr lang="en-US" dirty="0"/>
+          </a:p>
+        </p:txBody>
+      </p:sp>
+      <p:sp>
+        <p:nvSpPr>
+          <p:cNvPr id="5" name="Footer Placeholder 4"/>
+          <p:cNvSpPr>
+            <a:spLocks noGrp="1"/>
+          </p:cNvSpPr>
+          <p:nvPr>
+            <p:ph type="ftr" sz="quarter" idx="11"/>
+          </p:nvPr>
+        </p:nvSpPr>
+        <p:spPr/>
+        <p:txBody>
+          <a:bodyPr/>
+          <a:lstStyle/>
+          <a:p>
+            <a:endParaRPr lang="en-US" dirty="0"/>
+          </a:p>
+        </p:txBody>
+      </p:sp>
+      <p:sp>
+        <p:nvSpPr>
+          <p:cNvPr id="6" name="Slide Number Placeholder 5"/>
+          <p:cNvSpPr>
+            <a:spLocks noGrp="1"/>
+          </p:cNvSpPr>
+          <p:nvPr>
+            <p:ph type="sldNum" sz="quarter" idx="12"/>
+          </p:nvPr>
+        </p:nvSpPr>
+        <p:spPr/>
+        <p:txBody>
+          <a:bodyPr/>
+          <a:lstStyle/>
+          <a:p>
+            <a:fld id="{0B973F48-4628-F846-BA33-DDE653D83577}" type="slidenum">
+              <a:rPr lang="en-US" smtClean="0"/>
+              <a:t>‹#›</a:t>
+            </a:fld>
+            <a:endParaRPr lang="en-US"/>
+          </a:p>
+        </p:txBody>
+      </p:sp>
+    </p:spTree>
+    <p:extLst>
+      <p:ext uri="{BB962C8B-B14F-4D97-AF65-F5344CB8AC3E}">
+        <p14:creationId xmlns:p14="http://schemas.microsoft.com/office/powerpoint/2010/main" val="3018770239"/>
+      </p:ext>
+    </p:extLst>
+  </p:cSld>
+  <p:clrMapOvr>
+    <a:masterClrMapping/>
+  </p:clrMapOvr>
+</p:sldLayout>
+</file>
+
+<file path=ppt/slideLayouts/slideLayout3.xml><?xml version="1.0" encoding="utf-8"?>
+<p:sldLayout xmlns:a="http://schemas.openxmlformats.org/drawingml/2006/main" xmlns:r="http://schemas.openxmlformats.org/officeDocument/2006/relationships" xmlns:p="http://schemas.openxmlformats.org/presentationml/2006/main" type="secHead" preserve="1">
+  <p:cSld name="Section Header">
+    <p:spTree>
+      <p:nvGrpSpPr>
+        <p:cNvPr id="1" name=""/>
+        <p:cNvGrpSpPr/>
+        <p:nvPr/>
+      </p:nvGrpSpPr>
+      <p:grpSpPr>
+        <a:xfrm>
+          <a:off x="0" y="0"/>
+          <a:ext cx="0" cy="0"/>
+          <a:chOff x="0" y="0"/>
+          <a:chExt cx="0" cy="0"/>
+        </a:xfrm>
+      </p:grpSpPr>
+      <p:sp>
+        <p:nvSpPr>
+          <p:cNvPr id="2" name="Title 1"/>
+          <p:cNvSpPr>
+            <a:spLocks noGrp="1"/>
+          </p:cNvSpPr>
+          <p:nvPr>
+            <p:ph type="title"/>
+          </p:nvPr>
+        </p:nvSpPr>
+        <p:spPr>
+          <a:xfrm>
+            <a:off x="831850" y="1709738"/>
+            <a:ext cx="10515600" cy="2852737"/>
+          </a:xfrm>
+        </p:spPr>
+        <p:txBody>
+          <a:bodyPr anchor="b"/>
+          <a:lstStyle>
+            <a:lvl1pPr>
+              <a:defRPr sz="6000"/>
+            </a:lvl1pPr>
+          </a:lstStyle>
+          <a:p>
+            <a:r>
+              <a:rPr lang="en-US"/>
+              <a:t>Click to edit Master title style</a:t>
+            </a:r>
+            <a:endParaRPr lang="en-US" dirty="0"/>
+          </a:p>
+        </p:txBody>
+      </p:sp>
+      <p:sp>
+        <p:nvSpPr>
+          <p:cNvPr id="3" name="Text Placeholder 2"/>
+          <p:cNvSpPr>
+            <a:spLocks noGrp="1"/>
+          </p:cNvSpPr>
+          <p:nvPr>
+            <p:ph type="body" idx="1"/>
+          </p:nvPr>
+        </p:nvSpPr>
+        <p:spPr>
+          <a:xfrm>
+            <a:off x="831850" y="4589463"/>
+            <a:ext cx="10515600" cy="1500187"/>
+          </a:xfrm>
+        </p:spPr>
+        <p:txBody>
+          <a:bodyPr/>
+          <a:lstStyle>
+            <a:lvl1pPr marL="0" indent="0">
+              <a:buNone/>
+              <a:defRPr sz="2400">
+                <a:solidFill>
+                  <a:schemeClr val="tx1">
+                    <a:tint val="75000"/>
+                  </a:schemeClr>
+                </a:solidFill>
+              </a:defRPr>
+            </a:lvl1pPr>
+            <a:lvl2pPr marL="457200" indent="0">
+              <a:buNone/>
+              <a:defRPr sz="2000">
+                <a:solidFill>
+                  <a:schemeClr val="tx1">
+                    <a:tint val="75000"/>
+                  </a:schemeClr>
+                </a:solidFill>
+              </a:defRPr>
+            </a:lvl2pPr>
+            <a:lvl3pPr marL="914400" indent="0">
+              <a:buNone/>
+              <a:defRPr sz="1800">
+                <a:solidFill>
+                  <a:schemeClr val="tx1">
+                    <a:tint val="75000"/>
+                  </a:schemeClr>
+                </a:solidFill>
+              </a:defRPr>
+            </a:lvl3pPr>
+            <a:lvl4pPr marL="1371600" indent="0">
+              <a:buNone/>
+              <a:defRPr sz="1600">
+                <a:solidFill>
+                  <a:schemeClr val="tx1">
+                    <a:tint val="75000"/>
+                  </a:schemeClr>
+                </a:solidFill>
+              </a:defRPr>
+            </a:lvl4pPr>
+            <a:lvl5pPr marL="1828800" indent="0">
+              <a:buNone/>
+              <a:defRPr sz="1600">
+                <a:solidFill>
+                  <a:schemeClr val="tx1">
+                    <a:tint val="75000"/>
+                  </a:schemeClr>
+                </a:solidFill>
+              </a:defRPr>
+            </a:lvl5pPr>
+            <a:lvl6pPr marL="2286000" indent="0">
+              <a:buNone/>
+              <a:defRPr sz="1600">
+                <a:solidFill>
+                  <a:schemeClr val="tx1">
+                    <a:tint val="75000"/>
+                  </a:schemeClr>
+                </a:solidFill>
+              </a:defRPr>
+            </a:lvl6pPr>
+            <a:lvl7pPr marL="2743200" indent="0">
+              <a:buNone/>
+              <a:defRPr sz="1600">
+                <a:solidFill>
+                  <a:schemeClr val="tx1">
+                    <a:tint val="75000"/>
+                  </a:schemeClr>
+                </a:solidFill>
+              </a:defRPr>
+            </a:lvl7pPr>
+            <a:lvl8pPr marL="3200400" indent="0">
+              <a:buNone/>
+              <a:defRPr sz="1600">
+                <a:solidFill>
+                  <a:schemeClr val="tx1">
+                    <a:tint val="75000"/>
+                  </a:schemeClr>
+                </a:solidFill>
+              </a:defRPr>
+            </a:lvl8pPr>
+            <a:lvl9pPr marL="3657600" indent="0">
+              <a:buNone/>
+              <a:defRPr sz="1600">
+                <a:solidFill>
+                  <a:schemeClr val="tx1">
+                    <a:tint val="75000"/>
+                  </a:schemeClr>
+                </a:solidFill>
+              </a:defRPr>
+            </a:lvl9pPr>
+          </a:lstStyle>
+          <a:p>
+            <a:pPr lvl="0"/>
+            <a:r>
+              <a:rPr lang="en-US"/>
+              <a:t>Click to edit Master text styles</a:t>
+            </a:r>
+          </a:p>
+        </p:txBody>
+      </p:sp>
+      <p:sp>
+        <p:nvSpPr>
+          <p:cNvPr id="4" name="Date Placeholder 3"/>
+          <p:cNvSpPr>
+            <a:spLocks noGrp="1"/>
+          </p:cNvSpPr>
+          <p:nvPr>
+            <p:ph type="dt" sz="half" idx="10"/>
+          </p:nvPr>
+        </p:nvSpPr>
+        <p:spPr/>
+        <p:txBody>
+          <a:bodyPr/>
+          <a:lstStyle/>
+          <a:p>
+            <a:fld id="{C764DE79-268F-4C1A-8933-263129D2AF90}" type="datetimeFigureOut">
+              <a:rPr lang="en-US" smtClean="0"/>
+              <a:t>11/10/19</a:t>
+            </a:fld>
+            <a:endParaRPr lang="en-US" dirty="0"/>
+          </a:p>
+        </p:txBody>
+      </p:sp>
+      <p:sp>
+        <p:nvSpPr>
+          <p:cNvPr id="5" name="Footer Placeholder 4"/>
+          <p:cNvSpPr>
+            <a:spLocks noGrp="1"/>
+          </p:cNvSpPr>
+          <p:nvPr>
+            <p:ph type="ftr" sz="quarter" idx="11"/>
+          </p:nvPr>
+        </p:nvSpPr>
+        <p:spPr/>
+        <p:txBody>
+          <a:bodyPr/>
+          <a:lstStyle/>
+          <a:p>
+            <a:endParaRPr lang="en-US" dirty="0"/>
+          </a:p>
+        </p:txBody>
+      </p:sp>
+      <p:sp>
+        <p:nvSpPr>
+          <p:cNvPr id="6" name="Slide Number Placeholder 5"/>
+          <p:cNvSpPr>
+            <a:spLocks noGrp="1"/>
+          </p:cNvSpPr>
+          <p:nvPr>
+            <p:ph type="sldNum" sz="quarter" idx="12"/>
+          </p:nvPr>
+        </p:nvSpPr>
+        <p:spPr/>
+        <p:txBody>
+          <a:bodyPr/>
+          <a:lstStyle/>
+          <a:p>
+            <a:fld id="{0B973F48-4628-F846-BA33-DDE653D83577}" type="slidenum">
+              <a:rPr lang="en-US" smtClean="0"/>
+              <a:t>‹#›</a:t>
+            </a:fld>
+            <a:endParaRPr lang="en-US"/>
+          </a:p>
+        </p:txBody>
+      </p:sp>
+    </p:spTree>
+    <p:extLst>
+      <p:ext uri="{BB962C8B-B14F-4D97-AF65-F5344CB8AC3E}">
+        <p14:creationId xmlns:p14="http://schemas.microsoft.com/office/powerpoint/2010/main" val="151590045"/>
+      </p:ext>
+    </p:extLst>
+  </p:cSld>
+  <p:clrMapOvr>
+    <a:masterClrMapping/>
+  </p:clrMapOvr>
+</p:sldLayout>
+</file>
+
+<file path=ppt/slideLayouts/slideLayout4.xml><?xml version="1.0" encoding="utf-8"?>
+<p:sldLayout xmlns:a="http://schemas.openxmlformats.org/drawingml/2006/main" xmlns:r="http://schemas.openxmlformats.org/officeDocument/2006/relationships" xmlns:p="http://schemas.openxmlformats.org/presentationml/2006/main" type="twoObj" preserve="1">
+  <p:cSld name="Two Content">
+    <p:spTree>
+      <p:nvGrpSpPr>
+        <p:cNvPr id="1" name=""/>
+        <p:cNvGrpSpPr/>
+        <p:nvPr/>
+      </p:nvGrpSpPr>
+      <p:grpSpPr>
+        <a:xfrm>
+          <a:off x="0" y="0"/>
+          <a:ext cx="0" cy="0"/>
+          <a:chOff x="0" y="0"/>
+          <a:chExt cx="0" cy="0"/>
+        </a:xfrm>
+      </p:grpSpPr>
+      <p:sp>
+        <p:nvSpPr>
+          <p:cNvPr id="2" name="Title 1"/>
+          <p:cNvSpPr>
+            <a:spLocks noGrp="1"/>
+          </p:cNvSpPr>
+          <p:nvPr>
+            <p:ph type="title"/>
+          </p:nvPr>
+        </p:nvSpPr>
+        <p:spPr/>
+        <p:txBody>
+          <a:bodyPr/>
+          <a:lstStyle/>
+          <a:p>
+            <a:r>
+              <a:rPr lang="en-US"/>
+              <a:t>Click to edit Master title style</a:t>
+            </a:r>
+            <a:endParaRPr lang="en-US" dirty="0"/>
+          </a:p>
+        </p:txBody>
+      </p:sp>
+      <p:sp>
+        <p:nvSpPr>
+          <p:cNvPr id="3" name="Content Placeholder 2"/>
+          <p:cNvSpPr>
+            <a:spLocks noGrp="1"/>
+          </p:cNvSpPr>
+          <p:nvPr>
+            <p:ph sz="half" idx="1"/>
+          </p:nvPr>
+        </p:nvSpPr>
+        <p:spPr>
+          <a:xfrm>
+            <a:off x="838200" y="1825625"/>
+            <a:ext cx="5181600" cy="4351338"/>
+          </a:xfrm>
+        </p:spPr>
+        <p:txBody>
+          <a:bodyPr/>
+          <a:lstStyle/>
+          <a:p>
+            <a:pPr lvl="0"/>
+            <a:r>
+              <a:rPr lang="en-US"/>
+              <a:t>Click to edit Master text styles</a:t>
+            </a:r>
+          </a:p>
+          <a:p>
+            <a:pPr lvl="1"/>
+            <a:r>
+              <a:rPr lang="en-US"/>
+              <a:t>Second level</a:t>
+            </a:r>
+          </a:p>
+          <a:p>
+            <a:pPr lvl="2"/>
+            <a:r>
+              <a:rPr lang="en-US"/>
+              <a:t>Third level</a:t>
+            </a:r>
+          </a:p>
+          <a:p>
+            <a:pPr lvl="3"/>
+            <a:r>
+              <a:rPr lang="en-US"/>
+              <a:t>Fourth level</a:t>
+            </a:r>
+          </a:p>
+          <a:p>
+            <a:pPr lvl="4"/>
+            <a:r>
+              <a:rPr lang="en-US"/>
+              <a:t>Fifth level</a:t>
+            </a:r>
+            <a:endParaRPr lang="en-US" dirty="0"/>
+          </a:p>
+        </p:txBody>
+      </p:sp>
+      <p:sp>
+        <p:nvSpPr>
+          <p:cNvPr id="4" name="Content Placeholder 3"/>
+          <p:cNvSpPr>
+            <a:spLocks noGrp="1"/>
+          </p:cNvSpPr>
+          <p:nvPr>
+            <p:ph sz="half" idx="2"/>
+          </p:nvPr>
+        </p:nvSpPr>
+        <p:spPr>
+          <a:xfrm>
+            <a:off x="6172200" y="1825625"/>
+            <a:ext cx="5181600" cy="4351338"/>
+          </a:xfrm>
+        </p:spPr>
+        <p:txBody>
+          <a:bodyPr/>
+          <a:lstStyle/>
+          <a:p>
+            <a:pPr lvl="0"/>
+            <a:r>
+              <a:rPr lang="en-US"/>
+              <a:t>Click to edit Master text styles</a:t>
+            </a:r>
+          </a:p>
+          <a:p>
+            <a:pPr lvl="1"/>
+            <a:r>
+              <a:rPr lang="en-US"/>
+              <a:t>Second level</a:t>
+            </a:r>
+          </a:p>
+          <a:p>
+            <a:pPr lvl="2"/>
+            <a:r>
+              <a:rPr lang="en-US"/>
+              <a:t>Third level</a:t>
+            </a:r>
+          </a:p>
+          <a:p>
+            <a:pPr lvl="3"/>
+            <a:r>
+              <a:rPr lang="en-US"/>
+              <a:t>Fourth level</a:t>
+            </a:r>
+          </a:p>
+          <a:p>
+            <a:pPr lvl="4"/>
+            <a:r>
+              <a:rPr lang="en-US"/>
+              <a:t>Fifth level</a:t>
+            </a:r>
+            <a:endParaRPr lang="en-US" dirty="0"/>
+          </a:p>
+        </p:txBody>
+      </p:sp>
+      <p:sp>
+        <p:nvSpPr>
+          <p:cNvPr id="5" name="Date Placeholder 4"/>
+          <p:cNvSpPr>
+            <a:spLocks noGrp="1"/>
+          </p:cNvSpPr>
+          <p:nvPr>
+            <p:ph type="dt" sz="half" idx="10"/>
+          </p:nvPr>
+        </p:nvSpPr>
+        <p:spPr/>
+        <p:txBody>
+          <a:bodyPr/>
+          <a:lstStyle/>
+          <a:p>
+            <a:fld id="{C764DE79-268F-4C1A-8933-263129D2AF90}" type="datetimeFigureOut">
+              <a:rPr lang="en-US" smtClean="0"/>
+              <a:t>11/10/19</a:t>
+            </a:fld>
+            <a:endParaRPr lang="en-US" dirty="0"/>
+          </a:p>
+        </p:txBody>
+      </p:sp>
+      <p:sp>
+        <p:nvSpPr>
+          <p:cNvPr id="6" name="Footer Placeholder 5"/>
+          <p:cNvSpPr>
+            <a:spLocks noGrp="1"/>
+          </p:cNvSpPr>
+          <p:nvPr>
+            <p:ph type="ftr" sz="quarter" idx="11"/>
+          </p:nvPr>
+        </p:nvSpPr>
+        <p:spPr/>
+        <p:txBody>
+          <a:bodyPr/>
+          <a:lstStyle/>
+          <a:p>
+            <a:endParaRPr lang="en-US" dirty="0"/>
+          </a:p>
+        </p:txBody>
+      </p:sp>
+      <p:sp>
+        <p:nvSpPr>
+          <p:cNvPr id="7" name="Slide Number Placeholder 6"/>
+          <p:cNvSpPr>
+            <a:spLocks noGrp="1"/>
+          </p:cNvSpPr>
+          <p:nvPr>
+            <p:ph type="sldNum" sz="quarter" idx="12"/>
+          </p:nvPr>
+        </p:nvSpPr>
+        <p:spPr/>
+        <p:txBody>
+          <a:bodyPr/>
+          <a:lstStyle/>
+          <a:p>
+            <a:fld id="{0B973F48-4628-F846-BA33-DDE653D83577}" type="slidenum">
+              <a:rPr lang="en-US" smtClean="0"/>
+              <a:t>‹#›</a:t>
+            </a:fld>
+            <a:endParaRPr lang="en-US"/>
+          </a:p>
+        </p:txBody>
+      </p:sp>
+    </p:spTree>
+    <p:extLst>
+      <p:ext uri="{BB962C8B-B14F-4D97-AF65-F5344CB8AC3E}">
+        <p14:creationId xmlns:p14="http://schemas.microsoft.com/office/powerpoint/2010/main" val="1716314496"/>
+      </p:ext>
+    </p:extLst>
+  </p:cSld>
+  <p:clrMapOvr>
+    <a:masterClrMapping/>
+  </p:clrMapOvr>
+</p:sldLayout>
+</file>
+
+<file path=ppt/slideLayouts/slideLayout5.xml><?xml version="1.0" encoding="utf-8"?>
+<p:sldLayout xmlns:a="http://schemas.openxmlformats.org/drawingml/2006/main" xmlns:r="http://schemas.openxmlformats.org/officeDocument/2006/relationships" xmlns:p="http://schemas.openxmlformats.org/presentationml/2006/main" type="twoTxTwoObj" preserve="1">
+  <p:cSld name="Comparison">
+    <p:spTree>
+      <p:nvGrpSpPr>
+        <p:cNvPr id="1" name=""/>
+        <p:cNvGrpSpPr/>
+        <p:nvPr/>
+      </p:nvGrpSpPr>
+      <p:grpSpPr>
+        <a:xfrm>
+          <a:off x="0" y="0"/>
+          <a:ext cx="0" cy="0"/>
+          <a:chOff x="0" y="0"/>
+          <a:chExt cx="0" cy="0"/>
+        </a:xfrm>
+      </p:grpSpPr>
+      <p:sp>
+        <p:nvSpPr>
+          <p:cNvPr id="2" name="Title 1"/>
+          <p:cNvSpPr>
+            <a:spLocks noGrp="1"/>
+          </p:cNvSpPr>
+          <p:nvPr>
+            <p:ph type="title"/>
+          </p:nvPr>
+        </p:nvSpPr>
+        <p:spPr>
+          <a:xfrm>
+            <a:off x="839788" y="365125"/>
+            <a:ext cx="10515600" cy="1325563"/>
+          </a:xfrm>
+        </p:spPr>
+        <p:txBody>
+          <a:bodyPr/>
+          <a:lstStyle/>
+          <a:p>
+            <a:r>
+              <a:rPr lang="en-US"/>
+              <a:t>Click to edit Master title style</a:t>
+            </a:r>
+            <a:endParaRPr lang="en-US" dirty="0"/>
+          </a:p>
+        </p:txBody>
+      </p:sp>
+      <p:sp>
+        <p:nvSpPr>
+          <p:cNvPr id="3" name="Text Placeholder 2"/>
+          <p:cNvSpPr>
+            <a:spLocks noGrp="1"/>
+          </p:cNvSpPr>
+          <p:nvPr>
+            <p:ph type="body" idx="1"/>
+          </p:nvPr>
+        </p:nvSpPr>
+        <p:spPr>
+          <a:xfrm>
+            <a:off x="839788" y="1681163"/>
+            <a:ext cx="5157787" cy="823912"/>
+          </a:xfrm>
+        </p:spPr>
+        <p:txBody>
+          <a:bodyPr anchor="b"/>
+          <a:lstStyle>
+            <a:lvl1pPr marL="0" indent="0">
+              <a:buNone/>
+              <a:defRPr sz="2400" b="1"/>
+            </a:lvl1pPr>
+            <a:lvl2pPr marL="457200" indent="0">
+              <a:buNone/>
+              <a:defRPr sz="2000" b="1"/>
+            </a:lvl2pPr>
+            <a:lvl3pPr marL="914400" indent="0">
+              <a:buNone/>
+              <a:defRPr sz="1800" b="1"/>
+            </a:lvl3pPr>
+            <a:lvl4pPr marL="1371600" indent="0">
+              <a:buNone/>
+              <a:defRPr sz="1600" b="1"/>
+            </a:lvl4pPr>
+            <a:lvl5pPr marL="1828800" indent="0">
+              <a:buNone/>
+              <a:defRPr sz="1600" b="1"/>
+            </a:lvl5pPr>
+            <a:lvl6pPr marL="2286000" indent="0">
+              <a:buNone/>
+              <a:defRPr sz="1600" b="1"/>
+            </a:lvl6pPr>
+            <a:lvl7pPr marL="2743200" indent="0">
+              <a:buNone/>
+              <a:defRPr sz="1600" b="1"/>
+            </a:lvl7pPr>
+            <a:lvl8pPr marL="3200400" indent="0">
+              <a:buNone/>
+              <a:defRPr sz="1600" b="1"/>
+            </a:lvl8pPr>
+            <a:lvl9pPr marL="3657600" indent="0">
+              <a:buNone/>
+              <a:defRPr sz="1600" b="1"/>
+            </a:lvl9pPr>
+          </a:lstStyle>
+          <a:p>
+            <a:pPr lvl="0"/>
+            <a:r>
+              <a:rPr lang="en-US"/>
+              <a:t>Click to edit Master text styles</a:t>
+            </a:r>
+          </a:p>
+        </p:txBody>
+      </p:sp>
+      <p:sp>
+        <p:nvSpPr>
+          <p:cNvPr id="4" name="Content Placeholder 3"/>
+          <p:cNvSpPr>
+            <a:spLocks noGrp="1"/>
+          </p:cNvSpPr>
+          <p:nvPr>
+            <p:ph sz="half" idx="2"/>
+          </p:nvPr>
+        </p:nvSpPr>
+        <p:spPr>
+          <a:xfrm>
+            <a:off x="839788" y="2505075"/>
+            <a:ext cx="5157787" cy="3684588"/>
+          </a:xfrm>
+        </p:spPr>
+        <p:txBody>
+          <a:bodyPr/>
+          <a:lstStyle/>
+          <a:p>
+            <a:pPr lvl="0"/>
+            <a:r>
+              <a:rPr lang="en-US"/>
+              <a:t>Click to edit Master text styles</a:t>
+            </a:r>
+          </a:p>
+          <a:p>
+            <a:pPr lvl="1"/>
+            <a:r>
+              <a:rPr lang="en-US"/>
+              <a:t>Second level</a:t>
+            </a:r>
+          </a:p>
+          <a:p>
+            <a:pPr lvl="2"/>
+            <a:r>
+              <a:rPr lang="en-US"/>
+              <a:t>Third level</a:t>
+            </a:r>
+          </a:p>
+          <a:p>
+            <a:pPr lvl="3"/>
+            <a:r>
+              <a:rPr lang="en-US"/>
+              <a:t>Fourth level</a:t>
+            </a:r>
+          </a:p>
+          <a:p>
+            <a:pPr lvl="4"/>
+            <a:r>
+              <a:rPr lang="en-US"/>
+              <a:t>Fifth level</a:t>
+            </a:r>
+            <a:endParaRPr lang="en-US" dirty="0"/>
+          </a:p>
+        </p:txBody>
+      </p:sp>
+      <p:sp>
+        <p:nvSpPr>
+          <p:cNvPr id="5" name="Text Placeholder 4"/>
+          <p:cNvSpPr>
+            <a:spLocks noGrp="1"/>
+          </p:cNvSpPr>
+          <p:nvPr>
+            <p:ph type="body" sz="quarter" idx="3"/>
+          </p:nvPr>
+        </p:nvSpPr>
+        <p:spPr>
+          <a:xfrm>
+            <a:off x="6172200" y="1681163"/>
+            <a:ext cx="5183188" cy="823912"/>
+          </a:xfrm>
+        </p:spPr>
+        <p:txBody>
+          <a:bodyPr anchor="b"/>
+          <a:lstStyle>
+            <a:lvl1pPr marL="0" indent="0">
+              <a:buNone/>
+              <a:defRPr sz="2400" b="1"/>
+            </a:lvl1pPr>
+            <a:lvl2pPr marL="457200" indent="0">
+              <a:buNone/>
+              <a:defRPr sz="2000" b="1"/>
+            </a:lvl2pPr>
+            <a:lvl3pPr marL="914400" indent="0">
+              <a:buNone/>
+              <a:defRPr sz="1800" b="1"/>
+            </a:lvl3pPr>
+            <a:lvl4pPr marL="1371600" indent="0">
+              <a:buNone/>
+              <a:defRPr sz="1600" b="1"/>
+            </a:lvl4pPr>
+            <a:lvl5pPr marL="1828800" indent="0">
+              <a:buNone/>
+              <a:defRPr sz="1600" b="1"/>
+            </a:lvl5pPr>
+            <a:lvl6pPr marL="2286000" indent="0">
+              <a:buNone/>
+              <a:defRPr sz="1600" b="1"/>
+            </a:lvl6pPr>
+            <a:lvl7pPr marL="2743200" indent="0">
+              <a:buNone/>
+              <a:defRPr sz="1600" b="1"/>
+            </a:lvl7pPr>
+            <a:lvl8pPr marL="3200400" indent="0">
+              <a:buNone/>
+              <a:defRPr sz="1600" b="1"/>
+            </a:lvl8pPr>
+            <a:lvl9pPr marL="3657600" indent="0">
+              <a:buNone/>
+              <a:defRPr sz="1600" b="1"/>
+            </a:lvl9pPr>
+          </a:lstStyle>
+          <a:p>
+            <a:pPr lvl="0"/>
+            <a:r>
+              <a:rPr lang="en-US"/>
+              <a:t>Click to edit Master text styles</a:t>
+            </a:r>
+          </a:p>
+        </p:txBody>
+      </p:sp>
+      <p:sp>
+        <p:nvSpPr>
+          <p:cNvPr id="6" name="Content Placeholder 5"/>
+          <p:cNvSpPr>
+            <a:spLocks noGrp="1"/>
+          </p:cNvSpPr>
+          <p:nvPr>
+            <p:ph sz="quarter" idx="4"/>
+          </p:nvPr>
+        </p:nvSpPr>
+        <p:spPr>
+          <a:xfrm>
+            <a:off x="6172200" y="2505075"/>
+            <a:ext cx="5183188" cy="3684588"/>
+          </a:xfrm>
+        </p:spPr>
+        <p:txBody>
+          <a:bodyPr/>
+          <a:lstStyle/>
+          <a:p>
+            <a:pPr lvl="0"/>
+            <a:r>
+              <a:rPr lang="en-US"/>
+              <a:t>Click to edit Master text styles</a:t>
+            </a:r>
+          </a:p>
+          <a:p>
+            <a:pPr lvl="1"/>
+            <a:r>
+              <a:rPr lang="en-US"/>
+              <a:t>Second level</a:t>
+            </a:r>
+          </a:p>
+          <a:p>
+            <a:pPr lvl="2"/>
+            <a:r>
+              <a:rPr lang="en-US"/>
+              <a:t>Third level</a:t>
+            </a:r>
+          </a:p>
+          <a:p>
+            <a:pPr lvl="3"/>
+            <a:r>
+              <a:rPr lang="en-US"/>
+              <a:t>Fourth level</a:t>
+            </a:r>
+          </a:p>
+          <a:p>
+            <a:pPr lvl="4"/>
+            <a:r>
+              <a:rPr lang="en-US"/>
+              <a:t>Fifth level</a:t>
+            </a:r>
+            <a:endParaRPr lang="en-US" dirty="0"/>
+          </a:p>
+        </p:txBody>
+      </p:sp>
+      <p:sp>
+        <p:nvSpPr>
+          <p:cNvPr id="7" name="Date Placeholder 6"/>
+          <p:cNvSpPr>
+            <a:spLocks noGrp="1"/>
+          </p:cNvSpPr>
+          <p:nvPr>
+            <p:ph type="dt" sz="half" idx="10"/>
+          </p:nvPr>
+        </p:nvSpPr>
+        <p:spPr/>
+        <p:txBody>
+          <a:bodyPr/>
+          <a:lstStyle/>
+          <a:p>
+            <a:fld id="{C764DE79-268F-4C1A-8933-263129D2AF90}" type="datetimeFigureOut">
+              <a:rPr lang="en-US" smtClean="0"/>
+              <a:t>11/10/19</a:t>
+            </a:fld>
+            <a:endParaRPr lang="en-US" dirty="0"/>
+          </a:p>
+        </p:txBody>
+      </p:sp>
+      <p:sp>
+        <p:nvSpPr>
+          <p:cNvPr id="8" name="Footer Placeholder 7"/>
+          <p:cNvSpPr>
+            <a:spLocks noGrp="1"/>
+          </p:cNvSpPr>
+          <p:nvPr>
+            <p:ph type="ftr" sz="quarter" idx="11"/>
+          </p:nvPr>
+        </p:nvSpPr>
+        <p:spPr/>
+        <p:txBody>
+          <a:bodyPr/>
+          <a:lstStyle/>
+          <a:p>
+            <a:endParaRPr lang="en-US" dirty="0"/>
+          </a:p>
+        </p:txBody>
+      </p:sp>
+      <p:sp>
+        <p:nvSpPr>
+          <p:cNvPr id="9" name="Slide Number Placeholder 8"/>
+          <p:cNvSpPr>
+            <a:spLocks noGrp="1"/>
+          </p:cNvSpPr>
+          <p:nvPr>
+            <p:ph type="sldNum" sz="quarter" idx="12"/>
+          </p:nvPr>
+        </p:nvSpPr>
+        <p:spPr/>
+        <p:txBody>
+          <a:bodyPr/>
+          <a:lstStyle/>
+          <a:p>
+            <a:fld id="{0B973F48-4628-F846-BA33-DDE653D83577}" type="slidenum">
+              <a:rPr lang="en-US" smtClean="0"/>
+              <a:t>‹#›</a:t>
+            </a:fld>
+            <a:endParaRPr lang="en-US"/>
+          </a:p>
+        </p:txBody>
+      </p:sp>
+    </p:spTree>
+    <p:extLst>
+      <p:ext uri="{BB962C8B-B14F-4D97-AF65-F5344CB8AC3E}">
+        <p14:creationId xmlns:p14="http://schemas.microsoft.com/office/powerpoint/2010/main" val="2848844492"/>
+      </p:ext>
+    </p:extLst>
+  </p:cSld>
+  <p:clrMapOvr>
+    <a:masterClrMapping/>
+  </p:clrMapOvr>
+</p:sldLayout>
+</file>
+
+<file path=ppt/slideLayouts/slideLayout6.xml><?xml version="1.0" encoding="utf-8"?>
+<p:sldLayout xmlns:a="http://schemas.openxmlformats.org/drawingml/2006/main" xmlns:r="http://schemas.openxmlformats.org/officeDocument/2006/relationships" xmlns:p="http://schemas.openxmlformats.org/presentationml/2006/main" type="titleOnly" preserve="1">
+  <p:cSld name="Title Only">
+    <p:spTree>
+      <p:nvGrpSpPr>
+        <p:cNvPr id="1" name=""/>
+        <p:cNvGrpSpPr/>
+        <p:nvPr/>
+      </p:nvGrpSpPr>
+      <p:grpSpPr>
+        <a:xfrm>
+          <a:off x="0" y="0"/>
+          <a:ext cx="0" cy="0"/>
+          <a:chOff x="0" y="0"/>
+          <a:chExt cx="0" cy="0"/>
+        </a:xfrm>
+      </p:grpSpPr>
+      <p:sp>
+        <p:nvSpPr>
+          <p:cNvPr id="2" name="Title 1"/>
+          <p:cNvSpPr>
+            <a:spLocks noGrp="1"/>
+          </p:cNvSpPr>
+          <p:nvPr>
+            <p:ph type="title"/>
+          </p:nvPr>
+        </p:nvSpPr>
+        <p:spPr/>
+        <p:txBody>
+          <a:bodyPr/>
+          <a:lstStyle/>
+          <a:p>
+            <a:r>
+              <a:rPr lang="en-US"/>
+              <a:t>Click to edit Master title style</a:t>
+            </a:r>
+            <a:endParaRPr lang="en-US" dirty="0"/>
+          </a:p>
+        </p:txBody>
+      </p:sp>
+      <p:sp>
+        <p:nvSpPr>
+          <p:cNvPr id="3" name="Date Placeholder 2"/>
+          <p:cNvSpPr>
+            <a:spLocks noGrp="1"/>
+          </p:cNvSpPr>
+          <p:nvPr>
+            <p:ph type="dt" sz="half" idx="10"/>
+          </p:nvPr>
+        </p:nvSpPr>
+        <p:spPr/>
+        <p:txBody>
+          <a:bodyPr/>
+          <a:lstStyle/>
+          <a:p>
+            <a:fld id="{C764DE79-268F-4C1A-8933-263129D2AF90}" type="datetimeFigureOut">
+              <a:rPr lang="en-US" smtClean="0"/>
+              <a:t>11/10/19</a:t>
+            </a:fld>
+            <a:endParaRPr lang="en-US" dirty="0"/>
+          </a:p>
+        </p:txBody>
+      </p:sp>
+      <p:sp>
+        <p:nvSpPr>
+          <p:cNvPr id="4" name="Footer Placeholder 3"/>
+          <p:cNvSpPr>
+            <a:spLocks noGrp="1"/>
+          </p:cNvSpPr>
+          <p:nvPr>
+            <p:ph type="ftr" sz="quarter" idx="11"/>
+          </p:nvPr>
+        </p:nvSpPr>
+        <p:spPr/>
+        <p:txBody>
+          <a:bodyPr/>
+          <a:lstStyle/>
+          <a:p>
+            <a:endParaRPr lang="en-US" dirty="0"/>
+          </a:p>
+        </p:txBody>
+      </p:sp>
+      <p:sp>
+        <p:nvSpPr>
+          <p:cNvPr id="5" name="Slide Number Placeholder 4"/>
+          <p:cNvSpPr>
+            <a:spLocks noGrp="1"/>
+          </p:cNvSpPr>
+          <p:nvPr>
+            <p:ph type="sldNum" sz="quarter" idx="12"/>
+          </p:nvPr>
+        </p:nvSpPr>
+        <p:spPr/>
+        <p:txBody>
+          <a:bodyPr/>
+          <a:lstStyle/>
+          <a:p>
+            <a:fld id="{0B973F48-4628-F846-BA33-DDE653D83577}" type="slidenum">
+              <a:rPr lang="en-US" smtClean="0"/>
+              <a:t>‹#›</a:t>
+            </a:fld>
+            <a:endParaRPr lang="en-US"/>
+          </a:p>
+        </p:txBody>
+      </p:sp>
+    </p:spTree>
+    <p:extLst>
+      <p:ext uri="{BB962C8B-B14F-4D97-AF65-F5344CB8AC3E}">
+        <p14:creationId xmlns:p14="http://schemas.microsoft.com/office/powerpoint/2010/main" val="1288281058"/>
+      </p:ext>
+    </p:extLst>
+  </p:cSld>
+  <p:clrMapOvr>
+    <a:masterClrMapping/>
+  </p:clrMapOvr>
+</p:sldLayout>
+</file>
+
+<file path=ppt/slideLayouts/slideLayout7.xml><?xml version="1.0" encoding="utf-8"?>
+<p:sldLayout xmlns:a="http://schemas.openxmlformats.org/drawingml/2006/main" xmlns:r="http://schemas.openxmlformats.org/officeDocument/2006/relationships" xmlns:p="http://schemas.openxmlformats.org/presentationml/2006/main" type="blank" preserve="1">
+  <p:cSld name="Blank">
+    <p:spTree>
+      <p:nvGrpSpPr>
+        <p:cNvPr id="1" name=""/>
+        <p:cNvGrpSpPr/>
+        <p:nvPr/>
+      </p:nvGrpSpPr>
+      <p:grpSpPr>
+        <a:xfrm>
+          <a:off x="0" y="0"/>
+          <a:ext cx="0" cy="0"/>
+          <a:chOff x="0" y="0"/>
+          <a:chExt cx="0" cy="0"/>
+        </a:xfrm>
+      </p:grpSpPr>
+      <p:sp>
+        <p:nvSpPr>
+          <p:cNvPr id="2" name="Date Placeholder 1"/>
+          <p:cNvSpPr>
+            <a:spLocks noGrp="1"/>
+          </p:cNvSpPr>
+          <p:nvPr>
+            <p:ph type="dt" sz="half" idx="10"/>
+          </p:nvPr>
+        </p:nvSpPr>
+        <p:spPr/>
+        <p:txBody>
+          <a:bodyPr/>
+          <a:lstStyle/>
+          <a:p>
+            <a:fld id="{C764DE79-268F-4C1A-8933-263129D2AF90}" type="datetimeFigureOut">
+              <a:rPr lang="en-US" smtClean="0"/>
+              <a:t>11/10/19</a:t>
+            </a:fld>
+            <a:endParaRPr lang="en-US" dirty="0"/>
+          </a:p>
+        </p:txBody>
+      </p:sp>
+      <p:sp>
+        <p:nvSpPr>
+          <p:cNvPr id="3" name="Footer Placeholder 2"/>
+          <p:cNvSpPr>
+            <a:spLocks noGrp="1"/>
+          </p:cNvSpPr>
+          <p:nvPr>
+            <p:ph type="ftr" sz="quarter" idx="11"/>
+          </p:nvPr>
+        </p:nvSpPr>
+        <p:spPr/>
+        <p:txBody>
+          <a:bodyPr/>
+          <a:lstStyle/>
+          <a:p>
+            <a:endParaRPr lang="en-US" dirty="0"/>
+          </a:p>
+        </p:txBody>
+      </p:sp>
+      <p:sp>
+        <p:nvSpPr>
+          <p:cNvPr id="4" name="Slide Number Placeholder 3"/>
+          <p:cNvSpPr>
+            <a:spLocks noGrp="1"/>
+          </p:cNvSpPr>
+          <p:nvPr>
+            <p:ph type="sldNum" sz="quarter" idx="12"/>
+          </p:nvPr>
+        </p:nvSpPr>
+        <p:spPr/>
+        <p:txBody>
+          <a:bodyPr/>
+          <a:lstStyle/>
+          <a:p>
+            <a:fld id="{0B973F48-4628-F846-BA33-DDE653D83577}" type="slidenum">
+              <a:rPr lang="en-US" smtClean="0"/>
+              <a:t>‹#›</a:t>
+            </a:fld>
+            <a:endParaRPr lang="en-US"/>
+          </a:p>
+        </p:txBody>
+      </p:sp>
+    </p:spTree>
+    <p:extLst>
+      <p:ext uri="{BB962C8B-B14F-4D97-AF65-F5344CB8AC3E}">
+        <p14:creationId xmlns:p14="http://schemas.microsoft.com/office/powerpoint/2010/main" val="1738077919"/>
+      </p:ext>
+    </p:extLst>
+  </p:cSld>
+  <p:clrMapOvr>
+    <a:masterClrMapping/>
+  </p:clrMapOvr>
+</p:sldLayout>
+</file>
+
+<file path=ppt/slideLayouts/slideLayout8.xml><?xml version="1.0" encoding="utf-8"?>
+<p:sldLayout xmlns:a="http://schemas.openxmlformats.org/drawingml/2006/main" xmlns:r="http://schemas.openxmlformats.org/officeDocument/2006/relationships" xmlns:p="http://schemas.openxmlformats.org/presentationml/2006/main" type="objTx" preserve="1">
+  <p:cSld name="Content with Caption">
+    <p:spTree>
+      <p:nvGrpSpPr>
+        <p:cNvPr id="1" name=""/>
+        <p:cNvGrpSpPr/>
+        <p:nvPr/>
+      </p:nvGrpSpPr>
+      <p:grpSpPr>
+        <a:xfrm>
+          <a:off x="0" y="0"/>
+          <a:ext cx="0" cy="0"/>
+          <a:chOff x="0" y="0"/>
+          <a:chExt cx="0" cy="0"/>
+        </a:xfrm>
+      </p:grpSpPr>
+      <p:sp>
+        <p:nvSpPr>
+          <p:cNvPr id="2" name="Title 1"/>
+          <p:cNvSpPr>
+            <a:spLocks noGrp="1"/>
+          </p:cNvSpPr>
+          <p:nvPr>
+            <p:ph type="title"/>
+          </p:nvPr>
+        </p:nvSpPr>
+        <p:spPr>
+          <a:xfrm>
+            <a:off x="839788" y="457200"/>
+            <a:ext cx="3932237" cy="1600200"/>
+          </a:xfrm>
+        </p:spPr>
+        <p:txBody>
+          <a:bodyPr anchor="b"/>
+          <a:lstStyle>
+            <a:lvl1pPr>
+              <a:defRPr sz="3200"/>
+            </a:lvl1pPr>
+          </a:lstStyle>
+          <a:p>
+            <a:r>
+              <a:rPr lang="en-US"/>
+              <a:t>Click to edit Master title style</a:t>
+            </a:r>
+            <a:endParaRPr lang="en-US" dirty="0"/>
+          </a:p>
+        </p:txBody>
+      </p:sp>
+      <p:sp>
+        <p:nvSpPr>
+          <p:cNvPr id="3" name="Content Placeholder 2"/>
+          <p:cNvSpPr>
+            <a:spLocks noGrp="1"/>
+          </p:cNvSpPr>
+          <p:nvPr>
+            <p:ph idx="1"/>
+          </p:nvPr>
+        </p:nvSpPr>
+        <p:spPr>
+          <a:xfrm>
+            <a:off x="5183188" y="987425"/>
+            <a:ext cx="6172200" cy="4873625"/>
+          </a:xfrm>
+        </p:spPr>
+        <p:txBody>
+          <a:bodyPr/>
+          <a:lstStyle>
+            <a:lvl1pPr>
+              <a:defRPr sz="3200"/>
+            </a:lvl1pPr>
+            <a:lvl2pPr>
+              <a:defRPr sz="2800"/>
+            </a:lvl2pPr>
+            <a:lvl3pPr>
+              <a:defRPr sz="2400"/>
+            </a:lvl3pPr>
+            <a:lvl4pPr>
+              <a:defRPr sz="2000"/>
+            </a:lvl4pPr>
+            <a:lvl5pPr>
+              <a:defRPr sz="2000"/>
+            </a:lvl5pPr>
+            <a:lvl6pPr>
+              <a:defRPr sz="2000"/>
+            </a:lvl6pPr>
+            <a:lvl7pPr>
+              <a:defRPr sz="2000"/>
+            </a:lvl7pPr>
+            <a:lvl8pPr>
+              <a:defRPr sz="2000"/>
+            </a:lvl8pPr>
+            <a:lvl9pPr>
+              <a:defRPr sz="2000"/>
+            </a:lvl9pPr>
+          </a:lstStyle>
+          <a:p>
+            <a:pPr lvl="0"/>
+            <a:r>
+              <a:rPr lang="en-US"/>
+              <a:t>Click to edit Master text styles</a:t>
+            </a:r>
+          </a:p>
+          <a:p>
+            <a:pPr lvl="1"/>
+            <a:r>
+              <a:rPr lang="en-US"/>
+              <a:t>Second level</a:t>
+            </a:r>
+          </a:p>
+          <a:p>
+            <a:pPr lvl="2"/>
+            <a:r>
+              <a:rPr lang="en-US"/>
+              <a:t>Third level</a:t>
+            </a:r>
+          </a:p>
+          <a:p>
+            <a:pPr lvl="3"/>
+            <a:r>
+              <a:rPr lang="en-US"/>
+              <a:t>Fourth level</a:t>
+            </a:r>
+          </a:p>
+          <a:p>
+            <a:pPr lvl="4"/>
+            <a:r>
+              <a:rPr lang="en-US"/>
+              <a:t>Fifth level</a:t>
+            </a:r>
+            <a:endParaRPr lang="en-US" dirty="0"/>
+          </a:p>
+        </p:txBody>
+      </p:sp>
+      <p:sp>
+        <p:nvSpPr>
+          <p:cNvPr id="4" name="Text Placeholder 3"/>
+          <p:cNvSpPr>
+            <a:spLocks noGrp="1"/>
+          </p:cNvSpPr>
+          <p:nvPr>
+            <p:ph type="body" sz="half" idx="2"/>
+          </p:nvPr>
+        </p:nvSpPr>
+        <p:spPr>
+          <a:xfrm>
+            <a:off x="839788" y="2057400"/>
+            <a:ext cx="3932237" cy="3811588"/>
+          </a:xfrm>
+        </p:spPr>
+        <p:txBody>
+          <a:bodyPr/>
+          <a:lstStyle>
+            <a:lvl1pPr marL="0" indent="0">
+              <a:buNone/>
+              <a:defRPr sz="1600"/>
+            </a:lvl1pPr>
+            <a:lvl2pPr marL="457200" indent="0">
+              <a:buNone/>
+              <a:defRPr sz="1400"/>
+            </a:lvl2pPr>
+            <a:lvl3pPr marL="914400" indent="0">
+              <a:buNone/>
+              <a:defRPr sz="1200"/>
+            </a:lvl3pPr>
+            <a:lvl4pPr marL="1371600" indent="0">
+              <a:buNone/>
+              <a:defRPr sz="1000"/>
+            </a:lvl4pPr>
+            <a:lvl5pPr marL="1828800" indent="0">
+              <a:buNone/>
+              <a:defRPr sz="1000"/>
+            </a:lvl5pPr>
+            <a:lvl6pPr marL="2286000" indent="0">
+              <a:buNone/>
+              <a:defRPr sz="1000"/>
+            </a:lvl6pPr>
+            <a:lvl7pPr marL="2743200" indent="0">
+              <a:buNone/>
+              <a:defRPr sz="1000"/>
+            </a:lvl7pPr>
+            <a:lvl8pPr marL="3200400" indent="0">
+              <a:buNone/>
+              <a:defRPr sz="1000"/>
+            </a:lvl8pPr>
+            <a:lvl9pPr marL="3657600" indent="0">
+              <a:buNone/>
+              <a:defRPr sz="1000"/>
+            </a:lvl9pPr>
+          </a:lstStyle>
+          <a:p>
+            <a:pPr lvl="0"/>
+            <a:r>
+              <a:rPr lang="en-US"/>
+              <a:t>Click to edit Master text styles</a:t>
+            </a:r>
+          </a:p>
+        </p:txBody>
+      </p:sp>
+      <p:sp>
+        <p:nvSpPr>
+          <p:cNvPr id="5" name="Date Placeholder 4"/>
+          <p:cNvSpPr>
+            <a:spLocks noGrp="1"/>
+          </p:cNvSpPr>
+          <p:nvPr>
+            <p:ph type="dt" sz="half" idx="10"/>
+          </p:nvPr>
+        </p:nvSpPr>
+        <p:spPr/>
+        <p:txBody>
+          <a:bodyPr/>
+          <a:lstStyle/>
+          <a:p>
+            <a:fld id="{C764DE79-268F-4C1A-8933-263129D2AF90}" type="datetimeFigureOut">
+              <a:rPr lang="en-US" smtClean="0"/>
+              <a:t>11/10/19</a:t>
+            </a:fld>
+            <a:endParaRPr lang="en-US" dirty="0"/>
+          </a:p>
+        </p:txBody>
+      </p:sp>
+      <p:sp>
+        <p:nvSpPr>
+          <p:cNvPr id="6" name="Footer Placeholder 5"/>
+          <p:cNvSpPr>
+            <a:spLocks noGrp="1"/>
+          </p:cNvSpPr>
+          <p:nvPr>
+            <p:ph type="ftr" sz="quarter" idx="11"/>
+          </p:nvPr>
+        </p:nvSpPr>
+        <p:spPr/>
+        <p:txBody>
+          <a:bodyPr/>
+          <a:lstStyle/>
+          <a:p>
+            <a:endParaRPr lang="en-US" dirty="0"/>
+          </a:p>
+        </p:txBody>
+      </p:sp>
+      <p:sp>
+        <p:nvSpPr>
+          <p:cNvPr id="7" name="Slide Number Placeholder 6"/>
+          <p:cNvSpPr>
+            <a:spLocks noGrp="1"/>
+          </p:cNvSpPr>
+          <p:nvPr>
+            <p:ph type="sldNum" sz="quarter" idx="12"/>
+          </p:nvPr>
+        </p:nvSpPr>
+        <p:spPr/>
+        <p:txBody>
+          <a:bodyPr/>
+          <a:lstStyle/>
+          <a:p>
+            <a:fld id="{0B973F48-4628-F846-BA33-DDE653D83577}" type="slidenum">
+              <a:rPr lang="en-US" smtClean="0"/>
+              <a:t>‹#›</a:t>
+            </a:fld>
+            <a:endParaRPr lang="en-US"/>
+          </a:p>
+        </p:txBody>
+      </p:sp>
+    </p:spTree>
+    <p:extLst>
+      <p:ext uri="{BB962C8B-B14F-4D97-AF65-F5344CB8AC3E}">
+        <p14:creationId xmlns:p14="http://schemas.microsoft.com/office/powerpoint/2010/main" val="1587695722"/>
+      </p:ext>
+    </p:extLst>
+  </p:cSld>
+  <p:clrMapOvr>
+    <a:masterClrMapping/>
+  </p:clrMapOvr>
+</p:sldLayout>
+</file>
+
+<file path=ppt/slideLayouts/slideLayout9.xml><?xml version="1.0" encoding="utf-8"?>
+<p:sldLayout xmlns:a="http://schemas.openxmlformats.org/drawingml/2006/main" xmlns:r="http://schemas.openxmlformats.org/officeDocument/2006/relationships" xmlns:p="http://schemas.openxmlformats.org/presentationml/2006/main" type="picTx" preserve="1">
+  <p:cSld name="Picture with Caption">
+    <p:spTree>
+      <p:nvGrpSpPr>
+        <p:cNvPr id="1" name=""/>
+        <p:cNvGrpSpPr/>
+        <p:nvPr/>
+      </p:nvGrpSpPr>
+      <p:grpSpPr>
+        <a:xfrm>
+          <a:off x="0" y="0"/>
+          <a:ext cx="0" cy="0"/>
+          <a:chOff x="0" y="0"/>
+          <a:chExt cx="0" cy="0"/>
+        </a:xfrm>
+      </p:grpSpPr>
+      <p:sp>
+        <p:nvSpPr>
+          <p:cNvPr id="2" name="Title 1"/>
+          <p:cNvSpPr>
+            <a:spLocks noGrp="1"/>
+          </p:cNvSpPr>
+          <p:nvPr>
+            <p:ph type="title"/>
+          </p:nvPr>
+        </p:nvSpPr>
+        <p:spPr>
+          <a:xfrm>
+            <a:off x="839788" y="457200"/>
+            <a:ext cx="3932237" cy="1600200"/>
+          </a:xfrm>
+        </p:spPr>
+        <p:txBody>
+          <a:bodyPr anchor="b"/>
+          <a:lstStyle>
+            <a:lvl1pPr>
+              <a:defRPr sz="3200"/>
+            </a:lvl1pPr>
+          </a:lstStyle>
+          <a:p>
+            <a:r>
+              <a:rPr lang="en-US"/>
+              <a:t>Click to edit Master title style</a:t>
+            </a:r>
+            <a:endParaRPr lang="en-US" dirty="0"/>
+          </a:p>
+        </p:txBody>
+      </p:sp>
+      <p:sp>
+        <p:nvSpPr>
+          <p:cNvPr id="3" name="Picture Placeholder 2"/>
+          <p:cNvSpPr>
+            <a:spLocks noGrp="1" noChangeAspect="1"/>
+          </p:cNvSpPr>
+          <p:nvPr>
+            <p:ph type="pic" idx="1"/>
+          </p:nvPr>
+        </p:nvSpPr>
+        <p:spPr>
+          <a:xfrm>
+            <a:off x="5183188" y="987425"/>
+            <a:ext cx="6172200" cy="4873625"/>
+          </a:xfrm>
+        </p:spPr>
+        <p:txBody>
+          <a:bodyPr anchor="t"/>
+          <a:lstStyle>
+            <a:lvl1pPr marL="0" indent="0">
+              <a:buNone/>
+              <a:defRPr sz="3200"/>
+            </a:lvl1pPr>
+            <a:lvl2pPr marL="457200" indent="0">
+              <a:buNone/>
+              <a:defRPr sz="2800"/>
+            </a:lvl2pPr>
+            <a:lvl3pPr marL="914400" indent="0">
+              <a:buNone/>
+              <a:defRPr sz="2400"/>
+            </a:lvl3pPr>
+            <a:lvl4pPr marL="1371600" indent="0">
+              <a:buNone/>
+              <a:defRPr sz="2000"/>
+            </a:lvl4pPr>
+            <a:lvl5pPr marL="1828800" indent="0">
+              <a:buNone/>
+              <a:defRPr sz="2000"/>
+            </a:lvl5pPr>
+            <a:lvl6pPr marL="2286000" indent="0">
+              <a:buNone/>
+              <a:defRPr sz="2000"/>
+            </a:lvl6pPr>
+            <a:lvl7pPr marL="2743200" indent="0">
+              <a:buNone/>
+              <a:defRPr sz="2000"/>
+            </a:lvl7pPr>
+            <a:lvl8pPr marL="3200400" indent="0">
+              <a:buNone/>
+              <a:defRPr sz="2000"/>
+            </a:lvl8pPr>
+            <a:lvl9pPr marL="3657600" indent="0">
+              <a:buNone/>
+              <a:defRPr sz="2000"/>
+            </a:lvl9pPr>
+          </a:lstStyle>
+          <a:p>
+            <a:r>
+              <a:rPr lang="en-US"/>
+              <a:t>Click icon to add picture</a:t>
+            </a:r>
+            <a:endParaRPr lang="en-US" dirty="0"/>
+          </a:p>
+        </p:txBody>
+      </p:sp>
+      <p:sp>
+        <p:nvSpPr>
+          <p:cNvPr id="4" name="Text Placeholder 3"/>
+          <p:cNvSpPr>
+            <a:spLocks noGrp="1"/>
+          </p:cNvSpPr>
+          <p:nvPr>
+            <p:ph type="body" sz="half" idx="2"/>
+          </p:nvPr>
+        </p:nvSpPr>
+        <p:spPr>
+          <a:xfrm>
+            <a:off x="839788" y="2057400"/>
+            <a:ext cx="3932237" cy="3811588"/>
+          </a:xfrm>
+        </p:spPr>
+        <p:txBody>
+          <a:bodyPr/>
+          <a:lstStyle>
+            <a:lvl1pPr marL="0" indent="0">
+              <a:buNone/>
+              <a:defRPr sz="1600"/>
+            </a:lvl1pPr>
+            <a:lvl2pPr marL="457200" indent="0">
+              <a:buNone/>
+              <a:defRPr sz="1400"/>
+            </a:lvl2pPr>
+            <a:lvl3pPr marL="914400" indent="0">
+              <a:buNone/>
+              <a:defRPr sz="1200"/>
+            </a:lvl3pPr>
+            <a:lvl4pPr marL="1371600" indent="0">
+              <a:buNone/>
+              <a:defRPr sz="1000"/>
+            </a:lvl4pPr>
+            <a:lvl5pPr marL="1828800" indent="0">
+              <a:buNone/>
+              <a:defRPr sz="1000"/>
+            </a:lvl5pPr>
+            <a:lvl6pPr marL="2286000" indent="0">
+              <a:buNone/>
+              <a:defRPr sz="1000"/>
+            </a:lvl6pPr>
+            <a:lvl7pPr marL="2743200" indent="0">
+              <a:buNone/>
+              <a:defRPr sz="1000"/>
+            </a:lvl7pPr>
+            <a:lvl8pPr marL="3200400" indent="0">
+              <a:buNone/>
+              <a:defRPr sz="1000"/>
+            </a:lvl8pPr>
+            <a:lvl9pPr marL="3657600" indent="0">
+              <a:buNone/>
+              <a:defRPr sz="1000"/>
+            </a:lvl9pPr>
+          </a:lstStyle>
+          <a:p>
+            <a:pPr lvl="0"/>
+            <a:r>
+              <a:rPr lang="en-US"/>
+              <a:t>Click to edit Master text styles</a:t>
+            </a:r>
+          </a:p>
+        </p:txBody>
+      </p:sp>
+      <p:sp>
+        <p:nvSpPr>
+          <p:cNvPr id="5" name="Date Placeholder 4"/>
+          <p:cNvSpPr>
+            <a:spLocks noGrp="1"/>
+          </p:cNvSpPr>
+          <p:nvPr>
+            <p:ph type="dt" sz="half" idx="10"/>
+          </p:nvPr>
+        </p:nvSpPr>
+        <p:spPr/>
+        <p:txBody>
+          <a:bodyPr/>
+          <a:lstStyle/>
+          <a:p>
+            <a:fld id="{C764DE79-268F-4C1A-8933-263129D2AF90}" type="datetimeFigureOut">
+              <a:rPr lang="en-US" smtClean="0"/>
+              <a:t>11/10/19</a:t>
+            </a:fld>
+            <a:endParaRPr lang="en-US" dirty="0"/>
+          </a:p>
+        </p:txBody>
+      </p:sp>
+      <p:sp>
+        <p:nvSpPr>
+          <p:cNvPr id="6" name="Footer Placeholder 5"/>
+          <p:cNvSpPr>
+            <a:spLocks noGrp="1"/>
+          </p:cNvSpPr>
+          <p:nvPr>
+            <p:ph type="ftr" sz="quarter" idx="11"/>
+          </p:nvPr>
+        </p:nvSpPr>
+        <p:spPr/>
+        <p:txBody>
+          <a:bodyPr/>
+          <a:lstStyle/>
+          <a:p>
+            <a:endParaRPr lang="en-US" dirty="0"/>
+          </a:p>
+        </p:txBody>
+      </p:sp>
+      <p:sp>
+        <p:nvSpPr>
+          <p:cNvPr id="7" name="Slide Number Placeholder 6"/>
+          <p:cNvSpPr>
+            <a:spLocks noGrp="1"/>
+          </p:cNvSpPr>
+          <p:nvPr>
+            <p:ph type="sldNum" sz="quarter" idx="12"/>
+          </p:nvPr>
+        </p:nvSpPr>
+        <p:spPr/>
+        <p:txBody>
+          <a:bodyPr/>
+          <a:lstStyle/>
+          <a:p>
+            <a:fld id="{0B973F48-4628-F846-BA33-DDE653D83577}" type="slidenum">
+              <a:rPr lang="en-US" smtClean="0"/>
+              <a:t>‹#›</a:t>
+            </a:fld>
+            <a:endParaRPr lang="en-US"/>
+          </a:p>
+        </p:txBody>
+      </p:sp>
+    </p:spTree>
+    <p:extLst>
+      <p:ext uri="{BB962C8B-B14F-4D97-AF65-F5344CB8AC3E}">
+        <p14:creationId xmlns:p14="http://schemas.microsoft.com/office/powerpoint/2010/main" val="3055438526"/>
+      </p:ext>
+    </p:extLst>
+  </p:cSld>
+  <p:clrMapOvr>
+    <a:masterClrMapping/>
+  </p:clrMapOvr>
+</p:sldLayout>
+</file>
+
+<file path=ppt/slideMasters/slideMaster1.xml><?xml version="1.0" encoding="utf-8"?>
+<p:sldMaster xmlns:a="http://schemas.openxmlformats.org/drawingml/2006/main" xmlns:r="http://schemas.openxmlformats.org/officeDocument/2006/relationships" xmlns:p="http://schemas.openxmlformats.org/presentationml/2006/main">
+  <p:cSld>
+    <p:bg>
+      <p:bgRef idx="1001">
+        <a:schemeClr val="bg1"/>
+      </p:bgRef>
+    </p:bg>
+    <p:spTree>
+      <p:nvGrpSpPr>
+        <p:cNvPr id="1" name=""/>
+        <p:cNvGrpSpPr/>
+        <p:nvPr/>
+      </p:nvGrpSpPr>
+      <p:grpSpPr>
+        <a:xfrm>
+          <a:off x="0" y="0"/>
+          <a:ext cx="0" cy="0"/>
+          <a:chOff x="0" y="0"/>
+          <a:chExt cx="0" cy="0"/>
+        </a:xfrm>
+      </p:grpSpPr>
+      <p:sp>
+        <p:nvSpPr>
+          <p:cNvPr id="2" name="Title Placeholder 1"/>
+          <p:cNvSpPr>
+            <a:spLocks noGrp="1"/>
+          </p:cNvSpPr>
+          <p:nvPr>
+            <p:ph type="title"/>
+          </p:nvPr>
+        </p:nvSpPr>
+        <p:spPr>
+          <a:xfrm>
+            <a:off x="838200" y="365125"/>
+            <a:ext cx="10515600" cy="1325563"/>
+          </a:xfrm>
+          <a:prstGeom prst="rect">
+            <a:avLst/>
+          </a:prstGeom>
+        </p:spPr>
+        <p:txBody>
+          <a:bodyPr vert="horz" lIns="91440" tIns="45720" rIns="91440" bIns="45720" rtlCol="0" anchor="ctr">
+            <a:normAutofit/>
+          </a:bodyPr>
+          <a:lstStyle/>
+          <a:p>
+            <a:r>
+              <a:rPr lang="en-US"/>
+              <a:t>Click to edit Master title style</a:t>
+            </a:r>
+            <a:endParaRPr lang="en-US" dirty="0"/>
+          </a:p>
+        </p:txBody>
+      </p:sp>
+      <p:sp>
+        <p:nvSpPr>
+          <p:cNvPr id="3" name="Text Placeholder 2"/>
+          <p:cNvSpPr>
+            <a:spLocks noGrp="1"/>
+          </p:cNvSpPr>
+          <p:nvPr>
+            <p:ph type="body" idx="1"/>
+          </p:nvPr>
+        </p:nvSpPr>
+        <p:spPr>
+          <a:xfrm>
+            <a:off x="838200" y="1825625"/>
+            <a:ext cx="10515600" cy="4351338"/>
+          </a:xfrm>
+          <a:prstGeom prst="rect">
+            <a:avLst/>
+          </a:prstGeom>
+        </p:spPr>
+        <p:txBody>
+          <a:bodyPr vert="horz" lIns="91440" tIns="45720" rIns="91440" bIns="45720" rtlCol="0">
+            <a:normAutofit/>
+          </a:bodyPr>
+          <a:lstStyle/>
+          <a:p>
+            <a:pPr lvl="0"/>
+            <a:r>
+              <a:rPr lang="en-US"/>
+              <a:t>Click to edit Master text styles</a:t>
+            </a:r>
+          </a:p>
+          <a:p>
+            <a:pPr lvl="1"/>
+            <a:r>
+              <a:rPr lang="en-US"/>
+              <a:t>Second level</a:t>
+            </a:r>
+          </a:p>
+          <a:p>
+            <a:pPr lvl="2"/>
+            <a:r>
+              <a:rPr lang="en-US"/>
+              <a:t>Third level</a:t>
+            </a:r>
+          </a:p>
+          <a:p>
+            <a:pPr lvl="3"/>
+            <a:r>
+              <a:rPr lang="en-US"/>
+              <a:t>Fourth level</a:t>
+            </a:r>
+          </a:p>
+          <a:p>
+            <a:pPr lvl="4"/>
+            <a:r>
+              <a:rPr lang="en-US"/>
+              <a:t>Fifth level</a:t>
+            </a:r>
+            <a:endParaRPr lang="en-US" dirty="0"/>
+          </a:p>
+        </p:txBody>
+      </p:sp>
+      <p:sp>
+        <p:nvSpPr>
+          <p:cNvPr id="4" name="Date Placeholder 3"/>
+          <p:cNvSpPr>
+            <a:spLocks noGrp="1"/>
+          </p:cNvSpPr>
+          <p:nvPr>
+            <p:ph type="dt" sz="half" idx="2"/>
+          </p:nvPr>
+        </p:nvSpPr>
+        <p:spPr>
+          <a:xfrm>
+            <a:off x="838200" y="6356350"/>
+            <a:ext cx="2743200" cy="365125"/>
+          </a:xfrm>
+          <a:prstGeom prst="rect">
+            <a:avLst/>
+          </a:prstGeom>
+        </p:spPr>
+        <p:txBody>
+          <a:bodyPr vert="horz" lIns="91440" tIns="45720" rIns="91440" bIns="45720" rtlCol="0" anchor="ctr"/>
+          <a:lstStyle>
+            <a:lvl1pPr algn="l">
+              <a:defRPr sz="1200">
+                <a:solidFill>
+                  <a:schemeClr val="tx1">
+                    <a:tint val="75000"/>
+                  </a:schemeClr>
+                </a:solidFill>
+              </a:defRPr>
+            </a:lvl1pPr>
+          </a:lstStyle>
+          <a:p>
+            <a:fld id="{C764DE79-268F-4C1A-8933-263129D2AF90}" type="datetimeFigureOut">
+              <a:rPr lang="en-US" smtClean="0"/>
+              <a:t>11/10/19</a:t>
+            </a:fld>
+            <a:endParaRPr lang="en-US" dirty="0"/>
+          </a:p>
+        </p:txBody>
+      </p:sp>
+      <p:sp>
+        <p:nvSpPr>
+          <p:cNvPr id="5" name="Footer Placeholder 4"/>
+          <p:cNvSpPr>
+            <a:spLocks noGrp="1"/>
+          </p:cNvSpPr>
+          <p:nvPr>
+            <p:ph type="ftr" sz="quarter" idx="3"/>
+          </p:nvPr>
+        </p:nvSpPr>
+        <p:spPr>
+          <a:xfrm>
+            <a:off x="4038600" y="6356350"/>
+            <a:ext cx="4114800" cy="365125"/>
+          </a:xfrm>
+          <a:prstGeom prst="rect">
+            <a:avLst/>
+          </a:prstGeom>
+        </p:spPr>
+        <p:txBody>
+          <a:bodyPr vert="horz" lIns="91440" tIns="45720" rIns="91440" bIns="45720" rtlCol="0" anchor="ctr"/>
+          <a:lstStyle>
+            <a:lvl1pPr algn="ctr">
+              <a:defRPr sz="1200">
+                <a:solidFill>
+                  <a:schemeClr val="tx1">
+                    <a:tint val="75000"/>
+                  </a:schemeClr>
+                </a:solidFill>
+              </a:defRPr>
+            </a:lvl1pPr>
+          </a:lstStyle>
+          <a:p>
+            <a:endParaRPr lang="en-US" dirty="0"/>
+          </a:p>
+        </p:txBody>
+      </p:sp>
+      <p:sp>
+        <p:nvSpPr>
+          <p:cNvPr id="6" name="Slide Number Placeholder 5"/>
+          <p:cNvSpPr>
+            <a:spLocks noGrp="1"/>
+          </p:cNvSpPr>
+          <p:nvPr>
+            <p:ph type="sldNum" sz="quarter" idx="4"/>
+          </p:nvPr>
+        </p:nvSpPr>
+        <p:spPr>
+          <a:xfrm>
+            <a:off x="8610600" y="6356350"/>
+            <a:ext cx="2743200" cy="365125"/>
+          </a:xfrm>
+          <a:prstGeom prst="rect">
+            <a:avLst/>
+          </a:prstGeom>
+        </p:spPr>
+        <p:txBody>
+          <a:bodyPr vert="horz" lIns="91440" tIns="45720" rIns="91440" bIns="45720" rtlCol="0" anchor="ctr"/>
+          <a:lstStyle>
+            <a:lvl1pPr algn="r">
+              <a:defRPr sz="1200">
+                <a:solidFill>
+                  <a:schemeClr val="tx1">
+                    <a:tint val="75000"/>
+                  </a:schemeClr>
+                </a:solidFill>
+              </a:defRPr>
+            </a:lvl1pPr>
+          </a:lstStyle>
+          <a:p>
+            <a:fld id="{0B973F48-4628-F846-BA33-DDE653D83577}" type="slidenum">
+              <a:rPr lang="en-US" smtClean="0"/>
+              <a:t>‹#›</a:t>
+            </a:fld>
+            <a:endParaRPr lang="en-US" dirty="0"/>
+          </a:p>
+        </p:txBody>
+      </p:sp>
+      <p:sp>
+        <p:nvSpPr>
+          <p:cNvPr id="7" name="Slide Number Placeholder 5">
+            <a:extLst>
+              <a:ext uri="{FF2B5EF4-FFF2-40B4-BE49-F238E27FC236}">
+                <a16:creationId xmlns:a16="http://schemas.microsoft.com/office/drawing/2014/main" id="{328FB569-0485-8045-BFD7-167815E77336}"/>
+              </a:ext>
+            </a:extLst>
+          </p:cNvPr>
+          <p:cNvSpPr txBox="1">
+            <a:spLocks/>
+          </p:cNvSpPr>
+          <p:nvPr userDrawn="1"/>
+        </p:nvSpPr>
+        <p:spPr>
+          <a:xfrm>
+            <a:off x="6553200" y="6356356"/>
+            <a:ext cx="2133600" cy="365125"/>
+          </a:xfrm>
+          <a:prstGeom prst="rect">
+            <a:avLst/>
+          </a:prstGeom>
+        </p:spPr>
+        <p:txBody>
+          <a:bodyPr vert="horz" wrap="square" lIns="68580" tIns="34290" rIns="68580" bIns="34290" numCol="1" anchor="ctr" anchorCtr="0" compatLnSpc="1">
+            <a:prstTxWarp prst="textNoShape">
+              <a:avLst/>
+            </a:prstTxWarp>
+          </a:bodyPr>
+          <a:lstStyle>
+            <a:defPPr>
+              <a:defRPr lang="en-US"/>
+            </a:defPPr>
+            <a:lvl1pPr marL="0" algn="r" defTabSz="914400" rtl="0" eaLnBrk="1" latinLnBrk="0" hangingPunct="1">
+              <a:defRPr sz="1200" kern="1200">
+                <a:solidFill>
+                  <a:srgbClr val="898989"/>
+                </a:solidFill>
+                <a:latin typeface="Segoe UI" charset="0"/>
+                <a:ea typeface="+mn-ea"/>
+                <a:cs typeface="+mn-cs"/>
+              </a:defRPr>
+            </a:lvl1pPr>
+            <a:lvl2pPr marL="457200" algn="l" defTabSz="914400" rtl="0" eaLnBrk="1" latinLnBrk="0" hangingPunct="1">
+              <a:defRPr sz="1800" kern="1200">
+                <a:solidFill>
+                  <a:schemeClr val="tx1"/>
+                </a:solidFill>
+                <a:latin typeface="+mn-lt"/>
+                <a:ea typeface="+mn-ea"/>
+                <a:cs typeface="+mn-cs"/>
+              </a:defRPr>
+            </a:lvl2pPr>
+            <a:lvl3pPr marL="914400" algn="l" defTabSz="914400" rtl="0" eaLnBrk="1" latinLnBrk="0" hangingPunct="1">
+              <a:defRPr sz="1800" kern="1200">
+                <a:solidFill>
+                  <a:schemeClr val="tx1"/>
+                </a:solidFill>
+                <a:latin typeface="+mn-lt"/>
+                <a:ea typeface="+mn-ea"/>
+                <a:cs typeface="+mn-cs"/>
+              </a:defRPr>
+            </a:lvl3pPr>
+            <a:lvl4pPr marL="1371600" algn="l" defTabSz="914400" rtl="0" eaLnBrk="1" latinLnBrk="0" hangingPunct="1">
+              <a:defRPr sz="1800" kern="1200">
+                <a:solidFill>
+                  <a:schemeClr val="tx1"/>
+                </a:solidFill>
+                <a:latin typeface="+mn-lt"/>
+                <a:ea typeface="+mn-ea"/>
+                <a:cs typeface="+mn-cs"/>
+              </a:defRPr>
+            </a:lvl4pPr>
+            <a:lvl5pPr marL="1828800" algn="l" defTabSz="914400" rtl="0" eaLnBrk="1" latinLnBrk="0" hangingPunct="1">
+              <a:defRPr sz="1800" kern="1200">
+                <a:solidFill>
+                  <a:schemeClr val="tx1"/>
+                </a:solidFill>
+                <a:latin typeface="+mn-lt"/>
+                <a:ea typeface="+mn-ea"/>
+                <a:cs typeface="+mn-cs"/>
+              </a:defRPr>
+            </a:lvl5pPr>
+            <a:lvl6pPr marL="2286000" algn="l" defTabSz="914400" rtl="0" eaLnBrk="1" latinLnBrk="0" hangingPunct="1">
+              <a:defRPr sz="1800" kern="1200">
+                <a:solidFill>
+                  <a:schemeClr val="tx1"/>
+                </a:solidFill>
+                <a:latin typeface="+mn-lt"/>
+                <a:ea typeface="+mn-ea"/>
+                <a:cs typeface="+mn-cs"/>
+              </a:defRPr>
+            </a:lvl6pPr>
+            <a:lvl7pPr marL="2743200" algn="l" defTabSz="914400" rtl="0" eaLnBrk="1" latinLnBrk="0" hangingPunct="1">
+              <a:defRPr sz="1800" kern="1200">
+                <a:solidFill>
+                  <a:schemeClr val="tx1"/>
+                </a:solidFill>
+                <a:latin typeface="+mn-lt"/>
+                <a:ea typeface="+mn-ea"/>
+                <a:cs typeface="+mn-cs"/>
+              </a:defRPr>
+            </a:lvl7pPr>
+            <a:lvl8pPr marL="3200400" algn="l" defTabSz="914400" rtl="0" eaLnBrk="1" latinLnBrk="0" hangingPunct="1">
+              <a:defRPr sz="1800" kern="1200">
+                <a:solidFill>
+                  <a:schemeClr val="tx1"/>
+                </a:solidFill>
+                <a:latin typeface="+mn-lt"/>
+                <a:ea typeface="+mn-ea"/>
+                <a:cs typeface="+mn-cs"/>
+              </a:defRPr>
+            </a:lvl8pPr>
+            <a:lvl9pPr marL="3657600" algn="l" defTabSz="914400" rtl="0" eaLnBrk="1" latinLnBrk="0" hangingPunct="1">
+              <a:defRPr sz="1800" kern="1200">
+                <a:solidFill>
+                  <a:schemeClr val="tx1"/>
+                </a:solidFill>
+                <a:latin typeface="+mn-lt"/>
+                <a:ea typeface="+mn-ea"/>
+                <a:cs typeface="+mn-cs"/>
+              </a:defRPr>
+            </a:lvl9pPr>
+          </a:lstStyle>
+          <a:p>
+            <a:pPr>
+              <a:defRPr/>
+            </a:pPr>
+            <a:fld id="{18C1412E-69E1-864D-A0DF-94DDC7C8003B}" type="slidenum">
+              <a:rPr lang="en-US" sz="900" smtClean="0"/>
+              <a:pPr>
+                <a:defRPr/>
+              </a:pPr>
+              <a:t>‹#›</a:t>
+            </a:fld>
+            <a:endParaRPr lang="en-US" sz="900"/>
+          </a:p>
+        </p:txBody>
+      </p:sp>
+      <p:sp>
+        <p:nvSpPr>
+          <p:cNvPr id="8" name="Rectangle 7">
+            <a:extLst>
+              <a:ext uri="{FF2B5EF4-FFF2-40B4-BE49-F238E27FC236}">
+                <a16:creationId xmlns:a16="http://schemas.microsoft.com/office/drawing/2014/main" id="{ED0306AE-18A0-4C44-8452-FDAD4CEC049D}"/>
+              </a:ext>
+            </a:extLst>
+          </p:cNvPr>
+          <p:cNvSpPr/>
+          <p:nvPr userDrawn="1"/>
+        </p:nvSpPr>
+        <p:spPr>
+          <a:xfrm>
+            <a:off x="0" y="6400800"/>
+            <a:ext cx="12192000" cy="457200"/>
+          </a:xfrm>
+          <a:prstGeom prst="rect">
+            <a:avLst/>
+          </a:prstGeom>
+          <a:solidFill>
+            <a:srgbClr val="9A3334"/>
+          </a:solidFill>
+          <a:ln>
+            <a:noFill/>
+          </a:ln>
+        </p:spPr>
+        <p:style>
+          <a:lnRef idx="2">
+            <a:schemeClr val="accent1">
+              <a:shade val="50000"/>
+            </a:schemeClr>
+          </a:lnRef>
+          <a:fillRef idx="1">
+            <a:schemeClr val="accent1"/>
+          </a:fillRef>
+          <a:effectRef idx="0">
+            <a:schemeClr val="accent1"/>
+          </a:effectRef>
+          <a:fontRef idx="minor">
+            <a:schemeClr val="lt1"/>
+          </a:fontRef>
+        </p:style>
+        <p:txBody>
+          <a:bodyPr anchor="ctr"/>
+          <a:lstStyle/>
+          <a:p>
+            <a:pPr algn="ctr" fontAlgn="auto">
+              <a:spcBef>
+                <a:spcPts val="0"/>
+              </a:spcBef>
+              <a:spcAft>
+                <a:spcPts val="0"/>
+              </a:spcAft>
+              <a:defRPr/>
+            </a:pPr>
+            <a:endParaRPr lang="en-US" sz="1350"/>
+          </a:p>
+        </p:txBody>
+      </p:sp>
+      <p:sp>
+        <p:nvSpPr>
+          <p:cNvPr id="9" name="TextBox 8">
+            <a:extLst>
+              <a:ext uri="{FF2B5EF4-FFF2-40B4-BE49-F238E27FC236}">
+                <a16:creationId xmlns:a16="http://schemas.microsoft.com/office/drawing/2014/main" id="{3E245822-ADFF-4540-9BD4-E4A28AC54380}"/>
+              </a:ext>
+            </a:extLst>
+          </p:cNvPr>
+          <p:cNvSpPr txBox="1">
+            <a:spLocks noChangeArrowheads="1"/>
+          </p:cNvSpPr>
+          <p:nvPr userDrawn="1"/>
+        </p:nvSpPr>
+        <p:spPr bwMode="auto">
+          <a:xfrm>
+            <a:off x="0" y="6430966"/>
+            <a:ext cx="6705600" cy="323165"/>
           </a:xfrm>
           <a:prstGeom prst="rect">
             <a:avLst/>
@@ -1334,591 +3820,151 @@
             </a:ext>
           </a:extLst>
         </p:spPr>
-      </p:pic>
-    </p:spTree>
-    <p:extLst>
-      <p:ext uri="{BB962C8B-B14F-4D97-AF65-F5344CB8AC3E}">
-        <p14:creationId xmlns:p14="http://schemas.microsoft.com/office/powerpoint/2010/main" val="3716461704"/>
-      </p:ext>
-    </p:extLst>
-  </p:cSld>
-  <p:clrMapOvr>
-    <a:masterClrMapping/>
-  </p:clrMapOvr>
-</p:sldLayout>
-</file>
-
-<file path=ppt/slideLayouts/slideLayout10.xml><?xml version="1.0" encoding="utf-8"?>
-<p:sldLayout xmlns:a="http://schemas.openxmlformats.org/drawingml/2006/main" xmlns:r="http://schemas.openxmlformats.org/officeDocument/2006/relationships" xmlns:p="http://schemas.openxmlformats.org/presentationml/2006/main" type="vertTx" preserve="1">
-  <p:cSld name="Title and Vertical Text">
-    <p:spTree>
-      <p:nvGrpSpPr>
-        <p:cNvPr id="1" name=""/>
-        <p:cNvGrpSpPr/>
-        <p:nvPr/>
-      </p:nvGrpSpPr>
-      <p:grpSpPr>
-        <a:xfrm>
-          <a:off x="0" y="0"/>
-          <a:ext cx="0" cy="0"/>
-          <a:chOff x="0" y="0"/>
-          <a:chExt cx="0" cy="0"/>
-        </a:xfrm>
-      </p:grpSpPr>
-      <p:sp>
-        <p:nvSpPr>
-          <p:cNvPr id="2" name="Title 1"/>
-          <p:cNvSpPr>
-            <a:spLocks noGrp="1"/>
-          </p:cNvSpPr>
-          <p:nvPr>
-            <p:ph type="title"/>
-          </p:nvPr>
-        </p:nvSpPr>
-        <p:spPr/>
-        <p:txBody>
-          <a:bodyPr/>
-          <a:lstStyle/>
-          <a:p>
-            <a:r>
-              <a:rPr lang="en-US"/>
-              <a:t>Click to edit Master title style</a:t>
-            </a:r>
-            <a:endParaRPr lang="en-US" dirty="0"/>
-          </a:p>
-        </p:txBody>
-      </p:sp>
-      <p:sp>
-        <p:nvSpPr>
-          <p:cNvPr id="3" name="Vertical Text Placeholder 2"/>
-          <p:cNvSpPr>
-            <a:spLocks noGrp="1"/>
-          </p:cNvSpPr>
-          <p:nvPr>
-            <p:ph type="body" orient="vert" idx="1"/>
-          </p:nvPr>
-        </p:nvSpPr>
-        <p:spPr/>
-        <p:txBody>
-          <a:bodyPr vert="eaVert"/>
-          <a:lstStyle/>
-          <a:p>
-            <a:pPr lvl="0"/>
-            <a:r>
-              <a:rPr lang="en-US"/>
-              <a:t>Click to edit Master text styles</a:t>
-            </a:r>
-          </a:p>
-          <a:p>
-            <a:pPr lvl="1"/>
-            <a:r>
-              <a:rPr lang="en-US"/>
-              <a:t>Second level</a:t>
-            </a:r>
-          </a:p>
-          <a:p>
-            <a:pPr lvl="2"/>
-            <a:r>
-              <a:rPr lang="en-US"/>
-              <a:t>Third level</a:t>
-            </a:r>
-          </a:p>
-          <a:p>
-            <a:pPr lvl="3"/>
-            <a:r>
-              <a:rPr lang="en-US"/>
-              <a:t>Fourth level</a:t>
-            </a:r>
-          </a:p>
-          <a:p>
-            <a:pPr lvl="4"/>
-            <a:r>
-              <a:rPr lang="en-US"/>
-              <a:t>Fifth level</a:t>
-            </a:r>
-            <a:endParaRPr lang="en-US" dirty="0"/>
-          </a:p>
-        </p:txBody>
-      </p:sp>
-      <p:sp>
-        <p:nvSpPr>
-          <p:cNvPr id="4" name="Date Placeholder 3"/>
-          <p:cNvSpPr>
-            <a:spLocks noGrp="1"/>
-          </p:cNvSpPr>
-          <p:nvPr>
-            <p:ph type="dt" sz="half" idx="10"/>
-          </p:nvPr>
-        </p:nvSpPr>
-        <p:spPr/>
-        <p:txBody>
-          <a:bodyPr/>
-          <a:lstStyle/>
-          <a:p>
-            <a:fld id="{C764DE79-268F-4C1A-8933-263129D2AF90}" type="datetimeFigureOut">
-              <a:rPr lang="en-US" smtClean="0"/>
-              <a:t>11/9/19</a:t>
-            </a:fld>
-            <a:endParaRPr lang="en-US" dirty="0"/>
-          </a:p>
-        </p:txBody>
-      </p:sp>
-      <p:sp>
-        <p:nvSpPr>
-          <p:cNvPr id="5" name="Footer Placeholder 4"/>
-          <p:cNvSpPr>
-            <a:spLocks noGrp="1"/>
-          </p:cNvSpPr>
-          <p:nvPr>
-            <p:ph type="ftr" sz="quarter" idx="11"/>
-          </p:nvPr>
-        </p:nvSpPr>
-        <p:spPr/>
-        <p:txBody>
-          <a:bodyPr/>
-          <a:lstStyle/>
-          <a:p>
-            <a:endParaRPr lang="en-US" dirty="0"/>
-          </a:p>
-        </p:txBody>
-      </p:sp>
-      <p:sp>
-        <p:nvSpPr>
-          <p:cNvPr id="6" name="Slide Number Placeholder 5"/>
-          <p:cNvSpPr>
-            <a:spLocks noGrp="1"/>
-          </p:cNvSpPr>
-          <p:nvPr>
-            <p:ph type="sldNum" sz="quarter" idx="12"/>
-          </p:nvPr>
-        </p:nvSpPr>
-        <p:spPr/>
-        <p:txBody>
-          <a:bodyPr/>
-          <a:lstStyle/>
-          <a:p>
-            <a:fld id="{0B973F48-4628-F846-BA33-DDE653D83577}" type="slidenum">
-              <a:rPr lang="en-US" smtClean="0"/>
-              <a:t>‹#›</a:t>
-            </a:fld>
-            <a:endParaRPr lang="en-US"/>
-          </a:p>
-        </p:txBody>
-      </p:sp>
-    </p:spTree>
-    <p:extLst>
-      <p:ext uri="{BB962C8B-B14F-4D97-AF65-F5344CB8AC3E}">
-        <p14:creationId xmlns:p14="http://schemas.microsoft.com/office/powerpoint/2010/main" val="1519710735"/>
-      </p:ext>
-    </p:extLst>
-  </p:cSld>
-  <p:clrMapOvr>
-    <a:masterClrMapping/>
-  </p:clrMapOvr>
-</p:sldLayout>
-</file>
-
-<file path=ppt/slideLayouts/slideLayout11.xml><?xml version="1.0" encoding="utf-8"?>
-<p:sldLayout xmlns:a="http://schemas.openxmlformats.org/drawingml/2006/main" xmlns:r="http://schemas.openxmlformats.org/officeDocument/2006/relationships" xmlns:p="http://schemas.openxmlformats.org/presentationml/2006/main" type="vertTitleAndTx" preserve="1">
-  <p:cSld name="Vertical Title and Text">
-    <p:spTree>
-      <p:nvGrpSpPr>
-        <p:cNvPr id="1" name=""/>
-        <p:cNvGrpSpPr/>
-        <p:nvPr/>
-      </p:nvGrpSpPr>
-      <p:grpSpPr>
-        <a:xfrm>
-          <a:off x="0" y="0"/>
-          <a:ext cx="0" cy="0"/>
-          <a:chOff x="0" y="0"/>
-          <a:chExt cx="0" cy="0"/>
-        </a:xfrm>
-      </p:grpSpPr>
-      <p:sp>
-        <p:nvSpPr>
-          <p:cNvPr id="2" name="Vertical Title 1"/>
-          <p:cNvSpPr>
-            <a:spLocks noGrp="1"/>
-          </p:cNvSpPr>
-          <p:nvPr>
-            <p:ph type="title" orient="vert"/>
-          </p:nvPr>
-        </p:nvSpPr>
-        <p:spPr>
-          <a:xfrm>
-            <a:off x="8724900" y="365125"/>
-            <a:ext cx="2628900" cy="5811838"/>
-          </a:xfrm>
-        </p:spPr>
-        <p:txBody>
-          <a:bodyPr vert="eaVert"/>
-          <a:lstStyle/>
-          <a:p>
-            <a:r>
-              <a:rPr lang="en-US"/>
-              <a:t>Click to edit Master title style</a:t>
-            </a:r>
-            <a:endParaRPr lang="en-US" dirty="0"/>
-          </a:p>
-        </p:txBody>
-      </p:sp>
-      <p:sp>
-        <p:nvSpPr>
-          <p:cNvPr id="3" name="Vertical Text Placeholder 2"/>
-          <p:cNvSpPr>
-            <a:spLocks noGrp="1"/>
-          </p:cNvSpPr>
-          <p:nvPr>
-            <p:ph type="body" orient="vert" idx="1"/>
-          </p:nvPr>
-        </p:nvSpPr>
-        <p:spPr>
-          <a:xfrm>
-            <a:off x="838200" y="365125"/>
-            <a:ext cx="7734300" cy="5811838"/>
-          </a:xfrm>
-        </p:spPr>
-        <p:txBody>
-          <a:bodyPr vert="eaVert"/>
-          <a:lstStyle/>
-          <a:p>
-            <a:pPr lvl="0"/>
-            <a:r>
-              <a:rPr lang="en-US"/>
-              <a:t>Click to edit Master text styles</a:t>
-            </a:r>
-          </a:p>
-          <a:p>
-            <a:pPr lvl="1"/>
-            <a:r>
-              <a:rPr lang="en-US"/>
-              <a:t>Second level</a:t>
-            </a:r>
-          </a:p>
-          <a:p>
-            <a:pPr lvl="2"/>
-            <a:r>
-              <a:rPr lang="en-US"/>
-              <a:t>Third level</a:t>
-            </a:r>
-          </a:p>
-          <a:p>
-            <a:pPr lvl="3"/>
-            <a:r>
-              <a:rPr lang="en-US"/>
-              <a:t>Fourth level</a:t>
-            </a:r>
-          </a:p>
-          <a:p>
-            <a:pPr lvl="4"/>
-            <a:r>
-              <a:rPr lang="en-US"/>
-              <a:t>Fifth level</a:t>
-            </a:r>
-            <a:endParaRPr lang="en-US" dirty="0"/>
-          </a:p>
-        </p:txBody>
-      </p:sp>
-      <p:sp>
-        <p:nvSpPr>
-          <p:cNvPr id="4" name="Date Placeholder 3"/>
-          <p:cNvSpPr>
-            <a:spLocks noGrp="1"/>
-          </p:cNvSpPr>
-          <p:nvPr>
-            <p:ph type="dt" sz="half" idx="10"/>
-          </p:nvPr>
-        </p:nvSpPr>
-        <p:spPr/>
-        <p:txBody>
-          <a:bodyPr/>
-          <a:lstStyle/>
-          <a:p>
-            <a:fld id="{C764DE79-268F-4C1A-8933-263129D2AF90}" type="datetimeFigureOut">
-              <a:rPr lang="en-US" smtClean="0"/>
-              <a:t>11/9/19</a:t>
-            </a:fld>
-            <a:endParaRPr lang="en-US" dirty="0"/>
-          </a:p>
-        </p:txBody>
-      </p:sp>
-      <p:sp>
-        <p:nvSpPr>
-          <p:cNvPr id="5" name="Footer Placeholder 4"/>
-          <p:cNvSpPr>
-            <a:spLocks noGrp="1"/>
-          </p:cNvSpPr>
-          <p:nvPr>
-            <p:ph type="ftr" sz="quarter" idx="11"/>
-          </p:nvPr>
-        </p:nvSpPr>
-        <p:spPr/>
-        <p:txBody>
-          <a:bodyPr/>
-          <a:lstStyle/>
-          <a:p>
-            <a:endParaRPr lang="en-US" dirty="0"/>
-          </a:p>
-        </p:txBody>
-      </p:sp>
-      <p:sp>
-        <p:nvSpPr>
-          <p:cNvPr id="6" name="Slide Number Placeholder 5"/>
-          <p:cNvSpPr>
-            <a:spLocks noGrp="1"/>
-          </p:cNvSpPr>
-          <p:nvPr>
-            <p:ph type="sldNum" sz="quarter" idx="12"/>
-          </p:nvPr>
-        </p:nvSpPr>
-        <p:spPr/>
-        <p:txBody>
-          <a:bodyPr/>
-          <a:lstStyle/>
-          <a:p>
-            <a:fld id="{0B973F48-4628-F846-BA33-DDE653D83577}" type="slidenum">
-              <a:rPr lang="en-US" smtClean="0"/>
-              <a:t>‹#›</a:t>
-            </a:fld>
-            <a:endParaRPr lang="en-US"/>
-          </a:p>
-        </p:txBody>
-      </p:sp>
-    </p:spTree>
-    <p:extLst>
-      <p:ext uri="{BB962C8B-B14F-4D97-AF65-F5344CB8AC3E}">
-        <p14:creationId xmlns:p14="http://schemas.microsoft.com/office/powerpoint/2010/main" val="2209466256"/>
-      </p:ext>
-    </p:extLst>
-  </p:cSld>
-  <p:clrMapOvr>
-    <a:masterClrMapping/>
-  </p:clrMapOvr>
-</p:sldLayout>
-</file>
-
-<file path=ppt/slideLayouts/slideLayout12.xml><?xml version="1.0" encoding="utf-8"?>
-<p:sldLayout xmlns:a="http://schemas.openxmlformats.org/drawingml/2006/main" xmlns:r="http://schemas.openxmlformats.org/officeDocument/2006/relationships" xmlns:p="http://schemas.openxmlformats.org/presentationml/2006/main" userDrawn="1">
-  <p:cSld name="Title">
-    <p:spTree>
-      <p:nvGrpSpPr>
-        <p:cNvPr id="1" name=""/>
-        <p:cNvGrpSpPr/>
-        <p:nvPr/>
-      </p:nvGrpSpPr>
-      <p:grpSpPr>
-        <a:xfrm>
-          <a:off x="0" y="0"/>
-          <a:ext cx="0" cy="0"/>
-          <a:chOff x="0" y="0"/>
-          <a:chExt cx="0" cy="0"/>
-        </a:xfrm>
-      </p:grpSpPr>
-      <p:sp>
-        <p:nvSpPr>
-          <p:cNvPr id="2" name="Rectangle 1"/>
-          <p:cNvSpPr/>
-          <p:nvPr userDrawn="1"/>
-        </p:nvSpPr>
-        <p:spPr>
-          <a:xfrm>
-            <a:off x="0" y="0"/>
-            <a:ext cx="12192000" cy="2514600"/>
-          </a:xfrm>
-          <a:prstGeom prst="rect">
-            <a:avLst/>
-          </a:prstGeom>
-          <a:solidFill>
-            <a:schemeClr val="tx1"/>
-          </a:solidFill>
-          <a:ln>
-            <a:noFill/>
-          </a:ln>
-        </p:spPr>
-        <p:style>
-          <a:lnRef idx="2">
-            <a:schemeClr val="accent1">
-              <a:shade val="50000"/>
-            </a:schemeClr>
-          </a:lnRef>
-          <a:fillRef idx="1">
-            <a:schemeClr val="accent1"/>
-          </a:fillRef>
-          <a:effectRef idx="0">
-            <a:schemeClr val="accent1"/>
-          </a:effectRef>
-          <a:fontRef idx="minor">
-            <a:schemeClr val="lt1"/>
-          </a:fontRef>
-        </p:style>
-        <p:txBody>
-          <a:bodyPr anchor="ctr"/>
-          <a:lstStyle/>
-          <a:p>
-            <a:pPr algn="ctr">
+        <p:txBody>
+          <a:bodyPr>
+            <a:spAutoFit/>
+          </a:bodyPr>
+          <a:lstStyle>
+            <a:lvl1pPr eaLnBrk="0" hangingPunct="0">
+              <a:defRPr sz="2400">
+                <a:solidFill>
+                  <a:schemeClr val="tx1"/>
+                </a:solidFill>
+                <a:latin typeface="Arial" charset="0"/>
+                <a:ea typeface="ＭＳ Ｐゴシック" charset="0"/>
+                <a:cs typeface="ＭＳ Ｐゴシック" charset="0"/>
+              </a:defRPr>
+            </a:lvl1pPr>
+            <a:lvl2pPr marL="742950" indent="-285750" eaLnBrk="0" hangingPunct="0">
+              <a:defRPr sz="2400">
+                <a:solidFill>
+                  <a:schemeClr val="tx1"/>
+                </a:solidFill>
+                <a:latin typeface="Arial" charset="0"/>
+                <a:ea typeface="ＭＳ Ｐゴシック" charset="0"/>
+              </a:defRPr>
+            </a:lvl2pPr>
+            <a:lvl3pPr marL="1143000" indent="-228600" eaLnBrk="0" hangingPunct="0">
+              <a:defRPr sz="2400">
+                <a:solidFill>
+                  <a:schemeClr val="tx1"/>
+                </a:solidFill>
+                <a:latin typeface="Arial" charset="0"/>
+                <a:ea typeface="ＭＳ Ｐゴシック" charset="0"/>
+              </a:defRPr>
+            </a:lvl3pPr>
+            <a:lvl4pPr marL="1600200" indent="-228600" eaLnBrk="0" hangingPunct="0">
+              <a:defRPr sz="2400">
+                <a:solidFill>
+                  <a:schemeClr val="tx1"/>
+                </a:solidFill>
+                <a:latin typeface="Arial" charset="0"/>
+                <a:ea typeface="ＭＳ Ｐゴシック" charset="0"/>
+              </a:defRPr>
+            </a:lvl4pPr>
+            <a:lvl5pPr marL="2057400" indent="-228600" eaLnBrk="0" hangingPunct="0">
+              <a:defRPr sz="2400">
+                <a:solidFill>
+                  <a:schemeClr val="tx1"/>
+                </a:solidFill>
+                <a:latin typeface="Arial" charset="0"/>
+                <a:ea typeface="ＭＳ Ｐゴシック" charset="0"/>
+              </a:defRPr>
+            </a:lvl5pPr>
+            <a:lvl6pPr marL="2514600" indent="-228600" eaLnBrk="0" fontAlgn="base" hangingPunct="0">
+              <a:spcBef>
+                <a:spcPct val="0"/>
+              </a:spcBef>
+              <a:spcAft>
+                <a:spcPct val="0"/>
+              </a:spcAft>
+              <a:defRPr sz="2400">
+                <a:solidFill>
+                  <a:schemeClr val="tx1"/>
+                </a:solidFill>
+                <a:latin typeface="Arial" charset="0"/>
+                <a:ea typeface="ＭＳ Ｐゴシック" charset="0"/>
+              </a:defRPr>
+            </a:lvl6pPr>
+            <a:lvl7pPr marL="2971800" indent="-228600" eaLnBrk="0" fontAlgn="base" hangingPunct="0">
+              <a:spcBef>
+                <a:spcPct val="0"/>
+              </a:spcBef>
+              <a:spcAft>
+                <a:spcPct val="0"/>
+              </a:spcAft>
+              <a:defRPr sz="2400">
+                <a:solidFill>
+                  <a:schemeClr val="tx1"/>
+                </a:solidFill>
+                <a:latin typeface="Arial" charset="0"/>
+                <a:ea typeface="ＭＳ Ｐゴシック" charset="0"/>
+              </a:defRPr>
+            </a:lvl7pPr>
+            <a:lvl8pPr marL="3429000" indent="-228600" eaLnBrk="0" fontAlgn="base" hangingPunct="0">
+              <a:spcBef>
+                <a:spcPct val="0"/>
+              </a:spcBef>
+              <a:spcAft>
+                <a:spcPct val="0"/>
+              </a:spcAft>
+              <a:defRPr sz="2400">
+                <a:solidFill>
+                  <a:schemeClr val="tx1"/>
+                </a:solidFill>
+                <a:latin typeface="Arial" charset="0"/>
+                <a:ea typeface="ＭＳ Ｐゴシック" charset="0"/>
+              </a:defRPr>
+            </a:lvl8pPr>
+            <a:lvl9pPr marL="3886200" indent="-228600" eaLnBrk="0" fontAlgn="base" hangingPunct="0">
+              <a:spcBef>
+                <a:spcPct val="0"/>
+              </a:spcBef>
+              <a:spcAft>
+                <a:spcPct val="0"/>
+              </a:spcAft>
+              <a:defRPr sz="2400">
+                <a:solidFill>
+                  <a:schemeClr val="tx1"/>
+                </a:solidFill>
+                <a:latin typeface="Arial" charset="0"/>
+                <a:ea typeface="ＭＳ Ｐゴシック" charset="0"/>
+              </a:defRPr>
+            </a:lvl9pPr>
+          </a:lstStyle>
+          <a:p>
+            <a:pPr eaLnBrk="1" hangingPunct="1">
               <a:defRPr/>
             </a:pPr>
-            <a:endParaRPr lang="en-US" sz="1350">
-              <a:solidFill>
-                <a:srgbClr val="FFFFFF"/>
-              </a:solidFill>
-              <a:latin typeface="Segoe UI" charset="0"/>
-              <a:ea typeface="ＭＳ Ｐゴシック" charset="0"/>
-              <a:cs typeface="ＭＳ Ｐゴシック" charset="0"/>
-            </a:endParaRPr>
-          </a:p>
-        </p:txBody>
-      </p:sp>
-      <p:pic>
-        <p:nvPicPr>
-          <p:cNvPr id="3" name="Picture 7" descr="cshl_logo_alternate rgb.png"/>
-          <p:cNvPicPr>
-            <a:picLocks noChangeAspect="1"/>
-          </p:cNvPicPr>
-          <p:nvPr userDrawn="1"/>
-        </p:nvPicPr>
-        <p:blipFill>
-          <a:blip r:embed="rId2">
+            <a:r>
+              <a:rPr lang="en-US" sz="1500" b="1" dirty="0">
+                <a:solidFill>
+                  <a:schemeClr val="bg1"/>
+                </a:solidFill>
+                <a:latin typeface="Calibri" charset="0"/>
+                <a:cs typeface="Calibri" charset="0"/>
+              </a:rPr>
+              <a:t>Module 1 </a:t>
+            </a:r>
+          </a:p>
+        </p:txBody>
+      </p:sp>
+      <p:sp>
+        <p:nvSpPr>
+          <p:cNvPr id="10" name="TextBox 9">
             <a:extLst>
-              <a:ext uri="{28A0092B-C50C-407E-A947-70E740481C1C}">
-                <a14:useLocalDpi xmlns:a14="http://schemas.microsoft.com/office/drawing/2010/main" val="0"/>
+              <a:ext uri="{FF2B5EF4-FFF2-40B4-BE49-F238E27FC236}">
+                <a16:creationId xmlns:a16="http://schemas.microsoft.com/office/drawing/2014/main" id="{91C4FED4-4435-C74A-949D-92FE2F7F9165}"/>
               </a:ext>
             </a:extLst>
-          </a:blip>
-          <a:srcRect/>
-          <a:stretch>
-            <a:fillRect/>
-          </a:stretch>
-        </p:blipFill>
-        <p:spPr bwMode="auto">
-          <a:xfrm>
-            <a:off x="400052" y="381000"/>
-            <a:ext cx="4679949" cy="1676400"/>
-          </a:xfrm>
-          <a:prstGeom prst="rect">
-            <a:avLst/>
-          </a:prstGeom>
-          <a:noFill/>
-          <a:ln>
-            <a:noFill/>
-          </a:ln>
-          <a:extLst>
-            <a:ext uri="{909E8E84-426E-40dd-AFC4-6F175D3DCCD1}">
-              <a14:hiddenFill xmlns:a14="http://schemas.microsoft.com/office/drawing/2010/main" xmlns="">
-                <a:solidFill>
-                  <a:srgbClr val="FFFFFF"/>
-                </a:solidFill>
-              </a14:hiddenFill>
-            </a:ext>
-            <a:ext uri="{91240B29-F687-4f45-9708-019B960494DF}">
-              <a14:hiddenLine xmlns:a14="http://schemas.microsoft.com/office/drawing/2010/main" xmlns="" w="9525">
-                <a:solidFill>
-                  <a:srgbClr val="000000"/>
-                </a:solidFill>
-                <a:miter lim="800000"/>
-                <a:headEnd/>
-                <a:tailEnd/>
-              </a14:hiddenLine>
-            </a:ext>
-          </a:extLst>
-        </p:spPr>
-      </p:pic>
-    </p:spTree>
-    <p:extLst>
-      <p:ext uri="{BB962C8B-B14F-4D97-AF65-F5344CB8AC3E}">
-        <p14:creationId xmlns:p14="http://schemas.microsoft.com/office/powerpoint/2010/main" val="1582645929"/>
-      </p:ext>
-    </p:extLst>
-  </p:cSld>
-  <p:clrMapOvr>
-    <a:masterClrMapping/>
-  </p:clrMapOvr>
-</p:sldLayout>
-</file>
-
-<file path=ppt/slideLayouts/slideLayout13.xml><?xml version="1.0" encoding="utf-8"?>
-<p:sldLayout xmlns:a="http://schemas.openxmlformats.org/drawingml/2006/main" xmlns:r="http://schemas.openxmlformats.org/officeDocument/2006/relationships" xmlns:p="http://schemas.openxmlformats.org/presentationml/2006/main" userDrawn="1">
-  <p:cSld name="Content">
-    <p:spTree>
-      <p:nvGrpSpPr>
-        <p:cNvPr id="1" name=""/>
-        <p:cNvGrpSpPr/>
-        <p:nvPr/>
-      </p:nvGrpSpPr>
-      <p:grpSpPr>
-        <a:xfrm>
-          <a:off x="0" y="0"/>
-          <a:ext cx="0" cy="0"/>
-          <a:chOff x="0" y="0"/>
-          <a:chExt cx="0" cy="0"/>
-        </a:xfrm>
-      </p:grpSpPr>
-      <p:sp>
-        <p:nvSpPr>
-          <p:cNvPr id="4" name="Rectangle 3"/>
-          <p:cNvSpPr/>
-          <p:nvPr userDrawn="1"/>
-        </p:nvSpPr>
-        <p:spPr>
-          <a:xfrm>
-            <a:off x="0" y="6400800"/>
-            <a:ext cx="12192000" cy="457200"/>
-          </a:xfrm>
-          <a:prstGeom prst="rect">
-            <a:avLst/>
-          </a:prstGeom>
-          <a:solidFill>
-            <a:srgbClr val="CA0000"/>
-          </a:solidFill>
-          <a:ln>
-            <a:noFill/>
-          </a:ln>
-        </p:spPr>
-        <p:style>
-          <a:lnRef idx="2">
-            <a:schemeClr val="accent1">
-              <a:shade val="50000"/>
-            </a:schemeClr>
-          </a:lnRef>
-          <a:fillRef idx="1">
-            <a:schemeClr val="accent1"/>
-          </a:fillRef>
-          <a:effectRef idx="0">
-            <a:schemeClr val="accent1"/>
-          </a:effectRef>
-          <a:fontRef idx="minor">
-            <a:schemeClr val="lt1"/>
-          </a:fontRef>
-        </p:style>
-        <p:txBody>
-          <a:bodyPr anchor="ctr"/>
-          <a:lstStyle/>
-          <a:p>
-            <a:pPr algn="ctr">
-              <a:defRPr/>
-            </a:pPr>
-            <a:endParaRPr lang="en-US" sz="1350">
-              <a:solidFill>
-                <a:srgbClr val="FFFFFF"/>
-              </a:solidFill>
-              <a:latin typeface="Segoe UI" charset="0"/>
-              <a:ea typeface="ＭＳ Ｐゴシック" charset="0"/>
-              <a:cs typeface="ＭＳ Ｐゴシック" charset="0"/>
-            </a:endParaRPr>
-          </a:p>
-        </p:txBody>
-      </p:sp>
-      <p:sp>
-        <p:nvSpPr>
-          <p:cNvPr id="5" name="TextBox 4"/>
+          </p:cNvPr>
           <p:cNvSpPr txBox="1"/>
           <p:nvPr userDrawn="1"/>
         </p:nvSpPr>
         <p:spPr>
           <a:xfrm>
-            <a:off x="101600" y="6429379"/>
-            <a:ext cx="8940800" cy="323165"/>
+            <a:off x="9639300" y="6400802"/>
+            <a:ext cx="2362200" cy="369332"/>
           </a:xfrm>
           <a:prstGeom prst="rect">
             <a:avLst/>
@@ -2038,2773 +4084,6 @@
             </a:lvl9pPr>
           </a:lstStyle>
           <a:p>
-            <a:pPr eaLnBrk="1" hangingPunct="1">
-              <a:defRPr/>
-            </a:pPr>
-            <a:r>
-              <a:rPr lang="en-US" sz="1500" b="1">
-                <a:solidFill>
-                  <a:schemeClr val="bg1"/>
-                </a:solidFill>
-                <a:latin typeface="Calibri" charset="0"/>
-                <a:cs typeface="Calibri" charset="0"/>
-              </a:rPr>
-              <a:t>RNA sequencing and analysis</a:t>
-            </a:r>
-          </a:p>
-        </p:txBody>
-      </p:sp>
-      <p:sp>
-        <p:nvSpPr>
-          <p:cNvPr id="6" name="TextBox 5"/>
-          <p:cNvSpPr txBox="1"/>
-          <p:nvPr userDrawn="1"/>
-        </p:nvSpPr>
-        <p:spPr>
-          <a:xfrm>
-            <a:off x="8229600" y="6477004"/>
-            <a:ext cx="3860800" cy="276999"/>
-          </a:xfrm>
-          <a:prstGeom prst="rect">
-            <a:avLst/>
-          </a:prstGeom>
-          <a:noFill/>
-        </p:spPr>
-        <p:txBody>
-          <a:bodyPr>
-            <a:spAutoFit/>
-          </a:bodyPr>
-          <a:lstStyle>
-            <a:lvl1pPr eaLnBrk="0" hangingPunct="0">
-              <a:defRPr sz="2400">
-                <a:solidFill>
-                  <a:schemeClr val="tx1"/>
-                </a:solidFill>
-                <a:latin typeface="Arial" charset="0"/>
-                <a:ea typeface="ＭＳ Ｐゴシック" charset="0"/>
-                <a:cs typeface="ＭＳ Ｐゴシック" charset="0"/>
-              </a:defRPr>
-            </a:lvl1pPr>
-            <a:lvl2pPr marL="37931725" indent="-37474525" eaLnBrk="0" hangingPunct="0">
-              <a:defRPr sz="2400">
-                <a:solidFill>
-                  <a:schemeClr val="tx1"/>
-                </a:solidFill>
-                <a:latin typeface="Arial" charset="0"/>
-                <a:ea typeface="ＭＳ Ｐゴシック" charset="0"/>
-              </a:defRPr>
-            </a:lvl2pPr>
-            <a:lvl3pPr eaLnBrk="0" hangingPunct="0">
-              <a:defRPr sz="2400">
-                <a:solidFill>
-                  <a:schemeClr val="tx1"/>
-                </a:solidFill>
-                <a:latin typeface="Arial" charset="0"/>
-                <a:ea typeface="ＭＳ Ｐゴシック" charset="0"/>
-              </a:defRPr>
-            </a:lvl3pPr>
-            <a:lvl4pPr eaLnBrk="0" hangingPunct="0">
-              <a:defRPr sz="2400">
-                <a:solidFill>
-                  <a:schemeClr val="tx1"/>
-                </a:solidFill>
-                <a:latin typeface="Arial" charset="0"/>
-                <a:ea typeface="ＭＳ Ｐゴシック" charset="0"/>
-              </a:defRPr>
-            </a:lvl4pPr>
-            <a:lvl5pPr eaLnBrk="0" hangingPunct="0">
-              <a:defRPr sz="2400">
-                <a:solidFill>
-                  <a:schemeClr val="tx1"/>
-                </a:solidFill>
-                <a:latin typeface="Arial" charset="0"/>
-                <a:ea typeface="ＭＳ Ｐゴシック" charset="0"/>
-              </a:defRPr>
-            </a:lvl5pPr>
-            <a:lvl6pPr marL="457200" eaLnBrk="0" fontAlgn="base" hangingPunct="0">
-              <a:spcBef>
-                <a:spcPct val="0"/>
-              </a:spcBef>
-              <a:spcAft>
-                <a:spcPct val="0"/>
-              </a:spcAft>
-              <a:defRPr sz="2400">
-                <a:solidFill>
-                  <a:schemeClr val="tx1"/>
-                </a:solidFill>
-                <a:latin typeface="Arial" charset="0"/>
-                <a:ea typeface="ＭＳ Ｐゴシック" charset="0"/>
-              </a:defRPr>
-            </a:lvl6pPr>
-            <a:lvl7pPr marL="914400" eaLnBrk="0" fontAlgn="base" hangingPunct="0">
-              <a:spcBef>
-                <a:spcPct val="0"/>
-              </a:spcBef>
-              <a:spcAft>
-                <a:spcPct val="0"/>
-              </a:spcAft>
-              <a:defRPr sz="2400">
-                <a:solidFill>
-                  <a:schemeClr val="tx1"/>
-                </a:solidFill>
-                <a:latin typeface="Arial" charset="0"/>
-                <a:ea typeface="ＭＳ Ｐゴシック" charset="0"/>
-              </a:defRPr>
-            </a:lvl7pPr>
-            <a:lvl8pPr marL="1371600" eaLnBrk="0" fontAlgn="base" hangingPunct="0">
-              <a:spcBef>
-                <a:spcPct val="0"/>
-              </a:spcBef>
-              <a:spcAft>
-                <a:spcPct val="0"/>
-              </a:spcAft>
-              <a:defRPr sz="2400">
-                <a:solidFill>
-                  <a:schemeClr val="tx1"/>
-                </a:solidFill>
-                <a:latin typeface="Arial" charset="0"/>
-                <a:ea typeface="ＭＳ Ｐゴシック" charset="0"/>
-              </a:defRPr>
-            </a:lvl8pPr>
-            <a:lvl9pPr marL="1828800" eaLnBrk="0" fontAlgn="base" hangingPunct="0">
-              <a:spcBef>
-                <a:spcPct val="0"/>
-              </a:spcBef>
-              <a:spcAft>
-                <a:spcPct val="0"/>
-              </a:spcAft>
-              <a:defRPr sz="2400">
-                <a:solidFill>
-                  <a:schemeClr val="tx1"/>
-                </a:solidFill>
-                <a:latin typeface="Arial" charset="0"/>
-                <a:ea typeface="ＭＳ Ｐゴシック" charset="0"/>
-              </a:defRPr>
-            </a:lvl9pPr>
-          </a:lstStyle>
-          <a:p>
-            <a:pPr algn="r" eaLnBrk="1" hangingPunct="1">
-              <a:defRPr/>
-            </a:pPr>
-            <a:r>
-              <a:rPr lang="en-US" sz="1200" b="1">
-                <a:cs typeface="Arial" charset="0"/>
-              </a:rPr>
-              <a:t>http://meetings.cshl.edu/</a:t>
-            </a:r>
-            <a:endParaRPr lang="en-US" sz="1200">
-              <a:cs typeface="Arial" charset="0"/>
-            </a:endParaRPr>
-          </a:p>
-        </p:txBody>
-      </p:sp>
-      <p:sp>
-        <p:nvSpPr>
-          <p:cNvPr id="3" name="Content Placeholder 2"/>
-          <p:cNvSpPr>
-            <a:spLocks noGrp="1"/>
-          </p:cNvSpPr>
-          <p:nvPr>
-            <p:ph idx="1"/>
-          </p:nvPr>
-        </p:nvSpPr>
-        <p:spPr>
-          <a:xfrm>
-            <a:off x="203200" y="152400"/>
-            <a:ext cx="11785600" cy="6172200"/>
-          </a:xfrm>
-        </p:spPr>
-        <p:txBody>
-          <a:bodyPr/>
-          <a:lstStyle>
-            <a:lvl1pPr>
-              <a:defRPr sz="2100">
-                <a:latin typeface="Calibri"/>
-                <a:cs typeface="Calibri"/>
-              </a:defRPr>
-            </a:lvl1pPr>
-            <a:lvl2pPr>
-              <a:defRPr sz="1800">
-                <a:latin typeface="Calibri"/>
-                <a:cs typeface="Calibri"/>
-              </a:defRPr>
-            </a:lvl2pPr>
-            <a:lvl3pPr>
-              <a:defRPr sz="1500">
-                <a:latin typeface="Calibri"/>
-                <a:cs typeface="Calibri"/>
-              </a:defRPr>
-            </a:lvl3pPr>
-            <a:lvl4pPr>
-              <a:defRPr sz="1350">
-                <a:latin typeface="Calibri"/>
-                <a:cs typeface="Calibri"/>
-              </a:defRPr>
-            </a:lvl4pPr>
-            <a:lvl5pPr>
-              <a:defRPr sz="1350">
-                <a:latin typeface="Calibri"/>
-                <a:cs typeface="Calibri"/>
-              </a:defRPr>
-            </a:lvl5pPr>
-          </a:lstStyle>
-          <a:p>
-            <a:pPr lvl="0"/>
-            <a:r>
-              <a:rPr lang="en-US" dirty="0"/>
-              <a:t>Click to edit Master text styles</a:t>
-            </a:r>
-          </a:p>
-          <a:p>
-            <a:pPr lvl="1"/>
-            <a:r>
-              <a:rPr lang="en-US" dirty="0"/>
-              <a:t>Second level</a:t>
-            </a:r>
-          </a:p>
-          <a:p>
-            <a:pPr lvl="2"/>
-            <a:r>
-              <a:rPr lang="en-US" dirty="0"/>
-              <a:t>Third level</a:t>
-            </a:r>
-          </a:p>
-          <a:p>
-            <a:pPr lvl="3"/>
-            <a:r>
-              <a:rPr lang="en-US" dirty="0"/>
-              <a:t>Fourth level</a:t>
-            </a:r>
-          </a:p>
-          <a:p>
-            <a:pPr lvl="4"/>
-            <a:r>
-              <a:rPr lang="en-US" dirty="0"/>
-              <a:t>Fifth level</a:t>
-            </a:r>
-          </a:p>
-        </p:txBody>
-      </p:sp>
-    </p:spTree>
-    <p:extLst>
-      <p:ext uri="{BB962C8B-B14F-4D97-AF65-F5344CB8AC3E}">
-        <p14:creationId xmlns:p14="http://schemas.microsoft.com/office/powerpoint/2010/main" val="2559371900"/>
-      </p:ext>
-    </p:extLst>
-  </p:cSld>
-  <p:clrMapOvr>
-    <a:masterClrMapping/>
-  </p:clrMapOvr>
-</p:sldLayout>
-</file>
-
-<file path=ppt/slideLayouts/slideLayout2.xml><?xml version="1.0" encoding="utf-8"?>
-<p:sldLayout xmlns:a="http://schemas.openxmlformats.org/drawingml/2006/main" xmlns:r="http://schemas.openxmlformats.org/officeDocument/2006/relationships" xmlns:p="http://schemas.openxmlformats.org/presentationml/2006/main" type="obj" preserve="1">
-  <p:cSld name="Title and Content">
-    <p:spTree>
-      <p:nvGrpSpPr>
-        <p:cNvPr id="1" name=""/>
-        <p:cNvGrpSpPr/>
-        <p:nvPr/>
-      </p:nvGrpSpPr>
-      <p:grpSpPr>
-        <a:xfrm>
-          <a:off x="0" y="0"/>
-          <a:ext cx="0" cy="0"/>
-          <a:chOff x="0" y="0"/>
-          <a:chExt cx="0" cy="0"/>
-        </a:xfrm>
-      </p:grpSpPr>
-      <p:sp>
-        <p:nvSpPr>
-          <p:cNvPr id="2" name="Title 1"/>
-          <p:cNvSpPr>
-            <a:spLocks noGrp="1"/>
-          </p:cNvSpPr>
-          <p:nvPr>
-            <p:ph type="title"/>
-          </p:nvPr>
-        </p:nvSpPr>
-        <p:spPr/>
-        <p:txBody>
-          <a:bodyPr/>
-          <a:lstStyle/>
-          <a:p>
-            <a:r>
-              <a:rPr lang="en-US"/>
-              <a:t>Click to edit Master title style</a:t>
-            </a:r>
-            <a:endParaRPr lang="en-US" dirty="0"/>
-          </a:p>
-        </p:txBody>
-      </p:sp>
-      <p:sp>
-        <p:nvSpPr>
-          <p:cNvPr id="3" name="Content Placeholder 2"/>
-          <p:cNvSpPr>
-            <a:spLocks noGrp="1"/>
-          </p:cNvSpPr>
-          <p:nvPr>
-            <p:ph idx="1"/>
-          </p:nvPr>
-        </p:nvSpPr>
-        <p:spPr/>
-        <p:txBody>
-          <a:bodyPr/>
-          <a:lstStyle/>
-          <a:p>
-            <a:pPr lvl="0"/>
-            <a:r>
-              <a:rPr lang="en-US"/>
-              <a:t>Click to edit Master text styles</a:t>
-            </a:r>
-          </a:p>
-          <a:p>
-            <a:pPr lvl="1"/>
-            <a:r>
-              <a:rPr lang="en-US"/>
-              <a:t>Second level</a:t>
-            </a:r>
-          </a:p>
-          <a:p>
-            <a:pPr lvl="2"/>
-            <a:r>
-              <a:rPr lang="en-US"/>
-              <a:t>Third level</a:t>
-            </a:r>
-          </a:p>
-          <a:p>
-            <a:pPr lvl="3"/>
-            <a:r>
-              <a:rPr lang="en-US"/>
-              <a:t>Fourth level</a:t>
-            </a:r>
-          </a:p>
-          <a:p>
-            <a:pPr lvl="4"/>
-            <a:r>
-              <a:rPr lang="en-US"/>
-              <a:t>Fifth level</a:t>
-            </a:r>
-            <a:endParaRPr lang="en-US" dirty="0"/>
-          </a:p>
-        </p:txBody>
-      </p:sp>
-      <p:sp>
-        <p:nvSpPr>
-          <p:cNvPr id="4" name="Date Placeholder 3"/>
-          <p:cNvSpPr>
-            <a:spLocks noGrp="1"/>
-          </p:cNvSpPr>
-          <p:nvPr>
-            <p:ph type="dt" sz="half" idx="10"/>
-          </p:nvPr>
-        </p:nvSpPr>
-        <p:spPr/>
-        <p:txBody>
-          <a:bodyPr/>
-          <a:lstStyle/>
-          <a:p>
-            <a:fld id="{C764DE79-268F-4C1A-8933-263129D2AF90}" type="datetimeFigureOut">
-              <a:rPr lang="en-US" smtClean="0"/>
-              <a:t>11/9/19</a:t>
-            </a:fld>
-            <a:endParaRPr lang="en-US" dirty="0"/>
-          </a:p>
-        </p:txBody>
-      </p:sp>
-      <p:sp>
-        <p:nvSpPr>
-          <p:cNvPr id="5" name="Footer Placeholder 4"/>
-          <p:cNvSpPr>
-            <a:spLocks noGrp="1"/>
-          </p:cNvSpPr>
-          <p:nvPr>
-            <p:ph type="ftr" sz="quarter" idx="11"/>
-          </p:nvPr>
-        </p:nvSpPr>
-        <p:spPr/>
-        <p:txBody>
-          <a:bodyPr/>
-          <a:lstStyle/>
-          <a:p>
-            <a:endParaRPr lang="en-US" dirty="0"/>
-          </a:p>
-        </p:txBody>
-      </p:sp>
-      <p:sp>
-        <p:nvSpPr>
-          <p:cNvPr id="6" name="Slide Number Placeholder 5"/>
-          <p:cNvSpPr>
-            <a:spLocks noGrp="1"/>
-          </p:cNvSpPr>
-          <p:nvPr>
-            <p:ph type="sldNum" sz="quarter" idx="12"/>
-          </p:nvPr>
-        </p:nvSpPr>
-        <p:spPr/>
-        <p:txBody>
-          <a:bodyPr/>
-          <a:lstStyle/>
-          <a:p>
-            <a:fld id="{0B973F48-4628-F846-BA33-DDE653D83577}" type="slidenum">
-              <a:rPr lang="en-US" smtClean="0"/>
-              <a:t>‹#›</a:t>
-            </a:fld>
-            <a:endParaRPr lang="en-US"/>
-          </a:p>
-        </p:txBody>
-      </p:sp>
-    </p:spTree>
-    <p:extLst>
-      <p:ext uri="{BB962C8B-B14F-4D97-AF65-F5344CB8AC3E}">
-        <p14:creationId xmlns:p14="http://schemas.microsoft.com/office/powerpoint/2010/main" val="3018770239"/>
-      </p:ext>
-    </p:extLst>
-  </p:cSld>
-  <p:clrMapOvr>
-    <a:masterClrMapping/>
-  </p:clrMapOvr>
-</p:sldLayout>
-</file>
-
-<file path=ppt/slideLayouts/slideLayout3.xml><?xml version="1.0" encoding="utf-8"?>
-<p:sldLayout xmlns:a="http://schemas.openxmlformats.org/drawingml/2006/main" xmlns:r="http://schemas.openxmlformats.org/officeDocument/2006/relationships" xmlns:p="http://schemas.openxmlformats.org/presentationml/2006/main" type="secHead" preserve="1">
-  <p:cSld name="Section Header">
-    <p:spTree>
-      <p:nvGrpSpPr>
-        <p:cNvPr id="1" name=""/>
-        <p:cNvGrpSpPr/>
-        <p:nvPr/>
-      </p:nvGrpSpPr>
-      <p:grpSpPr>
-        <a:xfrm>
-          <a:off x="0" y="0"/>
-          <a:ext cx="0" cy="0"/>
-          <a:chOff x="0" y="0"/>
-          <a:chExt cx="0" cy="0"/>
-        </a:xfrm>
-      </p:grpSpPr>
-      <p:sp>
-        <p:nvSpPr>
-          <p:cNvPr id="2" name="Title 1"/>
-          <p:cNvSpPr>
-            <a:spLocks noGrp="1"/>
-          </p:cNvSpPr>
-          <p:nvPr>
-            <p:ph type="title"/>
-          </p:nvPr>
-        </p:nvSpPr>
-        <p:spPr>
-          <a:xfrm>
-            <a:off x="831850" y="1709738"/>
-            <a:ext cx="10515600" cy="2852737"/>
-          </a:xfrm>
-        </p:spPr>
-        <p:txBody>
-          <a:bodyPr anchor="b"/>
-          <a:lstStyle>
-            <a:lvl1pPr>
-              <a:defRPr sz="6000"/>
-            </a:lvl1pPr>
-          </a:lstStyle>
-          <a:p>
-            <a:r>
-              <a:rPr lang="en-US"/>
-              <a:t>Click to edit Master title style</a:t>
-            </a:r>
-            <a:endParaRPr lang="en-US" dirty="0"/>
-          </a:p>
-        </p:txBody>
-      </p:sp>
-      <p:sp>
-        <p:nvSpPr>
-          <p:cNvPr id="3" name="Text Placeholder 2"/>
-          <p:cNvSpPr>
-            <a:spLocks noGrp="1"/>
-          </p:cNvSpPr>
-          <p:nvPr>
-            <p:ph type="body" idx="1"/>
-          </p:nvPr>
-        </p:nvSpPr>
-        <p:spPr>
-          <a:xfrm>
-            <a:off x="831850" y="4589463"/>
-            <a:ext cx="10515600" cy="1500187"/>
-          </a:xfrm>
-        </p:spPr>
-        <p:txBody>
-          <a:bodyPr/>
-          <a:lstStyle>
-            <a:lvl1pPr marL="0" indent="0">
-              <a:buNone/>
-              <a:defRPr sz="2400">
-                <a:solidFill>
-                  <a:schemeClr val="tx1">
-                    <a:tint val="75000"/>
-                  </a:schemeClr>
-                </a:solidFill>
-              </a:defRPr>
-            </a:lvl1pPr>
-            <a:lvl2pPr marL="457200" indent="0">
-              <a:buNone/>
-              <a:defRPr sz="2000">
-                <a:solidFill>
-                  <a:schemeClr val="tx1">
-                    <a:tint val="75000"/>
-                  </a:schemeClr>
-                </a:solidFill>
-              </a:defRPr>
-            </a:lvl2pPr>
-            <a:lvl3pPr marL="914400" indent="0">
-              <a:buNone/>
-              <a:defRPr sz="1800">
-                <a:solidFill>
-                  <a:schemeClr val="tx1">
-                    <a:tint val="75000"/>
-                  </a:schemeClr>
-                </a:solidFill>
-              </a:defRPr>
-            </a:lvl3pPr>
-            <a:lvl4pPr marL="1371600" indent="0">
-              <a:buNone/>
-              <a:defRPr sz="1600">
-                <a:solidFill>
-                  <a:schemeClr val="tx1">
-                    <a:tint val="75000"/>
-                  </a:schemeClr>
-                </a:solidFill>
-              </a:defRPr>
-            </a:lvl4pPr>
-            <a:lvl5pPr marL="1828800" indent="0">
-              <a:buNone/>
-              <a:defRPr sz="1600">
-                <a:solidFill>
-                  <a:schemeClr val="tx1">
-                    <a:tint val="75000"/>
-                  </a:schemeClr>
-                </a:solidFill>
-              </a:defRPr>
-            </a:lvl5pPr>
-            <a:lvl6pPr marL="2286000" indent="0">
-              <a:buNone/>
-              <a:defRPr sz="1600">
-                <a:solidFill>
-                  <a:schemeClr val="tx1">
-                    <a:tint val="75000"/>
-                  </a:schemeClr>
-                </a:solidFill>
-              </a:defRPr>
-            </a:lvl6pPr>
-            <a:lvl7pPr marL="2743200" indent="0">
-              <a:buNone/>
-              <a:defRPr sz="1600">
-                <a:solidFill>
-                  <a:schemeClr val="tx1">
-                    <a:tint val="75000"/>
-                  </a:schemeClr>
-                </a:solidFill>
-              </a:defRPr>
-            </a:lvl7pPr>
-            <a:lvl8pPr marL="3200400" indent="0">
-              <a:buNone/>
-              <a:defRPr sz="1600">
-                <a:solidFill>
-                  <a:schemeClr val="tx1">
-                    <a:tint val="75000"/>
-                  </a:schemeClr>
-                </a:solidFill>
-              </a:defRPr>
-            </a:lvl8pPr>
-            <a:lvl9pPr marL="3657600" indent="0">
-              <a:buNone/>
-              <a:defRPr sz="1600">
-                <a:solidFill>
-                  <a:schemeClr val="tx1">
-                    <a:tint val="75000"/>
-                  </a:schemeClr>
-                </a:solidFill>
-              </a:defRPr>
-            </a:lvl9pPr>
-          </a:lstStyle>
-          <a:p>
-            <a:pPr lvl="0"/>
-            <a:r>
-              <a:rPr lang="en-US"/>
-              <a:t>Click to edit Master text styles</a:t>
-            </a:r>
-          </a:p>
-        </p:txBody>
-      </p:sp>
-      <p:sp>
-        <p:nvSpPr>
-          <p:cNvPr id="4" name="Date Placeholder 3"/>
-          <p:cNvSpPr>
-            <a:spLocks noGrp="1"/>
-          </p:cNvSpPr>
-          <p:nvPr>
-            <p:ph type="dt" sz="half" idx="10"/>
-          </p:nvPr>
-        </p:nvSpPr>
-        <p:spPr/>
-        <p:txBody>
-          <a:bodyPr/>
-          <a:lstStyle/>
-          <a:p>
-            <a:fld id="{C764DE79-268F-4C1A-8933-263129D2AF90}" type="datetimeFigureOut">
-              <a:rPr lang="en-US" smtClean="0"/>
-              <a:t>11/9/19</a:t>
-            </a:fld>
-            <a:endParaRPr lang="en-US" dirty="0"/>
-          </a:p>
-        </p:txBody>
-      </p:sp>
-      <p:sp>
-        <p:nvSpPr>
-          <p:cNvPr id="5" name="Footer Placeholder 4"/>
-          <p:cNvSpPr>
-            <a:spLocks noGrp="1"/>
-          </p:cNvSpPr>
-          <p:nvPr>
-            <p:ph type="ftr" sz="quarter" idx="11"/>
-          </p:nvPr>
-        </p:nvSpPr>
-        <p:spPr/>
-        <p:txBody>
-          <a:bodyPr/>
-          <a:lstStyle/>
-          <a:p>
-            <a:endParaRPr lang="en-US" dirty="0"/>
-          </a:p>
-        </p:txBody>
-      </p:sp>
-      <p:sp>
-        <p:nvSpPr>
-          <p:cNvPr id="6" name="Slide Number Placeholder 5"/>
-          <p:cNvSpPr>
-            <a:spLocks noGrp="1"/>
-          </p:cNvSpPr>
-          <p:nvPr>
-            <p:ph type="sldNum" sz="quarter" idx="12"/>
-          </p:nvPr>
-        </p:nvSpPr>
-        <p:spPr/>
-        <p:txBody>
-          <a:bodyPr/>
-          <a:lstStyle/>
-          <a:p>
-            <a:fld id="{0B973F48-4628-F846-BA33-DDE653D83577}" type="slidenum">
-              <a:rPr lang="en-US" smtClean="0"/>
-              <a:t>‹#›</a:t>
-            </a:fld>
-            <a:endParaRPr lang="en-US"/>
-          </a:p>
-        </p:txBody>
-      </p:sp>
-    </p:spTree>
-    <p:extLst>
-      <p:ext uri="{BB962C8B-B14F-4D97-AF65-F5344CB8AC3E}">
-        <p14:creationId xmlns:p14="http://schemas.microsoft.com/office/powerpoint/2010/main" val="151590045"/>
-      </p:ext>
-    </p:extLst>
-  </p:cSld>
-  <p:clrMapOvr>
-    <a:masterClrMapping/>
-  </p:clrMapOvr>
-</p:sldLayout>
-</file>
-
-<file path=ppt/slideLayouts/slideLayout4.xml><?xml version="1.0" encoding="utf-8"?>
-<p:sldLayout xmlns:a="http://schemas.openxmlformats.org/drawingml/2006/main" xmlns:r="http://schemas.openxmlformats.org/officeDocument/2006/relationships" xmlns:p="http://schemas.openxmlformats.org/presentationml/2006/main" type="twoObj" preserve="1">
-  <p:cSld name="Two Content">
-    <p:spTree>
-      <p:nvGrpSpPr>
-        <p:cNvPr id="1" name=""/>
-        <p:cNvGrpSpPr/>
-        <p:nvPr/>
-      </p:nvGrpSpPr>
-      <p:grpSpPr>
-        <a:xfrm>
-          <a:off x="0" y="0"/>
-          <a:ext cx="0" cy="0"/>
-          <a:chOff x="0" y="0"/>
-          <a:chExt cx="0" cy="0"/>
-        </a:xfrm>
-      </p:grpSpPr>
-      <p:sp>
-        <p:nvSpPr>
-          <p:cNvPr id="2" name="Title 1"/>
-          <p:cNvSpPr>
-            <a:spLocks noGrp="1"/>
-          </p:cNvSpPr>
-          <p:nvPr>
-            <p:ph type="title"/>
-          </p:nvPr>
-        </p:nvSpPr>
-        <p:spPr/>
-        <p:txBody>
-          <a:bodyPr/>
-          <a:lstStyle/>
-          <a:p>
-            <a:r>
-              <a:rPr lang="en-US"/>
-              <a:t>Click to edit Master title style</a:t>
-            </a:r>
-            <a:endParaRPr lang="en-US" dirty="0"/>
-          </a:p>
-        </p:txBody>
-      </p:sp>
-      <p:sp>
-        <p:nvSpPr>
-          <p:cNvPr id="3" name="Content Placeholder 2"/>
-          <p:cNvSpPr>
-            <a:spLocks noGrp="1"/>
-          </p:cNvSpPr>
-          <p:nvPr>
-            <p:ph sz="half" idx="1"/>
-          </p:nvPr>
-        </p:nvSpPr>
-        <p:spPr>
-          <a:xfrm>
-            <a:off x="838200" y="1825625"/>
-            <a:ext cx="5181600" cy="4351338"/>
-          </a:xfrm>
-        </p:spPr>
-        <p:txBody>
-          <a:bodyPr/>
-          <a:lstStyle/>
-          <a:p>
-            <a:pPr lvl="0"/>
-            <a:r>
-              <a:rPr lang="en-US"/>
-              <a:t>Click to edit Master text styles</a:t>
-            </a:r>
-          </a:p>
-          <a:p>
-            <a:pPr lvl="1"/>
-            <a:r>
-              <a:rPr lang="en-US"/>
-              <a:t>Second level</a:t>
-            </a:r>
-          </a:p>
-          <a:p>
-            <a:pPr lvl="2"/>
-            <a:r>
-              <a:rPr lang="en-US"/>
-              <a:t>Third level</a:t>
-            </a:r>
-          </a:p>
-          <a:p>
-            <a:pPr lvl="3"/>
-            <a:r>
-              <a:rPr lang="en-US"/>
-              <a:t>Fourth level</a:t>
-            </a:r>
-          </a:p>
-          <a:p>
-            <a:pPr lvl="4"/>
-            <a:r>
-              <a:rPr lang="en-US"/>
-              <a:t>Fifth level</a:t>
-            </a:r>
-            <a:endParaRPr lang="en-US" dirty="0"/>
-          </a:p>
-        </p:txBody>
-      </p:sp>
-      <p:sp>
-        <p:nvSpPr>
-          <p:cNvPr id="4" name="Content Placeholder 3"/>
-          <p:cNvSpPr>
-            <a:spLocks noGrp="1"/>
-          </p:cNvSpPr>
-          <p:nvPr>
-            <p:ph sz="half" idx="2"/>
-          </p:nvPr>
-        </p:nvSpPr>
-        <p:spPr>
-          <a:xfrm>
-            <a:off x="6172200" y="1825625"/>
-            <a:ext cx="5181600" cy="4351338"/>
-          </a:xfrm>
-        </p:spPr>
-        <p:txBody>
-          <a:bodyPr/>
-          <a:lstStyle/>
-          <a:p>
-            <a:pPr lvl="0"/>
-            <a:r>
-              <a:rPr lang="en-US"/>
-              <a:t>Click to edit Master text styles</a:t>
-            </a:r>
-          </a:p>
-          <a:p>
-            <a:pPr lvl="1"/>
-            <a:r>
-              <a:rPr lang="en-US"/>
-              <a:t>Second level</a:t>
-            </a:r>
-          </a:p>
-          <a:p>
-            <a:pPr lvl="2"/>
-            <a:r>
-              <a:rPr lang="en-US"/>
-              <a:t>Third level</a:t>
-            </a:r>
-          </a:p>
-          <a:p>
-            <a:pPr lvl="3"/>
-            <a:r>
-              <a:rPr lang="en-US"/>
-              <a:t>Fourth level</a:t>
-            </a:r>
-          </a:p>
-          <a:p>
-            <a:pPr lvl="4"/>
-            <a:r>
-              <a:rPr lang="en-US"/>
-              <a:t>Fifth level</a:t>
-            </a:r>
-            <a:endParaRPr lang="en-US" dirty="0"/>
-          </a:p>
-        </p:txBody>
-      </p:sp>
-      <p:sp>
-        <p:nvSpPr>
-          <p:cNvPr id="5" name="Date Placeholder 4"/>
-          <p:cNvSpPr>
-            <a:spLocks noGrp="1"/>
-          </p:cNvSpPr>
-          <p:nvPr>
-            <p:ph type="dt" sz="half" idx="10"/>
-          </p:nvPr>
-        </p:nvSpPr>
-        <p:spPr/>
-        <p:txBody>
-          <a:bodyPr/>
-          <a:lstStyle/>
-          <a:p>
-            <a:fld id="{C764DE79-268F-4C1A-8933-263129D2AF90}" type="datetimeFigureOut">
-              <a:rPr lang="en-US" smtClean="0"/>
-              <a:t>11/9/19</a:t>
-            </a:fld>
-            <a:endParaRPr lang="en-US" dirty="0"/>
-          </a:p>
-        </p:txBody>
-      </p:sp>
-      <p:sp>
-        <p:nvSpPr>
-          <p:cNvPr id="6" name="Footer Placeholder 5"/>
-          <p:cNvSpPr>
-            <a:spLocks noGrp="1"/>
-          </p:cNvSpPr>
-          <p:nvPr>
-            <p:ph type="ftr" sz="quarter" idx="11"/>
-          </p:nvPr>
-        </p:nvSpPr>
-        <p:spPr/>
-        <p:txBody>
-          <a:bodyPr/>
-          <a:lstStyle/>
-          <a:p>
-            <a:endParaRPr lang="en-US" dirty="0"/>
-          </a:p>
-        </p:txBody>
-      </p:sp>
-      <p:sp>
-        <p:nvSpPr>
-          <p:cNvPr id="7" name="Slide Number Placeholder 6"/>
-          <p:cNvSpPr>
-            <a:spLocks noGrp="1"/>
-          </p:cNvSpPr>
-          <p:nvPr>
-            <p:ph type="sldNum" sz="quarter" idx="12"/>
-          </p:nvPr>
-        </p:nvSpPr>
-        <p:spPr/>
-        <p:txBody>
-          <a:bodyPr/>
-          <a:lstStyle/>
-          <a:p>
-            <a:fld id="{0B973F48-4628-F846-BA33-DDE653D83577}" type="slidenum">
-              <a:rPr lang="en-US" smtClean="0"/>
-              <a:t>‹#›</a:t>
-            </a:fld>
-            <a:endParaRPr lang="en-US"/>
-          </a:p>
-        </p:txBody>
-      </p:sp>
-    </p:spTree>
-    <p:extLst>
-      <p:ext uri="{BB962C8B-B14F-4D97-AF65-F5344CB8AC3E}">
-        <p14:creationId xmlns:p14="http://schemas.microsoft.com/office/powerpoint/2010/main" val="1716314496"/>
-      </p:ext>
-    </p:extLst>
-  </p:cSld>
-  <p:clrMapOvr>
-    <a:masterClrMapping/>
-  </p:clrMapOvr>
-</p:sldLayout>
-</file>
-
-<file path=ppt/slideLayouts/slideLayout5.xml><?xml version="1.0" encoding="utf-8"?>
-<p:sldLayout xmlns:a="http://schemas.openxmlformats.org/drawingml/2006/main" xmlns:r="http://schemas.openxmlformats.org/officeDocument/2006/relationships" xmlns:p="http://schemas.openxmlformats.org/presentationml/2006/main" type="twoTxTwoObj" preserve="1">
-  <p:cSld name="Comparison">
-    <p:spTree>
-      <p:nvGrpSpPr>
-        <p:cNvPr id="1" name=""/>
-        <p:cNvGrpSpPr/>
-        <p:nvPr/>
-      </p:nvGrpSpPr>
-      <p:grpSpPr>
-        <a:xfrm>
-          <a:off x="0" y="0"/>
-          <a:ext cx="0" cy="0"/>
-          <a:chOff x="0" y="0"/>
-          <a:chExt cx="0" cy="0"/>
-        </a:xfrm>
-      </p:grpSpPr>
-      <p:sp>
-        <p:nvSpPr>
-          <p:cNvPr id="2" name="Title 1"/>
-          <p:cNvSpPr>
-            <a:spLocks noGrp="1"/>
-          </p:cNvSpPr>
-          <p:nvPr>
-            <p:ph type="title"/>
-          </p:nvPr>
-        </p:nvSpPr>
-        <p:spPr>
-          <a:xfrm>
-            <a:off x="839788" y="365125"/>
-            <a:ext cx="10515600" cy="1325563"/>
-          </a:xfrm>
-        </p:spPr>
-        <p:txBody>
-          <a:bodyPr/>
-          <a:lstStyle/>
-          <a:p>
-            <a:r>
-              <a:rPr lang="en-US"/>
-              <a:t>Click to edit Master title style</a:t>
-            </a:r>
-            <a:endParaRPr lang="en-US" dirty="0"/>
-          </a:p>
-        </p:txBody>
-      </p:sp>
-      <p:sp>
-        <p:nvSpPr>
-          <p:cNvPr id="3" name="Text Placeholder 2"/>
-          <p:cNvSpPr>
-            <a:spLocks noGrp="1"/>
-          </p:cNvSpPr>
-          <p:nvPr>
-            <p:ph type="body" idx="1"/>
-          </p:nvPr>
-        </p:nvSpPr>
-        <p:spPr>
-          <a:xfrm>
-            <a:off x="839788" y="1681163"/>
-            <a:ext cx="5157787" cy="823912"/>
-          </a:xfrm>
-        </p:spPr>
-        <p:txBody>
-          <a:bodyPr anchor="b"/>
-          <a:lstStyle>
-            <a:lvl1pPr marL="0" indent="0">
-              <a:buNone/>
-              <a:defRPr sz="2400" b="1"/>
-            </a:lvl1pPr>
-            <a:lvl2pPr marL="457200" indent="0">
-              <a:buNone/>
-              <a:defRPr sz="2000" b="1"/>
-            </a:lvl2pPr>
-            <a:lvl3pPr marL="914400" indent="0">
-              <a:buNone/>
-              <a:defRPr sz="1800" b="1"/>
-            </a:lvl3pPr>
-            <a:lvl4pPr marL="1371600" indent="0">
-              <a:buNone/>
-              <a:defRPr sz="1600" b="1"/>
-            </a:lvl4pPr>
-            <a:lvl5pPr marL="1828800" indent="0">
-              <a:buNone/>
-              <a:defRPr sz="1600" b="1"/>
-            </a:lvl5pPr>
-            <a:lvl6pPr marL="2286000" indent="0">
-              <a:buNone/>
-              <a:defRPr sz="1600" b="1"/>
-            </a:lvl6pPr>
-            <a:lvl7pPr marL="2743200" indent="0">
-              <a:buNone/>
-              <a:defRPr sz="1600" b="1"/>
-            </a:lvl7pPr>
-            <a:lvl8pPr marL="3200400" indent="0">
-              <a:buNone/>
-              <a:defRPr sz="1600" b="1"/>
-            </a:lvl8pPr>
-            <a:lvl9pPr marL="3657600" indent="0">
-              <a:buNone/>
-              <a:defRPr sz="1600" b="1"/>
-            </a:lvl9pPr>
-          </a:lstStyle>
-          <a:p>
-            <a:pPr lvl="0"/>
-            <a:r>
-              <a:rPr lang="en-US"/>
-              <a:t>Click to edit Master text styles</a:t>
-            </a:r>
-          </a:p>
-        </p:txBody>
-      </p:sp>
-      <p:sp>
-        <p:nvSpPr>
-          <p:cNvPr id="4" name="Content Placeholder 3"/>
-          <p:cNvSpPr>
-            <a:spLocks noGrp="1"/>
-          </p:cNvSpPr>
-          <p:nvPr>
-            <p:ph sz="half" idx="2"/>
-          </p:nvPr>
-        </p:nvSpPr>
-        <p:spPr>
-          <a:xfrm>
-            <a:off x="839788" y="2505075"/>
-            <a:ext cx="5157787" cy="3684588"/>
-          </a:xfrm>
-        </p:spPr>
-        <p:txBody>
-          <a:bodyPr/>
-          <a:lstStyle/>
-          <a:p>
-            <a:pPr lvl="0"/>
-            <a:r>
-              <a:rPr lang="en-US"/>
-              <a:t>Click to edit Master text styles</a:t>
-            </a:r>
-          </a:p>
-          <a:p>
-            <a:pPr lvl="1"/>
-            <a:r>
-              <a:rPr lang="en-US"/>
-              <a:t>Second level</a:t>
-            </a:r>
-          </a:p>
-          <a:p>
-            <a:pPr lvl="2"/>
-            <a:r>
-              <a:rPr lang="en-US"/>
-              <a:t>Third level</a:t>
-            </a:r>
-          </a:p>
-          <a:p>
-            <a:pPr lvl="3"/>
-            <a:r>
-              <a:rPr lang="en-US"/>
-              <a:t>Fourth level</a:t>
-            </a:r>
-          </a:p>
-          <a:p>
-            <a:pPr lvl="4"/>
-            <a:r>
-              <a:rPr lang="en-US"/>
-              <a:t>Fifth level</a:t>
-            </a:r>
-            <a:endParaRPr lang="en-US" dirty="0"/>
-          </a:p>
-        </p:txBody>
-      </p:sp>
-      <p:sp>
-        <p:nvSpPr>
-          <p:cNvPr id="5" name="Text Placeholder 4"/>
-          <p:cNvSpPr>
-            <a:spLocks noGrp="1"/>
-          </p:cNvSpPr>
-          <p:nvPr>
-            <p:ph type="body" sz="quarter" idx="3"/>
-          </p:nvPr>
-        </p:nvSpPr>
-        <p:spPr>
-          <a:xfrm>
-            <a:off x="6172200" y="1681163"/>
-            <a:ext cx="5183188" cy="823912"/>
-          </a:xfrm>
-        </p:spPr>
-        <p:txBody>
-          <a:bodyPr anchor="b"/>
-          <a:lstStyle>
-            <a:lvl1pPr marL="0" indent="0">
-              <a:buNone/>
-              <a:defRPr sz="2400" b="1"/>
-            </a:lvl1pPr>
-            <a:lvl2pPr marL="457200" indent="0">
-              <a:buNone/>
-              <a:defRPr sz="2000" b="1"/>
-            </a:lvl2pPr>
-            <a:lvl3pPr marL="914400" indent="0">
-              <a:buNone/>
-              <a:defRPr sz="1800" b="1"/>
-            </a:lvl3pPr>
-            <a:lvl4pPr marL="1371600" indent="0">
-              <a:buNone/>
-              <a:defRPr sz="1600" b="1"/>
-            </a:lvl4pPr>
-            <a:lvl5pPr marL="1828800" indent="0">
-              <a:buNone/>
-              <a:defRPr sz="1600" b="1"/>
-            </a:lvl5pPr>
-            <a:lvl6pPr marL="2286000" indent="0">
-              <a:buNone/>
-              <a:defRPr sz="1600" b="1"/>
-            </a:lvl6pPr>
-            <a:lvl7pPr marL="2743200" indent="0">
-              <a:buNone/>
-              <a:defRPr sz="1600" b="1"/>
-            </a:lvl7pPr>
-            <a:lvl8pPr marL="3200400" indent="0">
-              <a:buNone/>
-              <a:defRPr sz="1600" b="1"/>
-            </a:lvl8pPr>
-            <a:lvl9pPr marL="3657600" indent="0">
-              <a:buNone/>
-              <a:defRPr sz="1600" b="1"/>
-            </a:lvl9pPr>
-          </a:lstStyle>
-          <a:p>
-            <a:pPr lvl="0"/>
-            <a:r>
-              <a:rPr lang="en-US"/>
-              <a:t>Click to edit Master text styles</a:t>
-            </a:r>
-          </a:p>
-        </p:txBody>
-      </p:sp>
-      <p:sp>
-        <p:nvSpPr>
-          <p:cNvPr id="6" name="Content Placeholder 5"/>
-          <p:cNvSpPr>
-            <a:spLocks noGrp="1"/>
-          </p:cNvSpPr>
-          <p:nvPr>
-            <p:ph sz="quarter" idx="4"/>
-          </p:nvPr>
-        </p:nvSpPr>
-        <p:spPr>
-          <a:xfrm>
-            <a:off x="6172200" y="2505075"/>
-            <a:ext cx="5183188" cy="3684588"/>
-          </a:xfrm>
-        </p:spPr>
-        <p:txBody>
-          <a:bodyPr/>
-          <a:lstStyle/>
-          <a:p>
-            <a:pPr lvl="0"/>
-            <a:r>
-              <a:rPr lang="en-US"/>
-              <a:t>Click to edit Master text styles</a:t>
-            </a:r>
-          </a:p>
-          <a:p>
-            <a:pPr lvl="1"/>
-            <a:r>
-              <a:rPr lang="en-US"/>
-              <a:t>Second level</a:t>
-            </a:r>
-          </a:p>
-          <a:p>
-            <a:pPr lvl="2"/>
-            <a:r>
-              <a:rPr lang="en-US"/>
-              <a:t>Third level</a:t>
-            </a:r>
-          </a:p>
-          <a:p>
-            <a:pPr lvl="3"/>
-            <a:r>
-              <a:rPr lang="en-US"/>
-              <a:t>Fourth level</a:t>
-            </a:r>
-          </a:p>
-          <a:p>
-            <a:pPr lvl="4"/>
-            <a:r>
-              <a:rPr lang="en-US"/>
-              <a:t>Fifth level</a:t>
-            </a:r>
-            <a:endParaRPr lang="en-US" dirty="0"/>
-          </a:p>
-        </p:txBody>
-      </p:sp>
-      <p:sp>
-        <p:nvSpPr>
-          <p:cNvPr id="7" name="Date Placeholder 6"/>
-          <p:cNvSpPr>
-            <a:spLocks noGrp="1"/>
-          </p:cNvSpPr>
-          <p:nvPr>
-            <p:ph type="dt" sz="half" idx="10"/>
-          </p:nvPr>
-        </p:nvSpPr>
-        <p:spPr/>
-        <p:txBody>
-          <a:bodyPr/>
-          <a:lstStyle/>
-          <a:p>
-            <a:fld id="{C764DE79-268F-4C1A-8933-263129D2AF90}" type="datetimeFigureOut">
-              <a:rPr lang="en-US" smtClean="0"/>
-              <a:t>11/9/19</a:t>
-            </a:fld>
-            <a:endParaRPr lang="en-US" dirty="0"/>
-          </a:p>
-        </p:txBody>
-      </p:sp>
-      <p:sp>
-        <p:nvSpPr>
-          <p:cNvPr id="8" name="Footer Placeholder 7"/>
-          <p:cNvSpPr>
-            <a:spLocks noGrp="1"/>
-          </p:cNvSpPr>
-          <p:nvPr>
-            <p:ph type="ftr" sz="quarter" idx="11"/>
-          </p:nvPr>
-        </p:nvSpPr>
-        <p:spPr/>
-        <p:txBody>
-          <a:bodyPr/>
-          <a:lstStyle/>
-          <a:p>
-            <a:endParaRPr lang="en-US" dirty="0"/>
-          </a:p>
-        </p:txBody>
-      </p:sp>
-      <p:sp>
-        <p:nvSpPr>
-          <p:cNvPr id="9" name="Slide Number Placeholder 8"/>
-          <p:cNvSpPr>
-            <a:spLocks noGrp="1"/>
-          </p:cNvSpPr>
-          <p:nvPr>
-            <p:ph type="sldNum" sz="quarter" idx="12"/>
-          </p:nvPr>
-        </p:nvSpPr>
-        <p:spPr/>
-        <p:txBody>
-          <a:bodyPr/>
-          <a:lstStyle/>
-          <a:p>
-            <a:fld id="{0B973F48-4628-F846-BA33-DDE653D83577}" type="slidenum">
-              <a:rPr lang="en-US" smtClean="0"/>
-              <a:t>‹#›</a:t>
-            </a:fld>
-            <a:endParaRPr lang="en-US"/>
-          </a:p>
-        </p:txBody>
-      </p:sp>
-    </p:spTree>
-    <p:extLst>
-      <p:ext uri="{BB962C8B-B14F-4D97-AF65-F5344CB8AC3E}">
-        <p14:creationId xmlns:p14="http://schemas.microsoft.com/office/powerpoint/2010/main" val="2848844492"/>
-      </p:ext>
-    </p:extLst>
-  </p:cSld>
-  <p:clrMapOvr>
-    <a:masterClrMapping/>
-  </p:clrMapOvr>
-</p:sldLayout>
-</file>
-
-<file path=ppt/slideLayouts/slideLayout6.xml><?xml version="1.0" encoding="utf-8"?>
-<p:sldLayout xmlns:a="http://schemas.openxmlformats.org/drawingml/2006/main" xmlns:r="http://schemas.openxmlformats.org/officeDocument/2006/relationships" xmlns:p="http://schemas.openxmlformats.org/presentationml/2006/main" type="titleOnly" preserve="1">
-  <p:cSld name="Title Only">
-    <p:spTree>
-      <p:nvGrpSpPr>
-        <p:cNvPr id="1" name=""/>
-        <p:cNvGrpSpPr/>
-        <p:nvPr/>
-      </p:nvGrpSpPr>
-      <p:grpSpPr>
-        <a:xfrm>
-          <a:off x="0" y="0"/>
-          <a:ext cx="0" cy="0"/>
-          <a:chOff x="0" y="0"/>
-          <a:chExt cx="0" cy="0"/>
-        </a:xfrm>
-      </p:grpSpPr>
-      <p:sp>
-        <p:nvSpPr>
-          <p:cNvPr id="2" name="Title 1"/>
-          <p:cNvSpPr>
-            <a:spLocks noGrp="1"/>
-          </p:cNvSpPr>
-          <p:nvPr>
-            <p:ph type="title"/>
-          </p:nvPr>
-        </p:nvSpPr>
-        <p:spPr/>
-        <p:txBody>
-          <a:bodyPr/>
-          <a:lstStyle/>
-          <a:p>
-            <a:r>
-              <a:rPr lang="en-US"/>
-              <a:t>Click to edit Master title style</a:t>
-            </a:r>
-            <a:endParaRPr lang="en-US" dirty="0"/>
-          </a:p>
-        </p:txBody>
-      </p:sp>
-      <p:sp>
-        <p:nvSpPr>
-          <p:cNvPr id="3" name="Date Placeholder 2"/>
-          <p:cNvSpPr>
-            <a:spLocks noGrp="1"/>
-          </p:cNvSpPr>
-          <p:nvPr>
-            <p:ph type="dt" sz="half" idx="10"/>
-          </p:nvPr>
-        </p:nvSpPr>
-        <p:spPr/>
-        <p:txBody>
-          <a:bodyPr/>
-          <a:lstStyle/>
-          <a:p>
-            <a:fld id="{C764DE79-268F-4C1A-8933-263129D2AF90}" type="datetimeFigureOut">
-              <a:rPr lang="en-US" smtClean="0"/>
-              <a:t>11/9/19</a:t>
-            </a:fld>
-            <a:endParaRPr lang="en-US" dirty="0"/>
-          </a:p>
-        </p:txBody>
-      </p:sp>
-      <p:sp>
-        <p:nvSpPr>
-          <p:cNvPr id="4" name="Footer Placeholder 3"/>
-          <p:cNvSpPr>
-            <a:spLocks noGrp="1"/>
-          </p:cNvSpPr>
-          <p:nvPr>
-            <p:ph type="ftr" sz="quarter" idx="11"/>
-          </p:nvPr>
-        </p:nvSpPr>
-        <p:spPr/>
-        <p:txBody>
-          <a:bodyPr/>
-          <a:lstStyle/>
-          <a:p>
-            <a:endParaRPr lang="en-US" dirty="0"/>
-          </a:p>
-        </p:txBody>
-      </p:sp>
-      <p:sp>
-        <p:nvSpPr>
-          <p:cNvPr id="5" name="Slide Number Placeholder 4"/>
-          <p:cNvSpPr>
-            <a:spLocks noGrp="1"/>
-          </p:cNvSpPr>
-          <p:nvPr>
-            <p:ph type="sldNum" sz="quarter" idx="12"/>
-          </p:nvPr>
-        </p:nvSpPr>
-        <p:spPr/>
-        <p:txBody>
-          <a:bodyPr/>
-          <a:lstStyle/>
-          <a:p>
-            <a:fld id="{0B973F48-4628-F846-BA33-DDE653D83577}" type="slidenum">
-              <a:rPr lang="en-US" smtClean="0"/>
-              <a:t>‹#›</a:t>
-            </a:fld>
-            <a:endParaRPr lang="en-US"/>
-          </a:p>
-        </p:txBody>
-      </p:sp>
-    </p:spTree>
-    <p:extLst>
-      <p:ext uri="{BB962C8B-B14F-4D97-AF65-F5344CB8AC3E}">
-        <p14:creationId xmlns:p14="http://schemas.microsoft.com/office/powerpoint/2010/main" val="1288281058"/>
-      </p:ext>
-    </p:extLst>
-  </p:cSld>
-  <p:clrMapOvr>
-    <a:masterClrMapping/>
-  </p:clrMapOvr>
-</p:sldLayout>
-</file>
-
-<file path=ppt/slideLayouts/slideLayout7.xml><?xml version="1.0" encoding="utf-8"?>
-<p:sldLayout xmlns:a="http://schemas.openxmlformats.org/drawingml/2006/main" xmlns:r="http://schemas.openxmlformats.org/officeDocument/2006/relationships" xmlns:p="http://schemas.openxmlformats.org/presentationml/2006/main" type="blank" preserve="1">
-  <p:cSld name="Blank">
-    <p:spTree>
-      <p:nvGrpSpPr>
-        <p:cNvPr id="1" name=""/>
-        <p:cNvGrpSpPr/>
-        <p:nvPr/>
-      </p:nvGrpSpPr>
-      <p:grpSpPr>
-        <a:xfrm>
-          <a:off x="0" y="0"/>
-          <a:ext cx="0" cy="0"/>
-          <a:chOff x="0" y="0"/>
-          <a:chExt cx="0" cy="0"/>
-        </a:xfrm>
-      </p:grpSpPr>
-      <p:sp>
-        <p:nvSpPr>
-          <p:cNvPr id="2" name="Date Placeholder 1"/>
-          <p:cNvSpPr>
-            <a:spLocks noGrp="1"/>
-          </p:cNvSpPr>
-          <p:nvPr>
-            <p:ph type="dt" sz="half" idx="10"/>
-          </p:nvPr>
-        </p:nvSpPr>
-        <p:spPr/>
-        <p:txBody>
-          <a:bodyPr/>
-          <a:lstStyle/>
-          <a:p>
-            <a:fld id="{C764DE79-268F-4C1A-8933-263129D2AF90}" type="datetimeFigureOut">
-              <a:rPr lang="en-US" smtClean="0"/>
-              <a:t>11/9/19</a:t>
-            </a:fld>
-            <a:endParaRPr lang="en-US" dirty="0"/>
-          </a:p>
-        </p:txBody>
-      </p:sp>
-      <p:sp>
-        <p:nvSpPr>
-          <p:cNvPr id="3" name="Footer Placeholder 2"/>
-          <p:cNvSpPr>
-            <a:spLocks noGrp="1"/>
-          </p:cNvSpPr>
-          <p:nvPr>
-            <p:ph type="ftr" sz="quarter" idx="11"/>
-          </p:nvPr>
-        </p:nvSpPr>
-        <p:spPr/>
-        <p:txBody>
-          <a:bodyPr/>
-          <a:lstStyle/>
-          <a:p>
-            <a:endParaRPr lang="en-US" dirty="0"/>
-          </a:p>
-        </p:txBody>
-      </p:sp>
-      <p:sp>
-        <p:nvSpPr>
-          <p:cNvPr id="4" name="Slide Number Placeholder 3"/>
-          <p:cNvSpPr>
-            <a:spLocks noGrp="1"/>
-          </p:cNvSpPr>
-          <p:nvPr>
-            <p:ph type="sldNum" sz="quarter" idx="12"/>
-          </p:nvPr>
-        </p:nvSpPr>
-        <p:spPr/>
-        <p:txBody>
-          <a:bodyPr/>
-          <a:lstStyle/>
-          <a:p>
-            <a:fld id="{0B973F48-4628-F846-BA33-DDE653D83577}" type="slidenum">
-              <a:rPr lang="en-US" smtClean="0"/>
-              <a:t>‹#›</a:t>
-            </a:fld>
-            <a:endParaRPr lang="en-US"/>
-          </a:p>
-        </p:txBody>
-      </p:sp>
-    </p:spTree>
-    <p:extLst>
-      <p:ext uri="{BB962C8B-B14F-4D97-AF65-F5344CB8AC3E}">
-        <p14:creationId xmlns:p14="http://schemas.microsoft.com/office/powerpoint/2010/main" val="1738077919"/>
-      </p:ext>
-    </p:extLst>
-  </p:cSld>
-  <p:clrMapOvr>
-    <a:masterClrMapping/>
-  </p:clrMapOvr>
-</p:sldLayout>
-</file>
-
-<file path=ppt/slideLayouts/slideLayout8.xml><?xml version="1.0" encoding="utf-8"?>
-<p:sldLayout xmlns:a="http://schemas.openxmlformats.org/drawingml/2006/main" xmlns:r="http://schemas.openxmlformats.org/officeDocument/2006/relationships" xmlns:p="http://schemas.openxmlformats.org/presentationml/2006/main" type="objTx" preserve="1">
-  <p:cSld name="Content with Caption">
-    <p:spTree>
-      <p:nvGrpSpPr>
-        <p:cNvPr id="1" name=""/>
-        <p:cNvGrpSpPr/>
-        <p:nvPr/>
-      </p:nvGrpSpPr>
-      <p:grpSpPr>
-        <a:xfrm>
-          <a:off x="0" y="0"/>
-          <a:ext cx="0" cy="0"/>
-          <a:chOff x="0" y="0"/>
-          <a:chExt cx="0" cy="0"/>
-        </a:xfrm>
-      </p:grpSpPr>
-      <p:sp>
-        <p:nvSpPr>
-          <p:cNvPr id="2" name="Title 1"/>
-          <p:cNvSpPr>
-            <a:spLocks noGrp="1"/>
-          </p:cNvSpPr>
-          <p:nvPr>
-            <p:ph type="title"/>
-          </p:nvPr>
-        </p:nvSpPr>
-        <p:spPr>
-          <a:xfrm>
-            <a:off x="839788" y="457200"/>
-            <a:ext cx="3932237" cy="1600200"/>
-          </a:xfrm>
-        </p:spPr>
-        <p:txBody>
-          <a:bodyPr anchor="b"/>
-          <a:lstStyle>
-            <a:lvl1pPr>
-              <a:defRPr sz="3200"/>
-            </a:lvl1pPr>
-          </a:lstStyle>
-          <a:p>
-            <a:r>
-              <a:rPr lang="en-US"/>
-              <a:t>Click to edit Master title style</a:t>
-            </a:r>
-            <a:endParaRPr lang="en-US" dirty="0"/>
-          </a:p>
-        </p:txBody>
-      </p:sp>
-      <p:sp>
-        <p:nvSpPr>
-          <p:cNvPr id="3" name="Content Placeholder 2"/>
-          <p:cNvSpPr>
-            <a:spLocks noGrp="1"/>
-          </p:cNvSpPr>
-          <p:nvPr>
-            <p:ph idx="1"/>
-          </p:nvPr>
-        </p:nvSpPr>
-        <p:spPr>
-          <a:xfrm>
-            <a:off x="5183188" y="987425"/>
-            <a:ext cx="6172200" cy="4873625"/>
-          </a:xfrm>
-        </p:spPr>
-        <p:txBody>
-          <a:bodyPr/>
-          <a:lstStyle>
-            <a:lvl1pPr>
-              <a:defRPr sz="3200"/>
-            </a:lvl1pPr>
-            <a:lvl2pPr>
-              <a:defRPr sz="2800"/>
-            </a:lvl2pPr>
-            <a:lvl3pPr>
-              <a:defRPr sz="2400"/>
-            </a:lvl3pPr>
-            <a:lvl4pPr>
-              <a:defRPr sz="2000"/>
-            </a:lvl4pPr>
-            <a:lvl5pPr>
-              <a:defRPr sz="2000"/>
-            </a:lvl5pPr>
-            <a:lvl6pPr>
-              <a:defRPr sz="2000"/>
-            </a:lvl6pPr>
-            <a:lvl7pPr>
-              <a:defRPr sz="2000"/>
-            </a:lvl7pPr>
-            <a:lvl8pPr>
-              <a:defRPr sz="2000"/>
-            </a:lvl8pPr>
-            <a:lvl9pPr>
-              <a:defRPr sz="2000"/>
-            </a:lvl9pPr>
-          </a:lstStyle>
-          <a:p>
-            <a:pPr lvl="0"/>
-            <a:r>
-              <a:rPr lang="en-US"/>
-              <a:t>Click to edit Master text styles</a:t>
-            </a:r>
-          </a:p>
-          <a:p>
-            <a:pPr lvl="1"/>
-            <a:r>
-              <a:rPr lang="en-US"/>
-              <a:t>Second level</a:t>
-            </a:r>
-          </a:p>
-          <a:p>
-            <a:pPr lvl="2"/>
-            <a:r>
-              <a:rPr lang="en-US"/>
-              <a:t>Third level</a:t>
-            </a:r>
-          </a:p>
-          <a:p>
-            <a:pPr lvl="3"/>
-            <a:r>
-              <a:rPr lang="en-US"/>
-              <a:t>Fourth level</a:t>
-            </a:r>
-          </a:p>
-          <a:p>
-            <a:pPr lvl="4"/>
-            <a:r>
-              <a:rPr lang="en-US"/>
-              <a:t>Fifth level</a:t>
-            </a:r>
-            <a:endParaRPr lang="en-US" dirty="0"/>
-          </a:p>
-        </p:txBody>
-      </p:sp>
-      <p:sp>
-        <p:nvSpPr>
-          <p:cNvPr id="4" name="Text Placeholder 3"/>
-          <p:cNvSpPr>
-            <a:spLocks noGrp="1"/>
-          </p:cNvSpPr>
-          <p:nvPr>
-            <p:ph type="body" sz="half" idx="2"/>
-          </p:nvPr>
-        </p:nvSpPr>
-        <p:spPr>
-          <a:xfrm>
-            <a:off x="839788" y="2057400"/>
-            <a:ext cx="3932237" cy="3811588"/>
-          </a:xfrm>
-        </p:spPr>
-        <p:txBody>
-          <a:bodyPr/>
-          <a:lstStyle>
-            <a:lvl1pPr marL="0" indent="0">
-              <a:buNone/>
-              <a:defRPr sz="1600"/>
-            </a:lvl1pPr>
-            <a:lvl2pPr marL="457200" indent="0">
-              <a:buNone/>
-              <a:defRPr sz="1400"/>
-            </a:lvl2pPr>
-            <a:lvl3pPr marL="914400" indent="0">
-              <a:buNone/>
-              <a:defRPr sz="1200"/>
-            </a:lvl3pPr>
-            <a:lvl4pPr marL="1371600" indent="0">
-              <a:buNone/>
-              <a:defRPr sz="1000"/>
-            </a:lvl4pPr>
-            <a:lvl5pPr marL="1828800" indent="0">
-              <a:buNone/>
-              <a:defRPr sz="1000"/>
-            </a:lvl5pPr>
-            <a:lvl6pPr marL="2286000" indent="0">
-              <a:buNone/>
-              <a:defRPr sz="1000"/>
-            </a:lvl6pPr>
-            <a:lvl7pPr marL="2743200" indent="0">
-              <a:buNone/>
-              <a:defRPr sz="1000"/>
-            </a:lvl7pPr>
-            <a:lvl8pPr marL="3200400" indent="0">
-              <a:buNone/>
-              <a:defRPr sz="1000"/>
-            </a:lvl8pPr>
-            <a:lvl9pPr marL="3657600" indent="0">
-              <a:buNone/>
-              <a:defRPr sz="1000"/>
-            </a:lvl9pPr>
-          </a:lstStyle>
-          <a:p>
-            <a:pPr lvl="0"/>
-            <a:r>
-              <a:rPr lang="en-US"/>
-              <a:t>Click to edit Master text styles</a:t>
-            </a:r>
-          </a:p>
-        </p:txBody>
-      </p:sp>
-      <p:sp>
-        <p:nvSpPr>
-          <p:cNvPr id="5" name="Date Placeholder 4"/>
-          <p:cNvSpPr>
-            <a:spLocks noGrp="1"/>
-          </p:cNvSpPr>
-          <p:nvPr>
-            <p:ph type="dt" sz="half" idx="10"/>
-          </p:nvPr>
-        </p:nvSpPr>
-        <p:spPr/>
-        <p:txBody>
-          <a:bodyPr/>
-          <a:lstStyle/>
-          <a:p>
-            <a:fld id="{C764DE79-268F-4C1A-8933-263129D2AF90}" type="datetimeFigureOut">
-              <a:rPr lang="en-US" smtClean="0"/>
-              <a:t>11/9/19</a:t>
-            </a:fld>
-            <a:endParaRPr lang="en-US" dirty="0"/>
-          </a:p>
-        </p:txBody>
-      </p:sp>
-      <p:sp>
-        <p:nvSpPr>
-          <p:cNvPr id="6" name="Footer Placeholder 5"/>
-          <p:cNvSpPr>
-            <a:spLocks noGrp="1"/>
-          </p:cNvSpPr>
-          <p:nvPr>
-            <p:ph type="ftr" sz="quarter" idx="11"/>
-          </p:nvPr>
-        </p:nvSpPr>
-        <p:spPr/>
-        <p:txBody>
-          <a:bodyPr/>
-          <a:lstStyle/>
-          <a:p>
-            <a:endParaRPr lang="en-US" dirty="0"/>
-          </a:p>
-        </p:txBody>
-      </p:sp>
-      <p:sp>
-        <p:nvSpPr>
-          <p:cNvPr id="7" name="Slide Number Placeholder 6"/>
-          <p:cNvSpPr>
-            <a:spLocks noGrp="1"/>
-          </p:cNvSpPr>
-          <p:nvPr>
-            <p:ph type="sldNum" sz="quarter" idx="12"/>
-          </p:nvPr>
-        </p:nvSpPr>
-        <p:spPr/>
-        <p:txBody>
-          <a:bodyPr/>
-          <a:lstStyle/>
-          <a:p>
-            <a:fld id="{0B973F48-4628-F846-BA33-DDE653D83577}" type="slidenum">
-              <a:rPr lang="en-US" smtClean="0"/>
-              <a:t>‹#›</a:t>
-            </a:fld>
-            <a:endParaRPr lang="en-US"/>
-          </a:p>
-        </p:txBody>
-      </p:sp>
-    </p:spTree>
-    <p:extLst>
-      <p:ext uri="{BB962C8B-B14F-4D97-AF65-F5344CB8AC3E}">
-        <p14:creationId xmlns:p14="http://schemas.microsoft.com/office/powerpoint/2010/main" val="1587695722"/>
-      </p:ext>
-    </p:extLst>
-  </p:cSld>
-  <p:clrMapOvr>
-    <a:masterClrMapping/>
-  </p:clrMapOvr>
-</p:sldLayout>
-</file>
-
-<file path=ppt/slideLayouts/slideLayout9.xml><?xml version="1.0" encoding="utf-8"?>
-<p:sldLayout xmlns:a="http://schemas.openxmlformats.org/drawingml/2006/main" xmlns:r="http://schemas.openxmlformats.org/officeDocument/2006/relationships" xmlns:p="http://schemas.openxmlformats.org/presentationml/2006/main" type="picTx" preserve="1">
-  <p:cSld name="Picture with Caption">
-    <p:spTree>
-      <p:nvGrpSpPr>
-        <p:cNvPr id="1" name=""/>
-        <p:cNvGrpSpPr/>
-        <p:nvPr/>
-      </p:nvGrpSpPr>
-      <p:grpSpPr>
-        <a:xfrm>
-          <a:off x="0" y="0"/>
-          <a:ext cx="0" cy="0"/>
-          <a:chOff x="0" y="0"/>
-          <a:chExt cx="0" cy="0"/>
-        </a:xfrm>
-      </p:grpSpPr>
-      <p:sp>
-        <p:nvSpPr>
-          <p:cNvPr id="2" name="Title 1"/>
-          <p:cNvSpPr>
-            <a:spLocks noGrp="1"/>
-          </p:cNvSpPr>
-          <p:nvPr>
-            <p:ph type="title"/>
-          </p:nvPr>
-        </p:nvSpPr>
-        <p:spPr>
-          <a:xfrm>
-            <a:off x="839788" y="457200"/>
-            <a:ext cx="3932237" cy="1600200"/>
-          </a:xfrm>
-        </p:spPr>
-        <p:txBody>
-          <a:bodyPr anchor="b"/>
-          <a:lstStyle>
-            <a:lvl1pPr>
-              <a:defRPr sz="3200"/>
-            </a:lvl1pPr>
-          </a:lstStyle>
-          <a:p>
-            <a:r>
-              <a:rPr lang="en-US"/>
-              <a:t>Click to edit Master title style</a:t>
-            </a:r>
-            <a:endParaRPr lang="en-US" dirty="0"/>
-          </a:p>
-        </p:txBody>
-      </p:sp>
-      <p:sp>
-        <p:nvSpPr>
-          <p:cNvPr id="3" name="Picture Placeholder 2"/>
-          <p:cNvSpPr>
-            <a:spLocks noGrp="1" noChangeAspect="1"/>
-          </p:cNvSpPr>
-          <p:nvPr>
-            <p:ph type="pic" idx="1"/>
-          </p:nvPr>
-        </p:nvSpPr>
-        <p:spPr>
-          <a:xfrm>
-            <a:off x="5183188" y="987425"/>
-            <a:ext cx="6172200" cy="4873625"/>
-          </a:xfrm>
-        </p:spPr>
-        <p:txBody>
-          <a:bodyPr anchor="t"/>
-          <a:lstStyle>
-            <a:lvl1pPr marL="0" indent="0">
-              <a:buNone/>
-              <a:defRPr sz="3200"/>
-            </a:lvl1pPr>
-            <a:lvl2pPr marL="457200" indent="0">
-              <a:buNone/>
-              <a:defRPr sz="2800"/>
-            </a:lvl2pPr>
-            <a:lvl3pPr marL="914400" indent="0">
-              <a:buNone/>
-              <a:defRPr sz="2400"/>
-            </a:lvl3pPr>
-            <a:lvl4pPr marL="1371600" indent="0">
-              <a:buNone/>
-              <a:defRPr sz="2000"/>
-            </a:lvl4pPr>
-            <a:lvl5pPr marL="1828800" indent="0">
-              <a:buNone/>
-              <a:defRPr sz="2000"/>
-            </a:lvl5pPr>
-            <a:lvl6pPr marL="2286000" indent="0">
-              <a:buNone/>
-              <a:defRPr sz="2000"/>
-            </a:lvl6pPr>
-            <a:lvl7pPr marL="2743200" indent="0">
-              <a:buNone/>
-              <a:defRPr sz="2000"/>
-            </a:lvl7pPr>
-            <a:lvl8pPr marL="3200400" indent="0">
-              <a:buNone/>
-              <a:defRPr sz="2000"/>
-            </a:lvl8pPr>
-            <a:lvl9pPr marL="3657600" indent="0">
-              <a:buNone/>
-              <a:defRPr sz="2000"/>
-            </a:lvl9pPr>
-          </a:lstStyle>
-          <a:p>
-            <a:r>
-              <a:rPr lang="en-US"/>
-              <a:t>Click icon to add picture</a:t>
-            </a:r>
-            <a:endParaRPr lang="en-US" dirty="0"/>
-          </a:p>
-        </p:txBody>
-      </p:sp>
-      <p:sp>
-        <p:nvSpPr>
-          <p:cNvPr id="4" name="Text Placeholder 3"/>
-          <p:cNvSpPr>
-            <a:spLocks noGrp="1"/>
-          </p:cNvSpPr>
-          <p:nvPr>
-            <p:ph type="body" sz="half" idx="2"/>
-          </p:nvPr>
-        </p:nvSpPr>
-        <p:spPr>
-          <a:xfrm>
-            <a:off x="839788" y="2057400"/>
-            <a:ext cx="3932237" cy="3811588"/>
-          </a:xfrm>
-        </p:spPr>
-        <p:txBody>
-          <a:bodyPr/>
-          <a:lstStyle>
-            <a:lvl1pPr marL="0" indent="0">
-              <a:buNone/>
-              <a:defRPr sz="1600"/>
-            </a:lvl1pPr>
-            <a:lvl2pPr marL="457200" indent="0">
-              <a:buNone/>
-              <a:defRPr sz="1400"/>
-            </a:lvl2pPr>
-            <a:lvl3pPr marL="914400" indent="0">
-              <a:buNone/>
-              <a:defRPr sz="1200"/>
-            </a:lvl3pPr>
-            <a:lvl4pPr marL="1371600" indent="0">
-              <a:buNone/>
-              <a:defRPr sz="1000"/>
-            </a:lvl4pPr>
-            <a:lvl5pPr marL="1828800" indent="0">
-              <a:buNone/>
-              <a:defRPr sz="1000"/>
-            </a:lvl5pPr>
-            <a:lvl6pPr marL="2286000" indent="0">
-              <a:buNone/>
-              <a:defRPr sz="1000"/>
-            </a:lvl6pPr>
-            <a:lvl7pPr marL="2743200" indent="0">
-              <a:buNone/>
-              <a:defRPr sz="1000"/>
-            </a:lvl7pPr>
-            <a:lvl8pPr marL="3200400" indent="0">
-              <a:buNone/>
-              <a:defRPr sz="1000"/>
-            </a:lvl8pPr>
-            <a:lvl9pPr marL="3657600" indent="0">
-              <a:buNone/>
-              <a:defRPr sz="1000"/>
-            </a:lvl9pPr>
-          </a:lstStyle>
-          <a:p>
-            <a:pPr lvl="0"/>
-            <a:r>
-              <a:rPr lang="en-US"/>
-              <a:t>Click to edit Master text styles</a:t>
-            </a:r>
-          </a:p>
-        </p:txBody>
-      </p:sp>
-      <p:sp>
-        <p:nvSpPr>
-          <p:cNvPr id="5" name="Date Placeholder 4"/>
-          <p:cNvSpPr>
-            <a:spLocks noGrp="1"/>
-          </p:cNvSpPr>
-          <p:nvPr>
-            <p:ph type="dt" sz="half" idx="10"/>
-          </p:nvPr>
-        </p:nvSpPr>
-        <p:spPr/>
-        <p:txBody>
-          <a:bodyPr/>
-          <a:lstStyle/>
-          <a:p>
-            <a:fld id="{C764DE79-268F-4C1A-8933-263129D2AF90}" type="datetimeFigureOut">
-              <a:rPr lang="en-US" smtClean="0"/>
-              <a:t>11/9/19</a:t>
-            </a:fld>
-            <a:endParaRPr lang="en-US" dirty="0"/>
-          </a:p>
-        </p:txBody>
-      </p:sp>
-      <p:sp>
-        <p:nvSpPr>
-          <p:cNvPr id="6" name="Footer Placeholder 5"/>
-          <p:cNvSpPr>
-            <a:spLocks noGrp="1"/>
-          </p:cNvSpPr>
-          <p:nvPr>
-            <p:ph type="ftr" sz="quarter" idx="11"/>
-          </p:nvPr>
-        </p:nvSpPr>
-        <p:spPr/>
-        <p:txBody>
-          <a:bodyPr/>
-          <a:lstStyle/>
-          <a:p>
-            <a:endParaRPr lang="en-US" dirty="0"/>
-          </a:p>
-        </p:txBody>
-      </p:sp>
-      <p:sp>
-        <p:nvSpPr>
-          <p:cNvPr id="7" name="Slide Number Placeholder 6"/>
-          <p:cNvSpPr>
-            <a:spLocks noGrp="1"/>
-          </p:cNvSpPr>
-          <p:nvPr>
-            <p:ph type="sldNum" sz="quarter" idx="12"/>
-          </p:nvPr>
-        </p:nvSpPr>
-        <p:spPr/>
-        <p:txBody>
-          <a:bodyPr/>
-          <a:lstStyle/>
-          <a:p>
-            <a:fld id="{0B973F48-4628-F846-BA33-DDE653D83577}" type="slidenum">
-              <a:rPr lang="en-US" smtClean="0"/>
-              <a:t>‹#›</a:t>
-            </a:fld>
-            <a:endParaRPr lang="en-US"/>
-          </a:p>
-        </p:txBody>
-      </p:sp>
-    </p:spTree>
-    <p:extLst>
-      <p:ext uri="{BB962C8B-B14F-4D97-AF65-F5344CB8AC3E}">
-        <p14:creationId xmlns:p14="http://schemas.microsoft.com/office/powerpoint/2010/main" val="3055438526"/>
-      </p:ext>
-    </p:extLst>
-  </p:cSld>
-  <p:clrMapOvr>
-    <a:masterClrMapping/>
-  </p:clrMapOvr>
-</p:sldLayout>
-</file>
-
-<file path=ppt/slideMasters/slideMaster1.xml><?xml version="1.0" encoding="utf-8"?>
-<p:sldMaster xmlns:a="http://schemas.openxmlformats.org/drawingml/2006/main" xmlns:r="http://schemas.openxmlformats.org/officeDocument/2006/relationships" xmlns:p="http://schemas.openxmlformats.org/presentationml/2006/main">
-  <p:cSld>
-    <p:bg>
-      <p:bgRef idx="1001">
-        <a:schemeClr val="bg1"/>
-      </p:bgRef>
-    </p:bg>
-    <p:spTree>
-      <p:nvGrpSpPr>
-        <p:cNvPr id="1" name=""/>
-        <p:cNvGrpSpPr/>
-        <p:nvPr/>
-      </p:nvGrpSpPr>
-      <p:grpSpPr>
-        <a:xfrm>
-          <a:off x="0" y="0"/>
-          <a:ext cx="0" cy="0"/>
-          <a:chOff x="0" y="0"/>
-          <a:chExt cx="0" cy="0"/>
-        </a:xfrm>
-      </p:grpSpPr>
-      <p:sp>
-        <p:nvSpPr>
-          <p:cNvPr id="2" name="Title Placeholder 1"/>
-          <p:cNvSpPr>
-            <a:spLocks noGrp="1"/>
-          </p:cNvSpPr>
-          <p:nvPr>
-            <p:ph type="title"/>
-          </p:nvPr>
-        </p:nvSpPr>
-        <p:spPr>
-          <a:xfrm>
-            <a:off x="838200" y="365125"/>
-            <a:ext cx="10515600" cy="1325563"/>
-          </a:xfrm>
-          <a:prstGeom prst="rect">
-            <a:avLst/>
-          </a:prstGeom>
-        </p:spPr>
-        <p:txBody>
-          <a:bodyPr vert="horz" lIns="91440" tIns="45720" rIns="91440" bIns="45720" rtlCol="0" anchor="ctr">
-            <a:normAutofit/>
-          </a:bodyPr>
-          <a:lstStyle/>
-          <a:p>
-            <a:r>
-              <a:rPr lang="en-US"/>
-              <a:t>Click to edit Master title style</a:t>
-            </a:r>
-            <a:endParaRPr lang="en-US" dirty="0"/>
-          </a:p>
-        </p:txBody>
-      </p:sp>
-      <p:sp>
-        <p:nvSpPr>
-          <p:cNvPr id="3" name="Text Placeholder 2"/>
-          <p:cNvSpPr>
-            <a:spLocks noGrp="1"/>
-          </p:cNvSpPr>
-          <p:nvPr>
-            <p:ph type="body" idx="1"/>
-          </p:nvPr>
-        </p:nvSpPr>
-        <p:spPr>
-          <a:xfrm>
-            <a:off x="838200" y="1825625"/>
-            <a:ext cx="10515600" cy="4351338"/>
-          </a:xfrm>
-          <a:prstGeom prst="rect">
-            <a:avLst/>
-          </a:prstGeom>
-        </p:spPr>
-        <p:txBody>
-          <a:bodyPr vert="horz" lIns="91440" tIns="45720" rIns="91440" bIns="45720" rtlCol="0">
-            <a:normAutofit/>
-          </a:bodyPr>
-          <a:lstStyle/>
-          <a:p>
-            <a:pPr lvl="0"/>
-            <a:r>
-              <a:rPr lang="en-US"/>
-              <a:t>Click to edit Master text styles</a:t>
-            </a:r>
-          </a:p>
-          <a:p>
-            <a:pPr lvl="1"/>
-            <a:r>
-              <a:rPr lang="en-US"/>
-              <a:t>Second level</a:t>
-            </a:r>
-          </a:p>
-          <a:p>
-            <a:pPr lvl="2"/>
-            <a:r>
-              <a:rPr lang="en-US"/>
-              <a:t>Third level</a:t>
-            </a:r>
-          </a:p>
-          <a:p>
-            <a:pPr lvl="3"/>
-            <a:r>
-              <a:rPr lang="en-US"/>
-              <a:t>Fourth level</a:t>
-            </a:r>
-          </a:p>
-          <a:p>
-            <a:pPr lvl="4"/>
-            <a:r>
-              <a:rPr lang="en-US"/>
-              <a:t>Fifth level</a:t>
-            </a:r>
-            <a:endParaRPr lang="en-US" dirty="0"/>
-          </a:p>
-        </p:txBody>
-      </p:sp>
-      <p:sp>
-        <p:nvSpPr>
-          <p:cNvPr id="4" name="Date Placeholder 3"/>
-          <p:cNvSpPr>
-            <a:spLocks noGrp="1"/>
-          </p:cNvSpPr>
-          <p:nvPr>
-            <p:ph type="dt" sz="half" idx="2"/>
-          </p:nvPr>
-        </p:nvSpPr>
-        <p:spPr>
-          <a:xfrm>
-            <a:off x="838200" y="6356350"/>
-            <a:ext cx="2743200" cy="365125"/>
-          </a:xfrm>
-          <a:prstGeom prst="rect">
-            <a:avLst/>
-          </a:prstGeom>
-        </p:spPr>
-        <p:txBody>
-          <a:bodyPr vert="horz" lIns="91440" tIns="45720" rIns="91440" bIns="45720" rtlCol="0" anchor="ctr"/>
-          <a:lstStyle>
-            <a:lvl1pPr algn="l">
-              <a:defRPr sz="1200">
-                <a:solidFill>
-                  <a:schemeClr val="tx1">
-                    <a:tint val="75000"/>
-                  </a:schemeClr>
-                </a:solidFill>
-              </a:defRPr>
-            </a:lvl1pPr>
-          </a:lstStyle>
-          <a:p>
-            <a:fld id="{C764DE79-268F-4C1A-8933-263129D2AF90}" type="datetimeFigureOut">
-              <a:rPr lang="en-US" smtClean="0"/>
-              <a:t>11/9/19</a:t>
-            </a:fld>
-            <a:endParaRPr lang="en-US" dirty="0"/>
-          </a:p>
-        </p:txBody>
-      </p:sp>
-      <p:sp>
-        <p:nvSpPr>
-          <p:cNvPr id="5" name="Footer Placeholder 4"/>
-          <p:cNvSpPr>
-            <a:spLocks noGrp="1"/>
-          </p:cNvSpPr>
-          <p:nvPr>
-            <p:ph type="ftr" sz="quarter" idx="3"/>
-          </p:nvPr>
-        </p:nvSpPr>
-        <p:spPr>
-          <a:xfrm>
-            <a:off x="4038600" y="6356350"/>
-            <a:ext cx="4114800" cy="365125"/>
-          </a:xfrm>
-          <a:prstGeom prst="rect">
-            <a:avLst/>
-          </a:prstGeom>
-        </p:spPr>
-        <p:txBody>
-          <a:bodyPr vert="horz" lIns="91440" tIns="45720" rIns="91440" bIns="45720" rtlCol="0" anchor="ctr"/>
-          <a:lstStyle>
-            <a:lvl1pPr algn="ctr">
-              <a:defRPr sz="1200">
-                <a:solidFill>
-                  <a:schemeClr val="tx1">
-                    <a:tint val="75000"/>
-                  </a:schemeClr>
-                </a:solidFill>
-              </a:defRPr>
-            </a:lvl1pPr>
-          </a:lstStyle>
-          <a:p>
-            <a:endParaRPr lang="en-US" dirty="0"/>
-          </a:p>
-        </p:txBody>
-      </p:sp>
-      <p:sp>
-        <p:nvSpPr>
-          <p:cNvPr id="6" name="Slide Number Placeholder 5"/>
-          <p:cNvSpPr>
-            <a:spLocks noGrp="1"/>
-          </p:cNvSpPr>
-          <p:nvPr>
-            <p:ph type="sldNum" sz="quarter" idx="4"/>
-          </p:nvPr>
-        </p:nvSpPr>
-        <p:spPr>
-          <a:xfrm>
-            <a:off x="8610600" y="6356350"/>
-            <a:ext cx="2743200" cy="365125"/>
-          </a:xfrm>
-          <a:prstGeom prst="rect">
-            <a:avLst/>
-          </a:prstGeom>
-        </p:spPr>
-        <p:txBody>
-          <a:bodyPr vert="horz" lIns="91440" tIns="45720" rIns="91440" bIns="45720" rtlCol="0" anchor="ctr"/>
-          <a:lstStyle>
-            <a:lvl1pPr algn="r">
-              <a:defRPr sz="1200">
-                <a:solidFill>
-                  <a:schemeClr val="tx1">
-                    <a:tint val="75000"/>
-                  </a:schemeClr>
-                </a:solidFill>
-              </a:defRPr>
-            </a:lvl1pPr>
-          </a:lstStyle>
-          <a:p>
-            <a:fld id="{0B973F48-4628-F846-BA33-DDE653D83577}" type="slidenum">
-              <a:rPr lang="en-US" smtClean="0"/>
-              <a:t>‹#›</a:t>
-            </a:fld>
-            <a:endParaRPr lang="en-US" dirty="0"/>
-          </a:p>
-        </p:txBody>
-      </p:sp>
-      <p:sp>
-        <p:nvSpPr>
-          <p:cNvPr id="7" name="Slide Number Placeholder 5">
-            <a:extLst>
-              <a:ext uri="{FF2B5EF4-FFF2-40B4-BE49-F238E27FC236}">
-                <a16:creationId xmlns:a16="http://schemas.microsoft.com/office/drawing/2014/main" id="{328FB569-0485-8045-BFD7-167815E77336}"/>
-              </a:ext>
-            </a:extLst>
-          </p:cNvPr>
-          <p:cNvSpPr txBox="1">
-            <a:spLocks/>
-          </p:cNvSpPr>
-          <p:nvPr userDrawn="1"/>
-        </p:nvSpPr>
-        <p:spPr>
-          <a:xfrm>
-            <a:off x="6553200" y="6356356"/>
-            <a:ext cx="2133600" cy="365125"/>
-          </a:xfrm>
-          <a:prstGeom prst="rect">
-            <a:avLst/>
-          </a:prstGeom>
-        </p:spPr>
-        <p:txBody>
-          <a:bodyPr vert="horz" wrap="square" lIns="68580" tIns="34290" rIns="68580" bIns="34290" numCol="1" anchor="ctr" anchorCtr="0" compatLnSpc="1">
-            <a:prstTxWarp prst="textNoShape">
-              <a:avLst/>
-            </a:prstTxWarp>
-          </a:bodyPr>
-          <a:lstStyle>
-            <a:defPPr>
-              <a:defRPr lang="en-US"/>
-            </a:defPPr>
-            <a:lvl1pPr marL="0" algn="r" defTabSz="914400" rtl="0" eaLnBrk="1" latinLnBrk="0" hangingPunct="1">
-              <a:defRPr sz="1200" kern="1200">
-                <a:solidFill>
-                  <a:srgbClr val="898989"/>
-                </a:solidFill>
-                <a:latin typeface="Segoe UI" charset="0"/>
-                <a:ea typeface="+mn-ea"/>
-                <a:cs typeface="+mn-cs"/>
-              </a:defRPr>
-            </a:lvl1pPr>
-            <a:lvl2pPr marL="457200" algn="l" defTabSz="914400" rtl="0" eaLnBrk="1" latinLnBrk="0" hangingPunct="1">
-              <a:defRPr sz="1800" kern="1200">
-                <a:solidFill>
-                  <a:schemeClr val="tx1"/>
-                </a:solidFill>
-                <a:latin typeface="+mn-lt"/>
-                <a:ea typeface="+mn-ea"/>
-                <a:cs typeface="+mn-cs"/>
-              </a:defRPr>
-            </a:lvl2pPr>
-            <a:lvl3pPr marL="914400" algn="l" defTabSz="914400" rtl="0" eaLnBrk="1" latinLnBrk="0" hangingPunct="1">
-              <a:defRPr sz="1800" kern="1200">
-                <a:solidFill>
-                  <a:schemeClr val="tx1"/>
-                </a:solidFill>
-                <a:latin typeface="+mn-lt"/>
-                <a:ea typeface="+mn-ea"/>
-                <a:cs typeface="+mn-cs"/>
-              </a:defRPr>
-            </a:lvl3pPr>
-            <a:lvl4pPr marL="1371600" algn="l" defTabSz="914400" rtl="0" eaLnBrk="1" latinLnBrk="0" hangingPunct="1">
-              <a:defRPr sz="1800" kern="1200">
-                <a:solidFill>
-                  <a:schemeClr val="tx1"/>
-                </a:solidFill>
-                <a:latin typeface="+mn-lt"/>
-                <a:ea typeface="+mn-ea"/>
-                <a:cs typeface="+mn-cs"/>
-              </a:defRPr>
-            </a:lvl4pPr>
-            <a:lvl5pPr marL="1828800" algn="l" defTabSz="914400" rtl="0" eaLnBrk="1" latinLnBrk="0" hangingPunct="1">
-              <a:defRPr sz="1800" kern="1200">
-                <a:solidFill>
-                  <a:schemeClr val="tx1"/>
-                </a:solidFill>
-                <a:latin typeface="+mn-lt"/>
-                <a:ea typeface="+mn-ea"/>
-                <a:cs typeface="+mn-cs"/>
-              </a:defRPr>
-            </a:lvl5pPr>
-            <a:lvl6pPr marL="2286000" algn="l" defTabSz="914400" rtl="0" eaLnBrk="1" latinLnBrk="0" hangingPunct="1">
-              <a:defRPr sz="1800" kern="1200">
-                <a:solidFill>
-                  <a:schemeClr val="tx1"/>
-                </a:solidFill>
-                <a:latin typeface="+mn-lt"/>
-                <a:ea typeface="+mn-ea"/>
-                <a:cs typeface="+mn-cs"/>
-              </a:defRPr>
-            </a:lvl6pPr>
-            <a:lvl7pPr marL="2743200" algn="l" defTabSz="914400" rtl="0" eaLnBrk="1" latinLnBrk="0" hangingPunct="1">
-              <a:defRPr sz="1800" kern="1200">
-                <a:solidFill>
-                  <a:schemeClr val="tx1"/>
-                </a:solidFill>
-                <a:latin typeface="+mn-lt"/>
-                <a:ea typeface="+mn-ea"/>
-                <a:cs typeface="+mn-cs"/>
-              </a:defRPr>
-            </a:lvl7pPr>
-            <a:lvl8pPr marL="3200400" algn="l" defTabSz="914400" rtl="0" eaLnBrk="1" latinLnBrk="0" hangingPunct="1">
-              <a:defRPr sz="1800" kern="1200">
-                <a:solidFill>
-                  <a:schemeClr val="tx1"/>
-                </a:solidFill>
-                <a:latin typeface="+mn-lt"/>
-                <a:ea typeface="+mn-ea"/>
-                <a:cs typeface="+mn-cs"/>
-              </a:defRPr>
-            </a:lvl8pPr>
-            <a:lvl9pPr marL="3657600" algn="l" defTabSz="914400" rtl="0" eaLnBrk="1" latinLnBrk="0" hangingPunct="1">
-              <a:defRPr sz="1800" kern="1200">
-                <a:solidFill>
-                  <a:schemeClr val="tx1"/>
-                </a:solidFill>
-                <a:latin typeface="+mn-lt"/>
-                <a:ea typeface="+mn-ea"/>
-                <a:cs typeface="+mn-cs"/>
-              </a:defRPr>
-            </a:lvl9pPr>
-          </a:lstStyle>
-          <a:p>
-            <a:pPr>
-              <a:defRPr/>
-            </a:pPr>
-            <a:fld id="{18C1412E-69E1-864D-A0DF-94DDC7C8003B}" type="slidenum">
-              <a:rPr lang="en-US" sz="900" smtClean="0"/>
-              <a:pPr>
-                <a:defRPr/>
-              </a:pPr>
-              <a:t>‹#›</a:t>
-            </a:fld>
-            <a:endParaRPr lang="en-US" sz="900"/>
-          </a:p>
-        </p:txBody>
-      </p:sp>
-      <p:sp>
-        <p:nvSpPr>
-          <p:cNvPr id="8" name="Rectangle 7">
-            <a:extLst>
-              <a:ext uri="{FF2B5EF4-FFF2-40B4-BE49-F238E27FC236}">
-                <a16:creationId xmlns:a16="http://schemas.microsoft.com/office/drawing/2014/main" id="{ED0306AE-18A0-4C44-8452-FDAD4CEC049D}"/>
-              </a:ext>
-            </a:extLst>
-          </p:cNvPr>
-          <p:cNvSpPr/>
-          <p:nvPr userDrawn="1"/>
-        </p:nvSpPr>
-        <p:spPr>
-          <a:xfrm>
-            <a:off x="0" y="6400800"/>
-            <a:ext cx="12192000" cy="457200"/>
-          </a:xfrm>
-          <a:prstGeom prst="rect">
-            <a:avLst/>
-          </a:prstGeom>
-          <a:solidFill>
-            <a:srgbClr val="9A3334"/>
-          </a:solidFill>
-          <a:ln>
-            <a:noFill/>
-          </a:ln>
-        </p:spPr>
-        <p:style>
-          <a:lnRef idx="2">
-            <a:schemeClr val="accent1">
-              <a:shade val="50000"/>
-            </a:schemeClr>
-          </a:lnRef>
-          <a:fillRef idx="1">
-            <a:schemeClr val="accent1"/>
-          </a:fillRef>
-          <a:effectRef idx="0">
-            <a:schemeClr val="accent1"/>
-          </a:effectRef>
-          <a:fontRef idx="minor">
-            <a:schemeClr val="lt1"/>
-          </a:fontRef>
-        </p:style>
-        <p:txBody>
-          <a:bodyPr anchor="ctr"/>
-          <a:lstStyle/>
-          <a:p>
-            <a:pPr algn="ctr" fontAlgn="auto">
-              <a:spcBef>
-                <a:spcPts val="0"/>
-              </a:spcBef>
-              <a:spcAft>
-                <a:spcPts val="0"/>
-              </a:spcAft>
-              <a:defRPr/>
-            </a:pPr>
-            <a:endParaRPr lang="en-US" sz="1350"/>
-          </a:p>
-        </p:txBody>
-      </p:sp>
-      <p:sp>
-        <p:nvSpPr>
-          <p:cNvPr id="9" name="TextBox 8">
-            <a:extLst>
-              <a:ext uri="{FF2B5EF4-FFF2-40B4-BE49-F238E27FC236}">
-                <a16:creationId xmlns:a16="http://schemas.microsoft.com/office/drawing/2014/main" id="{3E245822-ADFF-4540-9BD4-E4A28AC54380}"/>
-              </a:ext>
-            </a:extLst>
-          </p:cNvPr>
-          <p:cNvSpPr txBox="1">
-            <a:spLocks noChangeArrowheads="1"/>
-          </p:cNvSpPr>
-          <p:nvPr userDrawn="1"/>
-        </p:nvSpPr>
-        <p:spPr bwMode="auto">
-          <a:xfrm>
-            <a:off x="0" y="6430966"/>
-            <a:ext cx="6705600" cy="323165"/>
-          </a:xfrm>
-          <a:prstGeom prst="rect">
-            <a:avLst/>
-          </a:prstGeom>
-          <a:noFill/>
-          <a:ln>
-            <a:noFill/>
-          </a:ln>
-          <a:extLst>
-            <a:ext uri="{909E8E84-426E-40dd-AFC4-6F175D3DCCD1}">
-              <a14:hiddenFill xmlns:a14="http://schemas.microsoft.com/office/drawing/2010/main" xmlns="">
-                <a:solidFill>
-                  <a:srgbClr val="FFFFFF"/>
-                </a:solidFill>
-              </a14:hiddenFill>
-            </a:ext>
-            <a:ext uri="{91240B29-F687-4f45-9708-019B960494DF}">
-              <a14:hiddenLine xmlns:a14="http://schemas.microsoft.com/office/drawing/2010/main" xmlns="" w="9525">
-                <a:solidFill>
-                  <a:srgbClr val="000000"/>
-                </a:solidFill>
-                <a:miter lim="800000"/>
-                <a:headEnd/>
-                <a:tailEnd/>
-              </a14:hiddenLine>
-            </a:ext>
-          </a:extLst>
-        </p:spPr>
-        <p:txBody>
-          <a:bodyPr>
-            <a:spAutoFit/>
-          </a:bodyPr>
-          <a:lstStyle>
-            <a:lvl1pPr eaLnBrk="0" hangingPunct="0">
-              <a:defRPr sz="2400">
-                <a:solidFill>
-                  <a:schemeClr val="tx1"/>
-                </a:solidFill>
-                <a:latin typeface="Arial" charset="0"/>
-                <a:ea typeface="ＭＳ Ｐゴシック" charset="0"/>
-                <a:cs typeface="ＭＳ Ｐゴシック" charset="0"/>
-              </a:defRPr>
-            </a:lvl1pPr>
-            <a:lvl2pPr marL="742950" indent="-285750" eaLnBrk="0" hangingPunct="0">
-              <a:defRPr sz="2400">
-                <a:solidFill>
-                  <a:schemeClr val="tx1"/>
-                </a:solidFill>
-                <a:latin typeface="Arial" charset="0"/>
-                <a:ea typeface="ＭＳ Ｐゴシック" charset="0"/>
-              </a:defRPr>
-            </a:lvl2pPr>
-            <a:lvl3pPr marL="1143000" indent="-228600" eaLnBrk="0" hangingPunct="0">
-              <a:defRPr sz="2400">
-                <a:solidFill>
-                  <a:schemeClr val="tx1"/>
-                </a:solidFill>
-                <a:latin typeface="Arial" charset="0"/>
-                <a:ea typeface="ＭＳ Ｐゴシック" charset="0"/>
-              </a:defRPr>
-            </a:lvl3pPr>
-            <a:lvl4pPr marL="1600200" indent="-228600" eaLnBrk="0" hangingPunct="0">
-              <a:defRPr sz="2400">
-                <a:solidFill>
-                  <a:schemeClr val="tx1"/>
-                </a:solidFill>
-                <a:latin typeface="Arial" charset="0"/>
-                <a:ea typeface="ＭＳ Ｐゴシック" charset="0"/>
-              </a:defRPr>
-            </a:lvl4pPr>
-            <a:lvl5pPr marL="2057400" indent="-228600" eaLnBrk="0" hangingPunct="0">
-              <a:defRPr sz="2400">
-                <a:solidFill>
-                  <a:schemeClr val="tx1"/>
-                </a:solidFill>
-                <a:latin typeface="Arial" charset="0"/>
-                <a:ea typeface="ＭＳ Ｐゴシック" charset="0"/>
-              </a:defRPr>
-            </a:lvl5pPr>
-            <a:lvl6pPr marL="2514600" indent="-228600" eaLnBrk="0" fontAlgn="base" hangingPunct="0">
-              <a:spcBef>
-                <a:spcPct val="0"/>
-              </a:spcBef>
-              <a:spcAft>
-                <a:spcPct val="0"/>
-              </a:spcAft>
-              <a:defRPr sz="2400">
-                <a:solidFill>
-                  <a:schemeClr val="tx1"/>
-                </a:solidFill>
-                <a:latin typeface="Arial" charset="0"/>
-                <a:ea typeface="ＭＳ Ｐゴシック" charset="0"/>
-              </a:defRPr>
-            </a:lvl6pPr>
-            <a:lvl7pPr marL="2971800" indent="-228600" eaLnBrk="0" fontAlgn="base" hangingPunct="0">
-              <a:spcBef>
-                <a:spcPct val="0"/>
-              </a:spcBef>
-              <a:spcAft>
-                <a:spcPct val="0"/>
-              </a:spcAft>
-              <a:defRPr sz="2400">
-                <a:solidFill>
-                  <a:schemeClr val="tx1"/>
-                </a:solidFill>
-                <a:latin typeface="Arial" charset="0"/>
-                <a:ea typeface="ＭＳ Ｐゴシック" charset="0"/>
-              </a:defRPr>
-            </a:lvl7pPr>
-            <a:lvl8pPr marL="3429000" indent="-228600" eaLnBrk="0" fontAlgn="base" hangingPunct="0">
-              <a:spcBef>
-                <a:spcPct val="0"/>
-              </a:spcBef>
-              <a:spcAft>
-                <a:spcPct val="0"/>
-              </a:spcAft>
-              <a:defRPr sz="2400">
-                <a:solidFill>
-                  <a:schemeClr val="tx1"/>
-                </a:solidFill>
-                <a:latin typeface="Arial" charset="0"/>
-                <a:ea typeface="ＭＳ Ｐゴシック" charset="0"/>
-              </a:defRPr>
-            </a:lvl8pPr>
-            <a:lvl9pPr marL="3886200" indent="-228600" eaLnBrk="0" fontAlgn="base" hangingPunct="0">
-              <a:spcBef>
-                <a:spcPct val="0"/>
-              </a:spcBef>
-              <a:spcAft>
-                <a:spcPct val="0"/>
-              </a:spcAft>
-              <a:defRPr sz="2400">
-                <a:solidFill>
-                  <a:schemeClr val="tx1"/>
-                </a:solidFill>
-                <a:latin typeface="Arial" charset="0"/>
-                <a:ea typeface="ＭＳ Ｐゴシック" charset="0"/>
-              </a:defRPr>
-            </a:lvl9pPr>
-          </a:lstStyle>
-          <a:p>
-            <a:pPr eaLnBrk="1" hangingPunct="1">
-              <a:defRPr/>
-            </a:pPr>
-            <a:r>
-              <a:rPr lang="en-US" sz="1500" b="1" dirty="0">
-                <a:solidFill>
-                  <a:schemeClr val="bg1"/>
-                </a:solidFill>
-                <a:latin typeface="Calibri" charset="0"/>
-                <a:cs typeface="Calibri" charset="0"/>
-              </a:rPr>
-              <a:t>Module 1 </a:t>
-            </a:r>
-          </a:p>
-        </p:txBody>
-      </p:sp>
-      <p:sp>
-        <p:nvSpPr>
-          <p:cNvPr id="10" name="TextBox 9">
-            <a:extLst>
-              <a:ext uri="{FF2B5EF4-FFF2-40B4-BE49-F238E27FC236}">
-                <a16:creationId xmlns:a16="http://schemas.microsoft.com/office/drawing/2014/main" id="{91C4FED4-4435-C74A-949D-92FE2F7F9165}"/>
-              </a:ext>
-            </a:extLst>
-          </p:cNvPr>
-          <p:cNvSpPr txBox="1"/>
-          <p:nvPr userDrawn="1"/>
-        </p:nvSpPr>
-        <p:spPr>
-          <a:xfrm>
-            <a:off x="9639300" y="6400802"/>
-            <a:ext cx="2362200" cy="369332"/>
-          </a:xfrm>
-          <a:prstGeom prst="rect">
-            <a:avLst/>
-          </a:prstGeom>
-          <a:noFill/>
-        </p:spPr>
-        <p:txBody>
-          <a:bodyPr>
-            <a:spAutoFit/>
-          </a:bodyPr>
-          <a:lstStyle>
-            <a:lvl1pPr eaLnBrk="0" hangingPunct="0">
-              <a:defRPr sz="2400">
-                <a:solidFill>
-                  <a:schemeClr val="tx1"/>
-                </a:solidFill>
-                <a:latin typeface="Arial" charset="0"/>
-                <a:ea typeface="ＭＳ Ｐゴシック" charset="0"/>
-                <a:cs typeface="ＭＳ Ｐゴシック" charset="0"/>
-              </a:defRPr>
-            </a:lvl1pPr>
-            <a:lvl2pPr marL="37931725" indent="-37474525" eaLnBrk="0" hangingPunct="0">
-              <a:defRPr sz="2400">
-                <a:solidFill>
-                  <a:schemeClr val="tx1"/>
-                </a:solidFill>
-                <a:latin typeface="Arial" charset="0"/>
-                <a:ea typeface="ＭＳ Ｐゴシック" charset="0"/>
-              </a:defRPr>
-            </a:lvl2pPr>
-            <a:lvl3pPr eaLnBrk="0" hangingPunct="0">
-              <a:defRPr sz="2400">
-                <a:solidFill>
-                  <a:schemeClr val="tx1"/>
-                </a:solidFill>
-                <a:latin typeface="Arial" charset="0"/>
-                <a:ea typeface="ＭＳ Ｐゴシック" charset="0"/>
-              </a:defRPr>
-            </a:lvl3pPr>
-            <a:lvl4pPr eaLnBrk="0" hangingPunct="0">
-              <a:defRPr sz="2400">
-                <a:solidFill>
-                  <a:schemeClr val="tx1"/>
-                </a:solidFill>
-                <a:latin typeface="Arial" charset="0"/>
-                <a:ea typeface="ＭＳ Ｐゴシック" charset="0"/>
-              </a:defRPr>
-            </a:lvl4pPr>
-            <a:lvl5pPr eaLnBrk="0" hangingPunct="0">
-              <a:defRPr sz="2400">
-                <a:solidFill>
-                  <a:schemeClr val="tx1"/>
-                </a:solidFill>
-                <a:latin typeface="Arial" charset="0"/>
-                <a:ea typeface="ＭＳ Ｐゴシック" charset="0"/>
-              </a:defRPr>
-            </a:lvl5pPr>
-            <a:lvl6pPr marL="457200" eaLnBrk="0" fontAlgn="base" hangingPunct="0">
-              <a:spcBef>
-                <a:spcPct val="0"/>
-              </a:spcBef>
-              <a:spcAft>
-                <a:spcPct val="0"/>
-              </a:spcAft>
-              <a:defRPr sz="2400">
-                <a:solidFill>
-                  <a:schemeClr val="tx1"/>
-                </a:solidFill>
-                <a:latin typeface="Arial" charset="0"/>
-                <a:ea typeface="ＭＳ Ｐゴシック" charset="0"/>
-              </a:defRPr>
-            </a:lvl6pPr>
-            <a:lvl7pPr marL="914400" eaLnBrk="0" fontAlgn="base" hangingPunct="0">
-              <a:spcBef>
-                <a:spcPct val="0"/>
-              </a:spcBef>
-              <a:spcAft>
-                <a:spcPct val="0"/>
-              </a:spcAft>
-              <a:defRPr sz="2400">
-                <a:solidFill>
-                  <a:schemeClr val="tx1"/>
-                </a:solidFill>
-                <a:latin typeface="Arial" charset="0"/>
-                <a:ea typeface="ＭＳ Ｐゴシック" charset="0"/>
-              </a:defRPr>
-            </a:lvl7pPr>
-            <a:lvl8pPr marL="1371600" eaLnBrk="0" fontAlgn="base" hangingPunct="0">
-              <a:spcBef>
-                <a:spcPct val="0"/>
-              </a:spcBef>
-              <a:spcAft>
-                <a:spcPct val="0"/>
-              </a:spcAft>
-              <a:defRPr sz="2400">
-                <a:solidFill>
-                  <a:schemeClr val="tx1"/>
-                </a:solidFill>
-                <a:latin typeface="Arial" charset="0"/>
-                <a:ea typeface="ＭＳ Ｐゴシック" charset="0"/>
-              </a:defRPr>
-            </a:lvl8pPr>
-            <a:lvl9pPr marL="1828800" eaLnBrk="0" fontAlgn="base" hangingPunct="0">
-              <a:spcBef>
-                <a:spcPct val="0"/>
-              </a:spcBef>
-              <a:spcAft>
-                <a:spcPct val="0"/>
-              </a:spcAft>
-              <a:defRPr sz="2400">
-                <a:solidFill>
-                  <a:schemeClr val="tx1"/>
-                </a:solidFill>
-                <a:latin typeface="Arial" charset="0"/>
-                <a:ea typeface="ＭＳ Ｐゴシック" charset="0"/>
-              </a:defRPr>
-            </a:lvl9pPr>
-          </a:lstStyle>
-          <a:p>
             <a:pPr algn="r" eaLnBrk="1" hangingPunct="1">
               <a:defRPr/>
             </a:pPr>
@@ -4838,10 +4117,7 @@
     <p:sldLayoutId id="2147483695" r:id="rId7"/>
     <p:sldLayoutId id="2147483696" r:id="rId8"/>
     <p:sldLayoutId id="2147483697" r:id="rId9"/>
-    <p:sldLayoutId id="2147483698" r:id="rId10"/>
-    <p:sldLayoutId id="2147483699" r:id="rId11"/>
-    <p:sldLayoutId id="2147483700" r:id="rId12"/>
-    <p:sldLayoutId id="2147483673" r:id="rId13"/>
+    <p:sldLayoutId id="2147483700" r:id="rId10"/>
   </p:sldLayoutIdLst>
   <p:txStyles>
     <p:titleStyle>
@@ -5145,115 +4421,6 @@
       </p:grpSpPr>
       <p:sp>
         <p:nvSpPr>
-          <p:cNvPr id="57" name="Rectangle 56"/>
-          <p:cNvSpPr/>
-          <p:nvPr/>
-        </p:nvSpPr>
-        <p:spPr>
-          <a:xfrm>
-            <a:off x="1524001" y="2514601"/>
-            <a:ext cx="5758249" cy="3898557"/>
-          </a:xfrm>
-          <a:prstGeom prst="rect">
-            <a:avLst/>
-          </a:prstGeom>
-          <a:solidFill>
-            <a:schemeClr val="accent1">
-              <a:alpha val="18000"/>
-            </a:schemeClr>
-          </a:solidFill>
-          <a:ln>
-            <a:noFill/>
-          </a:ln>
-        </p:spPr>
-        <p:style>
-          <a:lnRef idx="1">
-            <a:schemeClr val="accent1"/>
-          </a:lnRef>
-          <a:fillRef idx="3">
-            <a:schemeClr val="accent1"/>
-          </a:fillRef>
-          <a:effectRef idx="2">
-            <a:schemeClr val="accent1"/>
-          </a:effectRef>
-          <a:fontRef idx="minor">
-            <a:schemeClr val="lt1"/>
-          </a:fontRef>
-        </p:style>
-        <p:txBody>
-          <a:bodyPr anchor="ctr"/>
-          <a:lstStyle/>
-          <a:p>
-            <a:pPr algn="ctr">
-              <a:defRPr/>
-            </a:pPr>
-            <a:endParaRPr lang="en-US">
-              <a:solidFill>
-                <a:srgbClr val="FFFFFF"/>
-              </a:solidFill>
-              <a:latin typeface="Calibri" charset="0"/>
-              <a:ea typeface="ＭＳ Ｐゴシック" charset="0"/>
-              <a:cs typeface="Calibri" charset="0"/>
-            </a:endParaRPr>
-          </a:p>
-        </p:txBody>
-      </p:sp>
-      <p:pic>
-        <p:nvPicPr>
-          <p:cNvPr id="10242" name="Picture 4" descr="TGI_logo_V_2color_bevel.tiff"/>
-          <p:cNvPicPr>
-            <a:picLocks noChangeAspect="1"/>
-          </p:cNvPicPr>
-          <p:nvPr/>
-        </p:nvPicPr>
-        <p:blipFill>
-          <a:blip r:embed="rId2">
-            <a:extLst>
-              <a:ext uri="{28A0092B-C50C-407E-A947-70E740481C1C}">
-                <a14:useLocalDpi xmlns:a14="http://schemas.microsoft.com/office/drawing/2010/main" val="0"/>
-              </a:ext>
-            </a:extLst>
-          </a:blip>
-          <a:srcRect l="31865" t="30911" r="32492" b="27831"/>
-          <a:stretch>
-            <a:fillRect/>
-          </a:stretch>
-        </p:blipFill>
-        <p:spPr bwMode="auto">
-          <a:xfrm>
-            <a:off x="8112126" y="3744914"/>
-            <a:ext cx="2181225" cy="1893887"/>
-          </a:xfrm>
-          <a:prstGeom prst="rect">
-            <a:avLst/>
-          </a:prstGeom>
-          <a:noFill/>
-          <a:ln>
-            <a:noFill/>
-          </a:ln>
-          <a:extLst>
-            <a:ext uri="{909E8E84-426E-40dd-AFC4-6F175D3DCCD1}">
-              <a14:hiddenFill xmlns:a14="http://schemas.microsoft.com/office/drawing/2010/main" xmlns="">
-                <a:solidFill>
-                  <a:srgbClr val="FFFFFF"/>
-                </a:solidFill>
-              </a14:hiddenFill>
-            </a:ext>
-            <a:ext uri="{91240B29-F687-4f45-9708-019B960494DF}">
-              <a14:hiddenLine xmlns:a14="http://schemas.microsoft.com/office/drawing/2010/main" xmlns="" w="9525">
-                <a:solidFill>
-                  <a:srgbClr val="000000"/>
-                </a:solidFill>
-                <a:miter lim="800000"/>
-                <a:headEnd/>
-                <a:tailEnd/>
-              </a14:hiddenLine>
-            </a:ext>
-          </a:extLst>
-        </p:spPr>
-      </p:pic>
-      <p:sp>
-        <p:nvSpPr>
           <p:cNvPr id="10244" name="Title 1"/>
           <p:cNvSpPr txBox="1">
             <a:spLocks/>
@@ -5544,36 +4711,238 @@
           </a:p>
         </p:txBody>
       </p:sp>
-      <p:pic>
-        <p:nvPicPr>
-          <p:cNvPr id="2" name="Picture 1" descr="DataCenter.jpg"/>
-          <p:cNvPicPr>
-            <a:picLocks noChangeAspect="1"/>
-          </p:cNvPicPr>
-          <p:nvPr/>
-        </p:nvPicPr>
-        <p:blipFill>
-          <a:blip r:embed="rId3" cstate="print">
+      <p:grpSp>
+        <p:nvGrpSpPr>
+          <p:cNvPr id="13" name="Group 12">
             <a:extLst>
-              <a:ext uri="{28A0092B-C50C-407E-A947-70E740481C1C}">
-                <a14:useLocalDpi xmlns:a14="http://schemas.microsoft.com/office/drawing/2010/main" val="0"/>
+              <a:ext uri="{FF2B5EF4-FFF2-40B4-BE49-F238E27FC236}">
+                <a16:creationId xmlns:a16="http://schemas.microsoft.com/office/drawing/2014/main" id="{C090313E-A5CC-284C-94B3-6C246CC826F1}"/>
               </a:ext>
             </a:extLst>
-          </a:blip>
-          <a:stretch>
-            <a:fillRect/>
-          </a:stretch>
-        </p:blipFill>
-        <p:spPr>
+          </p:cNvPr>
+          <p:cNvGrpSpPr/>
+          <p:nvPr/>
+        </p:nvGrpSpPr>
+        <p:grpSpPr>
           <a:xfrm>
-            <a:off x="1703513" y="2708921"/>
-            <a:ext cx="5133893" cy="3422595"/>
-          </a:xfrm>
-          <a:prstGeom prst="rect">
-            <a:avLst/>
-          </a:prstGeom>
-        </p:spPr>
-      </p:pic>
+            <a:off x="367863" y="2514601"/>
+            <a:ext cx="11104782" cy="3898557"/>
+            <a:chOff x="367863" y="2514601"/>
+            <a:chExt cx="11104782" cy="3898557"/>
+          </a:xfrm>
+        </p:grpSpPr>
+        <p:pic>
+          <p:nvPicPr>
+            <p:cNvPr id="14" name="Picture 4" descr="TGI_logo_V_2color_bevel.tiff">
+              <a:extLst>
+                <a:ext uri="{FF2B5EF4-FFF2-40B4-BE49-F238E27FC236}">
+                  <a16:creationId xmlns:a16="http://schemas.microsoft.com/office/drawing/2014/main" id="{EBB6F17B-F948-F145-BE68-323B959B6329}"/>
+                </a:ext>
+              </a:extLst>
+            </p:cNvPr>
+            <p:cNvPicPr>
+              <a:picLocks noChangeAspect="1"/>
+            </p:cNvPicPr>
+            <p:nvPr/>
+          </p:nvPicPr>
+          <p:blipFill>
+            <a:blip r:embed="rId3">
+              <a:extLst>
+                <a:ext uri="{28A0092B-C50C-407E-A947-70E740481C1C}">
+                  <a14:useLocalDpi xmlns:a14="http://schemas.microsoft.com/office/drawing/2010/main" val="0"/>
+                </a:ext>
+              </a:extLst>
+            </a:blip>
+            <a:srcRect l="31865" t="30911" r="32492" b="27831"/>
+            <a:stretch>
+              <a:fillRect/>
+            </a:stretch>
+          </p:blipFill>
+          <p:spPr bwMode="auto">
+            <a:xfrm>
+              <a:off x="8916770" y="3326484"/>
+              <a:ext cx="2555875" cy="2219183"/>
+            </a:xfrm>
+            <a:prstGeom prst="rect">
+              <a:avLst/>
+            </a:prstGeom>
+            <a:noFill/>
+            <a:ln>
+              <a:noFill/>
+            </a:ln>
+            <a:extLst>
+              <a:ext uri="{909E8E84-426E-40dd-AFC4-6F175D3DCCD1}">
+                <a14:hiddenFill xmlns="" xmlns:a14="http://schemas.microsoft.com/office/drawing/2010/main">
+                  <a:solidFill>
+                    <a:srgbClr val="FFFFFF"/>
+                  </a:solidFill>
+                </a14:hiddenFill>
+              </a:ext>
+              <a:ext uri="{91240B29-F687-4f45-9708-019B960494DF}">
+                <a14:hiddenLine xmlns="" xmlns:a14="http://schemas.microsoft.com/office/drawing/2010/main" w="9525">
+                  <a:solidFill>
+                    <a:srgbClr val="000000"/>
+                  </a:solidFill>
+                  <a:miter lim="800000"/>
+                  <a:headEnd/>
+                  <a:tailEnd/>
+                </a14:hiddenLine>
+              </a:ext>
+            </a:extLst>
+          </p:spPr>
+        </p:pic>
+        <p:sp>
+          <p:nvSpPr>
+            <p:cNvPr id="15" name="Rectangle 14">
+              <a:extLst>
+                <a:ext uri="{FF2B5EF4-FFF2-40B4-BE49-F238E27FC236}">
+                  <a16:creationId xmlns:a16="http://schemas.microsoft.com/office/drawing/2014/main" id="{9931649F-5018-CA41-903B-506783D92755}"/>
+                </a:ext>
+              </a:extLst>
+            </p:cNvPr>
+            <p:cNvSpPr/>
+            <p:nvPr/>
+          </p:nvSpPr>
+          <p:spPr>
+            <a:xfrm>
+              <a:off x="367863" y="2514601"/>
+              <a:ext cx="7819697" cy="3898557"/>
+            </a:xfrm>
+            <a:prstGeom prst="rect">
+              <a:avLst/>
+            </a:prstGeom>
+            <a:solidFill>
+              <a:schemeClr val="accent1">
+                <a:alpha val="18000"/>
+              </a:schemeClr>
+            </a:solidFill>
+            <a:ln>
+              <a:noFill/>
+            </a:ln>
+          </p:spPr>
+          <p:style>
+            <a:lnRef idx="1">
+              <a:schemeClr val="accent1"/>
+            </a:lnRef>
+            <a:fillRef idx="3">
+              <a:schemeClr val="accent1"/>
+            </a:fillRef>
+            <a:effectRef idx="2">
+              <a:schemeClr val="accent1"/>
+            </a:effectRef>
+            <a:fontRef idx="minor">
+              <a:schemeClr val="lt1"/>
+            </a:fontRef>
+          </p:style>
+          <p:txBody>
+            <a:bodyPr anchor="ctr"/>
+            <a:lstStyle/>
+            <a:p>
+              <a:pPr algn="ctr">
+                <a:defRPr/>
+              </a:pPr>
+              <a:endParaRPr lang="en-US">
+                <a:solidFill>
+                  <a:srgbClr val="FFFFFF"/>
+                </a:solidFill>
+                <a:latin typeface="Calibri" charset="0"/>
+                <a:ea typeface="ＭＳ Ｐゴシック" charset="0"/>
+                <a:cs typeface="Calibri" charset="0"/>
+              </a:endParaRPr>
+            </a:p>
+          </p:txBody>
+        </p:sp>
+        <p:pic>
+          <p:nvPicPr>
+            <p:cNvPr id="16" name="Picture 15">
+              <a:extLst>
+                <a:ext uri="{FF2B5EF4-FFF2-40B4-BE49-F238E27FC236}">
+                  <a16:creationId xmlns:a16="http://schemas.microsoft.com/office/drawing/2014/main" id="{C6D1C0F4-FE47-AD43-B201-FE7A20FBB7AD}"/>
+                </a:ext>
+              </a:extLst>
+            </p:cNvPr>
+            <p:cNvPicPr>
+              <a:picLocks noChangeAspect="1"/>
+            </p:cNvPicPr>
+            <p:nvPr/>
+          </p:nvPicPr>
+          <p:blipFill>
+            <a:blip r:embed="rId4"/>
+            <a:stretch>
+              <a:fillRect/>
+            </a:stretch>
+          </p:blipFill>
+          <p:spPr>
+            <a:xfrm>
+              <a:off x="488540" y="2640653"/>
+              <a:ext cx="3632886" cy="3632886"/>
+            </a:xfrm>
+            <a:prstGeom prst="rect">
+              <a:avLst/>
+            </a:prstGeom>
+          </p:spPr>
+        </p:pic>
+        <p:pic>
+          <p:nvPicPr>
+            <p:cNvPr id="17" name="Picture 1" descr="RNA-Seq-alignment.png">
+              <a:extLst>
+                <a:ext uri="{FF2B5EF4-FFF2-40B4-BE49-F238E27FC236}">
+                  <a16:creationId xmlns:a16="http://schemas.microsoft.com/office/drawing/2014/main" id="{632099C9-D0E6-014E-88D0-C970EE08FD0C}"/>
+                </a:ext>
+              </a:extLst>
+            </p:cNvPr>
+            <p:cNvPicPr>
+              <a:picLocks noChangeAspect="1"/>
+            </p:cNvPicPr>
+            <p:nvPr/>
+          </p:nvPicPr>
+          <p:blipFill>
+            <a:blip r:embed="rId5">
+              <a:extLst>
+                <a:ext uri="{28A0092B-C50C-407E-A947-70E740481C1C}">
+                  <a14:useLocalDpi xmlns:a14="http://schemas.microsoft.com/office/drawing/2010/main" val="0"/>
+                </a:ext>
+              </a:extLst>
+            </a:blip>
+            <a:srcRect/>
+            <a:stretch>
+              <a:fillRect/>
+            </a:stretch>
+          </p:blipFill>
+          <p:spPr bwMode="auto">
+            <a:xfrm>
+              <a:off x="4253254" y="2640653"/>
+              <a:ext cx="3797615" cy="3637252"/>
+            </a:xfrm>
+            <a:prstGeom prst="rect">
+              <a:avLst/>
+            </a:prstGeom>
+            <a:noFill/>
+            <a:ln>
+              <a:noFill/>
+            </a:ln>
+            <a:extLst>
+              <a:ext uri="{909E8E84-426E-40dd-AFC4-6F175D3DCCD1}">
+                <a14:hiddenFill xmlns="" xmlns:a14="http://schemas.microsoft.com/office/drawing/2010/main">
+                  <a:solidFill>
+                    <a:srgbClr val="FFFFFF"/>
+                  </a:solidFill>
+                </a14:hiddenFill>
+              </a:ext>
+              <a:ext uri="{91240B29-F687-4f45-9708-019B960494DF}">
+                <a14:hiddenLine xmlns="" xmlns:a14="http://schemas.microsoft.com/office/drawing/2010/main" w="9525">
+                  <a:solidFill>
+                    <a:srgbClr val="000000"/>
+                  </a:solidFill>
+                  <a:miter lim="800000"/>
+                  <a:headEnd/>
+                  <a:tailEnd/>
+                </a14:hiddenLine>
+              </a:ext>
+            </a:extLst>
+          </p:spPr>
+        </p:pic>
+      </p:grpSp>
     </p:spTree>
     <p:extLst>
       <p:ext uri="{BB962C8B-B14F-4D97-AF65-F5344CB8AC3E}">

--- a/assets/lectures/cshl/2019/mini/RNASeq_MiniLecture_01_01_FASTA_FASTQ_GTF.pptx
+++ b/assets/lectures/cshl/2019/mini/RNASeq_MiniLecture_01_01_FASTA_FASTQ_GTF.pptx
@@ -1244,7 +1244,15 @@
             <p:ph type="dt" sz="half" idx="10"/>
           </p:nvPr>
         </p:nvSpPr>
-        <p:spPr/>
+        <p:spPr>
+          <a:xfrm>
+            <a:off x="838200" y="6356350"/>
+            <a:ext cx="2743200" cy="365125"/>
+          </a:xfrm>
+          <a:prstGeom prst="rect">
+            <a:avLst/>
+          </a:prstGeom>
+        </p:spPr>
         <p:txBody>
           <a:bodyPr/>
           <a:lstStyle/>
@@ -1267,7 +1275,15 @@
             <p:ph type="ftr" sz="quarter" idx="11"/>
           </p:nvPr>
         </p:nvSpPr>
-        <p:spPr/>
+        <p:spPr>
+          <a:xfrm>
+            <a:off x="4038600" y="6356350"/>
+            <a:ext cx="4114800" cy="365125"/>
+          </a:xfrm>
+          <a:prstGeom prst="rect">
+            <a:avLst/>
+          </a:prstGeom>
+        </p:spPr>
         <p:txBody>
           <a:bodyPr/>
           <a:lstStyle/>
@@ -1286,7 +1302,15 @@
             <p:ph type="sldNum" sz="quarter" idx="12"/>
           </p:nvPr>
         </p:nvSpPr>
-        <p:spPr/>
+        <p:spPr>
+          <a:xfrm>
+            <a:off x="8610600" y="6356350"/>
+            <a:ext cx="2743200" cy="365125"/>
+          </a:xfrm>
+          <a:prstGeom prst="rect">
+            <a:avLst/>
+          </a:prstGeom>
+        </p:spPr>
         <p:txBody>
           <a:bodyPr/>
           <a:lstStyle/>
@@ -1400,14 +1424,14 @@
           </a:ln>
           <a:extLst>
             <a:ext uri="{909E8E84-426E-40dd-AFC4-6F175D3DCCD1}">
-              <a14:hiddenFill xmlns="" xmlns:a14="http://schemas.microsoft.com/office/drawing/2010/main">
+              <a14:hiddenFill xmlns:a14="http://schemas.microsoft.com/office/drawing/2010/main" xmlns="">
                 <a:solidFill>
                   <a:srgbClr val="FFFFFF"/>
                 </a:solidFill>
               </a14:hiddenFill>
             </a:ext>
             <a:ext uri="{91240B29-F687-4f45-9708-019B960494DF}">
-              <a14:hiddenLine xmlns="" xmlns:a14="http://schemas.microsoft.com/office/drawing/2010/main" w="9525">
+              <a14:hiddenLine xmlns:a14="http://schemas.microsoft.com/office/drawing/2010/main" xmlns="" w="9525">
                 <a:solidFill>
                   <a:srgbClr val="000000"/>
                 </a:solidFill>
@@ -1545,14 +1569,14 @@
           </a:ln>
           <a:extLst>
             <a:ext uri="{909E8E84-426E-40dd-AFC4-6F175D3DCCD1}">
-              <a14:hiddenFill xmlns="" xmlns:a14="http://schemas.microsoft.com/office/drawing/2010/main">
+              <a14:hiddenFill xmlns:a14="http://schemas.microsoft.com/office/drawing/2010/main" xmlns="">
                 <a:solidFill>
                   <a:srgbClr val="FFFFFF"/>
                 </a:solidFill>
               </a14:hiddenFill>
             </a:ext>
             <a:ext uri="{91240B29-F687-4f45-9708-019B960494DF}">
-              <a14:hiddenLine xmlns="" xmlns:a14="http://schemas.microsoft.com/office/drawing/2010/main" w="9525">
+              <a14:hiddenLine xmlns:a14="http://schemas.microsoft.com/office/drawing/2010/main" xmlns="" w="9525">
                 <a:solidFill>
                   <a:srgbClr val="000000"/>
                 </a:solidFill>
@@ -1679,7 +1703,15 @@
             <p:ph type="dt" sz="half" idx="10"/>
           </p:nvPr>
         </p:nvSpPr>
-        <p:spPr/>
+        <p:spPr>
+          <a:xfrm>
+            <a:off x="838200" y="6356350"/>
+            <a:ext cx="2743200" cy="365125"/>
+          </a:xfrm>
+          <a:prstGeom prst="rect">
+            <a:avLst/>
+          </a:prstGeom>
+        </p:spPr>
         <p:txBody>
           <a:bodyPr/>
           <a:lstStyle/>
@@ -1702,7 +1734,15 @@
             <p:ph type="ftr" sz="quarter" idx="11"/>
           </p:nvPr>
         </p:nvSpPr>
-        <p:spPr/>
+        <p:spPr>
+          <a:xfrm>
+            <a:off x="4038600" y="6356350"/>
+            <a:ext cx="4114800" cy="365125"/>
+          </a:xfrm>
+          <a:prstGeom prst="rect">
+            <a:avLst/>
+          </a:prstGeom>
+        </p:spPr>
         <p:txBody>
           <a:bodyPr/>
           <a:lstStyle/>
@@ -1721,7 +1761,15 @@
             <p:ph type="sldNum" sz="quarter" idx="12"/>
           </p:nvPr>
         </p:nvSpPr>
-        <p:spPr/>
+        <p:spPr>
+          <a:xfrm>
+            <a:off x="8610600" y="6356350"/>
+            <a:ext cx="2743200" cy="365125"/>
+          </a:xfrm>
+          <a:prstGeom prst="rect">
+            <a:avLst/>
+          </a:prstGeom>
+        </p:spPr>
         <p:txBody>
           <a:bodyPr/>
           <a:lstStyle/>
@@ -1925,7 +1973,15 @@
             <p:ph type="dt" sz="half" idx="10"/>
           </p:nvPr>
         </p:nvSpPr>
-        <p:spPr/>
+        <p:spPr>
+          <a:xfrm>
+            <a:off x="838200" y="6356350"/>
+            <a:ext cx="2743200" cy="365125"/>
+          </a:xfrm>
+          <a:prstGeom prst="rect">
+            <a:avLst/>
+          </a:prstGeom>
+        </p:spPr>
         <p:txBody>
           <a:bodyPr/>
           <a:lstStyle/>
@@ -1948,7 +2004,15 @@
             <p:ph type="ftr" sz="quarter" idx="11"/>
           </p:nvPr>
         </p:nvSpPr>
-        <p:spPr/>
+        <p:spPr>
+          <a:xfrm>
+            <a:off x="4038600" y="6356350"/>
+            <a:ext cx="4114800" cy="365125"/>
+          </a:xfrm>
+          <a:prstGeom prst="rect">
+            <a:avLst/>
+          </a:prstGeom>
+        </p:spPr>
         <p:txBody>
           <a:bodyPr/>
           <a:lstStyle/>
@@ -1967,7 +2031,15 @@
             <p:ph type="sldNum" sz="quarter" idx="12"/>
           </p:nvPr>
         </p:nvSpPr>
-        <p:spPr/>
+        <p:spPr>
+          <a:xfrm>
+            <a:off x="8610600" y="6356350"/>
+            <a:ext cx="2743200" cy="365125"/>
+          </a:xfrm>
+          <a:prstGeom prst="rect">
+            <a:avLst/>
+          </a:prstGeom>
+        </p:spPr>
         <p:txBody>
           <a:bodyPr/>
           <a:lstStyle/>
@@ -2157,7 +2229,15 @@
             <p:ph type="dt" sz="half" idx="10"/>
           </p:nvPr>
         </p:nvSpPr>
-        <p:spPr/>
+        <p:spPr>
+          <a:xfrm>
+            <a:off x="838200" y="6356350"/>
+            <a:ext cx="2743200" cy="365125"/>
+          </a:xfrm>
+          <a:prstGeom prst="rect">
+            <a:avLst/>
+          </a:prstGeom>
+        </p:spPr>
         <p:txBody>
           <a:bodyPr/>
           <a:lstStyle/>
@@ -2180,7 +2260,15 @@
             <p:ph type="ftr" sz="quarter" idx="11"/>
           </p:nvPr>
         </p:nvSpPr>
-        <p:spPr/>
+        <p:spPr>
+          <a:xfrm>
+            <a:off x="4038600" y="6356350"/>
+            <a:ext cx="4114800" cy="365125"/>
+          </a:xfrm>
+          <a:prstGeom prst="rect">
+            <a:avLst/>
+          </a:prstGeom>
+        </p:spPr>
         <p:txBody>
           <a:bodyPr/>
           <a:lstStyle/>
@@ -2199,7 +2287,15 @@
             <p:ph type="sldNum" sz="quarter" idx="12"/>
           </p:nvPr>
         </p:nvSpPr>
-        <p:spPr/>
+        <p:spPr>
+          <a:xfrm>
+            <a:off x="8610600" y="6356350"/>
+            <a:ext cx="2743200" cy="365125"/>
+          </a:xfrm>
+          <a:prstGeom prst="rect">
+            <a:avLst/>
+          </a:prstGeom>
+        </p:spPr>
         <p:txBody>
           <a:bodyPr/>
           <a:lstStyle/>
@@ -2524,7 +2620,15 @@
             <p:ph type="dt" sz="half" idx="10"/>
           </p:nvPr>
         </p:nvSpPr>
-        <p:spPr/>
+        <p:spPr>
+          <a:xfrm>
+            <a:off x="838200" y="6356350"/>
+            <a:ext cx="2743200" cy="365125"/>
+          </a:xfrm>
+          <a:prstGeom prst="rect">
+            <a:avLst/>
+          </a:prstGeom>
+        </p:spPr>
         <p:txBody>
           <a:bodyPr/>
           <a:lstStyle/>
@@ -2547,7 +2651,15 @@
             <p:ph type="ftr" sz="quarter" idx="11"/>
           </p:nvPr>
         </p:nvSpPr>
-        <p:spPr/>
+        <p:spPr>
+          <a:xfrm>
+            <a:off x="4038600" y="6356350"/>
+            <a:ext cx="4114800" cy="365125"/>
+          </a:xfrm>
+          <a:prstGeom prst="rect">
+            <a:avLst/>
+          </a:prstGeom>
+        </p:spPr>
         <p:txBody>
           <a:bodyPr/>
           <a:lstStyle/>
@@ -2566,7 +2678,15 @@
             <p:ph type="sldNum" sz="quarter" idx="12"/>
           </p:nvPr>
         </p:nvSpPr>
-        <p:spPr/>
+        <p:spPr>
+          <a:xfrm>
+            <a:off x="8610600" y="6356350"/>
+            <a:ext cx="2743200" cy="365125"/>
+          </a:xfrm>
+          <a:prstGeom prst="rect">
+            <a:avLst/>
+          </a:prstGeom>
+        </p:spPr>
         <p:txBody>
           <a:bodyPr/>
           <a:lstStyle/>
@@ -2642,7 +2762,15 @@
             <p:ph type="dt" sz="half" idx="10"/>
           </p:nvPr>
         </p:nvSpPr>
-        <p:spPr/>
+        <p:spPr>
+          <a:xfrm>
+            <a:off x="838200" y="6356350"/>
+            <a:ext cx="2743200" cy="365125"/>
+          </a:xfrm>
+          <a:prstGeom prst="rect">
+            <a:avLst/>
+          </a:prstGeom>
+        </p:spPr>
         <p:txBody>
           <a:bodyPr/>
           <a:lstStyle/>
@@ -2665,7 +2793,15 @@
             <p:ph type="ftr" sz="quarter" idx="11"/>
           </p:nvPr>
         </p:nvSpPr>
-        <p:spPr/>
+        <p:spPr>
+          <a:xfrm>
+            <a:off x="4038600" y="6356350"/>
+            <a:ext cx="4114800" cy="365125"/>
+          </a:xfrm>
+          <a:prstGeom prst="rect">
+            <a:avLst/>
+          </a:prstGeom>
+        </p:spPr>
         <p:txBody>
           <a:bodyPr/>
           <a:lstStyle/>
@@ -2684,7 +2820,15 @@
             <p:ph type="sldNum" sz="quarter" idx="12"/>
           </p:nvPr>
         </p:nvSpPr>
-        <p:spPr/>
+        <p:spPr>
+          <a:xfrm>
+            <a:off x="8610600" y="6356350"/>
+            <a:ext cx="2743200" cy="365125"/>
+          </a:xfrm>
+          <a:prstGeom prst="rect">
+            <a:avLst/>
+          </a:prstGeom>
+        </p:spPr>
         <p:txBody>
           <a:bodyPr/>
           <a:lstStyle/>
@@ -2737,7 +2881,15 @@
             <p:ph type="dt" sz="half" idx="10"/>
           </p:nvPr>
         </p:nvSpPr>
-        <p:spPr/>
+        <p:spPr>
+          <a:xfrm>
+            <a:off x="838200" y="6356350"/>
+            <a:ext cx="2743200" cy="365125"/>
+          </a:xfrm>
+          <a:prstGeom prst="rect">
+            <a:avLst/>
+          </a:prstGeom>
+        </p:spPr>
         <p:txBody>
           <a:bodyPr/>
           <a:lstStyle/>
@@ -2760,7 +2912,15 @@
             <p:ph type="ftr" sz="quarter" idx="11"/>
           </p:nvPr>
         </p:nvSpPr>
-        <p:spPr/>
+        <p:spPr>
+          <a:xfrm>
+            <a:off x="4038600" y="6356350"/>
+            <a:ext cx="4114800" cy="365125"/>
+          </a:xfrm>
+          <a:prstGeom prst="rect">
+            <a:avLst/>
+          </a:prstGeom>
+        </p:spPr>
         <p:txBody>
           <a:bodyPr/>
           <a:lstStyle/>
@@ -2779,7 +2939,15 @@
             <p:ph type="sldNum" sz="quarter" idx="12"/>
           </p:nvPr>
         </p:nvSpPr>
-        <p:spPr/>
+        <p:spPr>
+          <a:xfrm>
+            <a:off x="8610600" y="6356350"/>
+            <a:ext cx="2743200" cy="365125"/>
+          </a:xfrm>
+          <a:prstGeom prst="rect">
+            <a:avLst/>
+          </a:prstGeom>
+        </p:spPr>
         <p:txBody>
           <a:bodyPr/>
           <a:lstStyle/>
@@ -3014,7 +3182,15 @@
             <p:ph type="dt" sz="half" idx="10"/>
           </p:nvPr>
         </p:nvSpPr>
-        <p:spPr/>
+        <p:spPr>
+          <a:xfrm>
+            <a:off x="838200" y="6356350"/>
+            <a:ext cx="2743200" cy="365125"/>
+          </a:xfrm>
+          <a:prstGeom prst="rect">
+            <a:avLst/>
+          </a:prstGeom>
+        </p:spPr>
         <p:txBody>
           <a:bodyPr/>
           <a:lstStyle/>
@@ -3037,7 +3213,15 @@
             <p:ph type="ftr" sz="quarter" idx="11"/>
           </p:nvPr>
         </p:nvSpPr>
-        <p:spPr/>
+        <p:spPr>
+          <a:xfrm>
+            <a:off x="4038600" y="6356350"/>
+            <a:ext cx="4114800" cy="365125"/>
+          </a:xfrm>
+          <a:prstGeom prst="rect">
+            <a:avLst/>
+          </a:prstGeom>
+        </p:spPr>
         <p:txBody>
           <a:bodyPr/>
           <a:lstStyle/>
@@ -3056,7 +3240,15 @@
             <p:ph type="sldNum" sz="quarter" idx="12"/>
           </p:nvPr>
         </p:nvSpPr>
-        <p:spPr/>
+        <p:spPr>
+          <a:xfrm>
+            <a:off x="8610600" y="6356350"/>
+            <a:ext cx="2743200" cy="365125"/>
+          </a:xfrm>
+          <a:prstGeom prst="rect">
+            <a:avLst/>
+          </a:prstGeom>
+        </p:spPr>
         <p:txBody>
           <a:bodyPr/>
           <a:lstStyle/>
@@ -3271,7 +3463,15 @@
             <p:ph type="dt" sz="half" idx="10"/>
           </p:nvPr>
         </p:nvSpPr>
-        <p:spPr/>
+        <p:spPr>
+          <a:xfrm>
+            <a:off x="838200" y="6356350"/>
+            <a:ext cx="2743200" cy="365125"/>
+          </a:xfrm>
+          <a:prstGeom prst="rect">
+            <a:avLst/>
+          </a:prstGeom>
+        </p:spPr>
         <p:txBody>
           <a:bodyPr/>
           <a:lstStyle/>
@@ -3294,7 +3494,15 @@
             <p:ph type="ftr" sz="quarter" idx="11"/>
           </p:nvPr>
         </p:nvSpPr>
-        <p:spPr/>
+        <p:spPr>
+          <a:xfrm>
+            <a:off x="4038600" y="6356350"/>
+            <a:ext cx="4114800" cy="365125"/>
+          </a:xfrm>
+          <a:prstGeom prst="rect">
+            <a:avLst/>
+          </a:prstGeom>
+        </p:spPr>
         <p:txBody>
           <a:bodyPr/>
           <a:lstStyle/>
@@ -3313,7 +3521,15 @@
             <p:ph type="sldNum" sz="quarter" idx="12"/>
           </p:nvPr>
         </p:nvSpPr>
-        <p:spPr/>
+        <p:spPr>
+          <a:xfrm>
+            <a:off x="8610600" y="6356350"/>
+            <a:ext cx="2743200" cy="365125"/>
+          </a:xfrm>
+          <a:prstGeom prst="rect">
+            <a:avLst/>
+          </a:prstGeom>
+        </p:spPr>
         <p:txBody>
           <a:bodyPr/>
           <a:lstStyle/>
@@ -3452,125 +3668,6 @@
               <a:rPr lang="en-US"/>
               <a:t>Fifth level</a:t>
             </a:r>
-            <a:endParaRPr lang="en-US" dirty="0"/>
-          </a:p>
-        </p:txBody>
-      </p:sp>
-      <p:sp>
-        <p:nvSpPr>
-          <p:cNvPr id="4" name="Date Placeholder 3"/>
-          <p:cNvSpPr>
-            <a:spLocks noGrp="1"/>
-          </p:cNvSpPr>
-          <p:nvPr>
-            <p:ph type="dt" sz="half" idx="2"/>
-          </p:nvPr>
-        </p:nvSpPr>
-        <p:spPr>
-          <a:xfrm>
-            <a:off x="838200" y="6356350"/>
-            <a:ext cx="2743200" cy="365125"/>
-          </a:xfrm>
-          <a:prstGeom prst="rect">
-            <a:avLst/>
-          </a:prstGeom>
-        </p:spPr>
-        <p:txBody>
-          <a:bodyPr vert="horz" lIns="91440" tIns="45720" rIns="91440" bIns="45720" rtlCol="0" anchor="ctr"/>
-          <a:lstStyle>
-            <a:lvl1pPr algn="l">
-              <a:defRPr sz="1200">
-                <a:solidFill>
-                  <a:schemeClr val="tx1">
-                    <a:tint val="75000"/>
-                  </a:schemeClr>
-                </a:solidFill>
-              </a:defRPr>
-            </a:lvl1pPr>
-          </a:lstStyle>
-          <a:p>
-            <a:fld id="{C764DE79-268F-4C1A-8933-263129D2AF90}" type="datetimeFigureOut">
-              <a:rPr lang="en-US" smtClean="0"/>
-              <a:t>11/10/19</a:t>
-            </a:fld>
-            <a:endParaRPr lang="en-US" dirty="0"/>
-          </a:p>
-        </p:txBody>
-      </p:sp>
-      <p:sp>
-        <p:nvSpPr>
-          <p:cNvPr id="5" name="Footer Placeholder 4"/>
-          <p:cNvSpPr>
-            <a:spLocks noGrp="1"/>
-          </p:cNvSpPr>
-          <p:nvPr>
-            <p:ph type="ftr" sz="quarter" idx="3"/>
-          </p:nvPr>
-        </p:nvSpPr>
-        <p:spPr>
-          <a:xfrm>
-            <a:off x="4038600" y="6356350"/>
-            <a:ext cx="4114800" cy="365125"/>
-          </a:xfrm>
-          <a:prstGeom prst="rect">
-            <a:avLst/>
-          </a:prstGeom>
-        </p:spPr>
-        <p:txBody>
-          <a:bodyPr vert="horz" lIns="91440" tIns="45720" rIns="91440" bIns="45720" rtlCol="0" anchor="ctr"/>
-          <a:lstStyle>
-            <a:lvl1pPr algn="ctr">
-              <a:defRPr sz="1200">
-                <a:solidFill>
-                  <a:schemeClr val="tx1">
-                    <a:tint val="75000"/>
-                  </a:schemeClr>
-                </a:solidFill>
-              </a:defRPr>
-            </a:lvl1pPr>
-          </a:lstStyle>
-          <a:p>
-            <a:endParaRPr lang="en-US" dirty="0"/>
-          </a:p>
-        </p:txBody>
-      </p:sp>
-      <p:sp>
-        <p:nvSpPr>
-          <p:cNvPr id="6" name="Slide Number Placeholder 5"/>
-          <p:cNvSpPr>
-            <a:spLocks noGrp="1"/>
-          </p:cNvSpPr>
-          <p:nvPr>
-            <p:ph type="sldNum" sz="quarter" idx="4"/>
-          </p:nvPr>
-        </p:nvSpPr>
-        <p:spPr>
-          <a:xfrm>
-            <a:off x="8610600" y="6356350"/>
-            <a:ext cx="2743200" cy="365125"/>
-          </a:xfrm>
-          <a:prstGeom prst="rect">
-            <a:avLst/>
-          </a:prstGeom>
-        </p:spPr>
-        <p:txBody>
-          <a:bodyPr vert="horz" lIns="91440" tIns="45720" rIns="91440" bIns="45720" rtlCol="0" anchor="ctr"/>
-          <a:lstStyle>
-            <a:lvl1pPr algn="r">
-              <a:defRPr sz="1200">
-                <a:solidFill>
-                  <a:schemeClr val="tx1">
-                    <a:tint val="75000"/>
-                  </a:schemeClr>
-                </a:solidFill>
-              </a:defRPr>
-            </a:lvl1pPr>
-          </a:lstStyle>
-          <a:p>
-            <a:fld id="{0B973F48-4628-F846-BA33-DDE653D83577}" type="slidenum">
-              <a:rPr lang="en-US" smtClean="0"/>
-              <a:t>‹#›</a:t>
-            </a:fld>
             <a:endParaRPr lang="en-US" dirty="0"/>
           </a:p>
         </p:txBody>
@@ -3790,7 +3887,7 @@
         </p:nvSpPr>
         <p:spPr bwMode="auto">
           <a:xfrm>
-            <a:off x="0" y="6430966"/>
+            <a:off x="0" y="6464526"/>
             <a:ext cx="6705600" cy="323165"/>
           </a:xfrm>
           <a:prstGeom prst="rect">
@@ -3802,14 +3899,14 @@
           </a:ln>
           <a:extLst>
             <a:ext uri="{909E8E84-426E-40dd-AFC4-6F175D3DCCD1}">
-              <a14:hiddenFill xmlns:a14="http://schemas.microsoft.com/office/drawing/2010/main" xmlns="">
+              <a14:hiddenFill xmlns="" xmlns:a14="http://schemas.microsoft.com/office/drawing/2010/main">
                 <a:solidFill>
                   <a:srgbClr val="FFFFFF"/>
                 </a:solidFill>
               </a14:hiddenFill>
             </a:ext>
             <a:ext uri="{91240B29-F687-4f45-9708-019B960494DF}">
-              <a14:hiddenLine xmlns:a14="http://schemas.microsoft.com/office/drawing/2010/main" xmlns="" w="9525">
+              <a14:hiddenLine xmlns="" xmlns:a14="http://schemas.microsoft.com/office/drawing/2010/main" w="9525">
                 <a:solidFill>
                   <a:srgbClr val="000000"/>
                 </a:solidFill>
@@ -3963,7 +4060,7 @@
         </p:nvSpPr>
         <p:spPr>
           <a:xfrm>
-            <a:off x="9639300" y="6400802"/>
+            <a:off x="9639300" y="6441442"/>
             <a:ext cx="2362200" cy="369332"/>
           </a:xfrm>
           <a:prstGeom prst="rect">
@@ -4441,14 +4538,14 @@
           </a:ln>
           <a:extLst>
             <a:ext uri="{909E8E84-426E-40dd-AFC4-6F175D3DCCD1}">
-              <a14:hiddenFill xmlns:a14="http://schemas.microsoft.com/office/drawing/2010/main" xmlns="">
+              <a14:hiddenFill xmlns="" xmlns:a14="http://schemas.microsoft.com/office/drawing/2010/main">
                 <a:solidFill>
                   <a:srgbClr val="FFFFFF"/>
                 </a:solidFill>
               </a14:hiddenFill>
             </a:ext>
             <a:ext uri="{91240B29-F687-4f45-9708-019B960494DF}">
-              <a14:hiddenLine xmlns:a14="http://schemas.microsoft.com/office/drawing/2010/main" xmlns="" w="9525">
+              <a14:hiddenLine xmlns="" xmlns:a14="http://schemas.microsoft.com/office/drawing/2010/main" w="9525">
                 <a:solidFill>
                   <a:srgbClr val="000000"/>
                 </a:solidFill>
@@ -4772,14 +4869,14 @@
             </a:ln>
             <a:extLst>
               <a:ext uri="{909E8E84-426E-40dd-AFC4-6F175D3DCCD1}">
-                <a14:hiddenFill xmlns="" xmlns:a14="http://schemas.microsoft.com/office/drawing/2010/main">
+                <a14:hiddenFill xmlns:a14="http://schemas.microsoft.com/office/drawing/2010/main" xmlns="">
                   <a:solidFill>
                     <a:srgbClr val="FFFFFF"/>
                   </a:solidFill>
                 </a14:hiddenFill>
               </a:ext>
               <a:ext uri="{91240B29-F687-4f45-9708-019B960494DF}">
-                <a14:hiddenLine xmlns="" xmlns:a14="http://schemas.microsoft.com/office/drawing/2010/main" w="9525">
+                <a14:hiddenLine xmlns:a14="http://schemas.microsoft.com/office/drawing/2010/main" xmlns="" w="9525">
                   <a:solidFill>
                     <a:srgbClr val="000000"/>
                   </a:solidFill>
@@ -4923,14 +5020,14 @@
             </a:ln>
             <a:extLst>
               <a:ext uri="{909E8E84-426E-40dd-AFC4-6F175D3DCCD1}">
-                <a14:hiddenFill xmlns="" xmlns:a14="http://schemas.microsoft.com/office/drawing/2010/main">
+                <a14:hiddenFill xmlns:a14="http://schemas.microsoft.com/office/drawing/2010/main" xmlns="">
                   <a:solidFill>
                     <a:srgbClr val="FFFFFF"/>
                   </a:solidFill>
                 </a14:hiddenFill>
               </a:ext>
               <a:ext uri="{91240B29-F687-4f45-9708-019B960494DF}">
-                <a14:hiddenLine xmlns="" xmlns:a14="http://schemas.microsoft.com/office/drawing/2010/main" w="9525">
+                <a14:hiddenLine xmlns:a14="http://schemas.microsoft.com/office/drawing/2010/main" xmlns="" w="9525">
                   <a:solidFill>
                     <a:srgbClr val="000000"/>
                   </a:solidFill>

--- a/assets/lectures/cshl/2019/mini/RNASeq_MiniLecture_01_01_FASTA_FASTQ_GTF.pptx
+++ b/assets/lectures/cshl/2019/mini/RNASeq_MiniLecture_01_01_FASTA_FASTQ_GTF.pptx
@@ -1236,95 +1236,6 @@
       </p:sp>
       <p:sp>
         <p:nvSpPr>
-          <p:cNvPr id="4" name="Date Placeholder 3"/>
-          <p:cNvSpPr>
-            <a:spLocks noGrp="1"/>
-          </p:cNvSpPr>
-          <p:nvPr>
-            <p:ph type="dt" sz="half" idx="10"/>
-          </p:nvPr>
-        </p:nvSpPr>
-        <p:spPr>
-          <a:xfrm>
-            <a:off x="838200" y="6356350"/>
-            <a:ext cx="2743200" cy="365125"/>
-          </a:xfrm>
-          <a:prstGeom prst="rect">
-            <a:avLst/>
-          </a:prstGeom>
-        </p:spPr>
-        <p:txBody>
-          <a:bodyPr/>
-          <a:lstStyle/>
-          <a:p>
-            <a:fld id="{C764DE79-268F-4C1A-8933-263129D2AF90}" type="datetimeFigureOut">
-              <a:rPr lang="en-US" smtClean="0"/>
-              <a:t>11/10/19</a:t>
-            </a:fld>
-            <a:endParaRPr lang="en-US" dirty="0"/>
-          </a:p>
-        </p:txBody>
-      </p:sp>
-      <p:sp>
-        <p:nvSpPr>
-          <p:cNvPr id="5" name="Footer Placeholder 4"/>
-          <p:cNvSpPr>
-            <a:spLocks noGrp="1"/>
-          </p:cNvSpPr>
-          <p:nvPr>
-            <p:ph type="ftr" sz="quarter" idx="11"/>
-          </p:nvPr>
-        </p:nvSpPr>
-        <p:spPr>
-          <a:xfrm>
-            <a:off x="4038600" y="6356350"/>
-            <a:ext cx="4114800" cy="365125"/>
-          </a:xfrm>
-          <a:prstGeom prst="rect">
-            <a:avLst/>
-          </a:prstGeom>
-        </p:spPr>
-        <p:txBody>
-          <a:bodyPr/>
-          <a:lstStyle/>
-          <a:p>
-            <a:endParaRPr lang="en-US" dirty="0"/>
-          </a:p>
-        </p:txBody>
-      </p:sp>
-      <p:sp>
-        <p:nvSpPr>
-          <p:cNvPr id="6" name="Slide Number Placeholder 5"/>
-          <p:cNvSpPr>
-            <a:spLocks noGrp="1"/>
-          </p:cNvSpPr>
-          <p:nvPr>
-            <p:ph type="sldNum" sz="quarter" idx="12"/>
-          </p:nvPr>
-        </p:nvSpPr>
-        <p:spPr>
-          <a:xfrm>
-            <a:off x="8610600" y="6356350"/>
-            <a:ext cx="2743200" cy="365125"/>
-          </a:xfrm>
-          <a:prstGeom prst="rect">
-            <a:avLst/>
-          </a:prstGeom>
-        </p:spPr>
-        <p:txBody>
-          <a:bodyPr/>
-          <a:lstStyle/>
-          <a:p>
-            <a:fld id="{0B973F48-4628-F846-BA33-DDE653D83577}" type="slidenum">
-              <a:rPr lang="en-US" smtClean="0"/>
-              <a:t>‹#›</a:t>
-            </a:fld>
-            <a:endParaRPr lang="en-US"/>
-          </a:p>
-        </p:txBody>
-      </p:sp>
-      <p:sp>
-        <p:nvSpPr>
           <p:cNvPr id="7" name="Rectangle 6">
             <a:extLst>
               <a:ext uri="{FF2B5EF4-FFF2-40B4-BE49-F238E27FC236}">
@@ -1424,14 +1335,14 @@
           </a:ln>
           <a:extLst>
             <a:ext uri="{909E8E84-426E-40dd-AFC4-6F175D3DCCD1}">
-              <a14:hiddenFill xmlns:a14="http://schemas.microsoft.com/office/drawing/2010/main" xmlns="">
+              <a14:hiddenFill xmlns="" xmlns:a14="http://schemas.microsoft.com/office/drawing/2010/main">
                 <a:solidFill>
                   <a:srgbClr val="FFFFFF"/>
                 </a:solidFill>
               </a14:hiddenFill>
             </a:ext>
             <a:ext uri="{91240B29-F687-4f45-9708-019B960494DF}">
-              <a14:hiddenLine xmlns:a14="http://schemas.microsoft.com/office/drawing/2010/main" xmlns="" w="9525">
+              <a14:hiddenLine xmlns="" xmlns:a14="http://schemas.microsoft.com/office/drawing/2010/main" w="9525">
                 <a:solidFill>
                   <a:srgbClr val="000000"/>
                 </a:solidFill>
@@ -1569,14 +1480,14 @@
           </a:ln>
           <a:extLst>
             <a:ext uri="{909E8E84-426E-40dd-AFC4-6F175D3DCCD1}">
-              <a14:hiddenFill xmlns:a14="http://schemas.microsoft.com/office/drawing/2010/main" xmlns="">
+              <a14:hiddenFill xmlns="" xmlns:a14="http://schemas.microsoft.com/office/drawing/2010/main">
                 <a:solidFill>
                   <a:srgbClr val="FFFFFF"/>
                 </a:solidFill>
               </a14:hiddenFill>
             </a:ext>
             <a:ext uri="{91240B29-F687-4f45-9708-019B960494DF}">
-              <a14:hiddenLine xmlns:a14="http://schemas.microsoft.com/office/drawing/2010/main" xmlns="" w="9525">
+              <a14:hiddenLine xmlns="" xmlns:a14="http://schemas.microsoft.com/office/drawing/2010/main" w="9525">
                 <a:solidFill>
                   <a:srgbClr val="000000"/>
                 </a:solidFill>
@@ -1690,95 +1601,6 @@
               <a:t>Fifth level</a:t>
             </a:r>
             <a:endParaRPr lang="en-US" dirty="0"/>
-          </a:p>
-        </p:txBody>
-      </p:sp>
-      <p:sp>
-        <p:nvSpPr>
-          <p:cNvPr id="4" name="Date Placeholder 3"/>
-          <p:cNvSpPr>
-            <a:spLocks noGrp="1"/>
-          </p:cNvSpPr>
-          <p:nvPr>
-            <p:ph type="dt" sz="half" idx="10"/>
-          </p:nvPr>
-        </p:nvSpPr>
-        <p:spPr>
-          <a:xfrm>
-            <a:off x="838200" y="6356350"/>
-            <a:ext cx="2743200" cy="365125"/>
-          </a:xfrm>
-          <a:prstGeom prst="rect">
-            <a:avLst/>
-          </a:prstGeom>
-        </p:spPr>
-        <p:txBody>
-          <a:bodyPr/>
-          <a:lstStyle/>
-          <a:p>
-            <a:fld id="{C764DE79-268F-4C1A-8933-263129D2AF90}" type="datetimeFigureOut">
-              <a:rPr lang="en-US" smtClean="0"/>
-              <a:t>11/10/19</a:t>
-            </a:fld>
-            <a:endParaRPr lang="en-US" dirty="0"/>
-          </a:p>
-        </p:txBody>
-      </p:sp>
-      <p:sp>
-        <p:nvSpPr>
-          <p:cNvPr id="5" name="Footer Placeholder 4"/>
-          <p:cNvSpPr>
-            <a:spLocks noGrp="1"/>
-          </p:cNvSpPr>
-          <p:nvPr>
-            <p:ph type="ftr" sz="quarter" idx="11"/>
-          </p:nvPr>
-        </p:nvSpPr>
-        <p:spPr>
-          <a:xfrm>
-            <a:off x="4038600" y="6356350"/>
-            <a:ext cx="4114800" cy="365125"/>
-          </a:xfrm>
-          <a:prstGeom prst="rect">
-            <a:avLst/>
-          </a:prstGeom>
-        </p:spPr>
-        <p:txBody>
-          <a:bodyPr/>
-          <a:lstStyle/>
-          <a:p>
-            <a:endParaRPr lang="en-US" dirty="0"/>
-          </a:p>
-        </p:txBody>
-      </p:sp>
-      <p:sp>
-        <p:nvSpPr>
-          <p:cNvPr id="6" name="Slide Number Placeholder 5"/>
-          <p:cNvSpPr>
-            <a:spLocks noGrp="1"/>
-          </p:cNvSpPr>
-          <p:nvPr>
-            <p:ph type="sldNum" sz="quarter" idx="12"/>
-          </p:nvPr>
-        </p:nvSpPr>
-        <p:spPr>
-          <a:xfrm>
-            <a:off x="8610600" y="6356350"/>
-            <a:ext cx="2743200" cy="365125"/>
-          </a:xfrm>
-          <a:prstGeom prst="rect">
-            <a:avLst/>
-          </a:prstGeom>
-        </p:spPr>
-        <p:txBody>
-          <a:bodyPr/>
-          <a:lstStyle/>
-          <a:p>
-            <a:fld id="{0B973F48-4628-F846-BA33-DDE653D83577}" type="slidenum">
-              <a:rPr lang="en-US" smtClean="0"/>
-              <a:t>‹#›</a:t>
-            </a:fld>
-            <a:endParaRPr lang="en-US"/>
           </a:p>
         </p:txBody>
       </p:sp>
@@ -1963,95 +1785,6 @@
           </a:p>
         </p:txBody>
       </p:sp>
-      <p:sp>
-        <p:nvSpPr>
-          <p:cNvPr id="4" name="Date Placeholder 3"/>
-          <p:cNvSpPr>
-            <a:spLocks noGrp="1"/>
-          </p:cNvSpPr>
-          <p:nvPr>
-            <p:ph type="dt" sz="half" idx="10"/>
-          </p:nvPr>
-        </p:nvSpPr>
-        <p:spPr>
-          <a:xfrm>
-            <a:off x="838200" y="6356350"/>
-            <a:ext cx="2743200" cy="365125"/>
-          </a:xfrm>
-          <a:prstGeom prst="rect">
-            <a:avLst/>
-          </a:prstGeom>
-        </p:spPr>
-        <p:txBody>
-          <a:bodyPr/>
-          <a:lstStyle/>
-          <a:p>
-            <a:fld id="{C764DE79-268F-4C1A-8933-263129D2AF90}" type="datetimeFigureOut">
-              <a:rPr lang="en-US" smtClean="0"/>
-              <a:t>11/10/19</a:t>
-            </a:fld>
-            <a:endParaRPr lang="en-US" dirty="0"/>
-          </a:p>
-        </p:txBody>
-      </p:sp>
-      <p:sp>
-        <p:nvSpPr>
-          <p:cNvPr id="5" name="Footer Placeholder 4"/>
-          <p:cNvSpPr>
-            <a:spLocks noGrp="1"/>
-          </p:cNvSpPr>
-          <p:nvPr>
-            <p:ph type="ftr" sz="quarter" idx="11"/>
-          </p:nvPr>
-        </p:nvSpPr>
-        <p:spPr>
-          <a:xfrm>
-            <a:off x="4038600" y="6356350"/>
-            <a:ext cx="4114800" cy="365125"/>
-          </a:xfrm>
-          <a:prstGeom prst="rect">
-            <a:avLst/>
-          </a:prstGeom>
-        </p:spPr>
-        <p:txBody>
-          <a:bodyPr/>
-          <a:lstStyle/>
-          <a:p>
-            <a:endParaRPr lang="en-US" dirty="0"/>
-          </a:p>
-        </p:txBody>
-      </p:sp>
-      <p:sp>
-        <p:nvSpPr>
-          <p:cNvPr id="6" name="Slide Number Placeholder 5"/>
-          <p:cNvSpPr>
-            <a:spLocks noGrp="1"/>
-          </p:cNvSpPr>
-          <p:nvPr>
-            <p:ph type="sldNum" sz="quarter" idx="12"/>
-          </p:nvPr>
-        </p:nvSpPr>
-        <p:spPr>
-          <a:xfrm>
-            <a:off x="8610600" y="6356350"/>
-            <a:ext cx="2743200" cy="365125"/>
-          </a:xfrm>
-          <a:prstGeom prst="rect">
-            <a:avLst/>
-          </a:prstGeom>
-        </p:spPr>
-        <p:txBody>
-          <a:bodyPr/>
-          <a:lstStyle/>
-          <a:p>
-            <a:fld id="{0B973F48-4628-F846-BA33-DDE653D83577}" type="slidenum">
-              <a:rPr lang="en-US" smtClean="0"/>
-              <a:t>‹#›</a:t>
-            </a:fld>
-            <a:endParaRPr lang="en-US"/>
-          </a:p>
-        </p:txBody>
-      </p:sp>
     </p:spTree>
     <p:extLst>
       <p:ext uri="{BB962C8B-B14F-4D97-AF65-F5344CB8AC3E}">
@@ -2219,95 +1952,6 @@
           </a:p>
         </p:txBody>
       </p:sp>
-      <p:sp>
-        <p:nvSpPr>
-          <p:cNvPr id="5" name="Date Placeholder 4"/>
-          <p:cNvSpPr>
-            <a:spLocks noGrp="1"/>
-          </p:cNvSpPr>
-          <p:nvPr>
-            <p:ph type="dt" sz="half" idx="10"/>
-          </p:nvPr>
-        </p:nvSpPr>
-        <p:spPr>
-          <a:xfrm>
-            <a:off x="838200" y="6356350"/>
-            <a:ext cx="2743200" cy="365125"/>
-          </a:xfrm>
-          <a:prstGeom prst="rect">
-            <a:avLst/>
-          </a:prstGeom>
-        </p:spPr>
-        <p:txBody>
-          <a:bodyPr/>
-          <a:lstStyle/>
-          <a:p>
-            <a:fld id="{C764DE79-268F-4C1A-8933-263129D2AF90}" type="datetimeFigureOut">
-              <a:rPr lang="en-US" smtClean="0"/>
-              <a:t>11/10/19</a:t>
-            </a:fld>
-            <a:endParaRPr lang="en-US" dirty="0"/>
-          </a:p>
-        </p:txBody>
-      </p:sp>
-      <p:sp>
-        <p:nvSpPr>
-          <p:cNvPr id="6" name="Footer Placeholder 5"/>
-          <p:cNvSpPr>
-            <a:spLocks noGrp="1"/>
-          </p:cNvSpPr>
-          <p:nvPr>
-            <p:ph type="ftr" sz="quarter" idx="11"/>
-          </p:nvPr>
-        </p:nvSpPr>
-        <p:spPr>
-          <a:xfrm>
-            <a:off x="4038600" y="6356350"/>
-            <a:ext cx="4114800" cy="365125"/>
-          </a:xfrm>
-          <a:prstGeom prst="rect">
-            <a:avLst/>
-          </a:prstGeom>
-        </p:spPr>
-        <p:txBody>
-          <a:bodyPr/>
-          <a:lstStyle/>
-          <a:p>
-            <a:endParaRPr lang="en-US" dirty="0"/>
-          </a:p>
-        </p:txBody>
-      </p:sp>
-      <p:sp>
-        <p:nvSpPr>
-          <p:cNvPr id="7" name="Slide Number Placeholder 6"/>
-          <p:cNvSpPr>
-            <a:spLocks noGrp="1"/>
-          </p:cNvSpPr>
-          <p:nvPr>
-            <p:ph type="sldNum" sz="quarter" idx="12"/>
-          </p:nvPr>
-        </p:nvSpPr>
-        <p:spPr>
-          <a:xfrm>
-            <a:off x="8610600" y="6356350"/>
-            <a:ext cx="2743200" cy="365125"/>
-          </a:xfrm>
-          <a:prstGeom prst="rect">
-            <a:avLst/>
-          </a:prstGeom>
-        </p:spPr>
-        <p:txBody>
-          <a:bodyPr/>
-          <a:lstStyle/>
-          <a:p>
-            <a:fld id="{0B973F48-4628-F846-BA33-DDE653D83577}" type="slidenum">
-              <a:rPr lang="en-US" smtClean="0"/>
-              <a:t>‹#›</a:t>
-            </a:fld>
-            <a:endParaRPr lang="en-US"/>
-          </a:p>
-        </p:txBody>
-      </p:sp>
     </p:spTree>
     <p:extLst>
       <p:ext uri="{BB962C8B-B14F-4D97-AF65-F5344CB8AC3E}">
@@ -2607,95 +2251,6 @@
               <a:t>Fifth level</a:t>
             </a:r>
             <a:endParaRPr lang="en-US" dirty="0"/>
-          </a:p>
-        </p:txBody>
-      </p:sp>
-      <p:sp>
-        <p:nvSpPr>
-          <p:cNvPr id="7" name="Date Placeholder 6"/>
-          <p:cNvSpPr>
-            <a:spLocks noGrp="1"/>
-          </p:cNvSpPr>
-          <p:nvPr>
-            <p:ph type="dt" sz="half" idx="10"/>
-          </p:nvPr>
-        </p:nvSpPr>
-        <p:spPr>
-          <a:xfrm>
-            <a:off x="838200" y="6356350"/>
-            <a:ext cx="2743200" cy="365125"/>
-          </a:xfrm>
-          <a:prstGeom prst="rect">
-            <a:avLst/>
-          </a:prstGeom>
-        </p:spPr>
-        <p:txBody>
-          <a:bodyPr/>
-          <a:lstStyle/>
-          <a:p>
-            <a:fld id="{C764DE79-268F-4C1A-8933-263129D2AF90}" type="datetimeFigureOut">
-              <a:rPr lang="en-US" smtClean="0"/>
-              <a:t>11/10/19</a:t>
-            </a:fld>
-            <a:endParaRPr lang="en-US" dirty="0"/>
-          </a:p>
-        </p:txBody>
-      </p:sp>
-      <p:sp>
-        <p:nvSpPr>
-          <p:cNvPr id="8" name="Footer Placeholder 7"/>
-          <p:cNvSpPr>
-            <a:spLocks noGrp="1"/>
-          </p:cNvSpPr>
-          <p:nvPr>
-            <p:ph type="ftr" sz="quarter" idx="11"/>
-          </p:nvPr>
-        </p:nvSpPr>
-        <p:spPr>
-          <a:xfrm>
-            <a:off x="4038600" y="6356350"/>
-            <a:ext cx="4114800" cy="365125"/>
-          </a:xfrm>
-          <a:prstGeom prst="rect">
-            <a:avLst/>
-          </a:prstGeom>
-        </p:spPr>
-        <p:txBody>
-          <a:bodyPr/>
-          <a:lstStyle/>
-          <a:p>
-            <a:endParaRPr lang="en-US" dirty="0"/>
-          </a:p>
-        </p:txBody>
-      </p:sp>
-      <p:sp>
-        <p:nvSpPr>
-          <p:cNvPr id="9" name="Slide Number Placeholder 8"/>
-          <p:cNvSpPr>
-            <a:spLocks noGrp="1"/>
-          </p:cNvSpPr>
-          <p:nvPr>
-            <p:ph type="sldNum" sz="quarter" idx="12"/>
-          </p:nvPr>
-        </p:nvSpPr>
-        <p:spPr>
-          <a:xfrm>
-            <a:off x="8610600" y="6356350"/>
-            <a:ext cx="2743200" cy="365125"/>
-          </a:xfrm>
-          <a:prstGeom prst="rect">
-            <a:avLst/>
-          </a:prstGeom>
-        </p:spPr>
-        <p:txBody>
-          <a:bodyPr/>
-          <a:lstStyle/>
-          <a:p>
-            <a:fld id="{0B973F48-4628-F846-BA33-DDE653D83577}" type="slidenum">
-              <a:rPr lang="en-US" smtClean="0"/>
-              <a:t>‹#›</a:t>
-            </a:fld>
-            <a:endParaRPr lang="en-US"/>
           </a:p>
         </p:txBody>
       </p:sp>
@@ -2752,95 +2307,6 @@
           </a:p>
         </p:txBody>
       </p:sp>
-      <p:sp>
-        <p:nvSpPr>
-          <p:cNvPr id="3" name="Date Placeholder 2"/>
-          <p:cNvSpPr>
-            <a:spLocks noGrp="1"/>
-          </p:cNvSpPr>
-          <p:nvPr>
-            <p:ph type="dt" sz="half" idx="10"/>
-          </p:nvPr>
-        </p:nvSpPr>
-        <p:spPr>
-          <a:xfrm>
-            <a:off x="838200" y="6356350"/>
-            <a:ext cx="2743200" cy="365125"/>
-          </a:xfrm>
-          <a:prstGeom prst="rect">
-            <a:avLst/>
-          </a:prstGeom>
-        </p:spPr>
-        <p:txBody>
-          <a:bodyPr/>
-          <a:lstStyle/>
-          <a:p>
-            <a:fld id="{C764DE79-268F-4C1A-8933-263129D2AF90}" type="datetimeFigureOut">
-              <a:rPr lang="en-US" smtClean="0"/>
-              <a:t>11/10/19</a:t>
-            </a:fld>
-            <a:endParaRPr lang="en-US" dirty="0"/>
-          </a:p>
-        </p:txBody>
-      </p:sp>
-      <p:sp>
-        <p:nvSpPr>
-          <p:cNvPr id="4" name="Footer Placeholder 3"/>
-          <p:cNvSpPr>
-            <a:spLocks noGrp="1"/>
-          </p:cNvSpPr>
-          <p:nvPr>
-            <p:ph type="ftr" sz="quarter" idx="11"/>
-          </p:nvPr>
-        </p:nvSpPr>
-        <p:spPr>
-          <a:xfrm>
-            <a:off x="4038600" y="6356350"/>
-            <a:ext cx="4114800" cy="365125"/>
-          </a:xfrm>
-          <a:prstGeom prst="rect">
-            <a:avLst/>
-          </a:prstGeom>
-        </p:spPr>
-        <p:txBody>
-          <a:bodyPr/>
-          <a:lstStyle/>
-          <a:p>
-            <a:endParaRPr lang="en-US" dirty="0"/>
-          </a:p>
-        </p:txBody>
-      </p:sp>
-      <p:sp>
-        <p:nvSpPr>
-          <p:cNvPr id="5" name="Slide Number Placeholder 4"/>
-          <p:cNvSpPr>
-            <a:spLocks noGrp="1"/>
-          </p:cNvSpPr>
-          <p:nvPr>
-            <p:ph type="sldNum" sz="quarter" idx="12"/>
-          </p:nvPr>
-        </p:nvSpPr>
-        <p:spPr>
-          <a:xfrm>
-            <a:off x="8610600" y="6356350"/>
-            <a:ext cx="2743200" cy="365125"/>
-          </a:xfrm>
-          <a:prstGeom prst="rect">
-            <a:avLst/>
-          </a:prstGeom>
-        </p:spPr>
-        <p:txBody>
-          <a:bodyPr/>
-          <a:lstStyle/>
-          <a:p>
-            <a:fld id="{0B973F48-4628-F846-BA33-DDE653D83577}" type="slidenum">
-              <a:rPr lang="en-US" smtClean="0"/>
-              <a:t>‹#›</a:t>
-            </a:fld>
-            <a:endParaRPr lang="en-US"/>
-          </a:p>
-        </p:txBody>
-      </p:sp>
     </p:spTree>
     <p:extLst>
       <p:ext uri="{BB962C8B-B14F-4D97-AF65-F5344CB8AC3E}">
@@ -2871,95 +2337,6 @@
           <a:chExt cx="0" cy="0"/>
         </a:xfrm>
       </p:grpSpPr>
-      <p:sp>
-        <p:nvSpPr>
-          <p:cNvPr id="2" name="Date Placeholder 1"/>
-          <p:cNvSpPr>
-            <a:spLocks noGrp="1"/>
-          </p:cNvSpPr>
-          <p:nvPr>
-            <p:ph type="dt" sz="half" idx="10"/>
-          </p:nvPr>
-        </p:nvSpPr>
-        <p:spPr>
-          <a:xfrm>
-            <a:off x="838200" y="6356350"/>
-            <a:ext cx="2743200" cy="365125"/>
-          </a:xfrm>
-          <a:prstGeom prst="rect">
-            <a:avLst/>
-          </a:prstGeom>
-        </p:spPr>
-        <p:txBody>
-          <a:bodyPr/>
-          <a:lstStyle/>
-          <a:p>
-            <a:fld id="{C764DE79-268F-4C1A-8933-263129D2AF90}" type="datetimeFigureOut">
-              <a:rPr lang="en-US" smtClean="0"/>
-              <a:t>11/10/19</a:t>
-            </a:fld>
-            <a:endParaRPr lang="en-US" dirty="0"/>
-          </a:p>
-        </p:txBody>
-      </p:sp>
-      <p:sp>
-        <p:nvSpPr>
-          <p:cNvPr id="3" name="Footer Placeholder 2"/>
-          <p:cNvSpPr>
-            <a:spLocks noGrp="1"/>
-          </p:cNvSpPr>
-          <p:nvPr>
-            <p:ph type="ftr" sz="quarter" idx="11"/>
-          </p:nvPr>
-        </p:nvSpPr>
-        <p:spPr>
-          <a:xfrm>
-            <a:off x="4038600" y="6356350"/>
-            <a:ext cx="4114800" cy="365125"/>
-          </a:xfrm>
-          <a:prstGeom prst="rect">
-            <a:avLst/>
-          </a:prstGeom>
-        </p:spPr>
-        <p:txBody>
-          <a:bodyPr/>
-          <a:lstStyle/>
-          <a:p>
-            <a:endParaRPr lang="en-US" dirty="0"/>
-          </a:p>
-        </p:txBody>
-      </p:sp>
-      <p:sp>
-        <p:nvSpPr>
-          <p:cNvPr id="4" name="Slide Number Placeholder 3"/>
-          <p:cNvSpPr>
-            <a:spLocks noGrp="1"/>
-          </p:cNvSpPr>
-          <p:nvPr>
-            <p:ph type="sldNum" sz="quarter" idx="12"/>
-          </p:nvPr>
-        </p:nvSpPr>
-        <p:spPr>
-          <a:xfrm>
-            <a:off x="8610600" y="6356350"/>
-            <a:ext cx="2743200" cy="365125"/>
-          </a:xfrm>
-          <a:prstGeom prst="rect">
-            <a:avLst/>
-          </a:prstGeom>
-        </p:spPr>
-        <p:txBody>
-          <a:bodyPr/>
-          <a:lstStyle/>
-          <a:p>
-            <a:fld id="{0B973F48-4628-F846-BA33-DDE653D83577}" type="slidenum">
-              <a:rPr lang="en-US" smtClean="0"/>
-              <a:t>‹#›</a:t>
-            </a:fld>
-            <a:endParaRPr lang="en-US"/>
-          </a:p>
-        </p:txBody>
-      </p:sp>
     </p:spTree>
     <p:extLst>
       <p:ext uri="{BB962C8B-B14F-4D97-AF65-F5344CB8AC3E}">
@@ -3169,95 +2546,6 @@
               <a:rPr lang="en-US"/>
               <a:t>Click to edit Master text styles</a:t>
             </a:r>
-          </a:p>
-        </p:txBody>
-      </p:sp>
-      <p:sp>
-        <p:nvSpPr>
-          <p:cNvPr id="5" name="Date Placeholder 4"/>
-          <p:cNvSpPr>
-            <a:spLocks noGrp="1"/>
-          </p:cNvSpPr>
-          <p:nvPr>
-            <p:ph type="dt" sz="half" idx="10"/>
-          </p:nvPr>
-        </p:nvSpPr>
-        <p:spPr>
-          <a:xfrm>
-            <a:off x="838200" y="6356350"/>
-            <a:ext cx="2743200" cy="365125"/>
-          </a:xfrm>
-          <a:prstGeom prst="rect">
-            <a:avLst/>
-          </a:prstGeom>
-        </p:spPr>
-        <p:txBody>
-          <a:bodyPr/>
-          <a:lstStyle/>
-          <a:p>
-            <a:fld id="{C764DE79-268F-4C1A-8933-263129D2AF90}" type="datetimeFigureOut">
-              <a:rPr lang="en-US" smtClean="0"/>
-              <a:t>11/10/19</a:t>
-            </a:fld>
-            <a:endParaRPr lang="en-US" dirty="0"/>
-          </a:p>
-        </p:txBody>
-      </p:sp>
-      <p:sp>
-        <p:nvSpPr>
-          <p:cNvPr id="6" name="Footer Placeholder 5"/>
-          <p:cNvSpPr>
-            <a:spLocks noGrp="1"/>
-          </p:cNvSpPr>
-          <p:nvPr>
-            <p:ph type="ftr" sz="quarter" idx="11"/>
-          </p:nvPr>
-        </p:nvSpPr>
-        <p:spPr>
-          <a:xfrm>
-            <a:off x="4038600" y="6356350"/>
-            <a:ext cx="4114800" cy="365125"/>
-          </a:xfrm>
-          <a:prstGeom prst="rect">
-            <a:avLst/>
-          </a:prstGeom>
-        </p:spPr>
-        <p:txBody>
-          <a:bodyPr/>
-          <a:lstStyle/>
-          <a:p>
-            <a:endParaRPr lang="en-US" dirty="0"/>
-          </a:p>
-        </p:txBody>
-      </p:sp>
-      <p:sp>
-        <p:nvSpPr>
-          <p:cNvPr id="7" name="Slide Number Placeholder 6"/>
-          <p:cNvSpPr>
-            <a:spLocks noGrp="1"/>
-          </p:cNvSpPr>
-          <p:nvPr>
-            <p:ph type="sldNum" sz="quarter" idx="12"/>
-          </p:nvPr>
-        </p:nvSpPr>
-        <p:spPr>
-          <a:xfrm>
-            <a:off x="8610600" y="6356350"/>
-            <a:ext cx="2743200" cy="365125"/>
-          </a:xfrm>
-          <a:prstGeom prst="rect">
-            <a:avLst/>
-          </a:prstGeom>
-        </p:spPr>
-        <p:txBody>
-          <a:bodyPr/>
-          <a:lstStyle/>
-          <a:p>
-            <a:fld id="{0B973F48-4628-F846-BA33-DDE653D83577}" type="slidenum">
-              <a:rPr lang="en-US" smtClean="0"/>
-              <a:t>‹#›</a:t>
-            </a:fld>
-            <a:endParaRPr lang="en-US"/>
           </a:p>
         </p:txBody>
       </p:sp>
@@ -3450,95 +2738,6 @@
               <a:rPr lang="en-US"/>
               <a:t>Click to edit Master text styles</a:t>
             </a:r>
-          </a:p>
-        </p:txBody>
-      </p:sp>
-      <p:sp>
-        <p:nvSpPr>
-          <p:cNvPr id="5" name="Date Placeholder 4"/>
-          <p:cNvSpPr>
-            <a:spLocks noGrp="1"/>
-          </p:cNvSpPr>
-          <p:nvPr>
-            <p:ph type="dt" sz="half" idx="10"/>
-          </p:nvPr>
-        </p:nvSpPr>
-        <p:spPr>
-          <a:xfrm>
-            <a:off x="838200" y="6356350"/>
-            <a:ext cx="2743200" cy="365125"/>
-          </a:xfrm>
-          <a:prstGeom prst="rect">
-            <a:avLst/>
-          </a:prstGeom>
-        </p:spPr>
-        <p:txBody>
-          <a:bodyPr/>
-          <a:lstStyle/>
-          <a:p>
-            <a:fld id="{C764DE79-268F-4C1A-8933-263129D2AF90}" type="datetimeFigureOut">
-              <a:rPr lang="en-US" smtClean="0"/>
-              <a:t>11/10/19</a:t>
-            </a:fld>
-            <a:endParaRPr lang="en-US" dirty="0"/>
-          </a:p>
-        </p:txBody>
-      </p:sp>
-      <p:sp>
-        <p:nvSpPr>
-          <p:cNvPr id="6" name="Footer Placeholder 5"/>
-          <p:cNvSpPr>
-            <a:spLocks noGrp="1"/>
-          </p:cNvSpPr>
-          <p:nvPr>
-            <p:ph type="ftr" sz="quarter" idx="11"/>
-          </p:nvPr>
-        </p:nvSpPr>
-        <p:spPr>
-          <a:xfrm>
-            <a:off x="4038600" y="6356350"/>
-            <a:ext cx="4114800" cy="365125"/>
-          </a:xfrm>
-          <a:prstGeom prst="rect">
-            <a:avLst/>
-          </a:prstGeom>
-        </p:spPr>
-        <p:txBody>
-          <a:bodyPr/>
-          <a:lstStyle/>
-          <a:p>
-            <a:endParaRPr lang="en-US" dirty="0"/>
-          </a:p>
-        </p:txBody>
-      </p:sp>
-      <p:sp>
-        <p:nvSpPr>
-          <p:cNvPr id="7" name="Slide Number Placeholder 6"/>
-          <p:cNvSpPr>
-            <a:spLocks noGrp="1"/>
-          </p:cNvSpPr>
-          <p:nvPr>
-            <p:ph type="sldNum" sz="quarter" idx="12"/>
-          </p:nvPr>
-        </p:nvSpPr>
-        <p:spPr>
-          <a:xfrm>
-            <a:off x="8610600" y="6356350"/>
-            <a:ext cx="2743200" cy="365125"/>
-          </a:xfrm>
-          <a:prstGeom prst="rect">
-            <a:avLst/>
-          </a:prstGeom>
-        </p:spPr>
-        <p:txBody>
-          <a:bodyPr/>
-          <a:lstStyle/>
-          <a:p>
-            <a:fld id="{0B973F48-4628-F846-BA33-DDE653D83577}" type="slidenum">
-              <a:rPr lang="en-US" smtClean="0"/>
-              <a:t>‹#›</a:t>
-            </a:fld>
-            <a:endParaRPr lang="en-US"/>
           </a:p>
         </p:txBody>
       </p:sp>
@@ -3899,14 +3098,14 @@
           </a:ln>
           <a:extLst>
             <a:ext uri="{909E8E84-426E-40dd-AFC4-6F175D3DCCD1}">
-              <a14:hiddenFill xmlns="" xmlns:a14="http://schemas.microsoft.com/office/drawing/2010/main">
+              <a14:hiddenFill xmlns:a14="http://schemas.microsoft.com/office/drawing/2010/main" xmlns="">
                 <a:solidFill>
                   <a:srgbClr val="FFFFFF"/>
                 </a:solidFill>
               </a14:hiddenFill>
             </a:ext>
             <a:ext uri="{91240B29-F687-4f45-9708-019B960494DF}">
-              <a14:hiddenLine xmlns="" xmlns:a14="http://schemas.microsoft.com/office/drawing/2010/main" w="9525">
+              <a14:hiddenLine xmlns:a14="http://schemas.microsoft.com/office/drawing/2010/main" xmlns="" w="9525">
                 <a:solidFill>
                   <a:srgbClr val="000000"/>
                 </a:solidFill>
@@ -4185,7 +3384,7 @@
               <a:defRPr/>
             </a:pPr>
             <a:r>
-              <a:rPr lang="en-US" sz="1800" b="1" dirty="0" err="1">
+              <a:rPr lang="en-US" sz="1800" b="1" dirty="0">
                 <a:cs typeface="Arial" charset="0"/>
               </a:rPr>
               <a:t>rnabio.org</a:t>
@@ -4538,14 +3737,14 @@
           </a:ln>
           <a:extLst>
             <a:ext uri="{909E8E84-426E-40dd-AFC4-6F175D3DCCD1}">
-              <a14:hiddenFill xmlns="" xmlns:a14="http://schemas.microsoft.com/office/drawing/2010/main">
+              <a14:hiddenFill xmlns:a14="http://schemas.microsoft.com/office/drawing/2010/main" xmlns="">
                 <a:solidFill>
                   <a:srgbClr val="FFFFFF"/>
                 </a:solidFill>
               </a14:hiddenFill>
             </a:ext>
             <a:ext uri="{91240B29-F687-4f45-9708-019B960494DF}">
-              <a14:hiddenLine xmlns="" xmlns:a14="http://schemas.microsoft.com/office/drawing/2010/main" w="9525">
+              <a14:hiddenLine xmlns:a14="http://schemas.microsoft.com/office/drawing/2010/main" xmlns="" w="9525">
                 <a:solidFill>
                   <a:srgbClr val="000000"/>
                 </a:solidFill>
@@ -4869,14 +4068,14 @@
             </a:ln>
             <a:extLst>
               <a:ext uri="{909E8E84-426E-40dd-AFC4-6F175D3DCCD1}">
-                <a14:hiddenFill xmlns:a14="http://schemas.microsoft.com/office/drawing/2010/main" xmlns="">
+                <a14:hiddenFill xmlns="" xmlns:a14="http://schemas.microsoft.com/office/drawing/2010/main">
                   <a:solidFill>
                     <a:srgbClr val="FFFFFF"/>
                   </a:solidFill>
                 </a14:hiddenFill>
               </a:ext>
               <a:ext uri="{91240B29-F687-4f45-9708-019B960494DF}">
-                <a14:hiddenLine xmlns:a14="http://schemas.microsoft.com/office/drawing/2010/main" xmlns="" w="9525">
+                <a14:hiddenLine xmlns="" xmlns:a14="http://schemas.microsoft.com/office/drawing/2010/main" w="9525">
                   <a:solidFill>
                     <a:srgbClr val="000000"/>
                   </a:solidFill>
@@ -5020,14 +4219,14 @@
             </a:ln>
             <a:extLst>
               <a:ext uri="{909E8E84-426E-40dd-AFC4-6F175D3DCCD1}">
-                <a14:hiddenFill xmlns:a14="http://schemas.microsoft.com/office/drawing/2010/main" xmlns="">
+                <a14:hiddenFill xmlns="" xmlns:a14="http://schemas.microsoft.com/office/drawing/2010/main">
                   <a:solidFill>
                     <a:srgbClr val="FFFFFF"/>
                   </a:solidFill>
                 </a14:hiddenFill>
               </a:ext>
               <a:ext uri="{91240B29-F687-4f45-9708-019B960494DF}">
-                <a14:hiddenLine xmlns:a14="http://schemas.microsoft.com/office/drawing/2010/main" xmlns="" w="9525">
+                <a14:hiddenLine xmlns="" xmlns:a14="http://schemas.microsoft.com/office/drawing/2010/main" w="9525">
                   <a:solidFill>
                     <a:srgbClr val="000000"/>
                   </a:solidFill>

--- a/assets/lectures/cshl/2019/mini/RNASeq_MiniLecture_01_01_FASTA_FASTQ_GTF.pptx
+++ b/assets/lectures/cshl/2019/mini/RNASeq_MiniLecture_01_01_FASTA_FASTQ_GTF.pptx
@@ -3086,8 +3086,8 @@
         </p:nvSpPr>
         <p:spPr bwMode="auto">
           <a:xfrm>
-            <a:off x="0" y="6464526"/>
-            <a:ext cx="6705600" cy="323165"/>
+            <a:off x="111760" y="6447904"/>
+            <a:ext cx="2521392" cy="369332"/>
           </a:xfrm>
           <a:prstGeom prst="rect">
             <a:avLst/>
@@ -3117,7 +3117,7 @@
           </a:extLst>
         </p:spPr>
         <p:txBody>
-          <a:bodyPr>
+          <a:bodyPr wrap="square">
             <a:spAutoFit/>
           </a:bodyPr>
           <a:lstStyle>
@@ -3233,7 +3233,7 @@
               <a:defRPr/>
             </a:pPr>
             <a:r>
-              <a:rPr lang="en-US" sz="1500" b="1" dirty="0">
+              <a:rPr lang="en-US" sz="1800" b="1" dirty="0">
                 <a:solidFill>
                   <a:schemeClr val="bg1"/>
                 </a:solidFill>
@@ -3247,10 +3247,10 @@
       </p:sp>
       <p:sp>
         <p:nvSpPr>
-          <p:cNvPr id="10" name="TextBox 9">
-            <a:extLst>
-              <a:ext uri="{FF2B5EF4-FFF2-40B4-BE49-F238E27FC236}">
-                <a16:creationId xmlns:a16="http://schemas.microsoft.com/office/drawing/2014/main" id="{91C4FED4-4435-C74A-949D-92FE2F7F9165}"/>
+          <p:cNvPr id="11" name="TextBox 10">
+            <a:extLst>
+              <a:ext uri="{FF2B5EF4-FFF2-40B4-BE49-F238E27FC236}">
+                <a16:creationId xmlns:a16="http://schemas.microsoft.com/office/drawing/2014/main" id="{E5BC81E6-F19D-9E4F-A613-5717CEE394C4}"/>
               </a:ext>
             </a:extLst>
           </p:cNvPr>
@@ -3259,7 +3259,7 @@
         </p:nvSpPr>
         <p:spPr>
           <a:xfrm>
-            <a:off x="9639300" y="6441442"/>
+            <a:off x="9721408" y="6447904"/>
             <a:ext cx="2362200" cy="369332"/>
           </a:xfrm>
           <a:prstGeom prst="rect">
@@ -3385,12 +3385,64 @@
             </a:pPr>
             <a:r>
               <a:rPr lang="en-US" sz="1800" b="1" dirty="0">
+                <a:solidFill>
+                  <a:schemeClr val="bg1"/>
+                </a:solidFill>
                 <a:cs typeface="Arial" charset="0"/>
               </a:rPr>
               <a:t>rnabio.org</a:t>
             </a:r>
             <a:endParaRPr lang="en-US" sz="1800" dirty="0">
+              <a:solidFill>
+                <a:schemeClr val="bg1"/>
+              </a:solidFill>
               <a:cs typeface="Arial" charset="0"/>
+            </a:endParaRPr>
+          </a:p>
+        </p:txBody>
+      </p:sp>
+      <p:sp>
+        <p:nvSpPr>
+          <p:cNvPr id="12" name="TextBox 11">
+            <a:extLst>
+              <a:ext uri="{FF2B5EF4-FFF2-40B4-BE49-F238E27FC236}">
+                <a16:creationId xmlns:a16="http://schemas.microsoft.com/office/drawing/2014/main" id="{B8F5D193-BF70-C04D-ACCD-2D3C430B970A}"/>
+              </a:ext>
+            </a:extLst>
+          </p:cNvPr>
+          <p:cNvSpPr txBox="1"/>
+          <p:nvPr userDrawn="1"/>
+        </p:nvSpPr>
+        <p:spPr>
+          <a:xfrm>
+            <a:off x="5867412" y="6447904"/>
+            <a:ext cx="457176" cy="369332"/>
+          </a:xfrm>
+          <a:prstGeom prst="rect">
+            <a:avLst/>
+          </a:prstGeom>
+          <a:noFill/>
+        </p:spPr>
+        <p:txBody>
+          <a:bodyPr wrap="none" rtlCol="0" anchor="ctr">
+            <a:spAutoFit/>
+          </a:bodyPr>
+          <a:lstStyle/>
+          <a:p>
+            <a:pPr algn="ctr"/>
+            <a:fld id="{0153C3B2-0654-1049-821D-A9450C27E9C9}" type="slidenum">
+              <a:rPr lang="en-US" sz="1800" smtClean="0">
+                <a:solidFill>
+                  <a:schemeClr val="bg1"/>
+                </a:solidFill>
+              </a:rPr>
+              <a:pPr algn="ctr"/>
+              <a:t>‹#›</a:t>
+            </a:fld>
+            <a:endParaRPr lang="en-US" sz="1800" dirty="0">
+              <a:solidFill>
+                <a:schemeClr val="bg1"/>
+              </a:solidFill>
             </a:endParaRPr>
           </a:p>
         </p:txBody>
